--- a/TMX_Ansible_KnowledgeSharing.pptx
+++ b/TMX_Ansible_KnowledgeSharing.pptx
@@ -5,10 +5,10 @@
     <p:sldMasterId id="2147483648" r:id="rId5"/>
   </p:sldMasterIdLst>
   <p:notesMasterIdLst>
-    <p:notesMasterId r:id="rId17"/>
+    <p:notesMasterId r:id="rId21"/>
   </p:notesMasterIdLst>
   <p:handoutMasterIdLst>
-    <p:handoutMasterId r:id="rId18"/>
+    <p:handoutMasterId r:id="rId22"/>
   </p:handoutMasterIdLst>
   <p:sldIdLst>
     <p:sldId id="256" r:id="rId6"/>
@@ -17,11 +17,15 @@
     <p:sldId id="273" r:id="rId9"/>
     <p:sldId id="274" r:id="rId10"/>
     <p:sldId id="280" r:id="rId11"/>
-    <p:sldId id="275" r:id="rId12"/>
-    <p:sldId id="276" r:id="rId13"/>
-    <p:sldId id="279" r:id="rId14"/>
-    <p:sldId id="277" r:id="rId15"/>
-    <p:sldId id="278" r:id="rId16"/>
+    <p:sldId id="281" r:id="rId12"/>
+    <p:sldId id="275" r:id="rId13"/>
+    <p:sldId id="276" r:id="rId14"/>
+    <p:sldId id="279" r:id="rId15"/>
+    <p:sldId id="282" r:id="rId16"/>
+    <p:sldId id="283" r:id="rId17"/>
+    <p:sldId id="284" r:id="rId18"/>
+    <p:sldId id="277" r:id="rId19"/>
+    <p:sldId id="278" r:id="rId20"/>
   </p:sldIdLst>
   <p:sldSz cx="9144000" cy="6858000" type="screen4x3"/>
   <p:notesSz cx="7023100" cy="9309100"/>
@@ -3355,6 +3359,10 @@
             <a:rPr lang="en-US" dirty="0" err="1" smtClean="0"/>
             <a:t>Gotchas</a:t>
           </a:r>
+          <a:r>
+            <a:rPr lang="en-US" dirty="0" smtClean="0"/>
+            <a:t> &amp; Thoughts</a:t>
+          </a:r>
           <a:endParaRPr lang="en-US" dirty="0"/>
         </a:p>
       </dgm:t>
@@ -3429,7 +3437,7 @@
           <a:pPr rtl="0"/>
           <a:r>
             <a:rPr lang="en-US" dirty="0" smtClean="0"/>
-            <a:t>Great Online Tutorial</a:t>
+            <a:t>Online Info</a:t>
           </a:r>
           <a:endParaRPr lang="en-US" dirty="0"/>
         </a:p>
@@ -4586,10 +4594,10 @@
         <a:p>
           <a:pPr rtl="0"/>
           <a:r>
-            <a:rPr lang="en-US" smtClean="0"/>
-            <a:t>Not using Roles and making non-reusable large play books.</a:t>
+            <a:rPr lang="en-US" dirty="0" smtClean="0"/>
+            <a:t>Not using Roles or Includes and making non-reusable large play books.</a:t>
           </a:r>
-          <a:endParaRPr lang="en-US"/>
+          <a:endParaRPr lang="en-US" dirty="0"/>
         </a:p>
       </dgm:t>
     </dgm:pt>
@@ -4624,10 +4632,58 @@
         <a:p>
           <a:pPr rtl="0"/>
           <a:r>
-            <a:rPr lang="en-US" smtClean="0"/>
-            <a:t>No Higher level platform abstraction. Ubuntu VS Redhat etc…</a:t>
+            <a:rPr lang="en-US" dirty="0" smtClean="0"/>
+            <a:t>No Higher level platform abstraction. Ubuntu VS </a:t>
           </a:r>
-          <a:endParaRPr lang="en-US"/>
+          <a:r>
+            <a:rPr lang="en-US" dirty="0" err="1" smtClean="0"/>
+            <a:t>Redhat</a:t>
+          </a:r>
+          <a:r>
+            <a:rPr lang="en-US" dirty="0" smtClean="0"/>
+            <a:t> </a:t>
+          </a:r>
+          <a:r>
+            <a:rPr lang="en-US" dirty="0" err="1" smtClean="0"/>
+            <a:t>etc</a:t>
+          </a:r>
+          <a:r>
+            <a:rPr lang="en-US" dirty="0" smtClean="0"/>
+            <a:t>… Or monitoring </a:t>
+          </a:r>
+          <a:r>
+            <a:rPr lang="en-US" dirty="0" err="1" smtClean="0"/>
+            <a:t>ansible</a:t>
+          </a:r>
+          <a:r>
+            <a:rPr lang="en-US" dirty="0" smtClean="0"/>
+            <a:t> tasks, failures </a:t>
+          </a:r>
+          <a:r>
+            <a:rPr lang="en-US" dirty="0" err="1" smtClean="0"/>
+            <a:t>etc</a:t>
+          </a:r>
+          <a:r>
+            <a:rPr lang="en-US" dirty="0" smtClean="0"/>
+            <a:t>… expect with other tools tower, </a:t>
+          </a:r>
+          <a:r>
+            <a:rPr lang="en-US" dirty="0" err="1" smtClean="0"/>
+            <a:t>datadog</a:t>
+          </a:r>
+          <a:r>
+            <a:rPr lang="en-US" dirty="0" smtClean="0"/>
+            <a:t> </a:t>
+          </a:r>
+          <a:r>
+            <a:rPr lang="en-US" dirty="0" err="1" smtClean="0"/>
+            <a:t>etc</a:t>
+          </a:r>
+          <a:r>
+            <a:rPr lang="en-US" dirty="0" smtClean="0"/>
+            <a:t>…</a:t>
+          </a:r>
+          <a:endParaRPr lang="en-US" dirty="0"/>
         </a:p>
       </dgm:t>
     </dgm:pt>
@@ -4662,10 +4718,14 @@
         <a:p>
           <a:pPr rtl="0"/>
           <a:r>
-            <a:rPr lang="en-US" smtClean="0"/>
-            <a:t>Ansible is easy to get up and running BUT creating shared reusable roles is not easy and can become messy if a process is not established.</a:t>
+            <a:rPr lang="en-US" dirty="0" err="1" smtClean="0"/>
+            <a:t>Ansible</a:t>
           </a:r>
-          <a:endParaRPr lang="en-US"/>
+          <a:r>
+            <a:rPr lang="en-US" dirty="0" smtClean="0"/>
+            <a:t> is easy to get up and running BUT creating shared reusable roles is not easy and can become messy if a process is not established. For complex tasks you will need conditional logic, variables, modules, functions etc..</a:t>
+          </a:r>
+          <a:endParaRPr lang="en-US" dirty="0"/>
         </a:p>
       </dgm:t>
     </dgm:pt>
@@ -4701,11 +4761,7 @@
           <a:pPr rtl="0"/>
           <a:r>
             <a:rPr lang="en-US" dirty="0" smtClean="0"/>
-            <a:t>Not Using Version Control, </a:t>
-          </a:r>
-          <a:r>
-            <a:rPr lang="en-US" dirty="0" smtClean="0"/>
-            <a:t>Roles, TAGS and not using vault for password management and uploading sensitive information to repositories.</a:t>
+            <a:t>Not Using Version Control, Roles, TAGS and not using vault for password management and uploading sensitive information to repositories.</a:t>
           </a:r>
           <a:endParaRPr lang="en-US" dirty="0"/>
         </a:p>
@@ -4759,7 +4815,7 @@
           </a:r>
           <a:r>
             <a:rPr lang="en-US" dirty="0" smtClean="0"/>
-            <a:t> and making them non-idempotent (run many times and nothing will change)</a:t>
+            <a:t> and making them non-idempotent (run many times and nothing will change)	</a:t>
           </a:r>
           <a:endParaRPr lang="en-US" dirty="0"/>
         </a:p>
@@ -4787,6 +4843,43 @@
         </a:p>
       </dgm:t>
     </dgm:pt>
+    <dgm:pt modelId="{1C1CB450-D19E-4B2F-AE8D-A9FCD2068305}">
+      <dgm:prSet/>
+      <dgm:spPr/>
+      <dgm:t>
+        <a:bodyPr/>
+        <a:lstStyle/>
+        <a:p>
+          <a:r>
+            <a:rPr lang="en-US" dirty="0" smtClean="0"/>
+            <a:t>Rollback &amp; Push method but….</a:t>
+          </a:r>
+          <a:endParaRPr lang="en-US" dirty="0"/>
+        </a:p>
+      </dgm:t>
+    </dgm:pt>
+    <dgm:pt modelId="{2696B1A1-FDC5-4EE3-83EC-FC0D515578E1}" type="parTrans" cxnId="{37B75E87-9BFD-40F0-B8EB-2A4BCA489AF6}">
+      <dgm:prSet/>
+      <dgm:spPr/>
+      <dgm:t>
+        <a:bodyPr/>
+        <a:lstStyle/>
+        <a:p>
+          <a:endParaRPr lang="en-US"/>
+        </a:p>
+      </dgm:t>
+    </dgm:pt>
+    <dgm:pt modelId="{4799C602-1640-48CD-B740-C04245F4436B}" type="sibTrans" cxnId="{37B75E87-9BFD-40F0-B8EB-2A4BCA489AF6}">
+      <dgm:prSet/>
+      <dgm:spPr/>
+      <dgm:t>
+        <a:bodyPr/>
+        <a:lstStyle/>
+        <a:p>
+          <a:endParaRPr lang="en-US"/>
+        </a:p>
+      </dgm:t>
+    </dgm:pt>
     <dgm:pt modelId="{3F7A445D-6A78-403E-963D-03031C85F499}" type="pres">
       <dgm:prSet presAssocID="{F8B9BA23-61B9-469D-8157-4BCE5032F1E0}" presName="linear" presStyleCnt="0">
         <dgm:presLayoutVars>
@@ -4804,7 +4897,7 @@
       </dgm:t>
     </dgm:pt>
     <dgm:pt modelId="{08B52612-6559-4FD2-AF79-9C63D2FCE849}" type="pres">
-      <dgm:prSet presAssocID="{807E07B1-9F38-4334-A0B8-1998572C4D14}" presName="parentText" presStyleLbl="node1" presStyleIdx="0" presStyleCnt="5">
+      <dgm:prSet presAssocID="{807E07B1-9F38-4334-A0B8-1998572C4D14}" presName="parentText" presStyleLbl="node1" presStyleIdx="0" presStyleCnt="6">
         <dgm:presLayoutVars>
           <dgm:chMax val="0"/>
           <dgm:bulletEnabled val="1"/>
@@ -4824,7 +4917,7 @@
       <dgm:spPr/>
     </dgm:pt>
     <dgm:pt modelId="{FD993081-0AE2-4D58-9A69-91F061FF0257}" type="pres">
-      <dgm:prSet presAssocID="{AD9F461A-5E4F-4BF0-BE6B-B60FE46E04FF}" presName="parentText" presStyleLbl="node1" presStyleIdx="1" presStyleCnt="5">
+      <dgm:prSet presAssocID="{AD9F461A-5E4F-4BF0-BE6B-B60FE46E04FF}" presName="parentText" presStyleLbl="node1" presStyleIdx="1" presStyleCnt="6">
         <dgm:presLayoutVars>
           <dgm:chMax val="0"/>
           <dgm:bulletEnabled val="1"/>
@@ -4844,7 +4937,7 @@
       <dgm:spPr/>
     </dgm:pt>
     <dgm:pt modelId="{6DC3C637-03BE-496F-81F5-C65F92D2FB94}" type="pres">
-      <dgm:prSet presAssocID="{CBC1B933-B72C-44D7-A75D-168BABC8A9E7}" presName="parentText" presStyleLbl="node1" presStyleIdx="2" presStyleCnt="5">
+      <dgm:prSet presAssocID="{CBC1B933-B72C-44D7-A75D-168BABC8A9E7}" presName="parentText" presStyleLbl="node1" presStyleIdx="2" presStyleCnt="6">
         <dgm:presLayoutVars>
           <dgm:chMax val="0"/>
           <dgm:bulletEnabled val="1"/>
@@ -4864,7 +4957,7 @@
       <dgm:spPr/>
     </dgm:pt>
     <dgm:pt modelId="{C41982EE-5F37-48F3-8714-43DAAFC4CC10}" type="pres">
-      <dgm:prSet presAssocID="{509E1151-3FC0-4EA1-AE8F-E73FAE802815}" presName="parentText" presStyleLbl="node1" presStyleIdx="3" presStyleCnt="5">
+      <dgm:prSet presAssocID="{509E1151-3FC0-4EA1-AE8F-E73FAE802815}" presName="parentText" presStyleLbl="node1" presStyleIdx="3" presStyleCnt="6">
         <dgm:presLayoutVars>
           <dgm:chMax val="0"/>
           <dgm:bulletEnabled val="1"/>
@@ -4884,7 +4977,27 @@
       <dgm:spPr/>
     </dgm:pt>
     <dgm:pt modelId="{78456A97-D2E4-40BA-950E-1AA2CD2D1324}" type="pres">
-      <dgm:prSet presAssocID="{08DEE997-A824-4492-BA5D-7372850875CF}" presName="parentText" presStyleLbl="node1" presStyleIdx="4" presStyleCnt="5">
+      <dgm:prSet presAssocID="{08DEE997-A824-4492-BA5D-7372850875CF}" presName="parentText" presStyleLbl="node1" presStyleIdx="4" presStyleCnt="6">
+        <dgm:presLayoutVars>
+          <dgm:chMax val="0"/>
+          <dgm:bulletEnabled val="1"/>
+        </dgm:presLayoutVars>
+      </dgm:prSet>
+      <dgm:spPr/>
+      <dgm:t>
+        <a:bodyPr/>
+        <a:lstStyle/>
+        <a:p>
+          <a:endParaRPr lang="en-US"/>
+        </a:p>
+      </dgm:t>
+    </dgm:pt>
+    <dgm:pt modelId="{810581C0-802C-463A-92D6-3C116B5CD9E0}" type="pres">
+      <dgm:prSet presAssocID="{3F30D3FC-7200-4283-9C36-409E38E9CC7D}" presName="spacer" presStyleCnt="0"/>
+      <dgm:spPr/>
+    </dgm:pt>
+    <dgm:pt modelId="{8F024302-9531-499C-8EFD-686CC4FD2E85}" type="pres">
+      <dgm:prSet presAssocID="{1C1CB450-D19E-4B2F-AE8D-A9FCD2068305}" presName="parentText" presStyleLbl="node1" presStyleIdx="5" presStyleCnt="6">
         <dgm:presLayoutVars>
           <dgm:chMax val="0"/>
           <dgm:bulletEnabled val="1"/>
@@ -4902,6 +5015,7 @@
   </dgm:ptLst>
   <dgm:cxnLst>
     <dgm:cxn modelId="{8754FBC4-05F5-4AB9-8941-0AF9F2534962}" type="presOf" srcId="{AD9F461A-5E4F-4BF0-BE6B-B60FE46E04FF}" destId="{FD993081-0AE2-4D58-9A69-91F061FF0257}" srcOrd="0" destOrd="0" presId="urn:microsoft.com/office/officeart/2005/8/layout/vList2"/>
+    <dgm:cxn modelId="{37B75E87-9BFD-40F0-B8EB-2A4BCA489AF6}" srcId="{F8B9BA23-61B9-469D-8157-4BCE5032F1E0}" destId="{1C1CB450-D19E-4B2F-AE8D-A9FCD2068305}" srcOrd="5" destOrd="0" parTransId="{2696B1A1-FDC5-4EE3-83EC-FC0D515578E1}" sibTransId="{4799C602-1640-48CD-B740-C04245F4436B}"/>
     <dgm:cxn modelId="{18F0981B-A823-4DD7-9991-1D2520C05A69}" srcId="{F8B9BA23-61B9-469D-8157-4BCE5032F1E0}" destId="{509E1151-3FC0-4EA1-AE8F-E73FAE802815}" srcOrd="3" destOrd="0" parTransId="{141B755F-8D94-4933-A150-A633078C76D9}" sibTransId="{EDAFCA59-BEFA-45F8-9415-28FB0E545A9C}"/>
     <dgm:cxn modelId="{9A4E34E1-8018-4FBB-ABC5-1092A1AE566C}" srcId="{F8B9BA23-61B9-469D-8157-4BCE5032F1E0}" destId="{CBC1B933-B72C-44D7-A75D-168BABC8A9E7}" srcOrd="2" destOrd="0" parTransId="{8832D5EE-11CA-425E-80BC-3EBEB70F45BC}" sibTransId="{6766833D-5010-4CC8-A386-21E8900225AD}"/>
     <dgm:cxn modelId="{6157A6CA-BDBA-4D51-B729-80C363526897}" type="presOf" srcId="{807E07B1-9F38-4334-A0B8-1998572C4D14}" destId="{08B52612-6559-4FD2-AF79-9C63D2FCE849}" srcOrd="0" destOrd="0" presId="urn:microsoft.com/office/officeart/2005/8/layout/vList2"/>
@@ -4909,6 +5023,7 @@
     <dgm:cxn modelId="{9F978202-5EB6-463A-8512-C8C21549DBCE}" type="presOf" srcId="{F8B9BA23-61B9-469D-8157-4BCE5032F1E0}" destId="{3F7A445D-6A78-403E-963D-03031C85F499}" srcOrd="0" destOrd="0" presId="urn:microsoft.com/office/officeart/2005/8/layout/vList2"/>
     <dgm:cxn modelId="{866CA7C6-6F5A-46DF-ABA9-B76E64F83AE4}" type="presOf" srcId="{08DEE997-A824-4492-BA5D-7372850875CF}" destId="{78456A97-D2E4-40BA-950E-1AA2CD2D1324}" srcOrd="0" destOrd="0" presId="urn:microsoft.com/office/officeart/2005/8/layout/vList2"/>
     <dgm:cxn modelId="{8441B6AE-509C-4563-A562-AB5C85F969BB}" type="presOf" srcId="{509E1151-3FC0-4EA1-AE8F-E73FAE802815}" destId="{C41982EE-5F37-48F3-8714-43DAAFC4CC10}" srcOrd="0" destOrd="0" presId="urn:microsoft.com/office/officeart/2005/8/layout/vList2"/>
+    <dgm:cxn modelId="{271CDEE6-34A6-4602-8573-C4F1A1632592}" type="presOf" srcId="{1C1CB450-D19E-4B2F-AE8D-A9FCD2068305}" destId="{8F024302-9531-499C-8EFD-686CC4FD2E85}" srcOrd="0" destOrd="0" presId="urn:microsoft.com/office/officeart/2005/8/layout/vList2"/>
     <dgm:cxn modelId="{666F7D80-E29E-491A-9CDE-F5387EC3FC37}" srcId="{F8B9BA23-61B9-469D-8157-4BCE5032F1E0}" destId="{807E07B1-9F38-4334-A0B8-1998572C4D14}" srcOrd="0" destOrd="0" parTransId="{AA3FF3F6-E1EB-4AE9-9018-CCF214F61DD6}" sibTransId="{CA7D8F13-A6D1-4D30-83BA-7D06B1ABCFD3}"/>
     <dgm:cxn modelId="{07277D00-6D8F-4BBE-9CDE-AD930C379B5F}" srcId="{F8B9BA23-61B9-469D-8157-4BCE5032F1E0}" destId="{AD9F461A-5E4F-4BF0-BE6B-B60FE46E04FF}" srcOrd="1" destOrd="0" parTransId="{E9C74A3F-F972-49AD-96F7-4AD65EC0AF49}" sibTransId="{81A36AA3-007C-4D24-948E-2CEE83ADA02F}"/>
     <dgm:cxn modelId="{15B78308-0B51-4895-85F2-86D6CEFC353F}" srcId="{F8B9BA23-61B9-469D-8157-4BCE5032F1E0}" destId="{08DEE997-A824-4492-BA5D-7372850875CF}" srcOrd="4" destOrd="0" parTransId="{CB7FFFE4-82DC-41D2-B18F-748779B7B9A9}" sibTransId="{3F30D3FC-7200-4283-9C36-409E38E9CC7D}"/>
@@ -4921,6 +5036,8 @@
     <dgm:cxn modelId="{4F8243EF-DD1F-4765-9BFC-33ADDE3097F3}" type="presParOf" srcId="{3F7A445D-6A78-403E-963D-03031C85F499}" destId="{C41982EE-5F37-48F3-8714-43DAAFC4CC10}" srcOrd="6" destOrd="0" presId="urn:microsoft.com/office/officeart/2005/8/layout/vList2"/>
     <dgm:cxn modelId="{21E06379-DBEF-4900-B88C-123DAD03A4B3}" type="presParOf" srcId="{3F7A445D-6A78-403E-963D-03031C85F499}" destId="{D339A7BB-7ECB-4E03-8961-C28AFC17F8D3}" srcOrd="7" destOrd="0" presId="urn:microsoft.com/office/officeart/2005/8/layout/vList2"/>
     <dgm:cxn modelId="{98466AB8-4BAD-40DB-8C6B-41D6714AE63A}" type="presParOf" srcId="{3F7A445D-6A78-403E-963D-03031C85F499}" destId="{78456A97-D2E4-40BA-950E-1AA2CD2D1324}" srcOrd="8" destOrd="0" presId="urn:microsoft.com/office/officeart/2005/8/layout/vList2"/>
+    <dgm:cxn modelId="{664E4886-99FE-4A91-A9B9-AA16F2063437}" type="presParOf" srcId="{3F7A445D-6A78-403E-963D-03031C85F499}" destId="{810581C0-802C-463A-92D6-3C116B5CD9E0}" srcOrd="9" destOrd="0" presId="urn:microsoft.com/office/officeart/2005/8/layout/vList2"/>
+    <dgm:cxn modelId="{9F197FB9-8D5E-4CC7-ADF2-A7DC4272D8AD}" type="presParOf" srcId="{3F7A445D-6A78-403E-963D-03031C85F499}" destId="{8F024302-9531-499C-8EFD-686CC4FD2E85}" srcOrd="10" destOrd="0" presId="urn:microsoft.com/office/officeart/2005/8/layout/vList2"/>
   </dgm:cxnLst>
   <dgm:bg/>
   <dgm:whole/>
@@ -5531,6 +5648,10 @@
             <a:rPr lang="en-US" sz="1800" kern="1200" dirty="0" err="1" smtClean="0"/>
             <a:t>Gotchas</a:t>
           </a:r>
+          <a:r>
+            <a:rPr lang="en-US" sz="1800" kern="1200" dirty="0" smtClean="0"/>
+            <a:t> &amp; Thoughts</a:t>
+          </a:r>
           <a:endParaRPr lang="en-US" sz="1800" kern="1200" dirty="0"/>
         </a:p>
       </dsp:txBody>
@@ -5747,7 +5868,7 @@
           </a:pPr>
           <a:r>
             <a:rPr lang="en-US" sz="1800" kern="1200" dirty="0" smtClean="0"/>
-            <a:t>Great Online Tutorial</a:t>
+            <a:t>Online Info</a:t>
           </a:r>
           <a:endParaRPr lang="en-US" sz="1800" kern="1200" dirty="0"/>
         </a:p>
@@ -7420,8 +7541,8 @@
       </dsp:nvSpPr>
       <dsp:spPr>
         <a:xfrm>
-          <a:off x="0" y="157706"/>
-          <a:ext cx="8110537" cy="834228"/>
+          <a:off x="0" y="24999"/>
+          <a:ext cx="8110537" cy="782089"/>
         </a:xfrm>
         <a:prstGeom prst="roundRect">
           <a:avLst/>
@@ -7494,12 +7615,12 @@
         </a:fontRef>
       </dsp:style>
       <dsp:txBody>
-        <a:bodyPr spcFirstLastPara="0" vert="horz" wrap="square" lIns="80010" tIns="80010" rIns="80010" bIns="80010" numCol="1" spcCol="1270" anchor="ctr" anchorCtr="0">
+        <a:bodyPr spcFirstLastPara="0" vert="horz" wrap="square" lIns="53340" tIns="53340" rIns="53340" bIns="53340" numCol="1" spcCol="1270" anchor="ctr" anchorCtr="0">
           <a:noAutofit/>
         </a:bodyPr>
         <a:lstStyle/>
         <a:p>
-          <a:pPr lvl="0" algn="l" defTabSz="933450" rtl="0">
+          <a:pPr lvl="0" algn="l" defTabSz="622300" rtl="0">
             <a:lnSpc>
               <a:spcPct val="90000"/>
             </a:lnSpc>
@@ -7511,15 +7632,15 @@
             </a:spcAft>
           </a:pPr>
           <a:r>
-            <a:rPr lang="en-US" sz="2100" kern="1200" smtClean="0"/>
-            <a:t>Not using Roles and making non-reusable large play books.</a:t>
+            <a:rPr lang="en-US" sz="1400" kern="1200" dirty="0" smtClean="0"/>
+            <a:t>Not using Roles or Includes and making non-reusable large play books.</a:t>
           </a:r>
-          <a:endParaRPr lang="en-US" sz="2100" kern="1200"/>
+          <a:endParaRPr lang="en-US" sz="1400" kern="1200" dirty="0"/>
         </a:p>
       </dsp:txBody>
       <dsp:txXfrm>
-        <a:off x="40724" y="198430"/>
-        <a:ext cx="8029089" cy="752780"/>
+        <a:off x="38178" y="63177"/>
+        <a:ext cx="8034181" cy="705733"/>
       </dsp:txXfrm>
     </dsp:sp>
     <dsp:sp modelId="{FD993081-0AE2-4D58-9A69-91F061FF0257}">
@@ -7529,8 +7650,8 @@
       </dsp:nvSpPr>
       <dsp:spPr>
         <a:xfrm>
-          <a:off x="0" y="1052414"/>
-          <a:ext cx="8110537" cy="834228"/>
+          <a:off x="0" y="847408"/>
+          <a:ext cx="8110537" cy="782089"/>
         </a:xfrm>
         <a:prstGeom prst="roundRect">
           <a:avLst/>
@@ -7603,12 +7724,12 @@
         </a:fontRef>
       </dsp:style>
       <dsp:txBody>
-        <a:bodyPr spcFirstLastPara="0" vert="horz" wrap="square" lIns="80010" tIns="80010" rIns="80010" bIns="80010" numCol="1" spcCol="1270" anchor="ctr" anchorCtr="0">
+        <a:bodyPr spcFirstLastPara="0" vert="horz" wrap="square" lIns="53340" tIns="53340" rIns="53340" bIns="53340" numCol="1" spcCol="1270" anchor="ctr" anchorCtr="0">
           <a:noAutofit/>
         </a:bodyPr>
         <a:lstStyle/>
         <a:p>
-          <a:pPr lvl="0" algn="l" defTabSz="933450" rtl="0">
+          <a:pPr lvl="0" algn="l" defTabSz="622300" rtl="0">
             <a:lnSpc>
               <a:spcPct val="90000"/>
             </a:lnSpc>
@@ -7620,15 +7741,63 @@
             </a:spcAft>
           </a:pPr>
           <a:r>
-            <a:rPr lang="en-US" sz="2100" kern="1200" smtClean="0"/>
-            <a:t>No Higher level platform abstraction. Ubuntu VS Redhat etc…</a:t>
+            <a:rPr lang="en-US" sz="1400" kern="1200" dirty="0" smtClean="0"/>
+            <a:t>No Higher level platform abstraction. Ubuntu VS </a:t>
           </a:r>
-          <a:endParaRPr lang="en-US" sz="2100" kern="1200"/>
+          <a:r>
+            <a:rPr lang="en-US" sz="1400" kern="1200" dirty="0" err="1" smtClean="0"/>
+            <a:t>Redhat</a:t>
+          </a:r>
+          <a:r>
+            <a:rPr lang="en-US" sz="1400" kern="1200" dirty="0" smtClean="0"/>
+            <a:t> </a:t>
+          </a:r>
+          <a:r>
+            <a:rPr lang="en-US" sz="1400" kern="1200" dirty="0" err="1" smtClean="0"/>
+            <a:t>etc</a:t>
+          </a:r>
+          <a:r>
+            <a:rPr lang="en-US" sz="1400" kern="1200" dirty="0" smtClean="0"/>
+            <a:t>… Or monitoring </a:t>
+          </a:r>
+          <a:r>
+            <a:rPr lang="en-US" sz="1400" kern="1200" dirty="0" err="1" smtClean="0"/>
+            <a:t>ansible</a:t>
+          </a:r>
+          <a:r>
+            <a:rPr lang="en-US" sz="1400" kern="1200" dirty="0" smtClean="0"/>
+            <a:t> tasks, failures </a:t>
+          </a:r>
+          <a:r>
+            <a:rPr lang="en-US" sz="1400" kern="1200" dirty="0" err="1" smtClean="0"/>
+            <a:t>etc</a:t>
+          </a:r>
+          <a:r>
+            <a:rPr lang="en-US" sz="1400" kern="1200" dirty="0" smtClean="0"/>
+            <a:t>… expect with other tools tower, </a:t>
+          </a:r>
+          <a:r>
+            <a:rPr lang="en-US" sz="1400" kern="1200" dirty="0" err="1" smtClean="0"/>
+            <a:t>datadog</a:t>
+          </a:r>
+          <a:r>
+            <a:rPr lang="en-US" sz="1400" kern="1200" dirty="0" smtClean="0"/>
+            <a:t> </a:t>
+          </a:r>
+          <a:r>
+            <a:rPr lang="en-US" sz="1400" kern="1200" dirty="0" err="1" smtClean="0"/>
+            <a:t>etc</a:t>
+          </a:r>
+          <a:r>
+            <a:rPr lang="en-US" sz="1400" kern="1200" dirty="0" smtClean="0"/>
+            <a:t>…</a:t>
+          </a:r>
+          <a:endParaRPr lang="en-US" sz="1400" kern="1200" dirty="0"/>
         </a:p>
       </dsp:txBody>
       <dsp:txXfrm>
-        <a:off x="40724" y="1093138"/>
-        <a:ext cx="8029089" cy="752780"/>
+        <a:off x="38178" y="885586"/>
+        <a:ext cx="8034181" cy="705733"/>
       </dsp:txXfrm>
     </dsp:sp>
     <dsp:sp modelId="{6DC3C637-03BE-496F-81F5-C65F92D2FB94}">
@@ -7638,8 +7807,8 @@
       </dsp:nvSpPr>
       <dsp:spPr>
         <a:xfrm>
-          <a:off x="0" y="1947122"/>
-          <a:ext cx="8110537" cy="834228"/>
+          <a:off x="0" y="1669817"/>
+          <a:ext cx="8110537" cy="782089"/>
         </a:xfrm>
         <a:prstGeom prst="roundRect">
           <a:avLst/>
@@ -7712,12 +7881,12 @@
         </a:fontRef>
       </dsp:style>
       <dsp:txBody>
-        <a:bodyPr spcFirstLastPara="0" vert="horz" wrap="square" lIns="80010" tIns="80010" rIns="80010" bIns="80010" numCol="1" spcCol="1270" anchor="ctr" anchorCtr="0">
+        <a:bodyPr spcFirstLastPara="0" vert="horz" wrap="square" lIns="53340" tIns="53340" rIns="53340" bIns="53340" numCol="1" spcCol="1270" anchor="ctr" anchorCtr="0">
           <a:noAutofit/>
         </a:bodyPr>
         <a:lstStyle/>
         <a:p>
-          <a:pPr lvl="0" algn="l" defTabSz="933450" rtl="0">
+          <a:pPr lvl="0" algn="l" defTabSz="622300" rtl="0">
             <a:lnSpc>
               <a:spcPct val="90000"/>
             </a:lnSpc>
@@ -7729,15 +7898,19 @@
             </a:spcAft>
           </a:pPr>
           <a:r>
-            <a:rPr lang="en-US" sz="2100" kern="1200" smtClean="0"/>
-            <a:t>Ansible is easy to get up and running BUT creating shared reusable roles is not easy and can become messy if a process is not established.</a:t>
+            <a:rPr lang="en-US" sz="1400" kern="1200" dirty="0" err="1" smtClean="0"/>
+            <a:t>Ansible</a:t>
           </a:r>
-          <a:endParaRPr lang="en-US" sz="2100" kern="1200"/>
+          <a:r>
+            <a:rPr lang="en-US" sz="1400" kern="1200" dirty="0" smtClean="0"/>
+            <a:t> is easy to get up and running BUT creating shared reusable roles is not easy and can become messy if a process is not established. For complex tasks you will need conditional logic, variables, modules, functions etc..</a:t>
+          </a:r>
+          <a:endParaRPr lang="en-US" sz="1400" kern="1200" dirty="0"/>
         </a:p>
       </dsp:txBody>
       <dsp:txXfrm>
-        <a:off x="40724" y="1987846"/>
-        <a:ext cx="8029089" cy="752780"/>
+        <a:off x="38178" y="1707995"/>
+        <a:ext cx="8034181" cy="705733"/>
       </dsp:txXfrm>
     </dsp:sp>
     <dsp:sp modelId="{C41982EE-5F37-48F3-8714-43DAAFC4CC10}">
@@ -7747,8 +7920,8 @@
       </dsp:nvSpPr>
       <dsp:spPr>
         <a:xfrm>
-          <a:off x="0" y="2841831"/>
-          <a:ext cx="8110537" cy="834228"/>
+          <a:off x="0" y="2492227"/>
+          <a:ext cx="8110537" cy="782089"/>
         </a:xfrm>
         <a:prstGeom prst="roundRect">
           <a:avLst/>
@@ -7821,12 +7994,12 @@
         </a:fontRef>
       </dsp:style>
       <dsp:txBody>
-        <a:bodyPr spcFirstLastPara="0" vert="horz" wrap="square" lIns="80010" tIns="80010" rIns="80010" bIns="80010" numCol="1" spcCol="1270" anchor="ctr" anchorCtr="0">
+        <a:bodyPr spcFirstLastPara="0" vert="horz" wrap="square" lIns="53340" tIns="53340" rIns="53340" bIns="53340" numCol="1" spcCol="1270" anchor="ctr" anchorCtr="0">
           <a:noAutofit/>
         </a:bodyPr>
         <a:lstStyle/>
         <a:p>
-          <a:pPr lvl="0" algn="l" defTabSz="933450" rtl="0">
+          <a:pPr lvl="0" algn="l" defTabSz="622300" rtl="0">
             <a:lnSpc>
               <a:spcPct val="90000"/>
             </a:lnSpc>
@@ -7838,19 +8011,15 @@
             </a:spcAft>
           </a:pPr>
           <a:r>
-            <a:rPr lang="en-US" sz="2100" kern="1200" dirty="0" smtClean="0"/>
-            <a:t>Not Using Version Control, </a:t>
+            <a:rPr lang="en-US" sz="1400" kern="1200" dirty="0" smtClean="0"/>
+            <a:t>Not Using Version Control, Roles, TAGS and not using vault for password management and uploading sensitive information to repositories.</a:t>
           </a:r>
-          <a:r>
-            <a:rPr lang="en-US" sz="2100" kern="1200" dirty="0" smtClean="0"/>
-            <a:t>Roles, TAGS and not using vault for password management and uploading sensitive information to repositories.</a:t>
-          </a:r>
-          <a:endParaRPr lang="en-US" sz="2100" kern="1200" dirty="0"/>
+          <a:endParaRPr lang="en-US" sz="1400" kern="1200" dirty="0"/>
         </a:p>
       </dsp:txBody>
       <dsp:txXfrm>
-        <a:off x="40724" y="2882555"/>
-        <a:ext cx="8029089" cy="752780"/>
+        <a:off x="38178" y="2530405"/>
+        <a:ext cx="8034181" cy="705733"/>
       </dsp:txXfrm>
     </dsp:sp>
     <dsp:sp modelId="{78456A97-D2E4-40BA-950E-1AA2CD2D1324}">
@@ -7860,8 +8029,8 @@
       </dsp:nvSpPr>
       <dsp:spPr>
         <a:xfrm>
-          <a:off x="0" y="3736539"/>
-          <a:ext cx="8110537" cy="834228"/>
+          <a:off x="0" y="3314636"/>
+          <a:ext cx="8110537" cy="782089"/>
         </a:xfrm>
         <a:prstGeom prst="roundRect">
           <a:avLst/>
@@ -7934,12 +8103,12 @@
         </a:fontRef>
       </dsp:style>
       <dsp:txBody>
-        <a:bodyPr spcFirstLastPara="0" vert="horz" wrap="square" lIns="80010" tIns="80010" rIns="80010" bIns="80010" numCol="1" spcCol="1270" anchor="ctr" anchorCtr="0">
+        <a:bodyPr spcFirstLastPara="0" vert="horz" wrap="square" lIns="53340" tIns="53340" rIns="53340" bIns="53340" numCol="1" spcCol="1270" anchor="ctr" anchorCtr="0">
           <a:noAutofit/>
         </a:bodyPr>
         <a:lstStyle/>
         <a:p>
-          <a:pPr lvl="0" algn="l" defTabSz="933450" rtl="0">
+          <a:pPr lvl="0" algn="l" defTabSz="622300" rtl="0">
             <a:lnSpc>
               <a:spcPct val="90000"/>
             </a:lnSpc>
@@ -7951,31 +8120,140 @@
             </a:spcAft>
           </a:pPr>
           <a:r>
-            <a:rPr lang="en-US" sz="2100" kern="1200" dirty="0" smtClean="0"/>
+            <a:rPr lang="en-US" sz="1400" kern="1200" dirty="0" smtClean="0"/>
             <a:t>Resorting to calling </a:t>
           </a:r>
           <a:r>
-            <a:rPr lang="en-US" sz="2100" kern="1200" dirty="0" err="1" smtClean="0"/>
+            <a:rPr lang="en-US" sz="1400" kern="1200" dirty="0" err="1" smtClean="0"/>
             <a:t>Ansible</a:t>
           </a:r>
           <a:r>
-            <a:rPr lang="en-US" sz="2100" kern="1200" dirty="0" smtClean="0"/>
+            <a:rPr lang="en-US" sz="1400" kern="1200" dirty="0" smtClean="0"/>
             <a:t> Scripts/Commands from </a:t>
           </a:r>
           <a:r>
-            <a:rPr lang="en-US" sz="2100" kern="1200" dirty="0" err="1" smtClean="0"/>
+            <a:rPr lang="en-US" sz="1400" kern="1200" dirty="0" err="1" smtClean="0"/>
             <a:t>Ansible</a:t>
           </a:r>
           <a:r>
-            <a:rPr lang="en-US" sz="2100" kern="1200" dirty="0" smtClean="0"/>
-            <a:t> and making them non-idempotent (run many times and nothing will change)</a:t>
+            <a:rPr lang="en-US" sz="1400" kern="1200" dirty="0" smtClean="0"/>
+            <a:t> and making them non-idempotent (run many times and nothing will change)	</a:t>
           </a:r>
-          <a:endParaRPr lang="en-US" sz="2100" kern="1200" dirty="0"/>
+          <a:endParaRPr lang="en-US" sz="1400" kern="1200" dirty="0"/>
         </a:p>
       </dsp:txBody>
       <dsp:txXfrm>
-        <a:off x="40724" y="3777263"/>
-        <a:ext cx="8029089" cy="752780"/>
+        <a:off x="38178" y="3352814"/>
+        <a:ext cx="8034181" cy="705733"/>
+      </dsp:txXfrm>
+    </dsp:sp>
+    <dsp:sp modelId="{8F024302-9531-499C-8EFD-686CC4FD2E85}">
+      <dsp:nvSpPr>
+        <dsp:cNvPr id="0" name=""/>
+        <dsp:cNvSpPr/>
+      </dsp:nvSpPr>
+      <dsp:spPr>
+        <a:xfrm>
+          <a:off x="0" y="4137045"/>
+          <a:ext cx="8110537" cy="782089"/>
+        </a:xfrm>
+        <a:prstGeom prst="roundRect">
+          <a:avLst/>
+        </a:prstGeom>
+        <a:gradFill rotWithShape="0">
+          <a:gsLst>
+            <a:gs pos="0">
+              <a:schemeClr val="accent1">
+                <a:hueOff val="0"/>
+                <a:satOff val="0"/>
+                <a:lumOff val="0"/>
+                <a:alphaOff val="0"/>
+                <a:tint val="50000"/>
+                <a:satMod val="300000"/>
+              </a:schemeClr>
+            </a:gs>
+            <a:gs pos="35000">
+              <a:schemeClr val="accent1">
+                <a:hueOff val="0"/>
+                <a:satOff val="0"/>
+                <a:lumOff val="0"/>
+                <a:alphaOff val="0"/>
+                <a:tint val="37000"/>
+                <a:satMod val="300000"/>
+              </a:schemeClr>
+            </a:gs>
+            <a:gs pos="100000">
+              <a:schemeClr val="accent1">
+                <a:hueOff val="0"/>
+                <a:satOff val="0"/>
+                <a:lumOff val="0"/>
+                <a:alphaOff val="0"/>
+                <a:tint val="15000"/>
+                <a:satMod val="350000"/>
+              </a:schemeClr>
+            </a:gs>
+          </a:gsLst>
+          <a:lin ang="16200000" scaled="1"/>
+        </a:gradFill>
+        <a:ln>
+          <a:noFill/>
+        </a:ln>
+        <a:effectLst>
+          <a:outerShdw blurRad="40000" dist="20000" dir="5400000" rotWithShape="0">
+            <a:srgbClr val="000000">
+              <a:alpha val="38000"/>
+            </a:srgbClr>
+          </a:outerShdw>
+        </a:effectLst>
+        <a:scene3d>
+          <a:camera prst="orthographicFront"/>
+          <a:lightRig rig="flat" dir="t"/>
+        </a:scene3d>
+        <a:sp3d prstMaterial="dkEdge">
+          <a:bevelT w="8200" h="38100"/>
+        </a:sp3d>
+      </dsp:spPr>
+      <dsp:style>
+        <a:lnRef idx="0">
+          <a:scrgbClr r="0" g="0" b="0"/>
+        </a:lnRef>
+        <a:fillRef idx="2">
+          <a:scrgbClr r="0" g="0" b="0"/>
+        </a:fillRef>
+        <a:effectRef idx="1">
+          <a:scrgbClr r="0" g="0" b="0"/>
+        </a:effectRef>
+        <a:fontRef idx="minor">
+          <a:schemeClr val="dk1"/>
+        </a:fontRef>
+      </dsp:style>
+      <dsp:txBody>
+        <a:bodyPr spcFirstLastPara="0" vert="horz" wrap="square" lIns="53340" tIns="53340" rIns="53340" bIns="53340" numCol="1" spcCol="1270" anchor="ctr" anchorCtr="0">
+          <a:noAutofit/>
+        </a:bodyPr>
+        <a:lstStyle/>
+        <a:p>
+          <a:pPr lvl="0" algn="l" defTabSz="622300">
+            <a:lnSpc>
+              <a:spcPct val="90000"/>
+            </a:lnSpc>
+            <a:spcBef>
+              <a:spcPct val="0"/>
+            </a:spcBef>
+            <a:spcAft>
+              <a:spcPct val="35000"/>
+            </a:spcAft>
+          </a:pPr>
+          <a:r>
+            <a:rPr lang="en-US" sz="1400" kern="1200" dirty="0" smtClean="0"/>
+            <a:t>Rollback &amp; Push method but….</a:t>
+          </a:r>
+          <a:endParaRPr lang="en-US" sz="1400" kern="1200" dirty="0"/>
+        </a:p>
+      </dsp:txBody>
+      <dsp:txXfrm>
+        <a:off x="38178" y="4175223"/>
+        <a:ext cx="8034181" cy="705733"/>
       </dsp:txXfrm>
     </dsp:sp>
   </dsp:spTree>
@@ -13062,7 +13340,7 @@
             <a:fld id="{ED7E7575-B5D5-8349-8ED2-5AC6D7AF8B10}" type="datetimeFigureOut">
               <a:rPr lang="fr-FR" altLang="en-US"/>
               <a:pPr/>
-              <a:t>29/02/2016</a:t>
+              <a:t>07/03/2016</a:t>
             </a:fld>
             <a:endParaRPr lang="fr-FR" altLang="en-US"/>
           </a:p>
@@ -13359,7 +13637,7 @@
             <a:fld id="{C35F7219-C2CE-EB47-B2AC-109A38A28CCF}" type="datetimeFigureOut">
               <a:rPr lang="en-US" altLang="en-US"/>
               <a:pPr/>
-              <a:t>2/29/2016</a:t>
+              <a:t>3/7/2016</a:t>
             </a:fld>
             <a:endParaRPr lang="en-US" altLang="en-US"/>
           </a:p>
@@ -13926,7 +14204,7 @@
             <a:fld id="{227438B7-DEEC-0645-8295-3397786F2518}" type="slidenum">
               <a:rPr lang="en-US" altLang="en-US" smtClean="0"/>
               <a:pPr/>
-              <a:t>8</a:t>
+              <a:t>7</a:t>
             </a:fld>
             <a:endParaRPr lang="en-US" altLang="en-US"/>
           </a:p>
@@ -13935,7 +14213,7 @@
     </p:spTree>
     <p:extLst>
       <p:ext uri="{BB962C8B-B14F-4D97-AF65-F5344CB8AC3E}">
-        <p14:creationId xmlns:p14="http://schemas.microsoft.com/office/powerpoint/2010/main" val="1627162365"/>
+        <p14:creationId xmlns:p14="http://schemas.microsoft.com/office/powerpoint/2010/main" val="748790873"/>
       </p:ext>
     </p:extLst>
   </p:cSld>
@@ -14012,6 +14290,91 @@
               <a:rPr lang="en-US" altLang="en-US" smtClean="0"/>
               <a:pPr/>
               <a:t>9</a:t>
+            </a:fld>
+            <a:endParaRPr lang="en-US" altLang="en-US"/>
+          </a:p>
+        </p:txBody>
+      </p:sp>
+    </p:spTree>
+    <p:extLst>
+      <p:ext uri="{BB962C8B-B14F-4D97-AF65-F5344CB8AC3E}">
+        <p14:creationId xmlns:p14="http://schemas.microsoft.com/office/powerpoint/2010/main" val="1627162365"/>
+      </p:ext>
+    </p:extLst>
+  </p:cSld>
+  <p:clrMapOvr>
+    <a:masterClrMapping/>
+  </p:clrMapOvr>
+</p:notes>
+</file>
+
+<file path=ppt/notesSlides/notesSlide4.xml><?xml version="1.0" encoding="utf-8"?>
+<p:notes xmlns:a="http://schemas.openxmlformats.org/drawingml/2006/main" xmlns:r="http://schemas.openxmlformats.org/officeDocument/2006/relationships" xmlns:p="http://schemas.openxmlformats.org/presentationml/2006/main">
+  <p:cSld>
+    <p:spTree>
+      <p:nvGrpSpPr>
+        <p:cNvPr id="1" name=""/>
+        <p:cNvGrpSpPr/>
+        <p:nvPr/>
+      </p:nvGrpSpPr>
+      <p:grpSpPr>
+        <a:xfrm>
+          <a:off x="0" y="0"/>
+          <a:ext cx="0" cy="0"/>
+          <a:chOff x="0" y="0"/>
+          <a:chExt cx="0" cy="0"/>
+        </a:xfrm>
+      </p:grpSpPr>
+      <p:sp>
+        <p:nvSpPr>
+          <p:cNvPr id="2" name="Slide Image Placeholder 1"/>
+          <p:cNvSpPr>
+            <a:spLocks noGrp="1" noRot="1" noChangeAspect="1"/>
+          </p:cNvSpPr>
+          <p:nvPr>
+            <p:ph type="sldImg"/>
+          </p:nvPr>
+        </p:nvSpPr>
+        <p:spPr/>
+      </p:sp>
+      <p:sp>
+        <p:nvSpPr>
+          <p:cNvPr id="3" name="Notes Placeholder 2"/>
+          <p:cNvSpPr>
+            <a:spLocks noGrp="1"/>
+          </p:cNvSpPr>
+          <p:nvPr>
+            <p:ph type="body" idx="1"/>
+          </p:nvPr>
+        </p:nvSpPr>
+        <p:spPr/>
+        <p:txBody>
+          <a:bodyPr/>
+          <a:lstStyle/>
+          <a:p>
+            <a:endParaRPr lang="en-US" dirty="0"/>
+          </a:p>
+        </p:txBody>
+      </p:sp>
+      <p:sp>
+        <p:nvSpPr>
+          <p:cNvPr id="4" name="Slide Number Placeholder 3"/>
+          <p:cNvSpPr>
+            <a:spLocks noGrp="1"/>
+          </p:cNvSpPr>
+          <p:nvPr>
+            <p:ph type="sldNum" sz="quarter" idx="10"/>
+          </p:nvPr>
+        </p:nvSpPr>
+        <p:spPr/>
+        <p:txBody>
+          <a:bodyPr/>
+          <a:lstStyle/>
+          <a:p>
+            <a:fld id="{227438B7-DEEC-0645-8295-3397786F2518}" type="slidenum">
+              <a:rPr lang="en-US" altLang="en-US" smtClean="0"/>
+              <a:pPr/>
+              <a:t>10</a:t>
             </a:fld>
             <a:endParaRPr lang="en-US" altLang="en-US"/>
           </a:p>
@@ -15468,7 +15831,7 @@
         </p:nvSpPr>
         <p:spPr>
           <a:xfrm>
-            <a:off x="576263" y="1105973"/>
+            <a:off x="576262" y="717187"/>
             <a:ext cx="8850702" cy="725816"/>
           </a:xfrm>
         </p:spPr>
@@ -15477,25 +15840,12 @@
           <a:lstStyle/>
           <a:p>
             <a:r>
-              <a:rPr lang="en-US" altLang="en-US" dirty="0" smtClean="0">
+              <a:rPr lang="en-US" altLang="en-US" dirty="0" err="1" smtClean="0">
                 <a:latin typeface="Trebuchet MS" charset="0"/>
                 <a:ea typeface="ＭＳ Ｐゴシック" charset="-128"/>
               </a:rPr>
-              <a:t>Demo</a:t>
+              <a:t>Gotchas</a:t>
             </a:r>
-            <a:r>
-              <a:rPr lang="en-US" altLang="en-US" dirty="0">
-                <a:latin typeface="Trebuchet MS" charset="0"/>
-                <a:ea typeface="ＭＳ Ｐゴシック" charset="-128"/>
-              </a:rPr>
-              <a:t/>
-            </a:r>
-            <a:br>
-              <a:rPr lang="en-US" altLang="en-US" dirty="0">
-                <a:latin typeface="Trebuchet MS" charset="0"/>
-                <a:ea typeface="ＭＳ Ｐゴシック" charset="-128"/>
-              </a:rPr>
-            </a:br>
             <a:r>
               <a:rPr lang="en-US" altLang="en-US" dirty="0">
                 <a:latin typeface="Trebuchet MS" charset="0"/>
@@ -15529,34 +15879,34 @@
           </a:p>
         </p:txBody>
       </p:sp>
-      <p:sp>
-        <p:nvSpPr>
-          <p:cNvPr id="5" name="Content Placeholder 4"/>
-          <p:cNvSpPr>
-            <a:spLocks noGrp="1"/>
-          </p:cNvSpPr>
-          <p:nvPr>
-            <p:ph idx="13"/>
-          </p:nvPr>
-        </p:nvSpPr>
+      <p:pic>
+        <p:nvPicPr>
+          <p:cNvPr id="6" name="Picture 5"/>
+          <p:cNvPicPr>
+            <a:picLocks noChangeAspect="1"/>
+          </p:cNvPicPr>
+          <p:nvPr/>
+        </p:nvPicPr>
+        <p:blipFill>
+          <a:blip r:embed="rId3"/>
+          <a:stretch>
+            <a:fillRect/>
+          </a:stretch>
+        </p:blipFill>
         <p:spPr>
           <a:xfrm>
-            <a:off x="576262" y="1206500"/>
-            <a:ext cx="8110537" cy="3908964"/>
+            <a:off x="751942" y="1671391"/>
+            <a:ext cx="7640116" cy="4168691"/>
           </a:xfrm>
+          <a:prstGeom prst="rect">
+            <a:avLst/>
+          </a:prstGeom>
         </p:spPr>
-        <p:txBody>
-          <a:bodyPr/>
-          <a:lstStyle/>
-          <a:p>
-            <a:endParaRPr lang="en-US" dirty="0"/>
-          </a:p>
-        </p:txBody>
-      </p:sp>
+      </p:pic>
     </p:spTree>
     <p:extLst>
       <p:ext uri="{BB962C8B-B14F-4D97-AF65-F5344CB8AC3E}">
-        <p14:creationId xmlns:p14="http://schemas.microsoft.com/office/powerpoint/2010/main" val="270836318"/>
+        <p14:creationId xmlns:p14="http://schemas.microsoft.com/office/powerpoint/2010/main" val="1311617609"/>
       </p:ext>
     </p:extLst>
   </p:cSld>
@@ -15566,7 +15916,83 @@
   <p:timing>
     <p:tnLst>
       <p:par>
-        <p:cTn id="1" dur="indefinite" restart="never" nodeType="tmRoot"/>
+        <p:cTn id="1" dur="indefinite" restart="never" nodeType="tmRoot">
+          <p:childTnLst>
+            <p:seq concurrent="1" nextAc="seek">
+              <p:cTn id="2" dur="indefinite" nodeType="mainSeq">
+                <p:childTnLst>
+                  <p:par>
+                    <p:cTn id="3" fill="hold">
+                      <p:stCondLst>
+                        <p:cond delay="indefinite"/>
+                      </p:stCondLst>
+                      <p:childTnLst>
+                        <p:par>
+                          <p:cTn id="4" fill="hold">
+                            <p:stCondLst>
+                              <p:cond delay="0"/>
+                            </p:stCondLst>
+                            <p:childTnLst>
+                              <p:par>
+                                <p:cTn id="5" presetID="10" presetClass="entr" presetSubtype="0" fill="hold" nodeType="clickEffect">
+                                  <p:stCondLst>
+                                    <p:cond delay="0"/>
+                                  </p:stCondLst>
+                                  <p:childTnLst>
+                                    <p:set>
+                                      <p:cBhvr>
+                                        <p:cTn id="6" dur="1" fill="hold">
+                                          <p:stCondLst>
+                                            <p:cond delay="0"/>
+                                          </p:stCondLst>
+                                        </p:cTn>
+                                        <p:tgtEl>
+                                          <p:spTgt spid="6"/>
+                                        </p:tgtEl>
+                                        <p:attrNameLst>
+                                          <p:attrName>style.visibility</p:attrName>
+                                        </p:attrNameLst>
+                                      </p:cBhvr>
+                                      <p:to>
+                                        <p:strVal val="visible"/>
+                                      </p:to>
+                                    </p:set>
+                                    <p:animEffect transition="in" filter="fade">
+                                      <p:cBhvr>
+                                        <p:cTn id="7" dur="500"/>
+                                        <p:tgtEl>
+                                          <p:spTgt spid="6"/>
+                                        </p:tgtEl>
+                                      </p:cBhvr>
+                                    </p:animEffect>
+                                  </p:childTnLst>
+                                </p:cTn>
+                              </p:par>
+                            </p:childTnLst>
+                          </p:cTn>
+                        </p:par>
+                      </p:childTnLst>
+                    </p:cTn>
+                  </p:par>
+                </p:childTnLst>
+              </p:cTn>
+              <p:prevCondLst>
+                <p:cond evt="onPrev" delay="0">
+                  <p:tgtEl>
+                    <p:sldTgt/>
+                  </p:tgtEl>
+                </p:cond>
+              </p:prevCondLst>
+              <p:nextCondLst>
+                <p:cond evt="onNext" delay="0">
+                  <p:tgtEl>
+                    <p:sldTgt/>
+                  </p:tgtEl>
+                </p:cond>
+              </p:nextCondLst>
+            </p:seq>
+          </p:childTnLst>
+        </p:cTn>
       </p:par>
     </p:tnLst>
   </p:timing>
@@ -15743,6 +16169,2456 @@
         </p:nvSpPr>
         <p:spPr>
           <a:xfrm>
+            <a:off x="576262" y="717187"/>
+            <a:ext cx="8850702" cy="725816"/>
+          </a:xfrm>
+        </p:spPr>
+        <p:txBody>
+          <a:bodyPr/>
+          <a:lstStyle/>
+          <a:p>
+            <a:r>
+              <a:rPr lang="en-US" altLang="en-US" dirty="0" smtClean="0">
+                <a:latin typeface="Trebuchet MS" charset="0"/>
+                <a:ea typeface="ＭＳ Ｐゴシック" charset="-128"/>
+              </a:rPr>
+              <a:t>Some Thoughts….</a:t>
+            </a:r>
+            <a:r>
+              <a:rPr lang="en-US" altLang="en-US" dirty="0">
+                <a:latin typeface="Trebuchet MS" charset="0"/>
+                <a:ea typeface="ＭＳ Ｐゴシック" charset="-128"/>
+              </a:rPr>
+              <a:t/>
+            </a:r>
+            <a:br>
+              <a:rPr lang="en-US" altLang="en-US" dirty="0">
+                <a:latin typeface="Trebuchet MS" charset="0"/>
+                <a:ea typeface="ＭＳ Ｐゴシック" charset="-128"/>
+              </a:rPr>
+            </a:br>
+            <a:r>
+              <a:rPr lang="en-US" altLang="en-US" dirty="0">
+                <a:latin typeface="Trebuchet MS" charset="0"/>
+                <a:ea typeface="ＭＳ Ｐゴシック" charset="-128"/>
+              </a:rPr>
+              <a:t/>
+            </a:r>
+            <a:br>
+              <a:rPr lang="en-US" altLang="en-US" dirty="0">
+                <a:latin typeface="Trebuchet MS" charset="0"/>
+                <a:ea typeface="ＭＳ Ｐゴシック" charset="-128"/>
+              </a:rPr>
+            </a:br>
+            <a:endParaRPr lang="en-US" altLang="en-US" dirty="0">
+              <a:latin typeface="Trebuchet MS" charset="0"/>
+              <a:ea typeface="ＭＳ Ｐゴシック" charset="-128"/>
+            </a:endParaRPr>
+          </a:p>
+        </p:txBody>
+      </p:sp>
+      <p:sp>
+        <p:nvSpPr>
+          <p:cNvPr id="5" name="Content Placeholder 4"/>
+          <p:cNvSpPr>
+            <a:spLocks noGrp="1"/>
+          </p:cNvSpPr>
+          <p:nvPr>
+            <p:ph idx="13"/>
+          </p:nvPr>
+        </p:nvSpPr>
+        <p:spPr>
+          <a:xfrm>
+            <a:off x="576262" y="1087523"/>
+            <a:ext cx="8110537" cy="3908964"/>
+          </a:xfrm>
+        </p:spPr>
+        <p:txBody>
+          <a:bodyPr/>
+          <a:lstStyle/>
+          <a:p>
+            <a:r>
+              <a:rPr lang="en-US" dirty="0" smtClean="0"/>
+              <a:t>To </a:t>
+            </a:r>
+            <a:r>
+              <a:rPr lang="en-US" dirty="0" smtClean="0"/>
+              <a:t>keep the barrier of entry small, disregard some of the best practices </a:t>
+            </a:r>
+          </a:p>
+          <a:p>
+            <a:pPr lvl="1"/>
+            <a:r>
+              <a:rPr lang="en-US" dirty="0" smtClean="0"/>
+              <a:t>Don’t worry too much about reuse and duplication and versions</a:t>
+            </a:r>
+          </a:p>
+          <a:p>
+            <a:pPr lvl="1"/>
+            <a:r>
+              <a:rPr lang="en-US" dirty="0" smtClean="0"/>
+              <a:t>Don’t worry too much about </a:t>
+            </a:r>
+            <a:r>
+              <a:rPr lang="en-US" dirty="0" err="1" smtClean="0"/>
+              <a:t>Ansible</a:t>
+            </a:r>
+            <a:r>
+              <a:rPr lang="en-US" dirty="0" smtClean="0"/>
+              <a:t> Galaxy command line</a:t>
+            </a:r>
+          </a:p>
+          <a:p>
+            <a:pPr lvl="1"/>
+            <a:r>
+              <a:rPr lang="en-US" dirty="0" smtClean="0"/>
+              <a:t>Start with the open source command line </a:t>
+            </a:r>
+            <a:r>
+              <a:rPr lang="en-US" dirty="0" err="1" smtClean="0"/>
+              <a:t>Ansible</a:t>
+            </a:r>
+            <a:r>
+              <a:rPr lang="en-US" dirty="0" smtClean="0"/>
+              <a:t> and when complex use cases arise, then look at refactoring and/or additional add-ons such as Tower</a:t>
+            </a:r>
+          </a:p>
+          <a:p>
+            <a:pPr lvl="1"/>
+            <a:r>
+              <a:rPr lang="en-US" dirty="0" smtClean="0"/>
+              <a:t>Even if </a:t>
+            </a:r>
+            <a:r>
+              <a:rPr lang="en-US" dirty="0" err="1" smtClean="0"/>
+              <a:t>Ansible</a:t>
+            </a:r>
+            <a:r>
+              <a:rPr lang="en-US" dirty="0" smtClean="0"/>
+              <a:t> is not the tool for TMX, falling back to existing processes would be minimal</a:t>
+            </a:r>
+          </a:p>
+          <a:p>
+            <a:pPr lvl="1"/>
+            <a:r>
+              <a:rPr lang="en-US" dirty="0" smtClean="0"/>
+              <a:t>Initially no need for third-party </a:t>
+            </a:r>
+            <a:r>
+              <a:rPr lang="en-US" dirty="0" err="1" smtClean="0"/>
+              <a:t>Redhat</a:t>
+            </a:r>
+            <a:r>
+              <a:rPr lang="en-US" dirty="0" smtClean="0"/>
+              <a:t> support  </a:t>
+            </a:r>
+          </a:p>
+          <a:p>
+            <a:endParaRPr lang="en-US" dirty="0" smtClean="0"/>
+          </a:p>
+          <a:p>
+            <a:endParaRPr lang="en-US" dirty="0"/>
+          </a:p>
+        </p:txBody>
+      </p:sp>
+    </p:spTree>
+    <p:extLst>
+      <p:ext uri="{BB962C8B-B14F-4D97-AF65-F5344CB8AC3E}">
+        <p14:creationId xmlns:p14="http://schemas.microsoft.com/office/powerpoint/2010/main" val="3644803090"/>
+      </p:ext>
+    </p:extLst>
+  </p:cSld>
+  <p:clrMapOvr>
+    <a:masterClrMapping/>
+  </p:clrMapOvr>
+  <p:timing>
+    <p:tnLst>
+      <p:par>
+        <p:cTn id="1" dur="indefinite" restart="never" nodeType="tmRoot">
+          <p:childTnLst>
+            <p:seq concurrent="1" nextAc="seek">
+              <p:cTn id="2" dur="indefinite" nodeType="mainSeq">
+                <p:childTnLst>
+                  <p:par>
+                    <p:cTn id="3" fill="hold">
+                      <p:stCondLst>
+                        <p:cond delay="indefinite"/>
+                      </p:stCondLst>
+                      <p:childTnLst>
+                        <p:par>
+                          <p:cTn id="4" fill="hold">
+                            <p:stCondLst>
+                              <p:cond delay="0"/>
+                            </p:stCondLst>
+                            <p:childTnLst>
+                              <p:par>
+                                <p:cTn id="5" presetID="10" presetClass="entr" presetSubtype="0" fill="hold" nodeType="clickEffect">
+                                  <p:stCondLst>
+                                    <p:cond delay="0"/>
+                                  </p:stCondLst>
+                                  <p:childTnLst>
+                                    <p:set>
+                                      <p:cBhvr>
+                                        <p:cTn id="6" dur="1" fill="hold">
+                                          <p:stCondLst>
+                                            <p:cond delay="0"/>
+                                          </p:stCondLst>
+                                        </p:cTn>
+                                        <p:tgtEl>
+                                          <p:spTgt spid="5">
+                                            <p:txEl>
+                                              <p:pRg st="0" end="0"/>
+                                            </p:txEl>
+                                          </p:spTgt>
+                                        </p:tgtEl>
+                                        <p:attrNameLst>
+                                          <p:attrName>style.visibility</p:attrName>
+                                        </p:attrNameLst>
+                                      </p:cBhvr>
+                                      <p:to>
+                                        <p:strVal val="visible"/>
+                                      </p:to>
+                                    </p:set>
+                                    <p:animEffect transition="in" filter="fade">
+                                      <p:cBhvr>
+                                        <p:cTn id="7" dur="500"/>
+                                        <p:tgtEl>
+                                          <p:spTgt spid="5">
+                                            <p:txEl>
+                                              <p:pRg st="0" end="0"/>
+                                            </p:txEl>
+                                          </p:spTgt>
+                                        </p:tgtEl>
+                                      </p:cBhvr>
+                                    </p:animEffect>
+                                  </p:childTnLst>
+                                </p:cTn>
+                              </p:par>
+                            </p:childTnLst>
+                          </p:cTn>
+                        </p:par>
+                      </p:childTnLst>
+                    </p:cTn>
+                  </p:par>
+                  <p:par>
+                    <p:cTn id="8" fill="hold">
+                      <p:stCondLst>
+                        <p:cond delay="indefinite"/>
+                      </p:stCondLst>
+                      <p:childTnLst>
+                        <p:par>
+                          <p:cTn id="9" fill="hold">
+                            <p:stCondLst>
+                              <p:cond delay="0"/>
+                            </p:stCondLst>
+                            <p:childTnLst>
+                              <p:par>
+                                <p:cTn id="10" presetID="10" presetClass="entr" presetSubtype="0" fill="hold" nodeType="clickEffect">
+                                  <p:stCondLst>
+                                    <p:cond delay="0"/>
+                                  </p:stCondLst>
+                                  <p:childTnLst>
+                                    <p:set>
+                                      <p:cBhvr>
+                                        <p:cTn id="11" dur="1" fill="hold">
+                                          <p:stCondLst>
+                                            <p:cond delay="0"/>
+                                          </p:stCondLst>
+                                        </p:cTn>
+                                        <p:tgtEl>
+                                          <p:spTgt spid="5">
+                                            <p:txEl>
+                                              <p:pRg st="1" end="1"/>
+                                            </p:txEl>
+                                          </p:spTgt>
+                                        </p:tgtEl>
+                                        <p:attrNameLst>
+                                          <p:attrName>style.visibility</p:attrName>
+                                        </p:attrNameLst>
+                                      </p:cBhvr>
+                                      <p:to>
+                                        <p:strVal val="visible"/>
+                                      </p:to>
+                                    </p:set>
+                                    <p:animEffect transition="in" filter="fade">
+                                      <p:cBhvr>
+                                        <p:cTn id="12" dur="500"/>
+                                        <p:tgtEl>
+                                          <p:spTgt spid="5">
+                                            <p:txEl>
+                                              <p:pRg st="1" end="1"/>
+                                            </p:txEl>
+                                          </p:spTgt>
+                                        </p:tgtEl>
+                                      </p:cBhvr>
+                                    </p:animEffect>
+                                  </p:childTnLst>
+                                </p:cTn>
+                              </p:par>
+                            </p:childTnLst>
+                          </p:cTn>
+                        </p:par>
+                      </p:childTnLst>
+                    </p:cTn>
+                  </p:par>
+                  <p:par>
+                    <p:cTn id="13" fill="hold">
+                      <p:stCondLst>
+                        <p:cond delay="indefinite"/>
+                      </p:stCondLst>
+                      <p:childTnLst>
+                        <p:par>
+                          <p:cTn id="14" fill="hold">
+                            <p:stCondLst>
+                              <p:cond delay="0"/>
+                            </p:stCondLst>
+                            <p:childTnLst>
+                              <p:par>
+                                <p:cTn id="15" presetID="10" presetClass="entr" presetSubtype="0" fill="hold" nodeType="clickEffect">
+                                  <p:stCondLst>
+                                    <p:cond delay="0"/>
+                                  </p:stCondLst>
+                                  <p:childTnLst>
+                                    <p:set>
+                                      <p:cBhvr>
+                                        <p:cTn id="16" dur="1" fill="hold">
+                                          <p:stCondLst>
+                                            <p:cond delay="0"/>
+                                          </p:stCondLst>
+                                        </p:cTn>
+                                        <p:tgtEl>
+                                          <p:spTgt spid="5">
+                                            <p:txEl>
+                                              <p:pRg st="2" end="2"/>
+                                            </p:txEl>
+                                          </p:spTgt>
+                                        </p:tgtEl>
+                                        <p:attrNameLst>
+                                          <p:attrName>style.visibility</p:attrName>
+                                        </p:attrNameLst>
+                                      </p:cBhvr>
+                                      <p:to>
+                                        <p:strVal val="visible"/>
+                                      </p:to>
+                                    </p:set>
+                                    <p:animEffect transition="in" filter="fade">
+                                      <p:cBhvr>
+                                        <p:cTn id="17" dur="500"/>
+                                        <p:tgtEl>
+                                          <p:spTgt spid="5">
+                                            <p:txEl>
+                                              <p:pRg st="2" end="2"/>
+                                            </p:txEl>
+                                          </p:spTgt>
+                                        </p:tgtEl>
+                                      </p:cBhvr>
+                                    </p:animEffect>
+                                  </p:childTnLst>
+                                </p:cTn>
+                              </p:par>
+                            </p:childTnLst>
+                          </p:cTn>
+                        </p:par>
+                      </p:childTnLst>
+                    </p:cTn>
+                  </p:par>
+                  <p:par>
+                    <p:cTn id="18" fill="hold">
+                      <p:stCondLst>
+                        <p:cond delay="indefinite"/>
+                      </p:stCondLst>
+                      <p:childTnLst>
+                        <p:par>
+                          <p:cTn id="19" fill="hold">
+                            <p:stCondLst>
+                              <p:cond delay="0"/>
+                            </p:stCondLst>
+                            <p:childTnLst>
+                              <p:par>
+                                <p:cTn id="20" presetID="10" presetClass="entr" presetSubtype="0" fill="hold" nodeType="clickEffect">
+                                  <p:stCondLst>
+                                    <p:cond delay="0"/>
+                                  </p:stCondLst>
+                                  <p:childTnLst>
+                                    <p:set>
+                                      <p:cBhvr>
+                                        <p:cTn id="21" dur="1" fill="hold">
+                                          <p:stCondLst>
+                                            <p:cond delay="0"/>
+                                          </p:stCondLst>
+                                        </p:cTn>
+                                        <p:tgtEl>
+                                          <p:spTgt spid="5">
+                                            <p:txEl>
+                                              <p:pRg st="3" end="3"/>
+                                            </p:txEl>
+                                          </p:spTgt>
+                                        </p:tgtEl>
+                                        <p:attrNameLst>
+                                          <p:attrName>style.visibility</p:attrName>
+                                        </p:attrNameLst>
+                                      </p:cBhvr>
+                                      <p:to>
+                                        <p:strVal val="visible"/>
+                                      </p:to>
+                                    </p:set>
+                                    <p:animEffect transition="in" filter="fade">
+                                      <p:cBhvr>
+                                        <p:cTn id="22" dur="500"/>
+                                        <p:tgtEl>
+                                          <p:spTgt spid="5">
+                                            <p:txEl>
+                                              <p:pRg st="3" end="3"/>
+                                            </p:txEl>
+                                          </p:spTgt>
+                                        </p:tgtEl>
+                                      </p:cBhvr>
+                                    </p:animEffect>
+                                  </p:childTnLst>
+                                </p:cTn>
+                              </p:par>
+                            </p:childTnLst>
+                          </p:cTn>
+                        </p:par>
+                      </p:childTnLst>
+                    </p:cTn>
+                  </p:par>
+                  <p:par>
+                    <p:cTn id="23" fill="hold">
+                      <p:stCondLst>
+                        <p:cond delay="indefinite"/>
+                      </p:stCondLst>
+                      <p:childTnLst>
+                        <p:par>
+                          <p:cTn id="24" fill="hold">
+                            <p:stCondLst>
+                              <p:cond delay="0"/>
+                            </p:stCondLst>
+                            <p:childTnLst>
+                              <p:par>
+                                <p:cTn id="25" presetID="10" presetClass="entr" presetSubtype="0" fill="hold" nodeType="clickEffect">
+                                  <p:stCondLst>
+                                    <p:cond delay="0"/>
+                                  </p:stCondLst>
+                                  <p:childTnLst>
+                                    <p:set>
+                                      <p:cBhvr>
+                                        <p:cTn id="26" dur="1" fill="hold">
+                                          <p:stCondLst>
+                                            <p:cond delay="0"/>
+                                          </p:stCondLst>
+                                        </p:cTn>
+                                        <p:tgtEl>
+                                          <p:spTgt spid="5">
+                                            <p:txEl>
+                                              <p:pRg st="4" end="4"/>
+                                            </p:txEl>
+                                          </p:spTgt>
+                                        </p:tgtEl>
+                                        <p:attrNameLst>
+                                          <p:attrName>style.visibility</p:attrName>
+                                        </p:attrNameLst>
+                                      </p:cBhvr>
+                                      <p:to>
+                                        <p:strVal val="visible"/>
+                                      </p:to>
+                                    </p:set>
+                                    <p:animEffect transition="in" filter="fade">
+                                      <p:cBhvr>
+                                        <p:cTn id="27" dur="500"/>
+                                        <p:tgtEl>
+                                          <p:spTgt spid="5">
+                                            <p:txEl>
+                                              <p:pRg st="4" end="4"/>
+                                            </p:txEl>
+                                          </p:spTgt>
+                                        </p:tgtEl>
+                                      </p:cBhvr>
+                                    </p:animEffect>
+                                  </p:childTnLst>
+                                </p:cTn>
+                              </p:par>
+                            </p:childTnLst>
+                          </p:cTn>
+                        </p:par>
+                      </p:childTnLst>
+                    </p:cTn>
+                  </p:par>
+                  <p:par>
+                    <p:cTn id="28" fill="hold">
+                      <p:stCondLst>
+                        <p:cond delay="indefinite"/>
+                      </p:stCondLst>
+                      <p:childTnLst>
+                        <p:par>
+                          <p:cTn id="29" fill="hold">
+                            <p:stCondLst>
+                              <p:cond delay="0"/>
+                            </p:stCondLst>
+                            <p:childTnLst>
+                              <p:par>
+                                <p:cTn id="30" presetID="10" presetClass="entr" presetSubtype="0" fill="hold" nodeType="clickEffect">
+                                  <p:stCondLst>
+                                    <p:cond delay="0"/>
+                                  </p:stCondLst>
+                                  <p:childTnLst>
+                                    <p:set>
+                                      <p:cBhvr>
+                                        <p:cTn id="31" dur="1" fill="hold">
+                                          <p:stCondLst>
+                                            <p:cond delay="0"/>
+                                          </p:stCondLst>
+                                        </p:cTn>
+                                        <p:tgtEl>
+                                          <p:spTgt spid="5">
+                                            <p:txEl>
+                                              <p:pRg st="5" end="5"/>
+                                            </p:txEl>
+                                          </p:spTgt>
+                                        </p:tgtEl>
+                                        <p:attrNameLst>
+                                          <p:attrName>style.visibility</p:attrName>
+                                        </p:attrNameLst>
+                                      </p:cBhvr>
+                                      <p:to>
+                                        <p:strVal val="visible"/>
+                                      </p:to>
+                                    </p:set>
+                                    <p:animEffect transition="in" filter="fade">
+                                      <p:cBhvr>
+                                        <p:cTn id="32" dur="500"/>
+                                        <p:tgtEl>
+                                          <p:spTgt spid="5">
+                                            <p:txEl>
+                                              <p:pRg st="5" end="5"/>
+                                            </p:txEl>
+                                          </p:spTgt>
+                                        </p:tgtEl>
+                                      </p:cBhvr>
+                                    </p:animEffect>
+                                  </p:childTnLst>
+                                </p:cTn>
+                              </p:par>
+                            </p:childTnLst>
+                          </p:cTn>
+                        </p:par>
+                      </p:childTnLst>
+                    </p:cTn>
+                  </p:par>
+                </p:childTnLst>
+              </p:cTn>
+              <p:prevCondLst>
+                <p:cond evt="onPrev" delay="0">
+                  <p:tgtEl>
+                    <p:sldTgt/>
+                  </p:tgtEl>
+                </p:cond>
+              </p:prevCondLst>
+              <p:nextCondLst>
+                <p:cond evt="onNext" delay="0">
+                  <p:tgtEl>
+                    <p:sldTgt/>
+                  </p:tgtEl>
+                </p:cond>
+              </p:nextCondLst>
+            </p:seq>
+          </p:childTnLst>
+        </p:cTn>
+      </p:par>
+    </p:tnLst>
+  </p:timing>
+</p:sld>
+</file>
+
+<file path=ppt/slides/slide12.xml><?xml version="1.0" encoding="utf-8"?>
+<p:sld xmlns:a="http://schemas.openxmlformats.org/drawingml/2006/main" xmlns:r="http://schemas.openxmlformats.org/officeDocument/2006/relationships" xmlns:p="http://schemas.openxmlformats.org/presentationml/2006/main">
+  <p:cSld>
+    <p:spTree>
+      <p:nvGrpSpPr>
+        <p:cNvPr id="1" name=""/>
+        <p:cNvGrpSpPr/>
+        <p:nvPr/>
+      </p:nvGrpSpPr>
+      <p:grpSpPr>
+        <a:xfrm>
+          <a:off x="0" y="0"/>
+          <a:ext cx="0" cy="0"/>
+          <a:chOff x="0" y="0"/>
+          <a:chExt cx="0" cy="0"/>
+        </a:xfrm>
+      </p:grpSpPr>
+      <p:sp>
+        <p:nvSpPr>
+          <p:cNvPr id="2" name="Slide Number Placeholder 1"/>
+          <p:cNvSpPr>
+            <a:spLocks noGrp="1"/>
+          </p:cNvSpPr>
+          <p:nvPr>
+            <p:ph type="sldNum" sz="quarter" idx="14"/>
+          </p:nvPr>
+        </p:nvSpPr>
+        <p:spPr/>
+        <p:txBody>
+          <a:bodyPr/>
+          <a:lstStyle>
+            <a:lvl1pPr eaLnBrk="0" hangingPunct="0">
+              <a:defRPr sz="2400">
+                <a:solidFill>
+                  <a:schemeClr val="tx1"/>
+                </a:solidFill>
+                <a:latin typeface="Calibri" charset="0"/>
+                <a:ea typeface="ＭＳ Ｐゴシック" charset="-128"/>
+              </a:defRPr>
+            </a:lvl1pPr>
+            <a:lvl2pPr marL="742950" indent="-285750" eaLnBrk="0" hangingPunct="0">
+              <a:defRPr sz="2400">
+                <a:solidFill>
+                  <a:schemeClr val="tx1"/>
+                </a:solidFill>
+                <a:latin typeface="Calibri" charset="0"/>
+                <a:ea typeface="ＭＳ Ｐゴシック" charset="-128"/>
+              </a:defRPr>
+            </a:lvl2pPr>
+            <a:lvl3pPr marL="1143000" indent="-228600" eaLnBrk="0" hangingPunct="0">
+              <a:defRPr sz="2400">
+                <a:solidFill>
+                  <a:schemeClr val="tx1"/>
+                </a:solidFill>
+                <a:latin typeface="Calibri" charset="0"/>
+                <a:ea typeface="ＭＳ Ｐゴシック" charset="-128"/>
+              </a:defRPr>
+            </a:lvl3pPr>
+            <a:lvl4pPr marL="1600200" indent="-228600" eaLnBrk="0" hangingPunct="0">
+              <a:defRPr sz="2400">
+                <a:solidFill>
+                  <a:schemeClr val="tx1"/>
+                </a:solidFill>
+                <a:latin typeface="Calibri" charset="0"/>
+                <a:ea typeface="ＭＳ Ｐゴシック" charset="-128"/>
+              </a:defRPr>
+            </a:lvl4pPr>
+            <a:lvl5pPr marL="2057400" indent="-228600" eaLnBrk="0" hangingPunct="0">
+              <a:defRPr sz="2400">
+                <a:solidFill>
+                  <a:schemeClr val="tx1"/>
+                </a:solidFill>
+                <a:latin typeface="Calibri" charset="0"/>
+                <a:ea typeface="ＭＳ Ｐゴシック" charset="-128"/>
+              </a:defRPr>
+            </a:lvl5pPr>
+            <a:lvl6pPr marL="2514600" indent="-228600" defTabSz="457200" eaLnBrk="0" fontAlgn="base" hangingPunct="0">
+              <a:spcBef>
+                <a:spcPct val="0"/>
+              </a:spcBef>
+              <a:spcAft>
+                <a:spcPct val="0"/>
+              </a:spcAft>
+              <a:defRPr sz="2400">
+                <a:solidFill>
+                  <a:schemeClr val="tx1"/>
+                </a:solidFill>
+                <a:latin typeface="Calibri" charset="0"/>
+                <a:ea typeface="ＭＳ Ｐゴシック" charset="-128"/>
+              </a:defRPr>
+            </a:lvl6pPr>
+            <a:lvl7pPr marL="2971800" indent="-228600" defTabSz="457200" eaLnBrk="0" fontAlgn="base" hangingPunct="0">
+              <a:spcBef>
+                <a:spcPct val="0"/>
+              </a:spcBef>
+              <a:spcAft>
+                <a:spcPct val="0"/>
+              </a:spcAft>
+              <a:defRPr sz="2400">
+                <a:solidFill>
+                  <a:schemeClr val="tx1"/>
+                </a:solidFill>
+                <a:latin typeface="Calibri" charset="0"/>
+                <a:ea typeface="ＭＳ Ｐゴシック" charset="-128"/>
+              </a:defRPr>
+            </a:lvl7pPr>
+            <a:lvl8pPr marL="3429000" indent="-228600" defTabSz="457200" eaLnBrk="0" fontAlgn="base" hangingPunct="0">
+              <a:spcBef>
+                <a:spcPct val="0"/>
+              </a:spcBef>
+              <a:spcAft>
+                <a:spcPct val="0"/>
+              </a:spcAft>
+              <a:defRPr sz="2400">
+                <a:solidFill>
+                  <a:schemeClr val="tx1"/>
+                </a:solidFill>
+                <a:latin typeface="Calibri" charset="0"/>
+                <a:ea typeface="ＭＳ Ｐゴシック" charset="-128"/>
+              </a:defRPr>
+            </a:lvl8pPr>
+            <a:lvl9pPr marL="3886200" indent="-228600" defTabSz="457200" eaLnBrk="0" fontAlgn="base" hangingPunct="0">
+              <a:spcBef>
+                <a:spcPct val="0"/>
+              </a:spcBef>
+              <a:spcAft>
+                <a:spcPct val="0"/>
+              </a:spcAft>
+              <a:defRPr sz="2400">
+                <a:solidFill>
+                  <a:schemeClr val="tx1"/>
+                </a:solidFill>
+                <a:latin typeface="Calibri" charset="0"/>
+                <a:ea typeface="ＭＳ Ｐゴシック" charset="-128"/>
+              </a:defRPr>
+            </a:lvl9pPr>
+          </a:lstStyle>
+          <a:p>
+            <a:pPr eaLnBrk="1" hangingPunct="1"/>
+            <a:fld id="{BA1D72C3-80F2-3F46-A05E-5152314D7692}" type="slidenum">
+              <a:rPr lang="fr-FR" altLang="en-US" sz="1200">
+                <a:solidFill>
+                  <a:schemeClr val="bg1"/>
+                </a:solidFill>
+                <a:latin typeface="Trebuchet MS" charset="0"/>
+              </a:rPr>
+              <a:pPr eaLnBrk="1" hangingPunct="1"/>
+              <a:t>12</a:t>
+            </a:fld>
+            <a:endParaRPr lang="fr-FR" altLang="en-US" sz="1200">
+              <a:solidFill>
+                <a:schemeClr val="bg1"/>
+              </a:solidFill>
+              <a:latin typeface="Trebuchet MS" charset="0"/>
+            </a:endParaRPr>
+          </a:p>
+        </p:txBody>
+      </p:sp>
+      <p:sp>
+        <p:nvSpPr>
+          <p:cNvPr id="6146" name="Title 2"/>
+          <p:cNvSpPr>
+            <a:spLocks noGrp="1"/>
+          </p:cNvSpPr>
+          <p:nvPr>
+            <p:ph type="title"/>
+          </p:nvPr>
+        </p:nvSpPr>
+        <p:spPr>
+          <a:xfrm>
+            <a:off x="576262" y="717187"/>
+            <a:ext cx="8850702" cy="725816"/>
+          </a:xfrm>
+        </p:spPr>
+        <p:txBody>
+          <a:bodyPr/>
+          <a:lstStyle/>
+          <a:p>
+            <a:r>
+              <a:rPr lang="en-US" altLang="en-US" dirty="0" smtClean="0">
+                <a:latin typeface="Trebuchet MS" charset="0"/>
+                <a:ea typeface="ＭＳ Ｐゴシック" charset="-128"/>
+              </a:rPr>
+              <a:t>Some Thoughts….</a:t>
+            </a:r>
+            <a:r>
+              <a:rPr lang="en-US" altLang="en-US" dirty="0">
+                <a:latin typeface="Trebuchet MS" charset="0"/>
+                <a:ea typeface="ＭＳ Ｐゴシック" charset="-128"/>
+              </a:rPr>
+              <a:t/>
+            </a:r>
+            <a:br>
+              <a:rPr lang="en-US" altLang="en-US" dirty="0">
+                <a:latin typeface="Trebuchet MS" charset="0"/>
+                <a:ea typeface="ＭＳ Ｐゴシック" charset="-128"/>
+              </a:rPr>
+            </a:br>
+            <a:r>
+              <a:rPr lang="en-US" altLang="en-US" dirty="0">
+                <a:latin typeface="Trebuchet MS" charset="0"/>
+                <a:ea typeface="ＭＳ Ｐゴシック" charset="-128"/>
+              </a:rPr>
+              <a:t/>
+            </a:r>
+            <a:br>
+              <a:rPr lang="en-US" altLang="en-US" dirty="0">
+                <a:latin typeface="Trebuchet MS" charset="0"/>
+                <a:ea typeface="ＭＳ Ｐゴシック" charset="-128"/>
+              </a:rPr>
+            </a:br>
+            <a:endParaRPr lang="en-US" altLang="en-US" dirty="0">
+              <a:latin typeface="Trebuchet MS" charset="0"/>
+              <a:ea typeface="ＭＳ Ｐゴシック" charset="-128"/>
+            </a:endParaRPr>
+          </a:p>
+        </p:txBody>
+      </p:sp>
+      <p:sp>
+        <p:nvSpPr>
+          <p:cNvPr id="5" name="Content Placeholder 4"/>
+          <p:cNvSpPr>
+            <a:spLocks noGrp="1"/>
+          </p:cNvSpPr>
+          <p:nvPr>
+            <p:ph idx="13"/>
+          </p:nvPr>
+        </p:nvSpPr>
+        <p:spPr>
+          <a:xfrm>
+            <a:off x="576262" y="833523"/>
+            <a:ext cx="8110537" cy="3908964"/>
+          </a:xfrm>
+        </p:spPr>
+        <p:txBody>
+          <a:bodyPr/>
+          <a:lstStyle/>
+          <a:p>
+            <a:r>
+              <a:rPr lang="en-US" dirty="0" smtClean="0"/>
+              <a:t>Deployment VS Provisioning VS Orchestration VS </a:t>
+            </a:r>
+            <a:r>
+              <a:rPr lang="en-US" dirty="0" err="1" smtClean="0"/>
+              <a:t>Config</a:t>
+            </a:r>
+            <a:r>
+              <a:rPr lang="en-US" dirty="0" smtClean="0"/>
+              <a:t> Management</a:t>
+            </a:r>
+          </a:p>
+          <a:p>
+            <a:pPr lvl="1"/>
+            <a:r>
+              <a:rPr lang="en-US" dirty="0" smtClean="0"/>
+              <a:t>Dev View</a:t>
+            </a:r>
+          </a:p>
+          <a:p>
+            <a:pPr lvl="2"/>
+            <a:r>
+              <a:rPr lang="en-US" dirty="0" smtClean="0"/>
+              <a:t>Probably means preparing everything from servers, middleware and finally deploying the application.</a:t>
+            </a:r>
+          </a:p>
+          <a:p>
+            <a:pPr lvl="1"/>
+            <a:r>
+              <a:rPr lang="en-US" dirty="0" smtClean="0"/>
+              <a:t>Ops View</a:t>
+            </a:r>
+          </a:p>
+          <a:p>
+            <a:pPr lvl="2"/>
+            <a:r>
+              <a:rPr lang="en-US" dirty="0" smtClean="0"/>
+              <a:t>“</a:t>
+            </a:r>
+            <a:r>
+              <a:rPr lang="en-US" dirty="0" smtClean="0">
+                <a:solidFill>
+                  <a:srgbClr val="FF0000"/>
+                </a:solidFill>
+              </a:rPr>
+              <a:t>Provisioning</a:t>
+            </a:r>
+            <a:r>
+              <a:rPr lang="en-US" dirty="0" smtClean="0"/>
+              <a:t>” preparing servers for use by app (install </a:t>
+            </a:r>
+            <a:r>
+              <a:rPr lang="en-US" dirty="0" err="1" smtClean="0"/>
+              <a:t>os</a:t>
+            </a:r>
+            <a:r>
+              <a:rPr lang="en-US" dirty="0" smtClean="0"/>
+              <a:t>, connect to network, AD, storage </a:t>
+            </a:r>
+            <a:r>
+              <a:rPr lang="en-US" dirty="0" err="1" smtClean="0"/>
+              <a:t>etc</a:t>
+            </a:r>
+            <a:r>
+              <a:rPr lang="en-US" dirty="0" smtClean="0"/>
+              <a:t>…)</a:t>
+            </a:r>
+          </a:p>
+          <a:p>
+            <a:pPr lvl="2"/>
+            <a:r>
+              <a:rPr lang="en-US" dirty="0" smtClean="0"/>
+              <a:t>“</a:t>
+            </a:r>
+            <a:r>
+              <a:rPr lang="en-US" dirty="0" smtClean="0">
+                <a:solidFill>
+                  <a:srgbClr val="FF0000"/>
+                </a:solidFill>
+              </a:rPr>
+              <a:t>Middleware Provisioning</a:t>
+            </a:r>
+            <a:r>
+              <a:rPr lang="en-US" dirty="0" smtClean="0"/>
+              <a:t>” prepare middleware above the o/s required by the app to run (web servers, app servers, caching, libraries, databases, brokers, messaging </a:t>
+            </a:r>
+            <a:r>
+              <a:rPr lang="en-US" dirty="0" err="1" smtClean="0"/>
+              <a:t>etc</a:t>
+            </a:r>
+            <a:r>
+              <a:rPr lang="en-US" dirty="0" smtClean="0"/>
+              <a:t>…)</a:t>
+            </a:r>
+          </a:p>
+          <a:p>
+            <a:pPr lvl="2"/>
+            <a:r>
+              <a:rPr lang="en-US" dirty="0" smtClean="0"/>
+              <a:t>“</a:t>
+            </a:r>
+            <a:r>
+              <a:rPr lang="en-US" dirty="0" smtClean="0">
+                <a:solidFill>
+                  <a:srgbClr val="FF0000"/>
+                </a:solidFill>
+              </a:rPr>
+              <a:t>Application Deployment</a:t>
+            </a:r>
+            <a:r>
+              <a:rPr lang="en-US" dirty="0" smtClean="0"/>
+              <a:t>” would be to deploy the application into the environment along with it’s state with “</a:t>
+            </a:r>
+            <a:r>
+              <a:rPr lang="en-US" dirty="0" smtClean="0">
+                <a:solidFill>
+                  <a:srgbClr val="FF0000"/>
+                </a:solidFill>
+              </a:rPr>
+              <a:t>Configuration management</a:t>
+            </a:r>
+            <a:r>
+              <a:rPr lang="en-US" dirty="0" smtClean="0"/>
+              <a:t>”.</a:t>
+            </a:r>
+          </a:p>
+          <a:p>
+            <a:pPr lvl="2"/>
+            <a:r>
+              <a:rPr lang="en-US" dirty="0" smtClean="0"/>
+              <a:t>“</a:t>
+            </a:r>
+            <a:r>
+              <a:rPr lang="en-US" dirty="0" smtClean="0">
+                <a:solidFill>
+                  <a:srgbClr val="FF0000"/>
+                </a:solidFill>
+              </a:rPr>
+              <a:t>Orchestration</a:t>
+            </a:r>
+            <a:r>
+              <a:rPr lang="en-US" dirty="0" smtClean="0"/>
+              <a:t>” would be to allow for a tool to perform these tasks in coordinated manner. </a:t>
+            </a:r>
+          </a:p>
+          <a:p>
+            <a:pPr lvl="1"/>
+            <a:endParaRPr lang="en-US" dirty="0" smtClean="0"/>
+          </a:p>
+        </p:txBody>
+      </p:sp>
+    </p:spTree>
+    <p:extLst>
+      <p:ext uri="{BB962C8B-B14F-4D97-AF65-F5344CB8AC3E}">
+        <p14:creationId xmlns:p14="http://schemas.microsoft.com/office/powerpoint/2010/main" val="1715089674"/>
+      </p:ext>
+    </p:extLst>
+  </p:cSld>
+  <p:clrMapOvr>
+    <a:masterClrMapping/>
+  </p:clrMapOvr>
+  <p:timing>
+    <p:tnLst>
+      <p:par>
+        <p:cTn id="1" dur="indefinite" restart="never" nodeType="tmRoot">
+          <p:childTnLst>
+            <p:seq concurrent="1" nextAc="seek">
+              <p:cTn id="2" dur="indefinite" nodeType="mainSeq">
+                <p:childTnLst>
+                  <p:par>
+                    <p:cTn id="3" fill="hold">
+                      <p:stCondLst>
+                        <p:cond delay="indefinite"/>
+                      </p:stCondLst>
+                      <p:childTnLst>
+                        <p:par>
+                          <p:cTn id="4" fill="hold">
+                            <p:stCondLst>
+                              <p:cond delay="0"/>
+                            </p:stCondLst>
+                            <p:childTnLst>
+                              <p:par>
+                                <p:cTn id="5" presetID="10" presetClass="entr" presetSubtype="0" fill="hold" nodeType="clickEffect">
+                                  <p:stCondLst>
+                                    <p:cond delay="0"/>
+                                  </p:stCondLst>
+                                  <p:childTnLst>
+                                    <p:set>
+                                      <p:cBhvr>
+                                        <p:cTn id="6" dur="1" fill="hold">
+                                          <p:stCondLst>
+                                            <p:cond delay="0"/>
+                                          </p:stCondLst>
+                                        </p:cTn>
+                                        <p:tgtEl>
+                                          <p:spTgt spid="5">
+                                            <p:txEl>
+                                              <p:pRg st="0" end="0"/>
+                                            </p:txEl>
+                                          </p:spTgt>
+                                        </p:tgtEl>
+                                        <p:attrNameLst>
+                                          <p:attrName>style.visibility</p:attrName>
+                                        </p:attrNameLst>
+                                      </p:cBhvr>
+                                      <p:to>
+                                        <p:strVal val="visible"/>
+                                      </p:to>
+                                    </p:set>
+                                    <p:animEffect transition="in" filter="fade">
+                                      <p:cBhvr>
+                                        <p:cTn id="7" dur="500"/>
+                                        <p:tgtEl>
+                                          <p:spTgt spid="5">
+                                            <p:txEl>
+                                              <p:pRg st="0" end="0"/>
+                                            </p:txEl>
+                                          </p:spTgt>
+                                        </p:tgtEl>
+                                      </p:cBhvr>
+                                    </p:animEffect>
+                                  </p:childTnLst>
+                                </p:cTn>
+                              </p:par>
+                            </p:childTnLst>
+                          </p:cTn>
+                        </p:par>
+                      </p:childTnLst>
+                    </p:cTn>
+                  </p:par>
+                  <p:par>
+                    <p:cTn id="8" fill="hold">
+                      <p:stCondLst>
+                        <p:cond delay="indefinite"/>
+                      </p:stCondLst>
+                      <p:childTnLst>
+                        <p:par>
+                          <p:cTn id="9" fill="hold">
+                            <p:stCondLst>
+                              <p:cond delay="0"/>
+                            </p:stCondLst>
+                            <p:childTnLst>
+                              <p:par>
+                                <p:cTn id="10" presetID="10" presetClass="entr" presetSubtype="0" fill="hold" nodeType="clickEffect">
+                                  <p:stCondLst>
+                                    <p:cond delay="0"/>
+                                  </p:stCondLst>
+                                  <p:childTnLst>
+                                    <p:set>
+                                      <p:cBhvr>
+                                        <p:cTn id="11" dur="1" fill="hold">
+                                          <p:stCondLst>
+                                            <p:cond delay="0"/>
+                                          </p:stCondLst>
+                                        </p:cTn>
+                                        <p:tgtEl>
+                                          <p:spTgt spid="5">
+                                            <p:txEl>
+                                              <p:pRg st="1" end="1"/>
+                                            </p:txEl>
+                                          </p:spTgt>
+                                        </p:tgtEl>
+                                        <p:attrNameLst>
+                                          <p:attrName>style.visibility</p:attrName>
+                                        </p:attrNameLst>
+                                      </p:cBhvr>
+                                      <p:to>
+                                        <p:strVal val="visible"/>
+                                      </p:to>
+                                    </p:set>
+                                    <p:animEffect transition="in" filter="fade">
+                                      <p:cBhvr>
+                                        <p:cTn id="12" dur="500"/>
+                                        <p:tgtEl>
+                                          <p:spTgt spid="5">
+                                            <p:txEl>
+                                              <p:pRg st="1" end="1"/>
+                                            </p:txEl>
+                                          </p:spTgt>
+                                        </p:tgtEl>
+                                      </p:cBhvr>
+                                    </p:animEffect>
+                                  </p:childTnLst>
+                                </p:cTn>
+                              </p:par>
+                            </p:childTnLst>
+                          </p:cTn>
+                        </p:par>
+                      </p:childTnLst>
+                    </p:cTn>
+                  </p:par>
+                  <p:par>
+                    <p:cTn id="13" fill="hold">
+                      <p:stCondLst>
+                        <p:cond delay="indefinite"/>
+                      </p:stCondLst>
+                      <p:childTnLst>
+                        <p:par>
+                          <p:cTn id="14" fill="hold">
+                            <p:stCondLst>
+                              <p:cond delay="0"/>
+                            </p:stCondLst>
+                            <p:childTnLst>
+                              <p:par>
+                                <p:cTn id="15" presetID="10" presetClass="entr" presetSubtype="0" fill="hold" nodeType="clickEffect">
+                                  <p:stCondLst>
+                                    <p:cond delay="0"/>
+                                  </p:stCondLst>
+                                  <p:childTnLst>
+                                    <p:set>
+                                      <p:cBhvr>
+                                        <p:cTn id="16" dur="1" fill="hold">
+                                          <p:stCondLst>
+                                            <p:cond delay="0"/>
+                                          </p:stCondLst>
+                                        </p:cTn>
+                                        <p:tgtEl>
+                                          <p:spTgt spid="5">
+                                            <p:txEl>
+                                              <p:pRg st="2" end="2"/>
+                                            </p:txEl>
+                                          </p:spTgt>
+                                        </p:tgtEl>
+                                        <p:attrNameLst>
+                                          <p:attrName>style.visibility</p:attrName>
+                                        </p:attrNameLst>
+                                      </p:cBhvr>
+                                      <p:to>
+                                        <p:strVal val="visible"/>
+                                      </p:to>
+                                    </p:set>
+                                    <p:animEffect transition="in" filter="fade">
+                                      <p:cBhvr>
+                                        <p:cTn id="17" dur="500"/>
+                                        <p:tgtEl>
+                                          <p:spTgt spid="5">
+                                            <p:txEl>
+                                              <p:pRg st="2" end="2"/>
+                                            </p:txEl>
+                                          </p:spTgt>
+                                        </p:tgtEl>
+                                      </p:cBhvr>
+                                    </p:animEffect>
+                                  </p:childTnLst>
+                                </p:cTn>
+                              </p:par>
+                            </p:childTnLst>
+                          </p:cTn>
+                        </p:par>
+                      </p:childTnLst>
+                    </p:cTn>
+                  </p:par>
+                  <p:par>
+                    <p:cTn id="18" fill="hold">
+                      <p:stCondLst>
+                        <p:cond delay="indefinite"/>
+                      </p:stCondLst>
+                      <p:childTnLst>
+                        <p:par>
+                          <p:cTn id="19" fill="hold">
+                            <p:stCondLst>
+                              <p:cond delay="0"/>
+                            </p:stCondLst>
+                            <p:childTnLst>
+                              <p:par>
+                                <p:cTn id="20" presetID="10" presetClass="entr" presetSubtype="0" fill="hold" nodeType="clickEffect">
+                                  <p:stCondLst>
+                                    <p:cond delay="0"/>
+                                  </p:stCondLst>
+                                  <p:childTnLst>
+                                    <p:set>
+                                      <p:cBhvr>
+                                        <p:cTn id="21" dur="1" fill="hold">
+                                          <p:stCondLst>
+                                            <p:cond delay="0"/>
+                                          </p:stCondLst>
+                                        </p:cTn>
+                                        <p:tgtEl>
+                                          <p:spTgt spid="5">
+                                            <p:txEl>
+                                              <p:pRg st="3" end="3"/>
+                                            </p:txEl>
+                                          </p:spTgt>
+                                        </p:tgtEl>
+                                        <p:attrNameLst>
+                                          <p:attrName>style.visibility</p:attrName>
+                                        </p:attrNameLst>
+                                      </p:cBhvr>
+                                      <p:to>
+                                        <p:strVal val="visible"/>
+                                      </p:to>
+                                    </p:set>
+                                    <p:animEffect transition="in" filter="fade">
+                                      <p:cBhvr>
+                                        <p:cTn id="22" dur="500"/>
+                                        <p:tgtEl>
+                                          <p:spTgt spid="5">
+                                            <p:txEl>
+                                              <p:pRg st="3" end="3"/>
+                                            </p:txEl>
+                                          </p:spTgt>
+                                        </p:tgtEl>
+                                      </p:cBhvr>
+                                    </p:animEffect>
+                                  </p:childTnLst>
+                                </p:cTn>
+                              </p:par>
+                            </p:childTnLst>
+                          </p:cTn>
+                        </p:par>
+                      </p:childTnLst>
+                    </p:cTn>
+                  </p:par>
+                  <p:par>
+                    <p:cTn id="23" fill="hold">
+                      <p:stCondLst>
+                        <p:cond delay="indefinite"/>
+                      </p:stCondLst>
+                      <p:childTnLst>
+                        <p:par>
+                          <p:cTn id="24" fill="hold">
+                            <p:stCondLst>
+                              <p:cond delay="0"/>
+                            </p:stCondLst>
+                            <p:childTnLst>
+                              <p:par>
+                                <p:cTn id="25" presetID="10" presetClass="entr" presetSubtype="0" fill="hold" nodeType="clickEffect">
+                                  <p:stCondLst>
+                                    <p:cond delay="0"/>
+                                  </p:stCondLst>
+                                  <p:childTnLst>
+                                    <p:set>
+                                      <p:cBhvr>
+                                        <p:cTn id="26" dur="1" fill="hold">
+                                          <p:stCondLst>
+                                            <p:cond delay="0"/>
+                                          </p:stCondLst>
+                                        </p:cTn>
+                                        <p:tgtEl>
+                                          <p:spTgt spid="5">
+                                            <p:txEl>
+                                              <p:pRg st="4" end="4"/>
+                                            </p:txEl>
+                                          </p:spTgt>
+                                        </p:tgtEl>
+                                        <p:attrNameLst>
+                                          <p:attrName>style.visibility</p:attrName>
+                                        </p:attrNameLst>
+                                      </p:cBhvr>
+                                      <p:to>
+                                        <p:strVal val="visible"/>
+                                      </p:to>
+                                    </p:set>
+                                    <p:animEffect transition="in" filter="fade">
+                                      <p:cBhvr>
+                                        <p:cTn id="27" dur="500"/>
+                                        <p:tgtEl>
+                                          <p:spTgt spid="5">
+                                            <p:txEl>
+                                              <p:pRg st="4" end="4"/>
+                                            </p:txEl>
+                                          </p:spTgt>
+                                        </p:tgtEl>
+                                      </p:cBhvr>
+                                    </p:animEffect>
+                                  </p:childTnLst>
+                                </p:cTn>
+                              </p:par>
+                            </p:childTnLst>
+                          </p:cTn>
+                        </p:par>
+                      </p:childTnLst>
+                    </p:cTn>
+                  </p:par>
+                  <p:par>
+                    <p:cTn id="28" fill="hold">
+                      <p:stCondLst>
+                        <p:cond delay="indefinite"/>
+                      </p:stCondLst>
+                      <p:childTnLst>
+                        <p:par>
+                          <p:cTn id="29" fill="hold">
+                            <p:stCondLst>
+                              <p:cond delay="0"/>
+                            </p:stCondLst>
+                            <p:childTnLst>
+                              <p:par>
+                                <p:cTn id="30" presetID="10" presetClass="entr" presetSubtype="0" fill="hold" nodeType="clickEffect">
+                                  <p:stCondLst>
+                                    <p:cond delay="0"/>
+                                  </p:stCondLst>
+                                  <p:childTnLst>
+                                    <p:set>
+                                      <p:cBhvr>
+                                        <p:cTn id="31" dur="1" fill="hold">
+                                          <p:stCondLst>
+                                            <p:cond delay="0"/>
+                                          </p:stCondLst>
+                                        </p:cTn>
+                                        <p:tgtEl>
+                                          <p:spTgt spid="5">
+                                            <p:txEl>
+                                              <p:pRg st="5" end="5"/>
+                                            </p:txEl>
+                                          </p:spTgt>
+                                        </p:tgtEl>
+                                        <p:attrNameLst>
+                                          <p:attrName>style.visibility</p:attrName>
+                                        </p:attrNameLst>
+                                      </p:cBhvr>
+                                      <p:to>
+                                        <p:strVal val="visible"/>
+                                      </p:to>
+                                    </p:set>
+                                    <p:animEffect transition="in" filter="fade">
+                                      <p:cBhvr>
+                                        <p:cTn id="32" dur="500"/>
+                                        <p:tgtEl>
+                                          <p:spTgt spid="5">
+                                            <p:txEl>
+                                              <p:pRg st="5" end="5"/>
+                                            </p:txEl>
+                                          </p:spTgt>
+                                        </p:tgtEl>
+                                      </p:cBhvr>
+                                    </p:animEffect>
+                                  </p:childTnLst>
+                                </p:cTn>
+                              </p:par>
+                            </p:childTnLst>
+                          </p:cTn>
+                        </p:par>
+                      </p:childTnLst>
+                    </p:cTn>
+                  </p:par>
+                  <p:par>
+                    <p:cTn id="33" fill="hold">
+                      <p:stCondLst>
+                        <p:cond delay="indefinite"/>
+                      </p:stCondLst>
+                      <p:childTnLst>
+                        <p:par>
+                          <p:cTn id="34" fill="hold">
+                            <p:stCondLst>
+                              <p:cond delay="0"/>
+                            </p:stCondLst>
+                            <p:childTnLst>
+                              <p:par>
+                                <p:cTn id="35" presetID="10" presetClass="entr" presetSubtype="0" fill="hold" nodeType="clickEffect">
+                                  <p:stCondLst>
+                                    <p:cond delay="0"/>
+                                  </p:stCondLst>
+                                  <p:childTnLst>
+                                    <p:set>
+                                      <p:cBhvr>
+                                        <p:cTn id="36" dur="1" fill="hold">
+                                          <p:stCondLst>
+                                            <p:cond delay="0"/>
+                                          </p:stCondLst>
+                                        </p:cTn>
+                                        <p:tgtEl>
+                                          <p:spTgt spid="5">
+                                            <p:txEl>
+                                              <p:pRg st="6" end="6"/>
+                                            </p:txEl>
+                                          </p:spTgt>
+                                        </p:tgtEl>
+                                        <p:attrNameLst>
+                                          <p:attrName>style.visibility</p:attrName>
+                                        </p:attrNameLst>
+                                      </p:cBhvr>
+                                      <p:to>
+                                        <p:strVal val="visible"/>
+                                      </p:to>
+                                    </p:set>
+                                    <p:animEffect transition="in" filter="fade">
+                                      <p:cBhvr>
+                                        <p:cTn id="37" dur="500"/>
+                                        <p:tgtEl>
+                                          <p:spTgt spid="5">
+                                            <p:txEl>
+                                              <p:pRg st="6" end="6"/>
+                                            </p:txEl>
+                                          </p:spTgt>
+                                        </p:tgtEl>
+                                      </p:cBhvr>
+                                    </p:animEffect>
+                                  </p:childTnLst>
+                                </p:cTn>
+                              </p:par>
+                            </p:childTnLst>
+                          </p:cTn>
+                        </p:par>
+                      </p:childTnLst>
+                    </p:cTn>
+                  </p:par>
+                  <p:par>
+                    <p:cTn id="38" fill="hold">
+                      <p:stCondLst>
+                        <p:cond delay="indefinite"/>
+                      </p:stCondLst>
+                      <p:childTnLst>
+                        <p:par>
+                          <p:cTn id="39" fill="hold">
+                            <p:stCondLst>
+                              <p:cond delay="0"/>
+                            </p:stCondLst>
+                            <p:childTnLst>
+                              <p:par>
+                                <p:cTn id="40" presetID="10" presetClass="entr" presetSubtype="0" fill="hold" nodeType="clickEffect">
+                                  <p:stCondLst>
+                                    <p:cond delay="0"/>
+                                  </p:stCondLst>
+                                  <p:childTnLst>
+                                    <p:set>
+                                      <p:cBhvr>
+                                        <p:cTn id="41" dur="1" fill="hold">
+                                          <p:stCondLst>
+                                            <p:cond delay="0"/>
+                                          </p:stCondLst>
+                                        </p:cTn>
+                                        <p:tgtEl>
+                                          <p:spTgt spid="5">
+                                            <p:txEl>
+                                              <p:pRg st="7" end="7"/>
+                                            </p:txEl>
+                                          </p:spTgt>
+                                        </p:tgtEl>
+                                        <p:attrNameLst>
+                                          <p:attrName>style.visibility</p:attrName>
+                                        </p:attrNameLst>
+                                      </p:cBhvr>
+                                      <p:to>
+                                        <p:strVal val="visible"/>
+                                      </p:to>
+                                    </p:set>
+                                    <p:animEffect transition="in" filter="fade">
+                                      <p:cBhvr>
+                                        <p:cTn id="42" dur="500"/>
+                                        <p:tgtEl>
+                                          <p:spTgt spid="5">
+                                            <p:txEl>
+                                              <p:pRg st="7" end="7"/>
+                                            </p:txEl>
+                                          </p:spTgt>
+                                        </p:tgtEl>
+                                      </p:cBhvr>
+                                    </p:animEffect>
+                                  </p:childTnLst>
+                                </p:cTn>
+                              </p:par>
+                            </p:childTnLst>
+                          </p:cTn>
+                        </p:par>
+                      </p:childTnLst>
+                    </p:cTn>
+                  </p:par>
+                </p:childTnLst>
+              </p:cTn>
+              <p:prevCondLst>
+                <p:cond evt="onPrev" delay="0">
+                  <p:tgtEl>
+                    <p:sldTgt/>
+                  </p:tgtEl>
+                </p:cond>
+              </p:prevCondLst>
+              <p:nextCondLst>
+                <p:cond evt="onNext" delay="0">
+                  <p:tgtEl>
+                    <p:sldTgt/>
+                  </p:tgtEl>
+                </p:cond>
+              </p:nextCondLst>
+            </p:seq>
+          </p:childTnLst>
+        </p:cTn>
+      </p:par>
+    </p:tnLst>
+  </p:timing>
+</p:sld>
+</file>
+
+<file path=ppt/slides/slide13.xml><?xml version="1.0" encoding="utf-8"?>
+<p:sld xmlns:a="http://schemas.openxmlformats.org/drawingml/2006/main" xmlns:r="http://schemas.openxmlformats.org/officeDocument/2006/relationships" xmlns:p="http://schemas.openxmlformats.org/presentationml/2006/main">
+  <p:cSld>
+    <p:spTree>
+      <p:nvGrpSpPr>
+        <p:cNvPr id="1" name=""/>
+        <p:cNvGrpSpPr/>
+        <p:nvPr/>
+      </p:nvGrpSpPr>
+      <p:grpSpPr>
+        <a:xfrm>
+          <a:off x="0" y="0"/>
+          <a:ext cx="0" cy="0"/>
+          <a:chOff x="0" y="0"/>
+          <a:chExt cx="0" cy="0"/>
+        </a:xfrm>
+      </p:grpSpPr>
+      <p:sp>
+        <p:nvSpPr>
+          <p:cNvPr id="2" name="Slide Number Placeholder 1"/>
+          <p:cNvSpPr>
+            <a:spLocks noGrp="1"/>
+          </p:cNvSpPr>
+          <p:nvPr>
+            <p:ph type="sldNum" sz="quarter" idx="14"/>
+          </p:nvPr>
+        </p:nvSpPr>
+        <p:spPr/>
+        <p:txBody>
+          <a:bodyPr/>
+          <a:lstStyle>
+            <a:lvl1pPr eaLnBrk="0" hangingPunct="0">
+              <a:defRPr sz="2400">
+                <a:solidFill>
+                  <a:schemeClr val="tx1"/>
+                </a:solidFill>
+                <a:latin typeface="Calibri" charset="0"/>
+                <a:ea typeface="ＭＳ Ｐゴシック" charset="-128"/>
+              </a:defRPr>
+            </a:lvl1pPr>
+            <a:lvl2pPr marL="742950" indent="-285750" eaLnBrk="0" hangingPunct="0">
+              <a:defRPr sz="2400">
+                <a:solidFill>
+                  <a:schemeClr val="tx1"/>
+                </a:solidFill>
+                <a:latin typeface="Calibri" charset="0"/>
+                <a:ea typeface="ＭＳ Ｐゴシック" charset="-128"/>
+              </a:defRPr>
+            </a:lvl2pPr>
+            <a:lvl3pPr marL="1143000" indent="-228600" eaLnBrk="0" hangingPunct="0">
+              <a:defRPr sz="2400">
+                <a:solidFill>
+                  <a:schemeClr val="tx1"/>
+                </a:solidFill>
+                <a:latin typeface="Calibri" charset="0"/>
+                <a:ea typeface="ＭＳ Ｐゴシック" charset="-128"/>
+              </a:defRPr>
+            </a:lvl3pPr>
+            <a:lvl4pPr marL="1600200" indent="-228600" eaLnBrk="0" hangingPunct="0">
+              <a:defRPr sz="2400">
+                <a:solidFill>
+                  <a:schemeClr val="tx1"/>
+                </a:solidFill>
+                <a:latin typeface="Calibri" charset="0"/>
+                <a:ea typeface="ＭＳ Ｐゴシック" charset="-128"/>
+              </a:defRPr>
+            </a:lvl4pPr>
+            <a:lvl5pPr marL="2057400" indent="-228600" eaLnBrk="0" hangingPunct="0">
+              <a:defRPr sz="2400">
+                <a:solidFill>
+                  <a:schemeClr val="tx1"/>
+                </a:solidFill>
+                <a:latin typeface="Calibri" charset="0"/>
+                <a:ea typeface="ＭＳ Ｐゴシック" charset="-128"/>
+              </a:defRPr>
+            </a:lvl5pPr>
+            <a:lvl6pPr marL="2514600" indent="-228600" defTabSz="457200" eaLnBrk="0" fontAlgn="base" hangingPunct="0">
+              <a:spcBef>
+                <a:spcPct val="0"/>
+              </a:spcBef>
+              <a:spcAft>
+                <a:spcPct val="0"/>
+              </a:spcAft>
+              <a:defRPr sz="2400">
+                <a:solidFill>
+                  <a:schemeClr val="tx1"/>
+                </a:solidFill>
+                <a:latin typeface="Calibri" charset="0"/>
+                <a:ea typeface="ＭＳ Ｐゴシック" charset="-128"/>
+              </a:defRPr>
+            </a:lvl6pPr>
+            <a:lvl7pPr marL="2971800" indent="-228600" defTabSz="457200" eaLnBrk="0" fontAlgn="base" hangingPunct="0">
+              <a:spcBef>
+                <a:spcPct val="0"/>
+              </a:spcBef>
+              <a:spcAft>
+                <a:spcPct val="0"/>
+              </a:spcAft>
+              <a:defRPr sz="2400">
+                <a:solidFill>
+                  <a:schemeClr val="tx1"/>
+                </a:solidFill>
+                <a:latin typeface="Calibri" charset="0"/>
+                <a:ea typeface="ＭＳ Ｐゴシック" charset="-128"/>
+              </a:defRPr>
+            </a:lvl7pPr>
+            <a:lvl8pPr marL="3429000" indent="-228600" defTabSz="457200" eaLnBrk="0" fontAlgn="base" hangingPunct="0">
+              <a:spcBef>
+                <a:spcPct val="0"/>
+              </a:spcBef>
+              <a:spcAft>
+                <a:spcPct val="0"/>
+              </a:spcAft>
+              <a:defRPr sz="2400">
+                <a:solidFill>
+                  <a:schemeClr val="tx1"/>
+                </a:solidFill>
+                <a:latin typeface="Calibri" charset="0"/>
+                <a:ea typeface="ＭＳ Ｐゴシック" charset="-128"/>
+              </a:defRPr>
+            </a:lvl8pPr>
+            <a:lvl9pPr marL="3886200" indent="-228600" defTabSz="457200" eaLnBrk="0" fontAlgn="base" hangingPunct="0">
+              <a:spcBef>
+                <a:spcPct val="0"/>
+              </a:spcBef>
+              <a:spcAft>
+                <a:spcPct val="0"/>
+              </a:spcAft>
+              <a:defRPr sz="2400">
+                <a:solidFill>
+                  <a:schemeClr val="tx1"/>
+                </a:solidFill>
+                <a:latin typeface="Calibri" charset="0"/>
+                <a:ea typeface="ＭＳ Ｐゴシック" charset="-128"/>
+              </a:defRPr>
+            </a:lvl9pPr>
+          </a:lstStyle>
+          <a:p>
+            <a:pPr eaLnBrk="1" hangingPunct="1"/>
+            <a:fld id="{BA1D72C3-80F2-3F46-A05E-5152314D7692}" type="slidenum">
+              <a:rPr lang="fr-FR" altLang="en-US" sz="1200">
+                <a:solidFill>
+                  <a:schemeClr val="bg1"/>
+                </a:solidFill>
+                <a:latin typeface="Trebuchet MS" charset="0"/>
+              </a:rPr>
+              <a:pPr eaLnBrk="1" hangingPunct="1"/>
+              <a:t>13</a:t>
+            </a:fld>
+            <a:endParaRPr lang="fr-FR" altLang="en-US" sz="1200">
+              <a:solidFill>
+                <a:schemeClr val="bg1"/>
+              </a:solidFill>
+              <a:latin typeface="Trebuchet MS" charset="0"/>
+            </a:endParaRPr>
+          </a:p>
+        </p:txBody>
+      </p:sp>
+      <p:sp>
+        <p:nvSpPr>
+          <p:cNvPr id="6146" name="Title 2"/>
+          <p:cNvSpPr>
+            <a:spLocks noGrp="1"/>
+          </p:cNvSpPr>
+          <p:nvPr>
+            <p:ph type="title"/>
+          </p:nvPr>
+        </p:nvSpPr>
+        <p:spPr>
+          <a:xfrm>
+            <a:off x="576262" y="717187"/>
+            <a:ext cx="8850702" cy="725816"/>
+          </a:xfrm>
+        </p:spPr>
+        <p:txBody>
+          <a:bodyPr/>
+          <a:lstStyle/>
+          <a:p>
+            <a:r>
+              <a:rPr lang="en-US" altLang="en-US" dirty="0" smtClean="0">
+                <a:latin typeface="Trebuchet MS" charset="0"/>
+                <a:ea typeface="ＭＳ Ｐゴシック" charset="-128"/>
+              </a:rPr>
+              <a:t>Some Thoughts….</a:t>
+            </a:r>
+            <a:r>
+              <a:rPr lang="en-US" altLang="en-US" dirty="0">
+                <a:latin typeface="Trebuchet MS" charset="0"/>
+                <a:ea typeface="ＭＳ Ｐゴシック" charset="-128"/>
+              </a:rPr>
+              <a:t/>
+            </a:r>
+            <a:br>
+              <a:rPr lang="en-US" altLang="en-US" dirty="0">
+                <a:latin typeface="Trebuchet MS" charset="0"/>
+                <a:ea typeface="ＭＳ Ｐゴシック" charset="-128"/>
+              </a:rPr>
+            </a:br>
+            <a:r>
+              <a:rPr lang="en-US" altLang="en-US" dirty="0">
+                <a:latin typeface="Trebuchet MS" charset="0"/>
+                <a:ea typeface="ＭＳ Ｐゴシック" charset="-128"/>
+              </a:rPr>
+              <a:t/>
+            </a:r>
+            <a:br>
+              <a:rPr lang="en-US" altLang="en-US" dirty="0">
+                <a:latin typeface="Trebuchet MS" charset="0"/>
+                <a:ea typeface="ＭＳ Ｐゴシック" charset="-128"/>
+              </a:rPr>
+            </a:br>
+            <a:endParaRPr lang="en-US" altLang="en-US" dirty="0">
+              <a:latin typeface="Trebuchet MS" charset="0"/>
+              <a:ea typeface="ＭＳ Ｐゴシック" charset="-128"/>
+            </a:endParaRPr>
+          </a:p>
+        </p:txBody>
+      </p:sp>
+      <p:sp>
+        <p:nvSpPr>
+          <p:cNvPr id="5" name="Content Placeholder 4"/>
+          <p:cNvSpPr>
+            <a:spLocks noGrp="1"/>
+          </p:cNvSpPr>
+          <p:nvPr>
+            <p:ph idx="13"/>
+          </p:nvPr>
+        </p:nvSpPr>
+        <p:spPr>
+          <a:xfrm>
+            <a:off x="576262" y="833523"/>
+            <a:ext cx="8110537" cy="3908964"/>
+          </a:xfrm>
+        </p:spPr>
+        <p:txBody>
+          <a:bodyPr/>
+          <a:lstStyle/>
+          <a:p>
+            <a:endParaRPr lang="en-US" dirty="0" smtClean="0"/>
+          </a:p>
+          <a:p>
+            <a:r>
+              <a:rPr lang="en-US" dirty="0" smtClean="0"/>
+              <a:t>I </a:t>
+            </a:r>
+            <a:r>
+              <a:rPr lang="en-US" dirty="0"/>
+              <a:t>find myself struggling on how to best organize the </a:t>
+            </a:r>
+            <a:r>
+              <a:rPr lang="en-US" dirty="0" err="1" smtClean="0"/>
+              <a:t>Ansible</a:t>
+            </a:r>
+            <a:r>
+              <a:rPr lang="en-US" dirty="0" smtClean="0"/>
+              <a:t> </a:t>
+            </a:r>
+            <a:r>
+              <a:rPr lang="en-US" dirty="0"/>
+              <a:t>playbooks given the various teams and subject matter experts and how to organize the </a:t>
+            </a:r>
+            <a:r>
+              <a:rPr lang="en-US" dirty="0" err="1"/>
+              <a:t>git</a:t>
+            </a:r>
+            <a:r>
+              <a:rPr lang="en-US" dirty="0"/>
+              <a:t> </a:t>
+            </a:r>
+            <a:r>
+              <a:rPr lang="en-US" dirty="0" smtClean="0"/>
+              <a:t>repos</a:t>
+            </a:r>
+          </a:p>
+          <a:p>
+            <a:endParaRPr lang="en-US" dirty="0"/>
+          </a:p>
+          <a:p>
+            <a:r>
+              <a:rPr lang="en-US" dirty="0" smtClean="0"/>
+              <a:t>Maybe a POC of an end-to-end automated </a:t>
+            </a:r>
+            <a:r>
+              <a:rPr lang="en-US" dirty="0" err="1" smtClean="0"/>
+              <a:t>Ansible</a:t>
+            </a:r>
+            <a:r>
+              <a:rPr lang="en-US" dirty="0" smtClean="0"/>
+              <a:t> deployment process of an application would help flush this out</a:t>
+            </a:r>
+          </a:p>
+          <a:p>
+            <a:pPr marL="457200" lvl="1" indent="0">
+              <a:buNone/>
+            </a:pPr>
+            <a:endParaRPr lang="en-US" dirty="0" smtClean="0"/>
+          </a:p>
+        </p:txBody>
+      </p:sp>
+    </p:spTree>
+    <p:extLst>
+      <p:ext uri="{BB962C8B-B14F-4D97-AF65-F5344CB8AC3E}">
+        <p14:creationId xmlns:p14="http://schemas.microsoft.com/office/powerpoint/2010/main" val="3943133343"/>
+      </p:ext>
+    </p:extLst>
+  </p:cSld>
+  <p:clrMapOvr>
+    <a:masterClrMapping/>
+  </p:clrMapOvr>
+  <p:timing>
+    <p:tnLst>
+      <p:par>
+        <p:cTn id="1" dur="indefinite" restart="never" nodeType="tmRoot">
+          <p:childTnLst>
+            <p:seq concurrent="1" nextAc="seek">
+              <p:cTn id="2" dur="indefinite" nodeType="mainSeq">
+                <p:childTnLst>
+                  <p:par>
+                    <p:cTn id="3" fill="hold">
+                      <p:stCondLst>
+                        <p:cond delay="indefinite"/>
+                      </p:stCondLst>
+                      <p:childTnLst>
+                        <p:par>
+                          <p:cTn id="4" fill="hold">
+                            <p:stCondLst>
+                              <p:cond delay="0"/>
+                            </p:stCondLst>
+                            <p:childTnLst>
+                              <p:par>
+                                <p:cTn id="5" presetID="10" presetClass="entr" presetSubtype="0" fill="hold" nodeType="clickEffect">
+                                  <p:stCondLst>
+                                    <p:cond delay="0"/>
+                                  </p:stCondLst>
+                                  <p:childTnLst>
+                                    <p:set>
+                                      <p:cBhvr>
+                                        <p:cTn id="6" dur="1" fill="hold">
+                                          <p:stCondLst>
+                                            <p:cond delay="0"/>
+                                          </p:stCondLst>
+                                        </p:cTn>
+                                        <p:tgtEl>
+                                          <p:spTgt spid="5">
+                                            <p:txEl>
+                                              <p:pRg st="1" end="1"/>
+                                            </p:txEl>
+                                          </p:spTgt>
+                                        </p:tgtEl>
+                                        <p:attrNameLst>
+                                          <p:attrName>style.visibility</p:attrName>
+                                        </p:attrNameLst>
+                                      </p:cBhvr>
+                                      <p:to>
+                                        <p:strVal val="visible"/>
+                                      </p:to>
+                                    </p:set>
+                                    <p:animEffect transition="in" filter="fade">
+                                      <p:cBhvr>
+                                        <p:cTn id="7" dur="500"/>
+                                        <p:tgtEl>
+                                          <p:spTgt spid="5">
+                                            <p:txEl>
+                                              <p:pRg st="1" end="1"/>
+                                            </p:txEl>
+                                          </p:spTgt>
+                                        </p:tgtEl>
+                                      </p:cBhvr>
+                                    </p:animEffect>
+                                  </p:childTnLst>
+                                </p:cTn>
+                              </p:par>
+                            </p:childTnLst>
+                          </p:cTn>
+                        </p:par>
+                      </p:childTnLst>
+                    </p:cTn>
+                  </p:par>
+                  <p:par>
+                    <p:cTn id="8" fill="hold">
+                      <p:stCondLst>
+                        <p:cond delay="indefinite"/>
+                      </p:stCondLst>
+                      <p:childTnLst>
+                        <p:par>
+                          <p:cTn id="9" fill="hold">
+                            <p:stCondLst>
+                              <p:cond delay="0"/>
+                            </p:stCondLst>
+                            <p:childTnLst>
+                              <p:par>
+                                <p:cTn id="10" presetID="10" presetClass="entr" presetSubtype="0" fill="hold" nodeType="clickEffect">
+                                  <p:stCondLst>
+                                    <p:cond delay="0"/>
+                                  </p:stCondLst>
+                                  <p:childTnLst>
+                                    <p:set>
+                                      <p:cBhvr>
+                                        <p:cTn id="11" dur="1" fill="hold">
+                                          <p:stCondLst>
+                                            <p:cond delay="0"/>
+                                          </p:stCondLst>
+                                        </p:cTn>
+                                        <p:tgtEl>
+                                          <p:spTgt spid="5">
+                                            <p:txEl>
+                                              <p:pRg st="3" end="3"/>
+                                            </p:txEl>
+                                          </p:spTgt>
+                                        </p:tgtEl>
+                                        <p:attrNameLst>
+                                          <p:attrName>style.visibility</p:attrName>
+                                        </p:attrNameLst>
+                                      </p:cBhvr>
+                                      <p:to>
+                                        <p:strVal val="visible"/>
+                                      </p:to>
+                                    </p:set>
+                                    <p:animEffect transition="in" filter="fade">
+                                      <p:cBhvr>
+                                        <p:cTn id="12" dur="500"/>
+                                        <p:tgtEl>
+                                          <p:spTgt spid="5">
+                                            <p:txEl>
+                                              <p:pRg st="3" end="3"/>
+                                            </p:txEl>
+                                          </p:spTgt>
+                                        </p:tgtEl>
+                                      </p:cBhvr>
+                                    </p:animEffect>
+                                  </p:childTnLst>
+                                </p:cTn>
+                              </p:par>
+                            </p:childTnLst>
+                          </p:cTn>
+                        </p:par>
+                      </p:childTnLst>
+                    </p:cTn>
+                  </p:par>
+                </p:childTnLst>
+              </p:cTn>
+              <p:prevCondLst>
+                <p:cond evt="onPrev" delay="0">
+                  <p:tgtEl>
+                    <p:sldTgt/>
+                  </p:tgtEl>
+                </p:cond>
+              </p:prevCondLst>
+              <p:nextCondLst>
+                <p:cond evt="onNext" delay="0">
+                  <p:tgtEl>
+                    <p:sldTgt/>
+                  </p:tgtEl>
+                </p:cond>
+              </p:nextCondLst>
+            </p:seq>
+          </p:childTnLst>
+        </p:cTn>
+      </p:par>
+    </p:tnLst>
+  </p:timing>
+</p:sld>
+</file>
+
+<file path=ppt/slides/slide14.xml><?xml version="1.0" encoding="utf-8"?>
+<p:sld xmlns:a="http://schemas.openxmlformats.org/drawingml/2006/main" xmlns:r="http://schemas.openxmlformats.org/officeDocument/2006/relationships" xmlns:p="http://schemas.openxmlformats.org/presentationml/2006/main">
+  <p:cSld>
+    <p:spTree>
+      <p:nvGrpSpPr>
+        <p:cNvPr id="1" name=""/>
+        <p:cNvGrpSpPr/>
+        <p:nvPr/>
+      </p:nvGrpSpPr>
+      <p:grpSpPr>
+        <a:xfrm>
+          <a:off x="0" y="0"/>
+          <a:ext cx="0" cy="0"/>
+          <a:chOff x="0" y="0"/>
+          <a:chExt cx="0" cy="0"/>
+        </a:xfrm>
+      </p:grpSpPr>
+      <p:sp>
+        <p:nvSpPr>
+          <p:cNvPr id="2" name="Slide Number Placeholder 1"/>
+          <p:cNvSpPr>
+            <a:spLocks noGrp="1"/>
+          </p:cNvSpPr>
+          <p:nvPr>
+            <p:ph type="sldNum" sz="quarter" idx="14"/>
+          </p:nvPr>
+        </p:nvSpPr>
+        <p:spPr/>
+        <p:txBody>
+          <a:bodyPr/>
+          <a:lstStyle>
+            <a:lvl1pPr eaLnBrk="0" hangingPunct="0">
+              <a:defRPr sz="2400">
+                <a:solidFill>
+                  <a:schemeClr val="tx1"/>
+                </a:solidFill>
+                <a:latin typeface="Calibri" charset="0"/>
+                <a:ea typeface="ＭＳ Ｐゴシック" charset="-128"/>
+              </a:defRPr>
+            </a:lvl1pPr>
+            <a:lvl2pPr marL="742950" indent="-285750" eaLnBrk="0" hangingPunct="0">
+              <a:defRPr sz="2400">
+                <a:solidFill>
+                  <a:schemeClr val="tx1"/>
+                </a:solidFill>
+                <a:latin typeface="Calibri" charset="0"/>
+                <a:ea typeface="ＭＳ Ｐゴシック" charset="-128"/>
+              </a:defRPr>
+            </a:lvl2pPr>
+            <a:lvl3pPr marL="1143000" indent="-228600" eaLnBrk="0" hangingPunct="0">
+              <a:defRPr sz="2400">
+                <a:solidFill>
+                  <a:schemeClr val="tx1"/>
+                </a:solidFill>
+                <a:latin typeface="Calibri" charset="0"/>
+                <a:ea typeface="ＭＳ Ｐゴシック" charset="-128"/>
+              </a:defRPr>
+            </a:lvl3pPr>
+            <a:lvl4pPr marL="1600200" indent="-228600" eaLnBrk="0" hangingPunct="0">
+              <a:defRPr sz="2400">
+                <a:solidFill>
+                  <a:schemeClr val="tx1"/>
+                </a:solidFill>
+                <a:latin typeface="Calibri" charset="0"/>
+                <a:ea typeface="ＭＳ Ｐゴシック" charset="-128"/>
+              </a:defRPr>
+            </a:lvl4pPr>
+            <a:lvl5pPr marL="2057400" indent="-228600" eaLnBrk="0" hangingPunct="0">
+              <a:defRPr sz="2400">
+                <a:solidFill>
+                  <a:schemeClr val="tx1"/>
+                </a:solidFill>
+                <a:latin typeface="Calibri" charset="0"/>
+                <a:ea typeface="ＭＳ Ｐゴシック" charset="-128"/>
+              </a:defRPr>
+            </a:lvl5pPr>
+            <a:lvl6pPr marL="2514600" indent="-228600" defTabSz="457200" eaLnBrk="0" fontAlgn="base" hangingPunct="0">
+              <a:spcBef>
+                <a:spcPct val="0"/>
+              </a:spcBef>
+              <a:spcAft>
+                <a:spcPct val="0"/>
+              </a:spcAft>
+              <a:defRPr sz="2400">
+                <a:solidFill>
+                  <a:schemeClr val="tx1"/>
+                </a:solidFill>
+                <a:latin typeface="Calibri" charset="0"/>
+                <a:ea typeface="ＭＳ Ｐゴシック" charset="-128"/>
+              </a:defRPr>
+            </a:lvl6pPr>
+            <a:lvl7pPr marL="2971800" indent="-228600" defTabSz="457200" eaLnBrk="0" fontAlgn="base" hangingPunct="0">
+              <a:spcBef>
+                <a:spcPct val="0"/>
+              </a:spcBef>
+              <a:spcAft>
+                <a:spcPct val="0"/>
+              </a:spcAft>
+              <a:defRPr sz="2400">
+                <a:solidFill>
+                  <a:schemeClr val="tx1"/>
+                </a:solidFill>
+                <a:latin typeface="Calibri" charset="0"/>
+                <a:ea typeface="ＭＳ Ｐゴシック" charset="-128"/>
+              </a:defRPr>
+            </a:lvl7pPr>
+            <a:lvl8pPr marL="3429000" indent="-228600" defTabSz="457200" eaLnBrk="0" fontAlgn="base" hangingPunct="0">
+              <a:spcBef>
+                <a:spcPct val="0"/>
+              </a:spcBef>
+              <a:spcAft>
+                <a:spcPct val="0"/>
+              </a:spcAft>
+              <a:defRPr sz="2400">
+                <a:solidFill>
+                  <a:schemeClr val="tx1"/>
+                </a:solidFill>
+                <a:latin typeface="Calibri" charset="0"/>
+                <a:ea typeface="ＭＳ Ｐゴシック" charset="-128"/>
+              </a:defRPr>
+            </a:lvl8pPr>
+            <a:lvl9pPr marL="3886200" indent="-228600" defTabSz="457200" eaLnBrk="0" fontAlgn="base" hangingPunct="0">
+              <a:spcBef>
+                <a:spcPct val="0"/>
+              </a:spcBef>
+              <a:spcAft>
+                <a:spcPct val="0"/>
+              </a:spcAft>
+              <a:defRPr sz="2400">
+                <a:solidFill>
+                  <a:schemeClr val="tx1"/>
+                </a:solidFill>
+                <a:latin typeface="Calibri" charset="0"/>
+                <a:ea typeface="ＭＳ Ｐゴシック" charset="-128"/>
+              </a:defRPr>
+            </a:lvl9pPr>
+          </a:lstStyle>
+          <a:p>
+            <a:pPr eaLnBrk="1" hangingPunct="1"/>
+            <a:fld id="{BA1D72C3-80F2-3F46-A05E-5152314D7692}" type="slidenum">
+              <a:rPr lang="fr-FR" altLang="en-US" sz="1200">
+                <a:solidFill>
+                  <a:schemeClr val="bg1"/>
+                </a:solidFill>
+                <a:latin typeface="Trebuchet MS" charset="0"/>
+              </a:rPr>
+              <a:pPr eaLnBrk="1" hangingPunct="1"/>
+              <a:t>14</a:t>
+            </a:fld>
+            <a:endParaRPr lang="fr-FR" altLang="en-US" sz="1200">
+              <a:solidFill>
+                <a:schemeClr val="bg1"/>
+              </a:solidFill>
+              <a:latin typeface="Trebuchet MS" charset="0"/>
+            </a:endParaRPr>
+          </a:p>
+        </p:txBody>
+      </p:sp>
+      <p:sp>
+        <p:nvSpPr>
+          <p:cNvPr id="6146" name="Title 2"/>
+          <p:cNvSpPr>
+            <a:spLocks noGrp="1"/>
+          </p:cNvSpPr>
+          <p:nvPr>
+            <p:ph type="title"/>
+          </p:nvPr>
+        </p:nvSpPr>
+        <p:spPr>
+          <a:xfrm>
+            <a:off x="576263" y="1105973"/>
+            <a:ext cx="8850702" cy="725816"/>
+          </a:xfrm>
+        </p:spPr>
+        <p:txBody>
+          <a:bodyPr/>
+          <a:lstStyle/>
+          <a:p>
+            <a:r>
+              <a:rPr lang="en-US" altLang="en-US" dirty="0" smtClean="0">
+                <a:latin typeface="Trebuchet MS" charset="0"/>
+                <a:ea typeface="ＭＳ Ｐゴシック" charset="-128"/>
+              </a:rPr>
+              <a:t>Demo</a:t>
+            </a:r>
+            <a:r>
+              <a:rPr lang="en-US" altLang="en-US" dirty="0">
+                <a:latin typeface="Trebuchet MS" charset="0"/>
+                <a:ea typeface="ＭＳ Ｐゴシック" charset="-128"/>
+              </a:rPr>
+              <a:t/>
+            </a:r>
+            <a:br>
+              <a:rPr lang="en-US" altLang="en-US" dirty="0">
+                <a:latin typeface="Trebuchet MS" charset="0"/>
+                <a:ea typeface="ＭＳ Ｐゴシック" charset="-128"/>
+              </a:rPr>
+            </a:br>
+            <a:r>
+              <a:rPr lang="en-US" altLang="en-US" dirty="0">
+                <a:latin typeface="Trebuchet MS" charset="0"/>
+                <a:ea typeface="ＭＳ Ｐゴシック" charset="-128"/>
+              </a:rPr>
+              <a:t/>
+            </a:r>
+            <a:br>
+              <a:rPr lang="en-US" altLang="en-US" dirty="0">
+                <a:latin typeface="Trebuchet MS" charset="0"/>
+                <a:ea typeface="ＭＳ Ｐゴシック" charset="-128"/>
+              </a:rPr>
+            </a:br>
+            <a:r>
+              <a:rPr lang="en-US" altLang="en-US" dirty="0">
+                <a:latin typeface="Trebuchet MS" charset="0"/>
+                <a:ea typeface="ＭＳ Ｐゴシック" charset="-128"/>
+              </a:rPr>
+              <a:t/>
+            </a:r>
+            <a:br>
+              <a:rPr lang="en-US" altLang="en-US" dirty="0">
+                <a:latin typeface="Trebuchet MS" charset="0"/>
+                <a:ea typeface="ＭＳ Ｐゴシック" charset="-128"/>
+              </a:rPr>
+            </a:br>
+            <a:endParaRPr lang="en-US" altLang="en-US" dirty="0">
+              <a:latin typeface="Trebuchet MS" charset="0"/>
+              <a:ea typeface="ＭＳ Ｐゴシック" charset="-128"/>
+            </a:endParaRPr>
+          </a:p>
+        </p:txBody>
+      </p:sp>
+      <p:sp>
+        <p:nvSpPr>
+          <p:cNvPr id="5" name="Content Placeholder 4"/>
+          <p:cNvSpPr>
+            <a:spLocks noGrp="1"/>
+          </p:cNvSpPr>
+          <p:nvPr>
+            <p:ph idx="13"/>
+          </p:nvPr>
+        </p:nvSpPr>
+        <p:spPr>
+          <a:xfrm>
+            <a:off x="576262" y="1206500"/>
+            <a:ext cx="8455595" cy="3908964"/>
+          </a:xfrm>
+        </p:spPr>
+        <p:txBody>
+          <a:bodyPr/>
+          <a:lstStyle/>
+          <a:p>
+            <a:r>
+              <a:rPr lang="en-US" dirty="0" smtClean="0"/>
+              <a:t>One off </a:t>
+            </a:r>
+            <a:r>
+              <a:rPr lang="en-US" dirty="0" err="1" smtClean="0"/>
+              <a:t>ansible</a:t>
+            </a:r>
+            <a:r>
+              <a:rPr lang="en-US" dirty="0" smtClean="0"/>
+              <a:t> commands</a:t>
+            </a:r>
+          </a:p>
+          <a:p>
+            <a:r>
+              <a:rPr lang="en-US" dirty="0" smtClean="0"/>
+              <a:t>Simple playbook &amp; tags</a:t>
+            </a:r>
+          </a:p>
+          <a:p>
+            <a:r>
+              <a:rPr lang="en-US" dirty="0" smtClean="0"/>
+              <a:t>Playbook with roles</a:t>
+            </a:r>
+          </a:p>
+          <a:p>
+            <a:r>
+              <a:rPr lang="en-US" dirty="0" smtClean="0"/>
+              <a:t>Galaxy</a:t>
+            </a:r>
+            <a:r>
+              <a:rPr lang="en-US" dirty="0"/>
+              <a:t> </a:t>
+            </a:r>
+            <a:r>
+              <a:rPr lang="en-US" dirty="0" err="1" smtClean="0"/>
+              <a:t>Git</a:t>
+            </a:r>
+            <a:r>
+              <a:rPr lang="en-US" dirty="0" smtClean="0"/>
+              <a:t> &amp; Role Reuse</a:t>
+            </a:r>
+          </a:p>
+          <a:p>
+            <a:r>
+              <a:rPr lang="en-US" dirty="0" smtClean="0"/>
+              <a:t>A full </a:t>
+            </a:r>
+            <a:r>
+              <a:rPr lang="en-US" dirty="0" err="1"/>
+              <a:t>A</a:t>
+            </a:r>
+            <a:r>
+              <a:rPr lang="en-US" dirty="0" err="1" smtClean="0"/>
+              <a:t>nsible</a:t>
+            </a:r>
+            <a:r>
+              <a:rPr lang="en-US" dirty="0" smtClean="0"/>
+              <a:t> Orchestrated AWS/RDS Oracle/Windows/App</a:t>
+            </a:r>
+          </a:p>
+        </p:txBody>
+      </p:sp>
+    </p:spTree>
+    <p:extLst>
+      <p:ext uri="{BB962C8B-B14F-4D97-AF65-F5344CB8AC3E}">
+        <p14:creationId xmlns:p14="http://schemas.microsoft.com/office/powerpoint/2010/main" val="270836318"/>
+      </p:ext>
+    </p:extLst>
+  </p:cSld>
+  <p:clrMapOvr>
+    <a:masterClrMapping/>
+  </p:clrMapOvr>
+  <p:timing>
+    <p:tnLst>
+      <p:par>
+        <p:cTn id="1" dur="indefinite" restart="never" nodeType="tmRoot"/>
+      </p:par>
+    </p:tnLst>
+  </p:timing>
+</p:sld>
+</file>
+
+<file path=ppt/slides/slide15.xml><?xml version="1.0" encoding="utf-8"?>
+<p:sld xmlns:a="http://schemas.openxmlformats.org/drawingml/2006/main" xmlns:r="http://schemas.openxmlformats.org/officeDocument/2006/relationships" xmlns:p="http://schemas.openxmlformats.org/presentationml/2006/main">
+  <p:cSld>
+    <p:spTree>
+      <p:nvGrpSpPr>
+        <p:cNvPr id="1" name=""/>
+        <p:cNvGrpSpPr/>
+        <p:nvPr/>
+      </p:nvGrpSpPr>
+      <p:grpSpPr>
+        <a:xfrm>
+          <a:off x="0" y="0"/>
+          <a:ext cx="0" cy="0"/>
+          <a:chOff x="0" y="0"/>
+          <a:chExt cx="0" cy="0"/>
+        </a:xfrm>
+      </p:grpSpPr>
+      <p:sp>
+        <p:nvSpPr>
+          <p:cNvPr id="2" name="Slide Number Placeholder 1"/>
+          <p:cNvSpPr>
+            <a:spLocks noGrp="1"/>
+          </p:cNvSpPr>
+          <p:nvPr>
+            <p:ph type="sldNum" sz="quarter" idx="14"/>
+          </p:nvPr>
+        </p:nvSpPr>
+        <p:spPr/>
+        <p:txBody>
+          <a:bodyPr/>
+          <a:lstStyle>
+            <a:lvl1pPr eaLnBrk="0" hangingPunct="0">
+              <a:defRPr sz="2400">
+                <a:solidFill>
+                  <a:schemeClr val="tx1"/>
+                </a:solidFill>
+                <a:latin typeface="Calibri" charset="0"/>
+                <a:ea typeface="ＭＳ Ｐゴシック" charset="-128"/>
+              </a:defRPr>
+            </a:lvl1pPr>
+            <a:lvl2pPr marL="742950" indent="-285750" eaLnBrk="0" hangingPunct="0">
+              <a:defRPr sz="2400">
+                <a:solidFill>
+                  <a:schemeClr val="tx1"/>
+                </a:solidFill>
+                <a:latin typeface="Calibri" charset="0"/>
+                <a:ea typeface="ＭＳ Ｐゴシック" charset="-128"/>
+              </a:defRPr>
+            </a:lvl2pPr>
+            <a:lvl3pPr marL="1143000" indent="-228600" eaLnBrk="0" hangingPunct="0">
+              <a:defRPr sz="2400">
+                <a:solidFill>
+                  <a:schemeClr val="tx1"/>
+                </a:solidFill>
+                <a:latin typeface="Calibri" charset="0"/>
+                <a:ea typeface="ＭＳ Ｐゴシック" charset="-128"/>
+              </a:defRPr>
+            </a:lvl3pPr>
+            <a:lvl4pPr marL="1600200" indent="-228600" eaLnBrk="0" hangingPunct="0">
+              <a:defRPr sz="2400">
+                <a:solidFill>
+                  <a:schemeClr val="tx1"/>
+                </a:solidFill>
+                <a:latin typeface="Calibri" charset="0"/>
+                <a:ea typeface="ＭＳ Ｐゴシック" charset="-128"/>
+              </a:defRPr>
+            </a:lvl4pPr>
+            <a:lvl5pPr marL="2057400" indent="-228600" eaLnBrk="0" hangingPunct="0">
+              <a:defRPr sz="2400">
+                <a:solidFill>
+                  <a:schemeClr val="tx1"/>
+                </a:solidFill>
+                <a:latin typeface="Calibri" charset="0"/>
+                <a:ea typeface="ＭＳ Ｐゴシック" charset="-128"/>
+              </a:defRPr>
+            </a:lvl5pPr>
+            <a:lvl6pPr marL="2514600" indent="-228600" defTabSz="457200" eaLnBrk="0" fontAlgn="base" hangingPunct="0">
+              <a:spcBef>
+                <a:spcPct val="0"/>
+              </a:spcBef>
+              <a:spcAft>
+                <a:spcPct val="0"/>
+              </a:spcAft>
+              <a:defRPr sz="2400">
+                <a:solidFill>
+                  <a:schemeClr val="tx1"/>
+                </a:solidFill>
+                <a:latin typeface="Calibri" charset="0"/>
+                <a:ea typeface="ＭＳ Ｐゴシック" charset="-128"/>
+              </a:defRPr>
+            </a:lvl6pPr>
+            <a:lvl7pPr marL="2971800" indent="-228600" defTabSz="457200" eaLnBrk="0" fontAlgn="base" hangingPunct="0">
+              <a:spcBef>
+                <a:spcPct val="0"/>
+              </a:spcBef>
+              <a:spcAft>
+                <a:spcPct val="0"/>
+              </a:spcAft>
+              <a:defRPr sz="2400">
+                <a:solidFill>
+                  <a:schemeClr val="tx1"/>
+                </a:solidFill>
+                <a:latin typeface="Calibri" charset="0"/>
+                <a:ea typeface="ＭＳ Ｐゴシック" charset="-128"/>
+              </a:defRPr>
+            </a:lvl7pPr>
+            <a:lvl8pPr marL="3429000" indent="-228600" defTabSz="457200" eaLnBrk="0" fontAlgn="base" hangingPunct="0">
+              <a:spcBef>
+                <a:spcPct val="0"/>
+              </a:spcBef>
+              <a:spcAft>
+                <a:spcPct val="0"/>
+              </a:spcAft>
+              <a:defRPr sz="2400">
+                <a:solidFill>
+                  <a:schemeClr val="tx1"/>
+                </a:solidFill>
+                <a:latin typeface="Calibri" charset="0"/>
+                <a:ea typeface="ＭＳ Ｐゴシック" charset="-128"/>
+              </a:defRPr>
+            </a:lvl8pPr>
+            <a:lvl9pPr marL="3886200" indent="-228600" defTabSz="457200" eaLnBrk="0" fontAlgn="base" hangingPunct="0">
+              <a:spcBef>
+                <a:spcPct val="0"/>
+              </a:spcBef>
+              <a:spcAft>
+                <a:spcPct val="0"/>
+              </a:spcAft>
+              <a:defRPr sz="2400">
+                <a:solidFill>
+                  <a:schemeClr val="tx1"/>
+                </a:solidFill>
+                <a:latin typeface="Calibri" charset="0"/>
+                <a:ea typeface="ＭＳ Ｐゴシック" charset="-128"/>
+              </a:defRPr>
+            </a:lvl9pPr>
+          </a:lstStyle>
+          <a:p>
+            <a:pPr eaLnBrk="1" hangingPunct="1"/>
+            <a:fld id="{BA1D72C3-80F2-3F46-A05E-5152314D7692}" type="slidenum">
+              <a:rPr lang="fr-FR" altLang="en-US" sz="1200">
+                <a:solidFill>
+                  <a:schemeClr val="bg1"/>
+                </a:solidFill>
+                <a:latin typeface="Trebuchet MS" charset="0"/>
+              </a:rPr>
+              <a:pPr eaLnBrk="1" hangingPunct="1"/>
+              <a:t>15</a:t>
+            </a:fld>
+            <a:endParaRPr lang="fr-FR" altLang="en-US" sz="1200">
+              <a:solidFill>
+                <a:schemeClr val="bg1"/>
+              </a:solidFill>
+              <a:latin typeface="Trebuchet MS" charset="0"/>
+            </a:endParaRPr>
+          </a:p>
+        </p:txBody>
+      </p:sp>
+      <p:sp>
+        <p:nvSpPr>
+          <p:cNvPr id="6146" name="Title 2"/>
+          <p:cNvSpPr>
+            <a:spLocks noGrp="1"/>
+          </p:cNvSpPr>
+          <p:nvPr>
+            <p:ph type="title"/>
+          </p:nvPr>
+        </p:nvSpPr>
+        <p:spPr>
+          <a:xfrm>
             <a:off x="576263" y="1337093"/>
             <a:ext cx="8850702" cy="494695"/>
           </a:xfrm>
@@ -15756,21 +18632,7 @@
                 <a:latin typeface="Trebuchet MS" charset="0"/>
                 <a:ea typeface="ＭＳ Ｐゴシック" charset="-128"/>
               </a:rPr>
-              <a:t>Great </a:t>
-            </a:r>
-            <a:r>
-              <a:rPr lang="en-US" altLang="en-US" dirty="0">
-                <a:latin typeface="Trebuchet MS" charset="0"/>
-                <a:ea typeface="ＭＳ Ｐゴシック" charset="-128"/>
-              </a:rPr>
-              <a:t>Online </a:t>
-            </a:r>
-            <a:r>
-              <a:rPr lang="en-US" altLang="en-US" dirty="0" smtClean="0">
-                <a:latin typeface="Trebuchet MS" charset="0"/>
-                <a:ea typeface="ＭＳ Ｐゴシック" charset="-128"/>
-              </a:rPr>
-              <a:t>Tutorial</a:t>
+              <a:t>Online Info</a:t>
             </a:r>
             <a:r>
               <a:rPr lang="en-US" altLang="en-US" dirty="0">
@@ -15861,40 +18723,139 @@
               <a:buNone/>
             </a:pPr>
             <a:r>
+              <a:rPr lang="en-US" sz="1600" b="1" dirty="0" err="1" smtClean="0"/>
+              <a:t>Ansible</a:t>
+            </a:r>
+            <a:r>
+              <a:rPr lang="en-US" sz="1600" b="1" dirty="0" smtClean="0"/>
+              <a:t> tutorial</a:t>
+            </a:r>
+          </a:p>
+          <a:p>
+            <a:pPr marL="0" indent="0">
+              <a:buNone/>
+            </a:pPr>
+            <a:endParaRPr lang="en-US" sz="1600" dirty="0" smtClean="0">
+              <a:hlinkClick r:id="rId2"/>
+            </a:endParaRPr>
+          </a:p>
+          <a:p>
+            <a:pPr marL="0" indent="0">
+              <a:buNone/>
+            </a:pPr>
+            <a:r>
               <a:rPr lang="en-US" sz="1600" dirty="0" smtClean="0"/>
               <a:t>https</a:t>
             </a:r>
             <a:r>
               <a:rPr lang="en-US" sz="1600" dirty="0"/>
-              <a:t>://sysadmincasts.com/episodes/43-19-minutes-with-ansible-part-1-4</a:t>
+              <a:t>://</a:t>
             </a:r>
+            <a:r>
+              <a:rPr lang="en-US" sz="1600" dirty="0" smtClean="0"/>
+              <a:t>sysadmincasts.com/episodes/43-19-minutes-with-ansible-part-1-4</a:t>
+            </a:r>
+          </a:p>
+          <a:p>
+            <a:pPr marL="0" indent="0">
+              <a:buNone/>
+            </a:pPr>
+            <a:endParaRPr lang="en-US" sz="1600" dirty="0" smtClean="0">
+              <a:hlinkClick r:id="rId3"/>
+            </a:endParaRPr>
+          </a:p>
+          <a:p>
+            <a:pPr marL="0" indent="0">
+              <a:buNone/>
+            </a:pPr>
+            <a:r>
+              <a:rPr lang="en-US" sz="1600" b="1" dirty="0" smtClean="0"/>
+              <a:t>How Twitter Uses </a:t>
+            </a:r>
+            <a:r>
+              <a:rPr lang="en-US" sz="1600" b="1" dirty="0" err="1" smtClean="0"/>
+              <a:t>Ansible</a:t>
+            </a:r>
+            <a:r>
+              <a:rPr lang="en-US" sz="1600" b="1" dirty="0" smtClean="0"/>
+              <a:t> (Guy is funny) </a:t>
+            </a:r>
+            <a:endParaRPr lang="en-US" sz="1600" b="1" dirty="0"/>
+          </a:p>
+          <a:p>
+            <a:pPr marL="0" indent="0">
+              <a:buNone/>
+            </a:pPr>
+            <a:endParaRPr lang="en-US" sz="1600" dirty="0" smtClean="0">
+              <a:hlinkClick r:id="rId3"/>
+            </a:endParaRPr>
+          </a:p>
+          <a:p>
+            <a:pPr marL="0" indent="0">
+              <a:buNone/>
+            </a:pPr>
+            <a:r>
+              <a:rPr lang="en-US" sz="1600" dirty="0" smtClean="0"/>
+              <a:t>https</a:t>
+            </a:r>
+            <a:r>
+              <a:rPr lang="en-US" sz="1600" dirty="0"/>
+              <a:t>://</a:t>
+            </a:r>
+            <a:r>
+              <a:rPr lang="en-US" sz="1600" dirty="0" smtClean="0"/>
+              <a:t>www.youtube.com/watch?v=fwGrKXzocg4</a:t>
+            </a:r>
+          </a:p>
+          <a:p>
+            <a:pPr marL="0" indent="0">
+              <a:buNone/>
+            </a:pPr>
+            <a:endParaRPr lang="en-US" sz="1600" dirty="0" smtClean="0"/>
+          </a:p>
+          <a:p>
+            <a:pPr marL="0" indent="0">
+              <a:buNone/>
+            </a:pPr>
+            <a:r>
+              <a:rPr lang="en-US" sz="1600" b="1" dirty="0" smtClean="0"/>
+              <a:t>Playbook Best Practices</a:t>
+            </a:r>
+            <a:endParaRPr lang="en-US" sz="1600" b="1" dirty="0"/>
+          </a:p>
+          <a:p>
+            <a:pPr marL="0" indent="0">
+              <a:buNone/>
+            </a:pPr>
+            <a:endParaRPr lang="en-US" sz="1600" dirty="0" smtClean="0"/>
+          </a:p>
+          <a:p>
+            <a:pPr marL="0" indent="0">
+              <a:buNone/>
+            </a:pPr>
+            <a:r>
+              <a:rPr lang="en-US" sz="1600" dirty="0" smtClean="0"/>
+              <a:t>http</a:t>
+            </a:r>
+            <a:r>
+              <a:rPr lang="en-US" sz="1600" dirty="0"/>
+              <a:t>://docs.ansible.com/ansible/playbooks_best_practices.html</a:t>
+            </a:r>
+          </a:p>
+          <a:p>
+            <a:pPr marL="0" indent="0">
+              <a:buNone/>
+            </a:pPr>
+            <a:endParaRPr lang="en-US" sz="1600" dirty="0" smtClean="0"/>
+          </a:p>
+          <a:p>
+            <a:pPr marL="0" indent="0">
+              <a:buNone/>
+            </a:pPr>
+            <a:endParaRPr lang="en-US" sz="1600" dirty="0"/>
           </a:p>
         </p:txBody>
       </p:sp>
-      <p:pic>
-        <p:nvPicPr>
-          <p:cNvPr id="3" name="Picture 2"/>
-          <p:cNvPicPr>
-            <a:picLocks noChangeAspect="1"/>
-          </p:cNvPicPr>
-          <p:nvPr/>
-        </p:nvPicPr>
-        <p:blipFill>
-          <a:blip r:embed="rId2"/>
-          <a:stretch>
-            <a:fillRect/>
-          </a:stretch>
-        </p:blipFill>
-        <p:spPr>
-          <a:xfrm>
-            <a:off x="301925" y="2122098"/>
-            <a:ext cx="8712679" cy="3795623"/>
-          </a:xfrm>
-          <a:prstGeom prst="rect">
-            <a:avLst/>
-          </a:prstGeom>
-        </p:spPr>
-      </p:pic>
     </p:spTree>
     <p:extLst>
       <p:ext uri="{BB962C8B-B14F-4D97-AF65-F5344CB8AC3E}">
@@ -16117,7 +19078,7 @@
             <p:ph idx="13"/>
             <p:extLst>
               <p:ext uri="{D42A27DB-BD31-4B8C-83A1-F6EECF244321}">
-                <p14:modId xmlns:p14="http://schemas.microsoft.com/office/powerpoint/2010/main" val="965336521"/>
+                <p14:modId xmlns:p14="http://schemas.microsoft.com/office/powerpoint/2010/main" val="127314512"/>
               </p:ext>
             </p:extLst>
           </p:nvPr>
@@ -17000,9 +19961,143 @@
   <p:timing>
     <p:tnLst>
       <p:par>
-        <p:cTn id="1" dur="indefinite" restart="never" nodeType="tmRoot"/>
+        <p:cTn id="1" dur="indefinite" restart="never" nodeType="tmRoot">
+          <p:childTnLst>
+            <p:seq concurrent="1" nextAc="seek">
+              <p:cTn id="2" dur="indefinite" nodeType="mainSeq">
+                <p:childTnLst>
+                  <p:par>
+                    <p:cTn id="3" fill="hold">
+                      <p:stCondLst>
+                        <p:cond delay="indefinite"/>
+                      </p:stCondLst>
+                      <p:childTnLst>
+                        <p:par>
+                          <p:cTn id="4" fill="hold">
+                            <p:stCondLst>
+                              <p:cond delay="0"/>
+                            </p:stCondLst>
+                            <p:childTnLst>
+                              <p:par>
+                                <p:cTn id="5" presetID="10" presetClass="entr" presetSubtype="0" fill="hold" grpId="0" nodeType="clickEffect">
+                                  <p:stCondLst>
+                                    <p:cond delay="0"/>
+                                  </p:stCondLst>
+                                  <p:childTnLst>
+                                    <p:set>
+                                      <p:cBhvr>
+                                        <p:cTn id="6" dur="1" fill="hold">
+                                          <p:stCondLst>
+                                            <p:cond delay="0"/>
+                                          </p:stCondLst>
+                                        </p:cTn>
+                                        <p:tgtEl>
+                                          <p:spTgt spid="7"/>
+                                        </p:tgtEl>
+                                        <p:attrNameLst>
+                                          <p:attrName>style.visibility</p:attrName>
+                                        </p:attrNameLst>
+                                      </p:cBhvr>
+                                      <p:to>
+                                        <p:strVal val="visible"/>
+                                      </p:to>
+                                    </p:set>
+                                    <p:animEffect transition="in" filter="fade">
+                                      <p:cBhvr>
+                                        <p:cTn id="7" dur="500"/>
+                                        <p:tgtEl>
+                                          <p:spTgt spid="7"/>
+                                        </p:tgtEl>
+                                      </p:cBhvr>
+                                    </p:animEffect>
+                                  </p:childTnLst>
+                                </p:cTn>
+                              </p:par>
+                            </p:childTnLst>
+                          </p:cTn>
+                        </p:par>
+                      </p:childTnLst>
+                    </p:cTn>
+                  </p:par>
+                  <p:par>
+                    <p:cTn id="8" fill="hold">
+                      <p:stCondLst>
+                        <p:cond delay="indefinite"/>
+                      </p:stCondLst>
+                      <p:childTnLst>
+                        <p:par>
+                          <p:cTn id="9" fill="hold">
+                            <p:stCondLst>
+                              <p:cond delay="0"/>
+                            </p:stCondLst>
+                            <p:childTnLst>
+                              <p:par>
+                                <p:cTn id="10" presetID="10" presetClass="entr" presetSubtype="0" fill="hold" nodeType="clickEffect">
+                                  <p:stCondLst>
+                                    <p:cond delay="0"/>
+                                  </p:stCondLst>
+                                  <p:childTnLst>
+                                    <p:set>
+                                      <p:cBhvr>
+                                        <p:cTn id="11" dur="1" fill="hold">
+                                          <p:stCondLst>
+                                            <p:cond delay="0"/>
+                                          </p:stCondLst>
+                                        </p:cTn>
+                                        <p:tgtEl>
+                                          <p:spTgt spid="8"/>
+                                        </p:tgtEl>
+                                        <p:attrNameLst>
+                                          <p:attrName>style.visibility</p:attrName>
+                                        </p:attrNameLst>
+                                      </p:cBhvr>
+                                      <p:to>
+                                        <p:strVal val="visible"/>
+                                      </p:to>
+                                    </p:set>
+                                    <p:animEffect transition="in" filter="fade">
+                                      <p:cBhvr>
+                                        <p:cTn id="12" dur="500"/>
+                                        <p:tgtEl>
+                                          <p:spTgt spid="8"/>
+                                        </p:tgtEl>
+                                      </p:cBhvr>
+                                    </p:animEffect>
+                                  </p:childTnLst>
+                                </p:cTn>
+                              </p:par>
+                            </p:childTnLst>
+                          </p:cTn>
+                        </p:par>
+                      </p:childTnLst>
+                    </p:cTn>
+                  </p:par>
+                </p:childTnLst>
+              </p:cTn>
+              <p:prevCondLst>
+                <p:cond evt="onPrev" delay="0">
+                  <p:tgtEl>
+                    <p:sldTgt/>
+                  </p:tgtEl>
+                </p:cond>
+              </p:prevCondLst>
+              <p:nextCondLst>
+                <p:cond evt="onNext" delay="0">
+                  <p:tgtEl>
+                    <p:sldTgt/>
+                  </p:tgtEl>
+                </p:cond>
+              </p:nextCondLst>
+            </p:seq>
+          </p:childTnLst>
+        </p:cTn>
       </p:par>
     </p:tnLst>
+    <p:bldLst>
+      <p:bldGraphic spid="7" grpId="0">
+        <p:bldAsOne/>
+      </p:bldGraphic>
+    </p:bldLst>
   </p:timing>
 </p:sld>
 </file>
@@ -17307,11 +20402,7 @@
             </a:r>
             <a:r>
               <a:rPr lang="en-US" dirty="0" smtClean="0"/>
-              <a:t>…</a:t>
-            </a:r>
-            <a:r>
-              <a:rPr lang="en-US" dirty="0" smtClean="0"/>
-              <a:t> </a:t>
+              <a:t>… </a:t>
             </a:r>
             <a:endParaRPr lang="en-US" dirty="0"/>
           </a:p>
@@ -17330,7 +20421,262 @@
   <p:timing>
     <p:tnLst>
       <p:par>
-        <p:cTn id="1" dur="indefinite" restart="never" nodeType="tmRoot"/>
+        <p:cTn id="1" dur="indefinite" restart="never" nodeType="tmRoot">
+          <p:childTnLst>
+            <p:seq concurrent="1" nextAc="seek">
+              <p:cTn id="2" dur="indefinite" nodeType="mainSeq">
+                <p:childTnLst>
+                  <p:par>
+                    <p:cTn id="3" fill="hold">
+                      <p:stCondLst>
+                        <p:cond delay="indefinite"/>
+                      </p:stCondLst>
+                      <p:childTnLst>
+                        <p:par>
+                          <p:cTn id="4" fill="hold">
+                            <p:stCondLst>
+                              <p:cond delay="0"/>
+                            </p:stCondLst>
+                            <p:childTnLst>
+                              <p:par>
+                                <p:cTn id="5" presetID="10" presetClass="entr" presetSubtype="0" fill="hold" nodeType="clickEffect">
+                                  <p:stCondLst>
+                                    <p:cond delay="0"/>
+                                  </p:stCondLst>
+                                  <p:childTnLst>
+                                    <p:set>
+                                      <p:cBhvr>
+                                        <p:cTn id="6" dur="1" fill="hold">
+                                          <p:stCondLst>
+                                            <p:cond delay="0"/>
+                                          </p:stCondLst>
+                                        </p:cTn>
+                                        <p:tgtEl>
+                                          <p:spTgt spid="5">
+                                            <p:txEl>
+                                              <p:pRg st="0" end="0"/>
+                                            </p:txEl>
+                                          </p:spTgt>
+                                        </p:tgtEl>
+                                        <p:attrNameLst>
+                                          <p:attrName>style.visibility</p:attrName>
+                                        </p:attrNameLst>
+                                      </p:cBhvr>
+                                      <p:to>
+                                        <p:strVal val="visible"/>
+                                      </p:to>
+                                    </p:set>
+                                    <p:animEffect transition="in" filter="fade">
+                                      <p:cBhvr>
+                                        <p:cTn id="7" dur="500"/>
+                                        <p:tgtEl>
+                                          <p:spTgt spid="5">
+                                            <p:txEl>
+                                              <p:pRg st="0" end="0"/>
+                                            </p:txEl>
+                                          </p:spTgt>
+                                        </p:tgtEl>
+                                      </p:cBhvr>
+                                    </p:animEffect>
+                                  </p:childTnLst>
+                                </p:cTn>
+                              </p:par>
+                            </p:childTnLst>
+                          </p:cTn>
+                        </p:par>
+                      </p:childTnLst>
+                    </p:cTn>
+                  </p:par>
+                  <p:par>
+                    <p:cTn id="8" fill="hold">
+                      <p:stCondLst>
+                        <p:cond delay="indefinite"/>
+                      </p:stCondLst>
+                      <p:childTnLst>
+                        <p:par>
+                          <p:cTn id="9" fill="hold">
+                            <p:stCondLst>
+                              <p:cond delay="0"/>
+                            </p:stCondLst>
+                            <p:childTnLst>
+                              <p:par>
+                                <p:cTn id="10" presetID="10" presetClass="entr" presetSubtype="0" fill="hold" nodeType="clickEffect">
+                                  <p:stCondLst>
+                                    <p:cond delay="0"/>
+                                  </p:stCondLst>
+                                  <p:childTnLst>
+                                    <p:set>
+                                      <p:cBhvr>
+                                        <p:cTn id="11" dur="1" fill="hold">
+                                          <p:stCondLst>
+                                            <p:cond delay="0"/>
+                                          </p:stCondLst>
+                                        </p:cTn>
+                                        <p:tgtEl>
+                                          <p:spTgt spid="5">
+                                            <p:txEl>
+                                              <p:pRg st="1" end="1"/>
+                                            </p:txEl>
+                                          </p:spTgt>
+                                        </p:tgtEl>
+                                        <p:attrNameLst>
+                                          <p:attrName>style.visibility</p:attrName>
+                                        </p:attrNameLst>
+                                      </p:cBhvr>
+                                      <p:to>
+                                        <p:strVal val="visible"/>
+                                      </p:to>
+                                    </p:set>
+                                    <p:animEffect transition="in" filter="fade">
+                                      <p:cBhvr>
+                                        <p:cTn id="12" dur="500"/>
+                                        <p:tgtEl>
+                                          <p:spTgt spid="5">
+                                            <p:txEl>
+                                              <p:pRg st="1" end="1"/>
+                                            </p:txEl>
+                                          </p:spTgt>
+                                        </p:tgtEl>
+                                      </p:cBhvr>
+                                    </p:animEffect>
+                                  </p:childTnLst>
+                                </p:cTn>
+                              </p:par>
+                            </p:childTnLst>
+                          </p:cTn>
+                        </p:par>
+                      </p:childTnLst>
+                    </p:cTn>
+                  </p:par>
+                  <p:par>
+                    <p:cTn id="13" fill="hold">
+                      <p:stCondLst>
+                        <p:cond delay="indefinite"/>
+                      </p:stCondLst>
+                      <p:childTnLst>
+                        <p:par>
+                          <p:cTn id="14" fill="hold">
+                            <p:stCondLst>
+                              <p:cond delay="0"/>
+                            </p:stCondLst>
+                            <p:childTnLst>
+                              <p:par>
+                                <p:cTn id="15" presetID="10" presetClass="entr" presetSubtype="0" fill="hold" nodeType="clickEffect">
+                                  <p:stCondLst>
+                                    <p:cond delay="0"/>
+                                  </p:stCondLst>
+                                  <p:childTnLst>
+                                    <p:set>
+                                      <p:cBhvr>
+                                        <p:cTn id="16" dur="1" fill="hold">
+                                          <p:stCondLst>
+                                            <p:cond delay="0"/>
+                                          </p:stCondLst>
+                                        </p:cTn>
+                                        <p:tgtEl>
+                                          <p:spTgt spid="5">
+                                            <p:txEl>
+                                              <p:pRg st="2" end="2"/>
+                                            </p:txEl>
+                                          </p:spTgt>
+                                        </p:tgtEl>
+                                        <p:attrNameLst>
+                                          <p:attrName>style.visibility</p:attrName>
+                                        </p:attrNameLst>
+                                      </p:cBhvr>
+                                      <p:to>
+                                        <p:strVal val="visible"/>
+                                      </p:to>
+                                    </p:set>
+                                    <p:animEffect transition="in" filter="fade">
+                                      <p:cBhvr>
+                                        <p:cTn id="17" dur="500"/>
+                                        <p:tgtEl>
+                                          <p:spTgt spid="5">
+                                            <p:txEl>
+                                              <p:pRg st="2" end="2"/>
+                                            </p:txEl>
+                                          </p:spTgt>
+                                        </p:tgtEl>
+                                      </p:cBhvr>
+                                    </p:animEffect>
+                                  </p:childTnLst>
+                                </p:cTn>
+                              </p:par>
+                            </p:childTnLst>
+                          </p:cTn>
+                        </p:par>
+                      </p:childTnLst>
+                    </p:cTn>
+                  </p:par>
+                  <p:par>
+                    <p:cTn id="18" fill="hold">
+                      <p:stCondLst>
+                        <p:cond delay="indefinite"/>
+                      </p:stCondLst>
+                      <p:childTnLst>
+                        <p:par>
+                          <p:cTn id="19" fill="hold">
+                            <p:stCondLst>
+                              <p:cond delay="0"/>
+                            </p:stCondLst>
+                            <p:childTnLst>
+                              <p:par>
+                                <p:cTn id="20" presetID="1" presetClass="entr" presetSubtype="0" fill="hold" nodeType="clickEffect">
+                                  <p:stCondLst>
+                                    <p:cond delay="0"/>
+                                  </p:stCondLst>
+                                  <p:childTnLst>
+                                    <p:set>
+                                      <p:cBhvr>
+                                        <p:cTn id="21" dur="1" fill="hold">
+                                          <p:stCondLst>
+                                            <p:cond delay="0"/>
+                                          </p:stCondLst>
+                                        </p:cTn>
+                                        <p:tgtEl>
+                                          <p:spTgt spid="5">
+                                            <p:txEl>
+                                              <p:pRg st="4" end="4"/>
+                                            </p:txEl>
+                                          </p:spTgt>
+                                        </p:tgtEl>
+                                        <p:attrNameLst>
+                                          <p:attrName>style.visibility</p:attrName>
+                                        </p:attrNameLst>
+                                      </p:cBhvr>
+                                      <p:to>
+                                        <p:strVal val="visible"/>
+                                      </p:to>
+                                    </p:set>
+                                  </p:childTnLst>
+                                </p:cTn>
+                              </p:par>
+                            </p:childTnLst>
+                          </p:cTn>
+                        </p:par>
+                      </p:childTnLst>
+                    </p:cTn>
+                  </p:par>
+                </p:childTnLst>
+              </p:cTn>
+              <p:prevCondLst>
+                <p:cond evt="onPrev" delay="0">
+                  <p:tgtEl>
+                    <p:sldTgt/>
+                  </p:tgtEl>
+                </p:cond>
+              </p:prevCondLst>
+              <p:nextCondLst>
+                <p:cond evt="onNext" delay="0">
+                  <p:tgtEl>
+                    <p:sldTgt/>
+                  </p:tgtEl>
+                </p:cond>
+              </p:nextCondLst>
+            </p:seq>
+          </p:childTnLst>
+        </p:cTn>
       </p:par>
     </p:tnLst>
   </p:timing>
@@ -17581,8 +20927,13 @@
             </a:r>
             <a:r>
               <a:rPr lang="en-US" dirty="0" smtClean="0"/>
-              <a:t> forum in regards to RHEL setup:</a:t>
+              <a:t> forum in regards to RHEL </a:t>
             </a:r>
+            <a:r>
+              <a:rPr lang="en-US" dirty="0" smtClean="0"/>
+              <a:t>provisioning:</a:t>
+            </a:r>
+            <a:endParaRPr lang="en-US" dirty="0" smtClean="0"/>
           </a:p>
           <a:p>
             <a:pPr marL="0" indent="0">
@@ -17631,7 +20982,7 @@
             </a:r>
             <a:r>
               <a:rPr lang="en-US" sz="1200" dirty="0" smtClean="0"/>
-              <a:t>2.	We </a:t>
+              <a:t>2.  We </a:t>
             </a:r>
             <a:r>
               <a:rPr lang="en-US" sz="1200" dirty="0"/>
@@ -17835,7 +21186,7 @@
             </a:pPr>
             <a:r>
               <a:rPr lang="en-US" sz="1200" dirty="0" smtClean="0"/>
-              <a:t>5.	Once </a:t>
+              <a:t>5.  Once </a:t>
             </a:r>
             <a:r>
               <a:rPr lang="en-US" sz="1200" dirty="0"/>
@@ -17866,7 +21217,539 @@
   <p:timing>
     <p:tnLst>
       <p:par>
-        <p:cTn id="1" dur="indefinite" restart="never" nodeType="tmRoot"/>
+        <p:cTn id="1" dur="indefinite" restart="never" nodeType="tmRoot">
+          <p:childTnLst>
+            <p:seq concurrent="1" nextAc="seek">
+              <p:cTn id="2" dur="indefinite" nodeType="mainSeq">
+                <p:childTnLst>
+                  <p:par>
+                    <p:cTn id="3" fill="hold">
+                      <p:stCondLst>
+                        <p:cond delay="indefinite"/>
+                      </p:stCondLst>
+                      <p:childTnLst>
+                        <p:par>
+                          <p:cTn id="4" fill="hold">
+                            <p:stCondLst>
+                              <p:cond delay="0"/>
+                            </p:stCondLst>
+                            <p:childTnLst>
+                              <p:par>
+                                <p:cTn id="5" presetID="10" presetClass="entr" presetSubtype="0" fill="hold" nodeType="clickEffect">
+                                  <p:stCondLst>
+                                    <p:cond delay="0"/>
+                                  </p:stCondLst>
+                                  <p:childTnLst>
+                                    <p:set>
+                                      <p:cBhvr>
+                                        <p:cTn id="6" dur="1" fill="hold">
+                                          <p:stCondLst>
+                                            <p:cond delay="0"/>
+                                          </p:stCondLst>
+                                        </p:cTn>
+                                        <p:tgtEl>
+                                          <p:spTgt spid="5">
+                                            <p:txEl>
+                                              <p:pRg st="0" end="0"/>
+                                            </p:txEl>
+                                          </p:spTgt>
+                                        </p:tgtEl>
+                                        <p:attrNameLst>
+                                          <p:attrName>style.visibility</p:attrName>
+                                        </p:attrNameLst>
+                                      </p:cBhvr>
+                                      <p:to>
+                                        <p:strVal val="visible"/>
+                                      </p:to>
+                                    </p:set>
+                                    <p:animEffect transition="in" filter="fade">
+                                      <p:cBhvr>
+                                        <p:cTn id="7" dur="500"/>
+                                        <p:tgtEl>
+                                          <p:spTgt spid="5">
+                                            <p:txEl>
+                                              <p:pRg st="0" end="0"/>
+                                            </p:txEl>
+                                          </p:spTgt>
+                                        </p:tgtEl>
+                                      </p:cBhvr>
+                                    </p:animEffect>
+                                  </p:childTnLst>
+                                </p:cTn>
+                              </p:par>
+                            </p:childTnLst>
+                          </p:cTn>
+                        </p:par>
+                      </p:childTnLst>
+                    </p:cTn>
+                  </p:par>
+                  <p:par>
+                    <p:cTn id="8" fill="hold">
+                      <p:stCondLst>
+                        <p:cond delay="indefinite"/>
+                      </p:stCondLst>
+                      <p:childTnLst>
+                        <p:par>
+                          <p:cTn id="9" fill="hold">
+                            <p:stCondLst>
+                              <p:cond delay="0"/>
+                            </p:stCondLst>
+                            <p:childTnLst>
+                              <p:par>
+                                <p:cTn id="10" presetID="10" presetClass="entr" presetSubtype="0" fill="hold" nodeType="clickEffect">
+                                  <p:stCondLst>
+                                    <p:cond delay="0"/>
+                                  </p:stCondLst>
+                                  <p:childTnLst>
+                                    <p:set>
+                                      <p:cBhvr>
+                                        <p:cTn id="11" dur="1" fill="hold">
+                                          <p:stCondLst>
+                                            <p:cond delay="0"/>
+                                          </p:stCondLst>
+                                        </p:cTn>
+                                        <p:tgtEl>
+                                          <p:spTgt spid="5">
+                                            <p:txEl>
+                                              <p:pRg st="2" end="2"/>
+                                            </p:txEl>
+                                          </p:spTgt>
+                                        </p:tgtEl>
+                                        <p:attrNameLst>
+                                          <p:attrName>style.visibility</p:attrName>
+                                        </p:attrNameLst>
+                                      </p:cBhvr>
+                                      <p:to>
+                                        <p:strVal val="visible"/>
+                                      </p:to>
+                                    </p:set>
+                                    <p:animEffect transition="in" filter="fade">
+                                      <p:cBhvr>
+                                        <p:cTn id="12" dur="500"/>
+                                        <p:tgtEl>
+                                          <p:spTgt spid="5">
+                                            <p:txEl>
+                                              <p:pRg st="2" end="2"/>
+                                            </p:txEl>
+                                          </p:spTgt>
+                                        </p:tgtEl>
+                                      </p:cBhvr>
+                                    </p:animEffect>
+                                  </p:childTnLst>
+                                </p:cTn>
+                              </p:par>
+                              <p:par>
+                                <p:cTn id="13" presetID="10" presetClass="entr" presetSubtype="0" fill="hold" nodeType="withEffect">
+                                  <p:stCondLst>
+                                    <p:cond delay="0"/>
+                                  </p:stCondLst>
+                                  <p:childTnLst>
+                                    <p:set>
+                                      <p:cBhvr>
+                                        <p:cTn id="14" dur="1" fill="hold">
+                                          <p:stCondLst>
+                                            <p:cond delay="0"/>
+                                          </p:stCondLst>
+                                        </p:cTn>
+                                        <p:tgtEl>
+                                          <p:spTgt spid="5">
+                                            <p:txEl>
+                                              <p:pRg st="4" end="4"/>
+                                            </p:txEl>
+                                          </p:spTgt>
+                                        </p:tgtEl>
+                                        <p:attrNameLst>
+                                          <p:attrName>style.visibility</p:attrName>
+                                        </p:attrNameLst>
+                                      </p:cBhvr>
+                                      <p:to>
+                                        <p:strVal val="visible"/>
+                                      </p:to>
+                                    </p:set>
+                                    <p:animEffect transition="in" filter="fade">
+                                      <p:cBhvr>
+                                        <p:cTn id="15" dur="500"/>
+                                        <p:tgtEl>
+                                          <p:spTgt spid="5">
+                                            <p:txEl>
+                                              <p:pRg st="4" end="4"/>
+                                            </p:txEl>
+                                          </p:spTgt>
+                                        </p:tgtEl>
+                                      </p:cBhvr>
+                                    </p:animEffect>
+                                  </p:childTnLst>
+                                </p:cTn>
+                              </p:par>
+                              <p:par>
+                                <p:cTn id="16" presetID="10" presetClass="entr" presetSubtype="0" fill="hold" nodeType="withEffect">
+                                  <p:stCondLst>
+                                    <p:cond delay="0"/>
+                                  </p:stCondLst>
+                                  <p:childTnLst>
+                                    <p:set>
+                                      <p:cBhvr>
+                                        <p:cTn id="17" dur="1" fill="hold">
+                                          <p:stCondLst>
+                                            <p:cond delay="0"/>
+                                          </p:stCondLst>
+                                        </p:cTn>
+                                        <p:tgtEl>
+                                          <p:spTgt spid="5">
+                                            <p:txEl>
+                                              <p:pRg st="5" end="5"/>
+                                            </p:txEl>
+                                          </p:spTgt>
+                                        </p:tgtEl>
+                                        <p:attrNameLst>
+                                          <p:attrName>style.visibility</p:attrName>
+                                        </p:attrNameLst>
+                                      </p:cBhvr>
+                                      <p:to>
+                                        <p:strVal val="visible"/>
+                                      </p:to>
+                                    </p:set>
+                                    <p:animEffect transition="in" filter="fade">
+                                      <p:cBhvr>
+                                        <p:cTn id="18" dur="500"/>
+                                        <p:tgtEl>
+                                          <p:spTgt spid="5">
+                                            <p:txEl>
+                                              <p:pRg st="5" end="5"/>
+                                            </p:txEl>
+                                          </p:spTgt>
+                                        </p:tgtEl>
+                                      </p:cBhvr>
+                                    </p:animEffect>
+                                  </p:childTnLst>
+                                </p:cTn>
+                              </p:par>
+                              <p:par>
+                                <p:cTn id="19" presetID="10" presetClass="entr" presetSubtype="0" fill="hold" nodeType="withEffect">
+                                  <p:stCondLst>
+                                    <p:cond delay="0"/>
+                                  </p:stCondLst>
+                                  <p:childTnLst>
+                                    <p:set>
+                                      <p:cBhvr>
+                                        <p:cTn id="20" dur="1" fill="hold">
+                                          <p:stCondLst>
+                                            <p:cond delay="0"/>
+                                          </p:stCondLst>
+                                        </p:cTn>
+                                        <p:tgtEl>
+                                          <p:spTgt spid="5">
+                                            <p:txEl>
+                                              <p:pRg st="6" end="6"/>
+                                            </p:txEl>
+                                          </p:spTgt>
+                                        </p:tgtEl>
+                                        <p:attrNameLst>
+                                          <p:attrName>style.visibility</p:attrName>
+                                        </p:attrNameLst>
+                                      </p:cBhvr>
+                                      <p:to>
+                                        <p:strVal val="visible"/>
+                                      </p:to>
+                                    </p:set>
+                                    <p:animEffect transition="in" filter="fade">
+                                      <p:cBhvr>
+                                        <p:cTn id="21" dur="500"/>
+                                        <p:tgtEl>
+                                          <p:spTgt spid="5">
+                                            <p:txEl>
+                                              <p:pRg st="6" end="6"/>
+                                            </p:txEl>
+                                          </p:spTgt>
+                                        </p:tgtEl>
+                                      </p:cBhvr>
+                                    </p:animEffect>
+                                  </p:childTnLst>
+                                </p:cTn>
+                              </p:par>
+                              <p:par>
+                                <p:cTn id="22" presetID="10" presetClass="entr" presetSubtype="0" fill="hold" nodeType="withEffect">
+                                  <p:stCondLst>
+                                    <p:cond delay="0"/>
+                                  </p:stCondLst>
+                                  <p:childTnLst>
+                                    <p:set>
+                                      <p:cBhvr>
+                                        <p:cTn id="23" dur="1" fill="hold">
+                                          <p:stCondLst>
+                                            <p:cond delay="0"/>
+                                          </p:stCondLst>
+                                        </p:cTn>
+                                        <p:tgtEl>
+                                          <p:spTgt spid="5">
+                                            <p:txEl>
+                                              <p:pRg st="7" end="7"/>
+                                            </p:txEl>
+                                          </p:spTgt>
+                                        </p:tgtEl>
+                                        <p:attrNameLst>
+                                          <p:attrName>style.visibility</p:attrName>
+                                        </p:attrNameLst>
+                                      </p:cBhvr>
+                                      <p:to>
+                                        <p:strVal val="visible"/>
+                                      </p:to>
+                                    </p:set>
+                                    <p:animEffect transition="in" filter="fade">
+                                      <p:cBhvr>
+                                        <p:cTn id="24" dur="500"/>
+                                        <p:tgtEl>
+                                          <p:spTgt spid="5">
+                                            <p:txEl>
+                                              <p:pRg st="7" end="7"/>
+                                            </p:txEl>
+                                          </p:spTgt>
+                                        </p:tgtEl>
+                                      </p:cBhvr>
+                                    </p:animEffect>
+                                  </p:childTnLst>
+                                </p:cTn>
+                              </p:par>
+                              <p:par>
+                                <p:cTn id="25" presetID="10" presetClass="entr" presetSubtype="0" fill="hold" nodeType="withEffect">
+                                  <p:stCondLst>
+                                    <p:cond delay="0"/>
+                                  </p:stCondLst>
+                                  <p:childTnLst>
+                                    <p:set>
+                                      <p:cBhvr>
+                                        <p:cTn id="26" dur="1" fill="hold">
+                                          <p:stCondLst>
+                                            <p:cond delay="0"/>
+                                          </p:stCondLst>
+                                        </p:cTn>
+                                        <p:tgtEl>
+                                          <p:spTgt spid="5">
+                                            <p:txEl>
+                                              <p:pRg st="8" end="8"/>
+                                            </p:txEl>
+                                          </p:spTgt>
+                                        </p:tgtEl>
+                                        <p:attrNameLst>
+                                          <p:attrName>style.visibility</p:attrName>
+                                        </p:attrNameLst>
+                                      </p:cBhvr>
+                                      <p:to>
+                                        <p:strVal val="visible"/>
+                                      </p:to>
+                                    </p:set>
+                                    <p:animEffect transition="in" filter="fade">
+                                      <p:cBhvr>
+                                        <p:cTn id="27" dur="500"/>
+                                        <p:tgtEl>
+                                          <p:spTgt spid="5">
+                                            <p:txEl>
+                                              <p:pRg st="8" end="8"/>
+                                            </p:txEl>
+                                          </p:spTgt>
+                                        </p:tgtEl>
+                                      </p:cBhvr>
+                                    </p:animEffect>
+                                  </p:childTnLst>
+                                </p:cTn>
+                              </p:par>
+                              <p:par>
+                                <p:cTn id="28" presetID="10" presetClass="entr" presetSubtype="0" fill="hold" nodeType="withEffect">
+                                  <p:stCondLst>
+                                    <p:cond delay="0"/>
+                                  </p:stCondLst>
+                                  <p:childTnLst>
+                                    <p:set>
+                                      <p:cBhvr>
+                                        <p:cTn id="29" dur="1" fill="hold">
+                                          <p:stCondLst>
+                                            <p:cond delay="0"/>
+                                          </p:stCondLst>
+                                        </p:cTn>
+                                        <p:tgtEl>
+                                          <p:spTgt spid="5">
+                                            <p:txEl>
+                                              <p:pRg st="9" end="9"/>
+                                            </p:txEl>
+                                          </p:spTgt>
+                                        </p:tgtEl>
+                                        <p:attrNameLst>
+                                          <p:attrName>style.visibility</p:attrName>
+                                        </p:attrNameLst>
+                                      </p:cBhvr>
+                                      <p:to>
+                                        <p:strVal val="visible"/>
+                                      </p:to>
+                                    </p:set>
+                                    <p:animEffect transition="in" filter="fade">
+                                      <p:cBhvr>
+                                        <p:cTn id="30" dur="500"/>
+                                        <p:tgtEl>
+                                          <p:spTgt spid="5">
+                                            <p:txEl>
+                                              <p:pRg st="9" end="9"/>
+                                            </p:txEl>
+                                          </p:spTgt>
+                                        </p:tgtEl>
+                                      </p:cBhvr>
+                                    </p:animEffect>
+                                  </p:childTnLst>
+                                </p:cTn>
+                              </p:par>
+                              <p:par>
+                                <p:cTn id="31" presetID="10" presetClass="entr" presetSubtype="0" fill="hold" nodeType="withEffect">
+                                  <p:stCondLst>
+                                    <p:cond delay="0"/>
+                                  </p:stCondLst>
+                                  <p:childTnLst>
+                                    <p:set>
+                                      <p:cBhvr>
+                                        <p:cTn id="32" dur="1" fill="hold">
+                                          <p:stCondLst>
+                                            <p:cond delay="0"/>
+                                          </p:stCondLst>
+                                        </p:cTn>
+                                        <p:tgtEl>
+                                          <p:spTgt spid="5">
+                                            <p:txEl>
+                                              <p:pRg st="10" end="10"/>
+                                            </p:txEl>
+                                          </p:spTgt>
+                                        </p:tgtEl>
+                                        <p:attrNameLst>
+                                          <p:attrName>style.visibility</p:attrName>
+                                        </p:attrNameLst>
+                                      </p:cBhvr>
+                                      <p:to>
+                                        <p:strVal val="visible"/>
+                                      </p:to>
+                                    </p:set>
+                                    <p:animEffect transition="in" filter="fade">
+                                      <p:cBhvr>
+                                        <p:cTn id="33" dur="500"/>
+                                        <p:tgtEl>
+                                          <p:spTgt spid="5">
+                                            <p:txEl>
+                                              <p:pRg st="10" end="10"/>
+                                            </p:txEl>
+                                          </p:spTgt>
+                                        </p:tgtEl>
+                                      </p:cBhvr>
+                                    </p:animEffect>
+                                  </p:childTnLst>
+                                </p:cTn>
+                              </p:par>
+                              <p:par>
+                                <p:cTn id="34" presetID="10" presetClass="entr" presetSubtype="0" fill="hold" nodeType="withEffect">
+                                  <p:stCondLst>
+                                    <p:cond delay="0"/>
+                                  </p:stCondLst>
+                                  <p:childTnLst>
+                                    <p:set>
+                                      <p:cBhvr>
+                                        <p:cTn id="35" dur="1" fill="hold">
+                                          <p:stCondLst>
+                                            <p:cond delay="0"/>
+                                          </p:stCondLst>
+                                        </p:cTn>
+                                        <p:tgtEl>
+                                          <p:spTgt spid="5">
+                                            <p:txEl>
+                                              <p:pRg st="12" end="12"/>
+                                            </p:txEl>
+                                          </p:spTgt>
+                                        </p:tgtEl>
+                                        <p:attrNameLst>
+                                          <p:attrName>style.visibility</p:attrName>
+                                        </p:attrNameLst>
+                                      </p:cBhvr>
+                                      <p:to>
+                                        <p:strVal val="visible"/>
+                                      </p:to>
+                                    </p:set>
+                                    <p:animEffect transition="in" filter="fade">
+                                      <p:cBhvr>
+                                        <p:cTn id="36" dur="500"/>
+                                        <p:tgtEl>
+                                          <p:spTgt spid="5">
+                                            <p:txEl>
+                                              <p:pRg st="12" end="12"/>
+                                            </p:txEl>
+                                          </p:spTgt>
+                                        </p:tgtEl>
+                                      </p:cBhvr>
+                                    </p:animEffect>
+                                  </p:childTnLst>
+                                </p:cTn>
+                              </p:par>
+                              <p:par>
+                                <p:cTn id="37" presetID="10" presetClass="entr" presetSubtype="0" fill="hold" nodeType="withEffect">
+                                  <p:stCondLst>
+                                    <p:cond delay="0"/>
+                                  </p:stCondLst>
+                                  <p:childTnLst>
+                                    <p:set>
+                                      <p:cBhvr>
+                                        <p:cTn id="38" dur="1" fill="hold">
+                                          <p:stCondLst>
+                                            <p:cond delay="0"/>
+                                          </p:stCondLst>
+                                        </p:cTn>
+                                        <p:tgtEl>
+                                          <p:spTgt spid="5">
+                                            <p:txEl>
+                                              <p:pRg st="14" end="14"/>
+                                            </p:txEl>
+                                          </p:spTgt>
+                                        </p:tgtEl>
+                                        <p:attrNameLst>
+                                          <p:attrName>style.visibility</p:attrName>
+                                        </p:attrNameLst>
+                                      </p:cBhvr>
+                                      <p:to>
+                                        <p:strVal val="visible"/>
+                                      </p:to>
+                                    </p:set>
+                                    <p:animEffect transition="in" filter="fade">
+                                      <p:cBhvr>
+                                        <p:cTn id="39" dur="500"/>
+                                        <p:tgtEl>
+                                          <p:spTgt spid="5">
+                                            <p:txEl>
+                                              <p:pRg st="14" end="14"/>
+                                            </p:txEl>
+                                          </p:spTgt>
+                                        </p:tgtEl>
+                                      </p:cBhvr>
+                                    </p:animEffect>
+                                  </p:childTnLst>
+                                </p:cTn>
+                              </p:par>
+                            </p:childTnLst>
+                          </p:cTn>
+                        </p:par>
+                      </p:childTnLst>
+                    </p:cTn>
+                  </p:par>
+                </p:childTnLst>
+              </p:cTn>
+              <p:prevCondLst>
+                <p:cond evt="onPrev" delay="0">
+                  <p:tgtEl>
+                    <p:sldTgt/>
+                  </p:tgtEl>
+                </p:cond>
+              </p:prevCondLst>
+              <p:nextCondLst>
+                <p:cond evt="onNext" delay="0">
+                  <p:tgtEl>
+                    <p:sldTgt/>
+                  </p:tgtEl>
+                </p:cond>
+              </p:nextCondLst>
+            </p:seq>
+          </p:childTnLst>
+        </p:cTn>
       </p:par>
     </p:tnLst>
   </p:timing>
@@ -18052,18 +21935,11 @@
           <a:lstStyle/>
           <a:p>
             <a:r>
-              <a:rPr lang="en-US" altLang="en-US" dirty="0" smtClean="0">
-                <a:latin typeface="Trebuchet MS" charset="0"/>
-                <a:ea typeface="ＭＳ Ｐゴシック" charset="-128"/>
-              </a:rPr>
-              <a:t>Best Practices</a:t>
-            </a:r>
-            <a:r>
               <a:rPr lang="en-US" altLang="en-US" dirty="0">
                 <a:latin typeface="Trebuchet MS" charset="0"/>
                 <a:ea typeface="ＭＳ Ｐゴシック" charset="-128"/>
               </a:rPr>
-              <a:t/>
+              <a:t>How can it help me?</a:t>
             </a:r>
             <a:br>
               <a:rPr lang="en-US" altLang="en-US" dirty="0">
@@ -18091,133 +21967,84 @@
           </a:p>
         </p:txBody>
       </p:sp>
-      <p:sp>
-        <p:nvSpPr>
-          <p:cNvPr id="5" name="Content Placeholder 4"/>
-          <p:cNvSpPr>
-            <a:spLocks noGrp="1"/>
-          </p:cNvSpPr>
+      <p:pic>
+        <p:nvPicPr>
+          <p:cNvPr id="4" name="Content Placeholder 3"/>
+          <p:cNvPicPr>
+            <a:picLocks noGrp="1" noChangeAspect="1"/>
+          </p:cNvPicPr>
           <p:nvPr>
             <p:ph idx="13"/>
           </p:nvPr>
-        </p:nvSpPr>
+        </p:nvPicPr>
+        <p:blipFill>
+          <a:blip r:embed="rId3"/>
+          <a:stretch>
+            <a:fillRect/>
+          </a:stretch>
+        </p:blipFill>
         <p:spPr>
           <a:xfrm>
-            <a:off x="576262" y="1206500"/>
-            <a:ext cx="8110537" cy="3908964"/>
+            <a:off x="120769" y="1080095"/>
+            <a:ext cx="8919297" cy="5053286"/>
           </a:xfrm>
+          <a:prstGeom prst="rect">
+            <a:avLst/>
+          </a:prstGeom>
         </p:spPr>
-        <p:txBody>
-          <a:bodyPr/>
-          <a:lstStyle/>
-          <a:p>
-            <a:r>
-              <a:rPr lang="en-US" dirty="0" smtClean="0"/>
-              <a:t>Use </a:t>
-            </a:r>
-            <a:r>
-              <a:rPr lang="en-US" dirty="0" err="1" smtClean="0"/>
-              <a:t>Ansible</a:t>
-            </a:r>
-            <a:r>
-              <a:rPr lang="en-US" dirty="0" smtClean="0"/>
-              <a:t> Modules where you can</a:t>
-            </a:r>
-          </a:p>
-          <a:p>
-            <a:r>
-              <a:rPr lang="en-US" dirty="0" smtClean="0"/>
-              <a:t>Use </a:t>
-            </a:r>
-            <a:r>
-              <a:rPr lang="en-US" dirty="0" smtClean="0"/>
-              <a:t>Roles and pick up an existing one if available</a:t>
-            </a:r>
-          </a:p>
-          <a:p>
-            <a:r>
-              <a:rPr lang="en-US" dirty="0" smtClean="0"/>
-              <a:t>Version roles in a VCS (</a:t>
-            </a:r>
-            <a:r>
-              <a:rPr lang="en-US" dirty="0" err="1" smtClean="0"/>
-              <a:t>git</a:t>
-            </a:r>
-            <a:r>
-              <a:rPr lang="en-US" dirty="0" smtClean="0"/>
-              <a:t>) with tags</a:t>
-            </a:r>
-          </a:p>
-          <a:p>
-            <a:r>
-              <a:rPr lang="en-US" dirty="0" smtClean="0"/>
-              <a:t>Think </a:t>
-            </a:r>
-            <a:r>
-              <a:rPr lang="en-US" dirty="0" smtClean="0"/>
-              <a:t>reusability</a:t>
-            </a:r>
-          </a:p>
-          <a:p>
-            <a:r>
-              <a:rPr lang="en-US" dirty="0" err="1" smtClean="0"/>
-              <a:t>Ansible</a:t>
-            </a:r>
-            <a:r>
-              <a:rPr lang="en-US" dirty="0" smtClean="0"/>
-              <a:t> </a:t>
-            </a:r>
-            <a:r>
-              <a:rPr lang="en-US" dirty="0" smtClean="0"/>
-              <a:t>Galaxy (website &amp; command-line tool)</a:t>
-            </a:r>
-          </a:p>
-          <a:p>
-            <a:pPr marL="0" indent="0">
-              <a:buNone/>
-            </a:pPr>
-            <a:r>
-              <a:rPr lang="en-US" dirty="0" smtClean="0"/>
-              <a:t>	- cli tool provides role templates</a:t>
-            </a:r>
-          </a:p>
-          <a:p>
-            <a:pPr marL="0" indent="0">
-              <a:buNone/>
-            </a:pPr>
-            <a:r>
-              <a:rPr lang="en-US" dirty="0"/>
-              <a:t>	</a:t>
-            </a:r>
-            <a:r>
-              <a:rPr lang="en-US" dirty="0" smtClean="0"/>
-              <a:t>- cli tool can pull roles from galaxy or private </a:t>
-            </a:r>
-            <a:r>
-              <a:rPr lang="en-US" dirty="0" err="1" smtClean="0"/>
-              <a:t>git</a:t>
-            </a:r>
-            <a:endParaRPr lang="en-US" dirty="0" smtClean="0"/>
-          </a:p>
-          <a:p>
-            <a:r>
-              <a:rPr lang="en-US" dirty="0"/>
-              <a:t>http://docs.ansible.com/ansible/playbooks_best_practices.html</a:t>
-            </a:r>
-            <a:endParaRPr lang="en-US" dirty="0" smtClean="0"/>
-          </a:p>
-          <a:p>
-            <a:endParaRPr lang="en-US" dirty="0" smtClean="0"/>
-          </a:p>
-          <a:p>
-            <a:endParaRPr lang="en-US" dirty="0"/>
-          </a:p>
-        </p:txBody>
-      </p:sp>
+      </p:pic>
+      <p:pic>
+        <p:nvPicPr>
+          <p:cNvPr id="6" name="Picture 5"/>
+          <p:cNvPicPr>
+            <a:picLocks noChangeAspect="1"/>
+          </p:cNvPicPr>
+          <p:nvPr/>
+        </p:nvPicPr>
+        <p:blipFill>
+          <a:blip r:embed="rId4"/>
+          <a:stretch>
+            <a:fillRect/>
+          </a:stretch>
+        </p:blipFill>
+        <p:spPr>
+          <a:xfrm>
+            <a:off x="120768" y="992036"/>
+            <a:ext cx="9023231" cy="5141345"/>
+          </a:xfrm>
+          <a:prstGeom prst="rect">
+            <a:avLst/>
+          </a:prstGeom>
+        </p:spPr>
+      </p:pic>
+      <p:pic>
+        <p:nvPicPr>
+          <p:cNvPr id="3" name="Picture 2"/>
+          <p:cNvPicPr>
+            <a:picLocks noChangeAspect="1"/>
+          </p:cNvPicPr>
+          <p:nvPr/>
+        </p:nvPicPr>
+        <p:blipFill>
+          <a:blip r:embed="rId5"/>
+          <a:stretch>
+            <a:fillRect/>
+          </a:stretch>
+        </p:blipFill>
+        <p:spPr>
+          <a:xfrm>
+            <a:off x="362309" y="1080095"/>
+            <a:ext cx="8506065" cy="5053286"/>
+          </a:xfrm>
+          <a:prstGeom prst="rect">
+            <a:avLst/>
+          </a:prstGeom>
+        </p:spPr>
+      </p:pic>
     </p:spTree>
     <p:extLst>
       <p:ext uri="{BB962C8B-B14F-4D97-AF65-F5344CB8AC3E}">
-        <p14:creationId xmlns:p14="http://schemas.microsoft.com/office/powerpoint/2010/main" val="429923837"/>
+        <p14:creationId xmlns:p14="http://schemas.microsoft.com/office/powerpoint/2010/main" val="2547843466"/>
       </p:ext>
     </p:extLst>
   </p:cSld>
@@ -18227,7 +22054,189 @@
   <p:timing>
     <p:tnLst>
       <p:par>
-        <p:cTn id="1" dur="indefinite" restart="never" nodeType="tmRoot"/>
+        <p:cTn id="1" dur="indefinite" restart="never" nodeType="tmRoot">
+          <p:childTnLst>
+            <p:seq concurrent="1" nextAc="seek">
+              <p:cTn id="2" dur="indefinite" nodeType="mainSeq">
+                <p:childTnLst>
+                  <p:par>
+                    <p:cTn id="3" fill="hold">
+                      <p:stCondLst>
+                        <p:cond delay="indefinite"/>
+                      </p:stCondLst>
+                      <p:childTnLst>
+                        <p:par>
+                          <p:cTn id="4" fill="hold">
+                            <p:stCondLst>
+                              <p:cond delay="0"/>
+                            </p:stCondLst>
+                            <p:childTnLst>
+                              <p:par>
+                                <p:cTn id="5" presetID="10" presetClass="entr" presetSubtype="0" fill="hold" nodeType="clickEffect">
+                                  <p:stCondLst>
+                                    <p:cond delay="0"/>
+                                  </p:stCondLst>
+                                  <p:childTnLst>
+                                    <p:set>
+                                      <p:cBhvr>
+                                        <p:cTn id="6" dur="1" fill="hold">
+                                          <p:stCondLst>
+                                            <p:cond delay="0"/>
+                                          </p:stCondLst>
+                                        </p:cTn>
+                                        <p:tgtEl>
+                                          <p:spTgt spid="4"/>
+                                        </p:tgtEl>
+                                        <p:attrNameLst>
+                                          <p:attrName>style.visibility</p:attrName>
+                                        </p:attrNameLst>
+                                      </p:cBhvr>
+                                      <p:to>
+                                        <p:strVal val="visible"/>
+                                      </p:to>
+                                    </p:set>
+                                    <p:animEffect transition="in" filter="fade">
+                                      <p:cBhvr>
+                                        <p:cTn id="7" dur="500"/>
+                                        <p:tgtEl>
+                                          <p:spTgt spid="4"/>
+                                        </p:tgtEl>
+                                      </p:cBhvr>
+                                    </p:animEffect>
+                                  </p:childTnLst>
+                                </p:cTn>
+                              </p:par>
+                            </p:childTnLst>
+                          </p:cTn>
+                        </p:par>
+                      </p:childTnLst>
+                    </p:cTn>
+                  </p:par>
+                  <p:par>
+                    <p:cTn id="8" fill="hold">
+                      <p:stCondLst>
+                        <p:cond delay="indefinite"/>
+                      </p:stCondLst>
+                      <p:childTnLst>
+                        <p:par>
+                          <p:cTn id="9" fill="hold">
+                            <p:stCondLst>
+                              <p:cond delay="0"/>
+                            </p:stCondLst>
+                            <p:childTnLst>
+                              <p:par>
+                                <p:cTn id="10" presetID="10" presetClass="entr" presetSubtype="0" fill="hold" nodeType="clickEffect">
+                                  <p:stCondLst>
+                                    <p:cond delay="0"/>
+                                  </p:stCondLst>
+                                  <p:childTnLst>
+                                    <p:set>
+                                      <p:cBhvr>
+                                        <p:cTn id="11" dur="1" fill="hold">
+                                          <p:stCondLst>
+                                            <p:cond delay="0"/>
+                                          </p:stCondLst>
+                                        </p:cTn>
+                                        <p:tgtEl>
+                                          <p:spTgt spid="6"/>
+                                        </p:tgtEl>
+                                        <p:attrNameLst>
+                                          <p:attrName>style.visibility</p:attrName>
+                                        </p:attrNameLst>
+                                      </p:cBhvr>
+                                      <p:to>
+                                        <p:strVal val="visible"/>
+                                      </p:to>
+                                    </p:set>
+                                    <p:animEffect transition="in" filter="fade">
+                                      <p:cBhvr>
+                                        <p:cTn id="12" dur="500"/>
+                                        <p:tgtEl>
+                                          <p:spTgt spid="6"/>
+                                        </p:tgtEl>
+                                      </p:cBhvr>
+                                    </p:animEffect>
+                                  </p:childTnLst>
+                                </p:cTn>
+                              </p:par>
+                            </p:childTnLst>
+                          </p:cTn>
+                        </p:par>
+                      </p:childTnLst>
+                    </p:cTn>
+                  </p:par>
+                  <p:par>
+                    <p:cTn id="13" fill="hold">
+                      <p:stCondLst>
+                        <p:cond delay="indefinite"/>
+                      </p:stCondLst>
+                      <p:childTnLst>
+                        <p:par>
+                          <p:cTn id="14" fill="hold">
+                            <p:stCondLst>
+                              <p:cond delay="0"/>
+                            </p:stCondLst>
+                            <p:childTnLst>
+                              <p:par>
+                                <p:cTn id="15" presetID="10" presetClass="entr" presetSubtype="0" fill="hold" nodeType="clickEffect">
+                                  <p:stCondLst>
+                                    <p:cond delay="0"/>
+                                  </p:stCondLst>
+                                  <p:childTnLst>
+                                    <p:set>
+                                      <p:cBhvr>
+                                        <p:cTn id="16" dur="1" fill="hold">
+                                          <p:stCondLst>
+                                            <p:cond delay="0"/>
+                                          </p:stCondLst>
+                                        </p:cTn>
+                                        <p:tgtEl>
+                                          <p:spTgt spid="3"/>
+                                        </p:tgtEl>
+                                        <p:attrNameLst>
+                                          <p:attrName>style.visibility</p:attrName>
+                                        </p:attrNameLst>
+                                      </p:cBhvr>
+                                      <p:to>
+                                        <p:strVal val="visible"/>
+                                      </p:to>
+                                    </p:set>
+                                    <p:animEffect transition="in" filter="fade">
+                                      <p:cBhvr>
+                                        <p:cTn id="17" dur="500"/>
+                                        <p:tgtEl>
+                                          <p:spTgt spid="3"/>
+                                        </p:tgtEl>
+                                      </p:cBhvr>
+                                    </p:animEffect>
+                                  </p:childTnLst>
+                                </p:cTn>
+                              </p:par>
+                            </p:childTnLst>
+                          </p:cTn>
+                        </p:par>
+                      </p:childTnLst>
+                    </p:cTn>
+                  </p:par>
+                </p:childTnLst>
+              </p:cTn>
+              <p:prevCondLst>
+                <p:cond evt="onPrev" delay="0">
+                  <p:tgtEl>
+                    <p:sldTgt/>
+                  </p:tgtEl>
+                </p:cond>
+              </p:prevCondLst>
+              <p:nextCondLst>
+                <p:cond evt="onNext" delay="0">
+                  <p:tgtEl>
+                    <p:sldTgt/>
+                  </p:tgtEl>
+                </p:cond>
+              </p:nextCondLst>
+            </p:seq>
+          </p:childTnLst>
+        </p:cTn>
       </p:par>
     </p:tnLst>
   </p:timing>
@@ -18413,11 +22422,11 @@
           <a:lstStyle/>
           <a:p>
             <a:r>
-              <a:rPr lang="en-US" altLang="en-US" dirty="0" err="1" smtClean="0">
+              <a:rPr lang="en-US" altLang="en-US" dirty="0" smtClean="0">
                 <a:latin typeface="Trebuchet MS" charset="0"/>
                 <a:ea typeface="ＭＳ Ｐゴシック" charset="-128"/>
               </a:rPr>
-              <a:t>Gotchas</a:t>
+              <a:t>Best Practices</a:t>
             </a:r>
             <a:r>
               <a:rPr lang="en-US" altLang="en-US" dirty="0">
@@ -18452,35 +22461,130 @@
           </a:p>
         </p:txBody>
       </p:sp>
-      <p:graphicFrame>
-        <p:nvGraphicFramePr>
-          <p:cNvPr id="3" name="Content Placeholder 2"/>
-          <p:cNvGraphicFramePr>
-            <a:graphicFrameLocks noGrp="1"/>
-          </p:cNvGraphicFramePr>
+      <p:sp>
+        <p:nvSpPr>
+          <p:cNvPr id="5" name="Content Placeholder 4"/>
+          <p:cNvSpPr>
+            <a:spLocks noGrp="1"/>
+          </p:cNvSpPr>
           <p:nvPr>
             <p:ph idx="13"/>
-            <p:extLst>
-              <p:ext uri="{D42A27DB-BD31-4B8C-83A1-F6EECF244321}">
-                <p14:modId xmlns:p14="http://schemas.microsoft.com/office/powerpoint/2010/main" val="2569471796"/>
-              </p:ext>
-            </p:extLst>
           </p:nvPr>
-        </p:nvGraphicFramePr>
-        <p:xfrm>
-          <a:off x="576262" y="1206500"/>
-          <a:ext cx="8110537" cy="4728474"/>
-        </p:xfrm>
-        <a:graphic>
-          <a:graphicData uri="http://schemas.openxmlformats.org/drawingml/2006/diagram">
-            <dgm:relIds xmlns:dgm="http://schemas.openxmlformats.org/drawingml/2006/diagram" xmlns:r="http://schemas.openxmlformats.org/officeDocument/2006/relationships" r:dm="rId3" r:lo="rId4" r:qs="rId5" r:cs="rId6"/>
-          </a:graphicData>
-        </a:graphic>
-      </p:graphicFrame>
+        </p:nvSpPr>
+        <p:spPr>
+          <a:xfrm>
+            <a:off x="576262" y="1087523"/>
+            <a:ext cx="8110537" cy="3908964"/>
+          </a:xfrm>
+        </p:spPr>
+        <p:txBody>
+          <a:bodyPr/>
+          <a:lstStyle/>
+          <a:p>
+            <a:r>
+              <a:rPr lang="en-US" dirty="0" smtClean="0"/>
+              <a:t>Use </a:t>
+            </a:r>
+            <a:r>
+              <a:rPr lang="en-US" dirty="0" err="1" smtClean="0"/>
+              <a:t>Ansible</a:t>
+            </a:r>
+            <a:r>
+              <a:rPr lang="en-US" dirty="0" smtClean="0"/>
+              <a:t> Modules where you can</a:t>
+            </a:r>
+          </a:p>
+          <a:p>
+            <a:r>
+              <a:rPr lang="en-US" dirty="0" smtClean="0"/>
+              <a:t>Use Roles and pick up an existing one if available OR at least includes</a:t>
+            </a:r>
+          </a:p>
+          <a:p>
+            <a:pPr marL="0" indent="0">
+              <a:buNone/>
+            </a:pPr>
+            <a:r>
+              <a:rPr lang="en-US" dirty="0" smtClean="0"/>
+              <a:t>    - </a:t>
+            </a:r>
+            <a:r>
+              <a:rPr lang="en-US" sz="1400" dirty="0" smtClean="0"/>
+              <a:t>roles build on the idea of include files and combine them to form a clean &amp; reusable abstraction and are automation around “includes” and search path handling.</a:t>
+            </a:r>
+          </a:p>
+          <a:p>
+            <a:r>
+              <a:rPr lang="en-US" dirty="0" smtClean="0"/>
+              <a:t>Version roles in a VCS (</a:t>
+            </a:r>
+            <a:r>
+              <a:rPr lang="en-US" dirty="0" err="1" smtClean="0"/>
+              <a:t>git</a:t>
+            </a:r>
+            <a:r>
+              <a:rPr lang="en-US" dirty="0" smtClean="0"/>
+              <a:t>) with tags</a:t>
+            </a:r>
+          </a:p>
+          <a:p>
+            <a:r>
+              <a:rPr lang="en-US" dirty="0" smtClean="0"/>
+              <a:t>Think reusability</a:t>
+            </a:r>
+          </a:p>
+          <a:p>
+            <a:r>
+              <a:rPr lang="en-US" dirty="0" err="1" smtClean="0"/>
+              <a:t>Ansible</a:t>
+            </a:r>
+            <a:r>
+              <a:rPr lang="en-US" dirty="0" smtClean="0"/>
+              <a:t> Galaxy (website &amp; command-line tool)</a:t>
+            </a:r>
+          </a:p>
+          <a:p>
+            <a:pPr marL="0" indent="0">
+              <a:buNone/>
+            </a:pPr>
+            <a:r>
+              <a:rPr lang="en-US" dirty="0" smtClean="0"/>
+              <a:t>	- cli tool provides role templates</a:t>
+            </a:r>
+          </a:p>
+          <a:p>
+            <a:pPr marL="0" indent="0">
+              <a:buNone/>
+            </a:pPr>
+            <a:r>
+              <a:rPr lang="en-US" dirty="0"/>
+              <a:t>	</a:t>
+            </a:r>
+            <a:r>
+              <a:rPr lang="en-US" dirty="0" smtClean="0"/>
+              <a:t>- cli tool can pull roles from galaxy or private </a:t>
+            </a:r>
+            <a:r>
+              <a:rPr lang="en-US" dirty="0" err="1" smtClean="0"/>
+              <a:t>git</a:t>
+            </a:r>
+            <a:endParaRPr lang="en-US" dirty="0" smtClean="0"/>
+          </a:p>
+          <a:p>
+            <a:pPr marL="0" indent="0">
+              <a:buNone/>
+            </a:pPr>
+            <a:endParaRPr lang="en-US" dirty="0" smtClean="0"/>
+          </a:p>
+          <a:p>
+            <a:endParaRPr lang="en-US" dirty="0"/>
+          </a:p>
+        </p:txBody>
+      </p:sp>
     </p:spTree>
     <p:extLst>
       <p:ext uri="{BB962C8B-B14F-4D97-AF65-F5344CB8AC3E}">
-        <p14:creationId xmlns:p14="http://schemas.microsoft.com/office/powerpoint/2010/main" val="994501096"/>
+        <p14:creationId xmlns:p14="http://schemas.microsoft.com/office/powerpoint/2010/main" val="429923837"/>
       </p:ext>
     </p:extLst>
   </p:cSld>
@@ -18490,7 +22594,464 @@
   <p:timing>
     <p:tnLst>
       <p:par>
-        <p:cTn id="1" dur="indefinite" restart="never" nodeType="tmRoot"/>
+        <p:cTn id="1" dur="indefinite" restart="never" nodeType="tmRoot">
+          <p:childTnLst>
+            <p:seq concurrent="1" nextAc="seek">
+              <p:cTn id="2" dur="indefinite" nodeType="mainSeq">
+                <p:childTnLst>
+                  <p:par>
+                    <p:cTn id="3" fill="hold">
+                      <p:stCondLst>
+                        <p:cond delay="indefinite"/>
+                      </p:stCondLst>
+                      <p:childTnLst>
+                        <p:par>
+                          <p:cTn id="4" fill="hold">
+                            <p:stCondLst>
+                              <p:cond delay="0"/>
+                            </p:stCondLst>
+                            <p:childTnLst>
+                              <p:par>
+                                <p:cTn id="5" presetID="10" presetClass="entr" presetSubtype="0" fill="hold" nodeType="clickEffect">
+                                  <p:stCondLst>
+                                    <p:cond delay="0"/>
+                                  </p:stCondLst>
+                                  <p:childTnLst>
+                                    <p:set>
+                                      <p:cBhvr>
+                                        <p:cTn id="6" dur="1" fill="hold">
+                                          <p:stCondLst>
+                                            <p:cond delay="0"/>
+                                          </p:stCondLst>
+                                        </p:cTn>
+                                        <p:tgtEl>
+                                          <p:spTgt spid="5">
+                                            <p:txEl>
+                                              <p:pRg st="0" end="0"/>
+                                            </p:txEl>
+                                          </p:spTgt>
+                                        </p:tgtEl>
+                                        <p:attrNameLst>
+                                          <p:attrName>style.visibility</p:attrName>
+                                        </p:attrNameLst>
+                                      </p:cBhvr>
+                                      <p:to>
+                                        <p:strVal val="visible"/>
+                                      </p:to>
+                                    </p:set>
+                                    <p:animEffect transition="in" filter="fade">
+                                      <p:cBhvr>
+                                        <p:cTn id="7" dur="500"/>
+                                        <p:tgtEl>
+                                          <p:spTgt spid="5">
+                                            <p:txEl>
+                                              <p:pRg st="0" end="0"/>
+                                            </p:txEl>
+                                          </p:spTgt>
+                                        </p:tgtEl>
+                                      </p:cBhvr>
+                                    </p:animEffect>
+                                  </p:childTnLst>
+                                </p:cTn>
+                              </p:par>
+                            </p:childTnLst>
+                          </p:cTn>
+                        </p:par>
+                      </p:childTnLst>
+                    </p:cTn>
+                  </p:par>
+                  <p:par>
+                    <p:cTn id="8" fill="hold">
+                      <p:stCondLst>
+                        <p:cond delay="indefinite"/>
+                      </p:stCondLst>
+                      <p:childTnLst>
+                        <p:par>
+                          <p:cTn id="9" fill="hold">
+                            <p:stCondLst>
+                              <p:cond delay="0"/>
+                            </p:stCondLst>
+                            <p:childTnLst>
+                              <p:par>
+                                <p:cTn id="10" presetID="10" presetClass="entr" presetSubtype="0" fill="hold" nodeType="clickEffect">
+                                  <p:stCondLst>
+                                    <p:cond delay="0"/>
+                                  </p:stCondLst>
+                                  <p:childTnLst>
+                                    <p:set>
+                                      <p:cBhvr>
+                                        <p:cTn id="11" dur="1" fill="hold">
+                                          <p:stCondLst>
+                                            <p:cond delay="0"/>
+                                          </p:stCondLst>
+                                        </p:cTn>
+                                        <p:tgtEl>
+                                          <p:spTgt spid="5">
+                                            <p:txEl>
+                                              <p:pRg st="1" end="1"/>
+                                            </p:txEl>
+                                          </p:spTgt>
+                                        </p:tgtEl>
+                                        <p:attrNameLst>
+                                          <p:attrName>style.visibility</p:attrName>
+                                        </p:attrNameLst>
+                                      </p:cBhvr>
+                                      <p:to>
+                                        <p:strVal val="visible"/>
+                                      </p:to>
+                                    </p:set>
+                                    <p:animEffect transition="in" filter="fade">
+                                      <p:cBhvr>
+                                        <p:cTn id="12" dur="500"/>
+                                        <p:tgtEl>
+                                          <p:spTgt spid="5">
+                                            <p:txEl>
+                                              <p:pRg st="1" end="1"/>
+                                            </p:txEl>
+                                          </p:spTgt>
+                                        </p:tgtEl>
+                                      </p:cBhvr>
+                                    </p:animEffect>
+                                  </p:childTnLst>
+                                </p:cTn>
+                              </p:par>
+                              <p:par>
+                                <p:cTn id="13" presetID="10" presetClass="entr" presetSubtype="0" fill="hold" nodeType="withEffect">
+                                  <p:stCondLst>
+                                    <p:cond delay="0"/>
+                                  </p:stCondLst>
+                                  <p:childTnLst>
+                                    <p:set>
+                                      <p:cBhvr>
+                                        <p:cTn id="14" dur="1" fill="hold">
+                                          <p:stCondLst>
+                                            <p:cond delay="0"/>
+                                          </p:stCondLst>
+                                        </p:cTn>
+                                        <p:tgtEl>
+                                          <p:spTgt spid="5">
+                                            <p:txEl>
+                                              <p:pRg st="2" end="2"/>
+                                            </p:txEl>
+                                          </p:spTgt>
+                                        </p:tgtEl>
+                                        <p:attrNameLst>
+                                          <p:attrName>style.visibility</p:attrName>
+                                        </p:attrNameLst>
+                                      </p:cBhvr>
+                                      <p:to>
+                                        <p:strVal val="visible"/>
+                                      </p:to>
+                                    </p:set>
+                                    <p:animEffect transition="in" filter="fade">
+                                      <p:cBhvr>
+                                        <p:cTn id="15" dur="500"/>
+                                        <p:tgtEl>
+                                          <p:spTgt spid="5">
+                                            <p:txEl>
+                                              <p:pRg st="2" end="2"/>
+                                            </p:txEl>
+                                          </p:spTgt>
+                                        </p:tgtEl>
+                                      </p:cBhvr>
+                                    </p:animEffect>
+                                  </p:childTnLst>
+                                </p:cTn>
+                              </p:par>
+                            </p:childTnLst>
+                          </p:cTn>
+                        </p:par>
+                      </p:childTnLst>
+                    </p:cTn>
+                  </p:par>
+                  <p:par>
+                    <p:cTn id="16" fill="hold">
+                      <p:stCondLst>
+                        <p:cond delay="indefinite"/>
+                      </p:stCondLst>
+                      <p:childTnLst>
+                        <p:par>
+                          <p:cTn id="17" fill="hold">
+                            <p:stCondLst>
+                              <p:cond delay="0"/>
+                            </p:stCondLst>
+                            <p:childTnLst>
+                              <p:par>
+                                <p:cTn id="18" presetID="10" presetClass="entr" presetSubtype="0" fill="hold" nodeType="clickEffect">
+                                  <p:stCondLst>
+                                    <p:cond delay="0"/>
+                                  </p:stCondLst>
+                                  <p:childTnLst>
+                                    <p:set>
+                                      <p:cBhvr>
+                                        <p:cTn id="19" dur="1" fill="hold">
+                                          <p:stCondLst>
+                                            <p:cond delay="0"/>
+                                          </p:stCondLst>
+                                        </p:cTn>
+                                        <p:tgtEl>
+                                          <p:spTgt spid="5">
+                                            <p:txEl>
+                                              <p:pRg st="3" end="3"/>
+                                            </p:txEl>
+                                          </p:spTgt>
+                                        </p:tgtEl>
+                                        <p:attrNameLst>
+                                          <p:attrName>style.visibility</p:attrName>
+                                        </p:attrNameLst>
+                                      </p:cBhvr>
+                                      <p:to>
+                                        <p:strVal val="visible"/>
+                                      </p:to>
+                                    </p:set>
+                                    <p:animEffect transition="in" filter="fade">
+                                      <p:cBhvr>
+                                        <p:cTn id="20" dur="500"/>
+                                        <p:tgtEl>
+                                          <p:spTgt spid="5">
+                                            <p:txEl>
+                                              <p:pRg st="3" end="3"/>
+                                            </p:txEl>
+                                          </p:spTgt>
+                                        </p:tgtEl>
+                                      </p:cBhvr>
+                                    </p:animEffect>
+                                  </p:childTnLst>
+                                </p:cTn>
+                              </p:par>
+                            </p:childTnLst>
+                          </p:cTn>
+                        </p:par>
+                      </p:childTnLst>
+                    </p:cTn>
+                  </p:par>
+                  <p:par>
+                    <p:cTn id="21" fill="hold">
+                      <p:stCondLst>
+                        <p:cond delay="indefinite"/>
+                      </p:stCondLst>
+                      <p:childTnLst>
+                        <p:par>
+                          <p:cTn id="22" fill="hold">
+                            <p:stCondLst>
+                              <p:cond delay="0"/>
+                            </p:stCondLst>
+                            <p:childTnLst>
+                              <p:par>
+                                <p:cTn id="23" presetID="10" presetClass="entr" presetSubtype="0" fill="hold" nodeType="clickEffect">
+                                  <p:stCondLst>
+                                    <p:cond delay="0"/>
+                                  </p:stCondLst>
+                                  <p:childTnLst>
+                                    <p:set>
+                                      <p:cBhvr>
+                                        <p:cTn id="24" dur="1" fill="hold">
+                                          <p:stCondLst>
+                                            <p:cond delay="0"/>
+                                          </p:stCondLst>
+                                        </p:cTn>
+                                        <p:tgtEl>
+                                          <p:spTgt spid="5">
+                                            <p:txEl>
+                                              <p:pRg st="4" end="4"/>
+                                            </p:txEl>
+                                          </p:spTgt>
+                                        </p:tgtEl>
+                                        <p:attrNameLst>
+                                          <p:attrName>style.visibility</p:attrName>
+                                        </p:attrNameLst>
+                                      </p:cBhvr>
+                                      <p:to>
+                                        <p:strVal val="visible"/>
+                                      </p:to>
+                                    </p:set>
+                                    <p:animEffect transition="in" filter="fade">
+                                      <p:cBhvr>
+                                        <p:cTn id="25" dur="500"/>
+                                        <p:tgtEl>
+                                          <p:spTgt spid="5">
+                                            <p:txEl>
+                                              <p:pRg st="4" end="4"/>
+                                            </p:txEl>
+                                          </p:spTgt>
+                                        </p:tgtEl>
+                                      </p:cBhvr>
+                                    </p:animEffect>
+                                  </p:childTnLst>
+                                </p:cTn>
+                              </p:par>
+                            </p:childTnLst>
+                          </p:cTn>
+                        </p:par>
+                      </p:childTnLst>
+                    </p:cTn>
+                  </p:par>
+                  <p:par>
+                    <p:cTn id="26" fill="hold">
+                      <p:stCondLst>
+                        <p:cond delay="indefinite"/>
+                      </p:stCondLst>
+                      <p:childTnLst>
+                        <p:par>
+                          <p:cTn id="27" fill="hold">
+                            <p:stCondLst>
+                              <p:cond delay="0"/>
+                            </p:stCondLst>
+                            <p:childTnLst>
+                              <p:par>
+                                <p:cTn id="28" presetID="10" presetClass="entr" presetSubtype="0" fill="hold" nodeType="clickEffect">
+                                  <p:stCondLst>
+                                    <p:cond delay="0"/>
+                                  </p:stCondLst>
+                                  <p:childTnLst>
+                                    <p:set>
+                                      <p:cBhvr>
+                                        <p:cTn id="29" dur="1" fill="hold">
+                                          <p:stCondLst>
+                                            <p:cond delay="0"/>
+                                          </p:stCondLst>
+                                        </p:cTn>
+                                        <p:tgtEl>
+                                          <p:spTgt spid="5">
+                                            <p:txEl>
+                                              <p:pRg st="5" end="5"/>
+                                            </p:txEl>
+                                          </p:spTgt>
+                                        </p:tgtEl>
+                                        <p:attrNameLst>
+                                          <p:attrName>style.visibility</p:attrName>
+                                        </p:attrNameLst>
+                                      </p:cBhvr>
+                                      <p:to>
+                                        <p:strVal val="visible"/>
+                                      </p:to>
+                                    </p:set>
+                                    <p:animEffect transition="in" filter="fade">
+                                      <p:cBhvr>
+                                        <p:cTn id="30" dur="500"/>
+                                        <p:tgtEl>
+                                          <p:spTgt spid="5">
+                                            <p:txEl>
+                                              <p:pRg st="5" end="5"/>
+                                            </p:txEl>
+                                          </p:spTgt>
+                                        </p:tgtEl>
+                                      </p:cBhvr>
+                                    </p:animEffect>
+                                  </p:childTnLst>
+                                </p:cTn>
+                              </p:par>
+                              <p:par>
+                                <p:cTn id="31" presetID="10" presetClass="entr" presetSubtype="0" fill="hold" nodeType="withEffect">
+                                  <p:stCondLst>
+                                    <p:cond delay="0"/>
+                                  </p:stCondLst>
+                                  <p:childTnLst>
+                                    <p:set>
+                                      <p:cBhvr>
+                                        <p:cTn id="32" dur="1" fill="hold">
+                                          <p:stCondLst>
+                                            <p:cond delay="0"/>
+                                          </p:stCondLst>
+                                        </p:cTn>
+                                        <p:tgtEl>
+                                          <p:spTgt spid="5">
+                                            <p:txEl>
+                                              <p:pRg st="6" end="6"/>
+                                            </p:txEl>
+                                          </p:spTgt>
+                                        </p:tgtEl>
+                                        <p:attrNameLst>
+                                          <p:attrName>style.visibility</p:attrName>
+                                        </p:attrNameLst>
+                                      </p:cBhvr>
+                                      <p:to>
+                                        <p:strVal val="visible"/>
+                                      </p:to>
+                                    </p:set>
+                                    <p:animEffect transition="in" filter="fade">
+                                      <p:cBhvr>
+                                        <p:cTn id="33" dur="500"/>
+                                        <p:tgtEl>
+                                          <p:spTgt spid="5">
+                                            <p:txEl>
+                                              <p:pRg st="6" end="6"/>
+                                            </p:txEl>
+                                          </p:spTgt>
+                                        </p:tgtEl>
+                                      </p:cBhvr>
+                                    </p:animEffect>
+                                  </p:childTnLst>
+                                </p:cTn>
+                              </p:par>
+                              <p:par>
+                                <p:cTn id="34" presetID="10" presetClass="entr" presetSubtype="0" fill="hold" nodeType="withEffect">
+                                  <p:stCondLst>
+                                    <p:cond delay="0"/>
+                                  </p:stCondLst>
+                                  <p:childTnLst>
+                                    <p:set>
+                                      <p:cBhvr>
+                                        <p:cTn id="35" dur="1" fill="hold">
+                                          <p:stCondLst>
+                                            <p:cond delay="0"/>
+                                          </p:stCondLst>
+                                        </p:cTn>
+                                        <p:tgtEl>
+                                          <p:spTgt spid="5">
+                                            <p:txEl>
+                                              <p:pRg st="7" end="7"/>
+                                            </p:txEl>
+                                          </p:spTgt>
+                                        </p:tgtEl>
+                                        <p:attrNameLst>
+                                          <p:attrName>style.visibility</p:attrName>
+                                        </p:attrNameLst>
+                                      </p:cBhvr>
+                                      <p:to>
+                                        <p:strVal val="visible"/>
+                                      </p:to>
+                                    </p:set>
+                                    <p:animEffect transition="in" filter="fade">
+                                      <p:cBhvr>
+                                        <p:cTn id="36" dur="500"/>
+                                        <p:tgtEl>
+                                          <p:spTgt spid="5">
+                                            <p:txEl>
+                                              <p:pRg st="7" end="7"/>
+                                            </p:txEl>
+                                          </p:spTgt>
+                                        </p:tgtEl>
+                                      </p:cBhvr>
+                                    </p:animEffect>
+                                  </p:childTnLst>
+                                </p:cTn>
+                              </p:par>
+                            </p:childTnLst>
+                          </p:cTn>
+                        </p:par>
+                      </p:childTnLst>
+                    </p:cTn>
+                  </p:par>
+                </p:childTnLst>
+              </p:cTn>
+              <p:prevCondLst>
+                <p:cond evt="onPrev" delay="0">
+                  <p:tgtEl>
+                    <p:sldTgt/>
+                  </p:tgtEl>
+                </p:cond>
+              </p:prevCondLst>
+              <p:nextCondLst>
+                <p:cond evt="onNext" delay="0">
+                  <p:tgtEl>
+                    <p:sldTgt/>
+                  </p:tgtEl>
+                </p:cond>
+              </p:nextCondLst>
+            </p:seq>
+          </p:childTnLst>
+        </p:cTn>
       </p:par>
     </p:tnLst>
   </p:timing>
@@ -18715,34 +23276,35 @@
           </a:p>
         </p:txBody>
       </p:sp>
-      <p:pic>
-        <p:nvPicPr>
-          <p:cNvPr id="6" name="Picture 5"/>
-          <p:cNvPicPr>
-            <a:picLocks noChangeAspect="1"/>
-          </p:cNvPicPr>
-          <p:nvPr/>
-        </p:nvPicPr>
-        <p:blipFill>
-          <a:blip r:embed="rId3"/>
-          <a:stretch>
-            <a:fillRect/>
-          </a:stretch>
-        </p:blipFill>
-        <p:spPr>
-          <a:xfrm>
-            <a:off x="751942" y="1671391"/>
-            <a:ext cx="7640116" cy="4168691"/>
-          </a:xfrm>
-          <a:prstGeom prst="rect">
-            <a:avLst/>
-          </a:prstGeom>
-        </p:spPr>
-      </p:pic>
+      <p:graphicFrame>
+        <p:nvGraphicFramePr>
+          <p:cNvPr id="3" name="Content Placeholder 2"/>
+          <p:cNvGraphicFramePr>
+            <a:graphicFrameLocks noGrp="1"/>
+          </p:cNvGraphicFramePr>
+          <p:nvPr>
+            <p:ph idx="13"/>
+            <p:extLst>
+              <p:ext uri="{D42A27DB-BD31-4B8C-83A1-F6EECF244321}">
+                <p14:modId xmlns:p14="http://schemas.microsoft.com/office/powerpoint/2010/main" val="2657897571"/>
+              </p:ext>
+            </p:extLst>
+          </p:nvPr>
+        </p:nvGraphicFramePr>
+        <p:xfrm>
+          <a:off x="576262" y="1206500"/>
+          <a:ext cx="8110537" cy="4944134"/>
+        </p:xfrm>
+        <a:graphic>
+          <a:graphicData uri="http://schemas.openxmlformats.org/drawingml/2006/diagram">
+            <dgm:relIds xmlns:dgm="http://schemas.openxmlformats.org/drawingml/2006/diagram" xmlns:r="http://schemas.openxmlformats.org/officeDocument/2006/relationships" r:dm="rId3" r:lo="rId4" r:qs="rId5" r:cs="rId6"/>
+          </a:graphicData>
+        </a:graphic>
+      </p:graphicFrame>
     </p:spTree>
     <p:extLst>
       <p:ext uri="{BB962C8B-B14F-4D97-AF65-F5344CB8AC3E}">
-        <p14:creationId xmlns:p14="http://schemas.microsoft.com/office/powerpoint/2010/main" val="1311617609"/>
+        <p14:creationId xmlns:p14="http://schemas.microsoft.com/office/powerpoint/2010/main" val="994501096"/>
       </p:ext>
     </p:extLst>
   </p:cSld>
@@ -18752,9 +23314,90 @@
   <p:timing>
     <p:tnLst>
       <p:par>
-        <p:cTn id="1" dur="indefinite" restart="never" nodeType="tmRoot"/>
+        <p:cTn id="1" dur="indefinite" restart="never" nodeType="tmRoot">
+          <p:childTnLst>
+            <p:seq concurrent="1" nextAc="seek">
+              <p:cTn id="2" dur="indefinite" nodeType="mainSeq">
+                <p:childTnLst>
+                  <p:par>
+                    <p:cTn id="3" fill="hold">
+                      <p:stCondLst>
+                        <p:cond delay="indefinite"/>
+                      </p:stCondLst>
+                      <p:childTnLst>
+                        <p:par>
+                          <p:cTn id="4" fill="hold">
+                            <p:stCondLst>
+                              <p:cond delay="0"/>
+                            </p:stCondLst>
+                            <p:childTnLst>
+                              <p:par>
+                                <p:cTn id="5" presetID="10" presetClass="entr" presetSubtype="0" fill="hold" grpId="0" nodeType="clickEffect">
+                                  <p:stCondLst>
+                                    <p:cond delay="0"/>
+                                  </p:stCondLst>
+                                  <p:childTnLst>
+                                    <p:set>
+                                      <p:cBhvr>
+                                        <p:cTn id="6" dur="1" fill="hold">
+                                          <p:stCondLst>
+                                            <p:cond delay="0"/>
+                                          </p:stCondLst>
+                                        </p:cTn>
+                                        <p:tgtEl>
+                                          <p:spTgt spid="3"/>
+                                        </p:tgtEl>
+                                        <p:attrNameLst>
+                                          <p:attrName>style.visibility</p:attrName>
+                                        </p:attrNameLst>
+                                      </p:cBhvr>
+                                      <p:to>
+                                        <p:strVal val="visible"/>
+                                      </p:to>
+                                    </p:set>
+                                    <p:animEffect transition="in" filter="fade">
+                                      <p:cBhvr>
+                                        <p:cTn id="7" dur="500"/>
+                                        <p:tgtEl>
+                                          <p:spTgt spid="3"/>
+                                        </p:tgtEl>
+                                      </p:cBhvr>
+                                    </p:animEffect>
+                                  </p:childTnLst>
+                                </p:cTn>
+                              </p:par>
+                            </p:childTnLst>
+                          </p:cTn>
+                        </p:par>
+                      </p:childTnLst>
+                    </p:cTn>
+                  </p:par>
+                </p:childTnLst>
+              </p:cTn>
+              <p:prevCondLst>
+                <p:cond evt="onPrev" delay="0">
+                  <p:tgtEl>
+                    <p:sldTgt/>
+                  </p:tgtEl>
+                </p:cond>
+              </p:prevCondLst>
+              <p:nextCondLst>
+                <p:cond evt="onNext" delay="0">
+                  <p:tgtEl>
+                    <p:sldTgt/>
+                  </p:tgtEl>
+                </p:cond>
+              </p:nextCondLst>
+            </p:seq>
+          </p:childTnLst>
+        </p:cTn>
       </p:par>
     </p:tnLst>
+    <p:bldLst>
+      <p:bldGraphic spid="3" grpId="0">
+        <p:bldAsOne/>
+      </p:bldGraphic>
+    </p:bldLst>
   </p:timing>
 </p:sld>
 </file>

--- a/TMX_Ansible_KnowledgeSharing.pptx
+++ b/TMX_Ansible_KnowledgeSharing.pptx
@@ -17881,7 +17881,7 @@
         </p:nvSpPr>
         <p:spPr>
           <a:xfrm>
-            <a:off x="576262" y="833523"/>
+            <a:off x="576262" y="452523"/>
             <a:ext cx="8110537" cy="3908964"/>
           </a:xfrm>
         </p:spPr>
@@ -17926,9 +17926,6 @@
             </a:r>
           </a:p>
           <a:p>
-            <a:endParaRPr lang="en-US" dirty="0"/>
-          </a:p>
-          <a:p>
             <a:r>
               <a:rPr lang="en-US" dirty="0" smtClean="0"/>
               <a:t>Maybe a POC of an end-to-end automated </a:t>
@@ -17939,8 +17936,145 @@
             </a:r>
             <a:r>
               <a:rPr lang="en-US" dirty="0" smtClean="0"/>
-              <a:t> deployment process of an application would help flush this out</a:t>
+              <a:t> deployment &amp; provision process of an application would help flush this out. Outside ad-hoc plays.</a:t>
             </a:r>
+          </a:p>
+          <a:p>
+            <a:endParaRPr lang="en-US" dirty="0" smtClean="0"/>
+          </a:p>
+          <a:p>
+            <a:pPr marL="400050" lvl="1" indent="0">
+              <a:buNone/>
+            </a:pPr>
+            <a:r>
+              <a:rPr lang="en-US" sz="1400" dirty="0" err="1" smtClean="0"/>
+              <a:t>Ansible</a:t>
+            </a:r>
+            <a:r>
+              <a:rPr lang="en-US" sz="1400" dirty="0" smtClean="0"/>
+              <a:t>\Infrastructure\OS\provision-</a:t>
+            </a:r>
+            <a:r>
+              <a:rPr lang="en-US" sz="1400" dirty="0" err="1" smtClean="0"/>
+              <a:t>rhel</a:t>
+            </a:r>
+            <a:r>
+              <a:rPr lang="en-US" sz="1400" dirty="0" smtClean="0"/>
+              <a:t>-</a:t>
+            </a:r>
+            <a:r>
+              <a:rPr lang="en-US" sz="1400" dirty="0" err="1" smtClean="0"/>
+              <a:t>vsphere.yml</a:t>
+            </a:r>
+            <a:endParaRPr lang="en-US" sz="1400" dirty="0" smtClean="0"/>
+          </a:p>
+          <a:p>
+            <a:pPr marL="400050" lvl="1" indent="0">
+              <a:buNone/>
+            </a:pPr>
+            <a:r>
+              <a:rPr lang="en-US" sz="1400" dirty="0" err="1" smtClean="0"/>
+              <a:t>Ansible</a:t>
+            </a:r>
+            <a:r>
+              <a:rPr lang="en-US" sz="1400" dirty="0" smtClean="0"/>
+              <a:t>\Platform\roles\</a:t>
+            </a:r>
+            <a:r>
+              <a:rPr lang="en-US" sz="1400" dirty="0" err="1" smtClean="0"/>
+              <a:t>nginx</a:t>
+            </a:r>
+            <a:endParaRPr lang="en-US" sz="1400" dirty="0" smtClean="0"/>
+          </a:p>
+          <a:p>
+            <a:pPr marL="400050" lvl="1" indent="0">
+              <a:buNone/>
+            </a:pPr>
+            <a:r>
+              <a:rPr lang="en-US" sz="1400" dirty="0" err="1" smtClean="0"/>
+              <a:t>Ansible</a:t>
+            </a:r>
+            <a:r>
+              <a:rPr lang="en-US" sz="1400" dirty="0" smtClean="0"/>
+              <a:t>\Platform\roles\</a:t>
+            </a:r>
+            <a:r>
+              <a:rPr lang="en-US" sz="1400" dirty="0" err="1" smtClean="0"/>
+              <a:t>httpd</a:t>
+            </a:r>
+            <a:r>
+              <a:rPr lang="en-US" sz="1400" dirty="0" smtClean="0"/>
+              <a:t>, </a:t>
+            </a:r>
+            <a:r>
+              <a:rPr lang="en-US" sz="1400" dirty="0" err="1" smtClean="0"/>
+              <a:t>jboss</a:t>
+            </a:r>
+            <a:r>
+              <a:rPr lang="en-US" sz="1400" dirty="0" smtClean="0"/>
+              <a:t>, </a:t>
+            </a:r>
+            <a:r>
+              <a:rPr lang="en-US" sz="1400" dirty="0" err="1" smtClean="0"/>
+              <a:t>etc</a:t>
+            </a:r>
+            <a:r>
+              <a:rPr lang="en-US" sz="1400" dirty="0" smtClean="0"/>
+              <a:t>…</a:t>
+            </a:r>
+            <a:endParaRPr lang="en-US" sz="1400" dirty="0"/>
+          </a:p>
+          <a:p>
+            <a:pPr marL="400050" lvl="1" indent="0">
+              <a:buNone/>
+            </a:pPr>
+            <a:endParaRPr lang="en-US" sz="1400" dirty="0" smtClean="0"/>
+          </a:p>
+          <a:p>
+            <a:pPr marL="400050" lvl="1" indent="0">
+              <a:buNone/>
+            </a:pPr>
+            <a:r>
+              <a:rPr lang="en-US" sz="1400" dirty="0" err="1" smtClean="0"/>
+              <a:t>Ansible</a:t>
+            </a:r>
+            <a:r>
+              <a:rPr lang="en-US" sz="1400" dirty="0" smtClean="0"/>
+              <a:t>\App\Equity\provision-</a:t>
+            </a:r>
+            <a:r>
+              <a:rPr lang="en-US" sz="1400" dirty="0" err="1" smtClean="0"/>
+              <a:t>equity.yml</a:t>
+            </a:r>
+            <a:r>
+              <a:rPr lang="en-US" sz="1400" dirty="0" smtClean="0"/>
+              <a:t>   </a:t>
+            </a:r>
+            <a:r>
+              <a:rPr lang="en-US" sz="1400" dirty="0" smtClean="0">
+                <a:sym typeface="Wingdings" panose="05000000000000000000" pitchFamily="2" charset="2"/>
+              </a:rPr>
+              <a:t> Responsible for stringing together and orchestrating all this?</a:t>
+            </a:r>
+            <a:endParaRPr lang="en-US" sz="1400" dirty="0" smtClean="0"/>
+          </a:p>
+          <a:p>
+            <a:pPr marL="400050" lvl="1" indent="0">
+              <a:buNone/>
+            </a:pPr>
+            <a:r>
+              <a:rPr lang="en-US" sz="1400" dirty="0" err="1" smtClean="0"/>
+              <a:t>Ansible</a:t>
+            </a:r>
+            <a:r>
+              <a:rPr lang="en-US" sz="1400" dirty="0" smtClean="0"/>
+              <a:t>\App\Equity\deploy-</a:t>
+            </a:r>
+            <a:r>
+              <a:rPr lang="en-US" sz="1400" dirty="0" err="1" smtClean="0"/>
+              <a:t>equity.yml</a:t>
+            </a:r>
+            <a:endParaRPr lang="en-US" sz="1400" dirty="0"/>
           </a:p>
           <a:p>
             <a:pPr marL="457200" lvl="1" indent="0">
@@ -18057,7 +18191,7 @@
                                         <p:tgtEl>
                                           <p:spTgt spid="5">
                                             <p:txEl>
-                                              <p:pRg st="3" end="3"/>
+                                              <p:pRg st="2" end="2"/>
                                             </p:txEl>
                                           </p:spTgt>
                                         </p:tgtEl>
@@ -18075,7 +18209,312 @@
                                         <p:tgtEl>
                                           <p:spTgt spid="5">
                                             <p:txEl>
-                                              <p:pRg st="3" end="3"/>
+                                              <p:pRg st="2" end="2"/>
+                                            </p:txEl>
+                                          </p:spTgt>
+                                        </p:tgtEl>
+                                      </p:cBhvr>
+                                    </p:animEffect>
+                                  </p:childTnLst>
+                                </p:cTn>
+                              </p:par>
+                            </p:childTnLst>
+                          </p:cTn>
+                        </p:par>
+                      </p:childTnLst>
+                    </p:cTn>
+                  </p:par>
+                  <p:par>
+                    <p:cTn id="13" fill="hold">
+                      <p:stCondLst>
+                        <p:cond delay="indefinite"/>
+                      </p:stCondLst>
+                      <p:childTnLst>
+                        <p:par>
+                          <p:cTn id="14" fill="hold">
+                            <p:stCondLst>
+                              <p:cond delay="0"/>
+                            </p:stCondLst>
+                            <p:childTnLst>
+                              <p:par>
+                                <p:cTn id="15" presetID="10" presetClass="entr" presetSubtype="0" fill="hold" nodeType="clickEffect">
+                                  <p:stCondLst>
+                                    <p:cond delay="0"/>
+                                  </p:stCondLst>
+                                  <p:childTnLst>
+                                    <p:set>
+                                      <p:cBhvr>
+                                        <p:cTn id="16" dur="1" fill="hold">
+                                          <p:stCondLst>
+                                            <p:cond delay="0"/>
+                                          </p:stCondLst>
+                                        </p:cTn>
+                                        <p:tgtEl>
+                                          <p:spTgt spid="5">
+                                            <p:txEl>
+                                              <p:pRg st="4" end="4"/>
+                                            </p:txEl>
+                                          </p:spTgt>
+                                        </p:tgtEl>
+                                        <p:attrNameLst>
+                                          <p:attrName>style.visibility</p:attrName>
+                                        </p:attrNameLst>
+                                      </p:cBhvr>
+                                      <p:to>
+                                        <p:strVal val="visible"/>
+                                      </p:to>
+                                    </p:set>
+                                    <p:animEffect transition="in" filter="fade">
+                                      <p:cBhvr>
+                                        <p:cTn id="17" dur="500"/>
+                                        <p:tgtEl>
+                                          <p:spTgt spid="5">
+                                            <p:txEl>
+                                              <p:pRg st="4" end="4"/>
+                                            </p:txEl>
+                                          </p:spTgt>
+                                        </p:tgtEl>
+                                      </p:cBhvr>
+                                    </p:animEffect>
+                                  </p:childTnLst>
+                                </p:cTn>
+                              </p:par>
+                            </p:childTnLst>
+                          </p:cTn>
+                        </p:par>
+                      </p:childTnLst>
+                    </p:cTn>
+                  </p:par>
+                  <p:par>
+                    <p:cTn id="18" fill="hold">
+                      <p:stCondLst>
+                        <p:cond delay="indefinite"/>
+                      </p:stCondLst>
+                      <p:childTnLst>
+                        <p:par>
+                          <p:cTn id="19" fill="hold">
+                            <p:stCondLst>
+                              <p:cond delay="0"/>
+                            </p:stCondLst>
+                            <p:childTnLst>
+                              <p:par>
+                                <p:cTn id="20" presetID="10" presetClass="entr" presetSubtype="0" fill="hold" nodeType="clickEffect">
+                                  <p:stCondLst>
+                                    <p:cond delay="0"/>
+                                  </p:stCondLst>
+                                  <p:childTnLst>
+                                    <p:set>
+                                      <p:cBhvr>
+                                        <p:cTn id="21" dur="1" fill="hold">
+                                          <p:stCondLst>
+                                            <p:cond delay="0"/>
+                                          </p:stCondLst>
+                                        </p:cTn>
+                                        <p:tgtEl>
+                                          <p:spTgt spid="5">
+                                            <p:txEl>
+                                              <p:pRg st="5" end="5"/>
+                                            </p:txEl>
+                                          </p:spTgt>
+                                        </p:tgtEl>
+                                        <p:attrNameLst>
+                                          <p:attrName>style.visibility</p:attrName>
+                                        </p:attrNameLst>
+                                      </p:cBhvr>
+                                      <p:to>
+                                        <p:strVal val="visible"/>
+                                      </p:to>
+                                    </p:set>
+                                    <p:animEffect transition="in" filter="fade">
+                                      <p:cBhvr>
+                                        <p:cTn id="22" dur="500"/>
+                                        <p:tgtEl>
+                                          <p:spTgt spid="5">
+                                            <p:txEl>
+                                              <p:pRg st="5" end="5"/>
+                                            </p:txEl>
+                                          </p:spTgt>
+                                        </p:tgtEl>
+                                      </p:cBhvr>
+                                    </p:animEffect>
+                                  </p:childTnLst>
+                                </p:cTn>
+                              </p:par>
+                            </p:childTnLst>
+                          </p:cTn>
+                        </p:par>
+                      </p:childTnLst>
+                    </p:cTn>
+                  </p:par>
+                  <p:par>
+                    <p:cTn id="23" fill="hold">
+                      <p:stCondLst>
+                        <p:cond delay="indefinite"/>
+                      </p:stCondLst>
+                      <p:childTnLst>
+                        <p:par>
+                          <p:cTn id="24" fill="hold">
+                            <p:stCondLst>
+                              <p:cond delay="0"/>
+                            </p:stCondLst>
+                            <p:childTnLst>
+                              <p:par>
+                                <p:cTn id="25" presetID="10" presetClass="entr" presetSubtype="0" fill="hold" nodeType="clickEffect">
+                                  <p:stCondLst>
+                                    <p:cond delay="0"/>
+                                  </p:stCondLst>
+                                  <p:childTnLst>
+                                    <p:set>
+                                      <p:cBhvr>
+                                        <p:cTn id="26" dur="1" fill="hold">
+                                          <p:stCondLst>
+                                            <p:cond delay="0"/>
+                                          </p:stCondLst>
+                                        </p:cTn>
+                                        <p:tgtEl>
+                                          <p:spTgt spid="5">
+                                            <p:txEl>
+                                              <p:pRg st="6" end="6"/>
+                                            </p:txEl>
+                                          </p:spTgt>
+                                        </p:tgtEl>
+                                        <p:attrNameLst>
+                                          <p:attrName>style.visibility</p:attrName>
+                                        </p:attrNameLst>
+                                      </p:cBhvr>
+                                      <p:to>
+                                        <p:strVal val="visible"/>
+                                      </p:to>
+                                    </p:set>
+                                    <p:animEffect transition="in" filter="fade">
+                                      <p:cBhvr>
+                                        <p:cTn id="27" dur="500"/>
+                                        <p:tgtEl>
+                                          <p:spTgt spid="5">
+                                            <p:txEl>
+                                              <p:pRg st="6" end="6"/>
+                                            </p:txEl>
+                                          </p:spTgt>
+                                        </p:tgtEl>
+                                      </p:cBhvr>
+                                    </p:animEffect>
+                                  </p:childTnLst>
+                                </p:cTn>
+                              </p:par>
+                            </p:childTnLst>
+                          </p:cTn>
+                        </p:par>
+                      </p:childTnLst>
+                    </p:cTn>
+                  </p:par>
+                  <p:par>
+                    <p:cTn id="28" fill="hold">
+                      <p:stCondLst>
+                        <p:cond delay="indefinite"/>
+                      </p:stCondLst>
+                      <p:childTnLst>
+                        <p:par>
+                          <p:cTn id="29" fill="hold">
+                            <p:stCondLst>
+                              <p:cond delay="0"/>
+                            </p:stCondLst>
+                            <p:childTnLst>
+                              <p:par>
+                                <p:cTn id="30" presetID="10" presetClass="entr" presetSubtype="0" fill="hold" nodeType="clickEffect">
+                                  <p:stCondLst>
+                                    <p:cond delay="0"/>
+                                  </p:stCondLst>
+                                  <p:childTnLst>
+                                    <p:set>
+                                      <p:cBhvr>
+                                        <p:cTn id="31" dur="1" fill="hold">
+                                          <p:stCondLst>
+                                            <p:cond delay="0"/>
+                                          </p:stCondLst>
+                                        </p:cTn>
+                                        <p:tgtEl>
+                                          <p:spTgt spid="5">
+                                            <p:txEl>
+                                              <p:pRg st="8" end="8"/>
+                                            </p:txEl>
+                                          </p:spTgt>
+                                        </p:tgtEl>
+                                        <p:attrNameLst>
+                                          <p:attrName>style.visibility</p:attrName>
+                                        </p:attrNameLst>
+                                      </p:cBhvr>
+                                      <p:to>
+                                        <p:strVal val="visible"/>
+                                      </p:to>
+                                    </p:set>
+                                    <p:animEffect transition="in" filter="fade">
+                                      <p:cBhvr>
+                                        <p:cTn id="32" dur="500"/>
+                                        <p:tgtEl>
+                                          <p:spTgt spid="5">
+                                            <p:txEl>
+                                              <p:pRg st="8" end="8"/>
+                                            </p:txEl>
+                                          </p:spTgt>
+                                        </p:tgtEl>
+                                      </p:cBhvr>
+                                    </p:animEffect>
+                                  </p:childTnLst>
+                                </p:cTn>
+                              </p:par>
+                            </p:childTnLst>
+                          </p:cTn>
+                        </p:par>
+                      </p:childTnLst>
+                    </p:cTn>
+                  </p:par>
+                  <p:par>
+                    <p:cTn id="33" fill="hold">
+                      <p:stCondLst>
+                        <p:cond delay="indefinite"/>
+                      </p:stCondLst>
+                      <p:childTnLst>
+                        <p:par>
+                          <p:cTn id="34" fill="hold">
+                            <p:stCondLst>
+                              <p:cond delay="0"/>
+                            </p:stCondLst>
+                            <p:childTnLst>
+                              <p:par>
+                                <p:cTn id="35" presetID="10" presetClass="entr" presetSubtype="0" fill="hold" nodeType="clickEffect">
+                                  <p:stCondLst>
+                                    <p:cond delay="0"/>
+                                  </p:stCondLst>
+                                  <p:childTnLst>
+                                    <p:set>
+                                      <p:cBhvr>
+                                        <p:cTn id="36" dur="1" fill="hold">
+                                          <p:stCondLst>
+                                            <p:cond delay="0"/>
+                                          </p:stCondLst>
+                                        </p:cTn>
+                                        <p:tgtEl>
+                                          <p:spTgt spid="5">
+                                            <p:txEl>
+                                              <p:pRg st="9" end="9"/>
+                                            </p:txEl>
+                                          </p:spTgt>
+                                        </p:tgtEl>
+                                        <p:attrNameLst>
+                                          <p:attrName>style.visibility</p:attrName>
+                                        </p:attrNameLst>
+                                      </p:cBhvr>
+                                      <p:to>
+                                        <p:strVal val="visible"/>
+                                      </p:to>
+                                    </p:set>
+                                    <p:animEffect transition="in" filter="fade">
+                                      <p:cBhvr>
+                                        <p:cTn id="37" dur="500"/>
+                                        <p:tgtEl>
+                                          <p:spTgt spid="5">
+                                            <p:txEl>
+                                              <p:pRg st="9" end="9"/>
                                             </p:txEl>
                                           </p:spTgt>
                                         </p:tgtEl>

--- a/TMX_Ansible_KnowledgeSharing.pptx
+++ b/TMX_Ansible_KnowledgeSharing.pptx
@@ -5014,19 +5014,19 @@
     </dgm:pt>
   </dgm:ptLst>
   <dgm:cxnLst>
-    <dgm:cxn modelId="{8754FBC4-05F5-4AB9-8941-0AF9F2534962}" type="presOf" srcId="{AD9F461A-5E4F-4BF0-BE6B-B60FE46E04FF}" destId="{FD993081-0AE2-4D58-9A69-91F061FF0257}" srcOrd="0" destOrd="0" presId="urn:microsoft.com/office/officeart/2005/8/layout/vList2"/>
-    <dgm:cxn modelId="{37B75E87-9BFD-40F0-B8EB-2A4BCA489AF6}" srcId="{F8B9BA23-61B9-469D-8157-4BCE5032F1E0}" destId="{1C1CB450-D19E-4B2F-AE8D-A9FCD2068305}" srcOrd="5" destOrd="0" parTransId="{2696B1A1-FDC5-4EE3-83EC-FC0D515578E1}" sibTransId="{4799C602-1640-48CD-B740-C04245F4436B}"/>
+    <dgm:cxn modelId="{6157A6CA-BDBA-4D51-B729-80C363526897}" type="presOf" srcId="{807E07B1-9F38-4334-A0B8-1998572C4D14}" destId="{08B52612-6559-4FD2-AF79-9C63D2FCE849}" srcOrd="0" destOrd="0" presId="urn:microsoft.com/office/officeart/2005/8/layout/vList2"/>
+    <dgm:cxn modelId="{8441B6AE-509C-4563-A562-AB5C85F969BB}" type="presOf" srcId="{509E1151-3FC0-4EA1-AE8F-E73FAE802815}" destId="{C41982EE-5F37-48F3-8714-43DAAFC4CC10}" srcOrd="0" destOrd="0" presId="urn:microsoft.com/office/officeart/2005/8/layout/vList2"/>
+    <dgm:cxn modelId="{15B78308-0B51-4895-85F2-86D6CEFC353F}" srcId="{F8B9BA23-61B9-469D-8157-4BCE5032F1E0}" destId="{08DEE997-A824-4492-BA5D-7372850875CF}" srcOrd="4" destOrd="0" parTransId="{CB7FFFE4-82DC-41D2-B18F-748779B7B9A9}" sibTransId="{3F30D3FC-7200-4283-9C36-409E38E9CC7D}"/>
+    <dgm:cxn modelId="{271CDEE6-34A6-4602-8573-C4F1A1632592}" type="presOf" srcId="{1C1CB450-D19E-4B2F-AE8D-A9FCD2068305}" destId="{8F024302-9531-499C-8EFD-686CC4FD2E85}" srcOrd="0" destOrd="0" presId="urn:microsoft.com/office/officeart/2005/8/layout/vList2"/>
     <dgm:cxn modelId="{18F0981B-A823-4DD7-9991-1D2520C05A69}" srcId="{F8B9BA23-61B9-469D-8157-4BCE5032F1E0}" destId="{509E1151-3FC0-4EA1-AE8F-E73FAE802815}" srcOrd="3" destOrd="0" parTransId="{141B755F-8D94-4933-A150-A633078C76D9}" sibTransId="{EDAFCA59-BEFA-45F8-9415-28FB0E545A9C}"/>
     <dgm:cxn modelId="{9A4E34E1-8018-4FBB-ABC5-1092A1AE566C}" srcId="{F8B9BA23-61B9-469D-8157-4BCE5032F1E0}" destId="{CBC1B933-B72C-44D7-A75D-168BABC8A9E7}" srcOrd="2" destOrd="0" parTransId="{8832D5EE-11CA-425E-80BC-3EBEB70F45BC}" sibTransId="{6766833D-5010-4CC8-A386-21E8900225AD}"/>
-    <dgm:cxn modelId="{6157A6CA-BDBA-4D51-B729-80C363526897}" type="presOf" srcId="{807E07B1-9F38-4334-A0B8-1998572C4D14}" destId="{08B52612-6559-4FD2-AF79-9C63D2FCE849}" srcOrd="0" destOrd="0" presId="urn:microsoft.com/office/officeart/2005/8/layout/vList2"/>
-    <dgm:cxn modelId="{DC550EC7-0237-4D54-8E8C-8C9FBCB2BBE2}" type="presOf" srcId="{CBC1B933-B72C-44D7-A75D-168BABC8A9E7}" destId="{6DC3C637-03BE-496F-81F5-C65F92D2FB94}" srcOrd="0" destOrd="0" presId="urn:microsoft.com/office/officeart/2005/8/layout/vList2"/>
     <dgm:cxn modelId="{9F978202-5EB6-463A-8512-C8C21549DBCE}" type="presOf" srcId="{F8B9BA23-61B9-469D-8157-4BCE5032F1E0}" destId="{3F7A445D-6A78-403E-963D-03031C85F499}" srcOrd="0" destOrd="0" presId="urn:microsoft.com/office/officeart/2005/8/layout/vList2"/>
-    <dgm:cxn modelId="{866CA7C6-6F5A-46DF-ABA9-B76E64F83AE4}" type="presOf" srcId="{08DEE997-A824-4492-BA5D-7372850875CF}" destId="{78456A97-D2E4-40BA-950E-1AA2CD2D1324}" srcOrd="0" destOrd="0" presId="urn:microsoft.com/office/officeart/2005/8/layout/vList2"/>
-    <dgm:cxn modelId="{8441B6AE-509C-4563-A562-AB5C85F969BB}" type="presOf" srcId="{509E1151-3FC0-4EA1-AE8F-E73FAE802815}" destId="{C41982EE-5F37-48F3-8714-43DAAFC4CC10}" srcOrd="0" destOrd="0" presId="urn:microsoft.com/office/officeart/2005/8/layout/vList2"/>
-    <dgm:cxn modelId="{271CDEE6-34A6-4602-8573-C4F1A1632592}" type="presOf" srcId="{1C1CB450-D19E-4B2F-AE8D-A9FCD2068305}" destId="{8F024302-9531-499C-8EFD-686CC4FD2E85}" srcOrd="0" destOrd="0" presId="urn:microsoft.com/office/officeart/2005/8/layout/vList2"/>
     <dgm:cxn modelId="{666F7D80-E29E-491A-9CDE-F5387EC3FC37}" srcId="{F8B9BA23-61B9-469D-8157-4BCE5032F1E0}" destId="{807E07B1-9F38-4334-A0B8-1998572C4D14}" srcOrd="0" destOrd="0" parTransId="{AA3FF3F6-E1EB-4AE9-9018-CCF214F61DD6}" sibTransId="{CA7D8F13-A6D1-4D30-83BA-7D06B1ABCFD3}"/>
     <dgm:cxn modelId="{07277D00-6D8F-4BBE-9CDE-AD930C379B5F}" srcId="{F8B9BA23-61B9-469D-8157-4BCE5032F1E0}" destId="{AD9F461A-5E4F-4BF0-BE6B-B60FE46E04FF}" srcOrd="1" destOrd="0" parTransId="{E9C74A3F-F972-49AD-96F7-4AD65EC0AF49}" sibTransId="{81A36AA3-007C-4D24-948E-2CEE83ADA02F}"/>
-    <dgm:cxn modelId="{15B78308-0B51-4895-85F2-86D6CEFC353F}" srcId="{F8B9BA23-61B9-469D-8157-4BCE5032F1E0}" destId="{08DEE997-A824-4492-BA5D-7372850875CF}" srcOrd="4" destOrd="0" parTransId="{CB7FFFE4-82DC-41D2-B18F-748779B7B9A9}" sibTransId="{3F30D3FC-7200-4283-9C36-409E38E9CC7D}"/>
+    <dgm:cxn modelId="{37B75E87-9BFD-40F0-B8EB-2A4BCA489AF6}" srcId="{F8B9BA23-61B9-469D-8157-4BCE5032F1E0}" destId="{1C1CB450-D19E-4B2F-AE8D-A9FCD2068305}" srcOrd="5" destOrd="0" parTransId="{2696B1A1-FDC5-4EE3-83EC-FC0D515578E1}" sibTransId="{4799C602-1640-48CD-B740-C04245F4436B}"/>
+    <dgm:cxn modelId="{8754FBC4-05F5-4AB9-8941-0AF9F2534962}" type="presOf" srcId="{AD9F461A-5E4F-4BF0-BE6B-B60FE46E04FF}" destId="{FD993081-0AE2-4D58-9A69-91F061FF0257}" srcOrd="0" destOrd="0" presId="urn:microsoft.com/office/officeart/2005/8/layout/vList2"/>
+    <dgm:cxn modelId="{DC550EC7-0237-4D54-8E8C-8C9FBCB2BBE2}" type="presOf" srcId="{CBC1B933-B72C-44D7-A75D-168BABC8A9E7}" destId="{6DC3C637-03BE-496F-81F5-C65F92D2FB94}" srcOrd="0" destOrd="0" presId="urn:microsoft.com/office/officeart/2005/8/layout/vList2"/>
+    <dgm:cxn modelId="{866CA7C6-6F5A-46DF-ABA9-B76E64F83AE4}" type="presOf" srcId="{08DEE997-A824-4492-BA5D-7372850875CF}" destId="{78456A97-D2E4-40BA-950E-1AA2CD2D1324}" srcOrd="0" destOrd="0" presId="urn:microsoft.com/office/officeart/2005/8/layout/vList2"/>
     <dgm:cxn modelId="{8CC66D15-1BD0-4D8F-9DBC-4E7937DAEEAD}" type="presParOf" srcId="{3F7A445D-6A78-403E-963D-03031C85F499}" destId="{08B52612-6559-4FD2-AF79-9C63D2FCE849}" srcOrd="0" destOrd="0" presId="urn:microsoft.com/office/officeart/2005/8/layout/vList2"/>
     <dgm:cxn modelId="{E12A3430-AC46-4DA7-8E16-38C262ABA97A}" type="presParOf" srcId="{3F7A445D-6A78-403E-963D-03031C85F499}" destId="{BDA6592B-9D57-43F4-B9C7-854F57FA1A55}" srcOrd="1" destOrd="0" presId="urn:microsoft.com/office/officeart/2005/8/layout/vList2"/>
     <dgm:cxn modelId="{B281ECD9-34DD-4680-89B0-0EB61E1BC4DD}" type="presParOf" srcId="{3F7A445D-6A78-403E-963D-03031C85F499}" destId="{FD993081-0AE2-4D58-9A69-91F061FF0257}" srcOrd="2" destOrd="0" presId="urn:microsoft.com/office/officeart/2005/8/layout/vList2"/>
@@ -5057,827 +5057,6 @@
       <dsp:cNvGrpSpPr/>
     </dsp:nvGrpSpPr>
     <dsp:grpSpPr/>
-    <dsp:sp modelId="{6EC7815B-9041-4829-919A-A28F10ADAB98}">
-      <dsp:nvSpPr>
-        <dsp:cNvPr id="0" name=""/>
-        <dsp:cNvSpPr/>
-      </dsp:nvSpPr>
-      <dsp:spPr>
-        <a:xfrm>
-          <a:off x="663930" y="0"/>
-          <a:ext cx="7524547" cy="4388449"/>
-        </a:xfrm>
-        <a:prstGeom prst="rightArrow">
-          <a:avLst/>
-        </a:prstGeom>
-        <a:solidFill>
-          <a:schemeClr val="accent1">
-            <a:tint val="40000"/>
-            <a:hueOff val="0"/>
-            <a:satOff val="0"/>
-            <a:lumOff val="0"/>
-            <a:alphaOff val="0"/>
-          </a:schemeClr>
-        </a:solidFill>
-        <a:ln>
-          <a:noFill/>
-        </a:ln>
-        <a:effectLst>
-          <a:outerShdw blurRad="40000" dist="20000" dir="5400000" rotWithShape="0">
-            <a:srgbClr val="000000">
-              <a:alpha val="38000"/>
-            </a:srgbClr>
-          </a:outerShdw>
-        </a:effectLst>
-      </dsp:spPr>
-      <dsp:style>
-        <a:lnRef idx="0">
-          <a:scrgbClr r="0" g="0" b="0"/>
-        </a:lnRef>
-        <a:fillRef idx="1">
-          <a:scrgbClr r="0" g="0" b="0"/>
-        </a:fillRef>
-        <a:effectRef idx="1">
-          <a:scrgbClr r="0" g="0" b="0"/>
-        </a:effectRef>
-        <a:fontRef idx="minor"/>
-      </dsp:style>
-    </dsp:sp>
-    <dsp:sp modelId="{F9B5C732-02E6-4457-91B0-B94FA72E69E9}">
-      <dsp:nvSpPr>
-        <dsp:cNvPr id="0" name=""/>
-        <dsp:cNvSpPr/>
-      </dsp:nvSpPr>
-      <dsp:spPr>
-        <a:xfrm>
-          <a:off x="6275" y="1316534"/>
-          <a:ext cx="1209577" cy="1755379"/>
-        </a:xfrm>
-        <a:prstGeom prst="roundRect">
-          <a:avLst/>
-        </a:prstGeom>
-        <a:gradFill rotWithShape="0">
-          <a:gsLst>
-            <a:gs pos="0">
-              <a:schemeClr val="accent1">
-                <a:hueOff val="0"/>
-                <a:satOff val="0"/>
-                <a:lumOff val="0"/>
-                <a:alphaOff val="0"/>
-                <a:tint val="50000"/>
-                <a:satMod val="300000"/>
-              </a:schemeClr>
-            </a:gs>
-            <a:gs pos="35000">
-              <a:schemeClr val="accent1">
-                <a:hueOff val="0"/>
-                <a:satOff val="0"/>
-                <a:lumOff val="0"/>
-                <a:alphaOff val="0"/>
-                <a:tint val="37000"/>
-                <a:satMod val="300000"/>
-              </a:schemeClr>
-            </a:gs>
-            <a:gs pos="100000">
-              <a:schemeClr val="accent1">
-                <a:hueOff val="0"/>
-                <a:satOff val="0"/>
-                <a:lumOff val="0"/>
-                <a:alphaOff val="0"/>
-                <a:tint val="15000"/>
-                <a:satMod val="350000"/>
-              </a:schemeClr>
-            </a:gs>
-          </a:gsLst>
-          <a:lin ang="16200000" scaled="1"/>
-        </a:gradFill>
-        <a:ln>
-          <a:noFill/>
-        </a:ln>
-        <a:effectLst>
-          <a:outerShdw blurRad="40000" dist="20000" dir="5400000" rotWithShape="0">
-            <a:srgbClr val="000000">
-              <a:alpha val="38000"/>
-            </a:srgbClr>
-          </a:outerShdw>
-        </a:effectLst>
-        <a:scene3d>
-          <a:camera prst="orthographicFront"/>
-          <a:lightRig rig="flat" dir="t"/>
-        </a:scene3d>
-        <a:sp3d prstMaterial="dkEdge">
-          <a:bevelT w="8200" h="38100"/>
-        </a:sp3d>
-      </dsp:spPr>
-      <dsp:style>
-        <a:lnRef idx="0">
-          <a:scrgbClr r="0" g="0" b="0"/>
-        </a:lnRef>
-        <a:fillRef idx="2">
-          <a:scrgbClr r="0" g="0" b="0"/>
-        </a:fillRef>
-        <a:effectRef idx="1">
-          <a:scrgbClr r="0" g="0" b="0"/>
-        </a:effectRef>
-        <a:fontRef idx="minor">
-          <a:schemeClr val="dk1"/>
-        </a:fontRef>
-      </dsp:style>
-      <dsp:txBody>
-        <a:bodyPr spcFirstLastPara="0" vert="horz" wrap="square" lIns="68580" tIns="68580" rIns="68580" bIns="68580" numCol="1" spcCol="1270" anchor="ctr" anchorCtr="0">
-          <a:noAutofit/>
-        </a:bodyPr>
-        <a:lstStyle/>
-        <a:p>
-          <a:pPr lvl="0" algn="ctr" defTabSz="800100" rtl="0">
-            <a:lnSpc>
-              <a:spcPct val="90000"/>
-            </a:lnSpc>
-            <a:spcBef>
-              <a:spcPct val="0"/>
-            </a:spcBef>
-            <a:spcAft>
-              <a:spcPct val="35000"/>
-            </a:spcAft>
-          </a:pPr>
-          <a:r>
-            <a:rPr lang="en-US" sz="1800" kern="1200" dirty="0" smtClean="0"/>
-            <a:t>What is </a:t>
-          </a:r>
-          <a:r>
-            <a:rPr lang="en-US" sz="1800" kern="1200" dirty="0" err="1" smtClean="0"/>
-            <a:t>Ansible</a:t>
-          </a:r>
-          <a:r>
-            <a:rPr lang="en-US" sz="1800" kern="1200" dirty="0" smtClean="0"/>
-            <a:t>? </a:t>
-          </a:r>
-          <a:endParaRPr lang="en-US" sz="1800" kern="1200" dirty="0"/>
-        </a:p>
-      </dsp:txBody>
-      <dsp:txXfrm>
-        <a:off x="65322" y="1375581"/>
-        <a:ext cx="1091483" cy="1637285"/>
-      </dsp:txXfrm>
-    </dsp:sp>
-    <dsp:sp modelId="{B5C727BF-ED0A-4D6D-815B-426C3FC3CA3E}">
-      <dsp:nvSpPr>
-        <dsp:cNvPr id="0" name=""/>
-        <dsp:cNvSpPr/>
-      </dsp:nvSpPr>
-      <dsp:spPr>
-        <a:xfrm>
-          <a:off x="1277988" y="1316534"/>
-          <a:ext cx="1209577" cy="1755379"/>
-        </a:xfrm>
-        <a:prstGeom prst="roundRect">
-          <a:avLst/>
-        </a:prstGeom>
-        <a:gradFill rotWithShape="0">
-          <a:gsLst>
-            <a:gs pos="0">
-              <a:schemeClr val="accent1">
-                <a:hueOff val="0"/>
-                <a:satOff val="0"/>
-                <a:lumOff val="0"/>
-                <a:alphaOff val="0"/>
-                <a:tint val="50000"/>
-                <a:satMod val="300000"/>
-              </a:schemeClr>
-            </a:gs>
-            <a:gs pos="35000">
-              <a:schemeClr val="accent1">
-                <a:hueOff val="0"/>
-                <a:satOff val="0"/>
-                <a:lumOff val="0"/>
-                <a:alphaOff val="0"/>
-                <a:tint val="37000"/>
-                <a:satMod val="300000"/>
-              </a:schemeClr>
-            </a:gs>
-            <a:gs pos="100000">
-              <a:schemeClr val="accent1">
-                <a:hueOff val="0"/>
-                <a:satOff val="0"/>
-                <a:lumOff val="0"/>
-                <a:alphaOff val="0"/>
-                <a:tint val="15000"/>
-                <a:satMod val="350000"/>
-              </a:schemeClr>
-            </a:gs>
-          </a:gsLst>
-          <a:lin ang="16200000" scaled="1"/>
-        </a:gradFill>
-        <a:ln>
-          <a:noFill/>
-        </a:ln>
-        <a:effectLst>
-          <a:outerShdw blurRad="40000" dist="20000" dir="5400000" rotWithShape="0">
-            <a:srgbClr val="000000">
-              <a:alpha val="38000"/>
-            </a:srgbClr>
-          </a:outerShdw>
-        </a:effectLst>
-        <a:scene3d>
-          <a:camera prst="orthographicFront"/>
-          <a:lightRig rig="flat" dir="t"/>
-        </a:scene3d>
-        <a:sp3d prstMaterial="dkEdge">
-          <a:bevelT w="8200" h="38100"/>
-        </a:sp3d>
-      </dsp:spPr>
-      <dsp:style>
-        <a:lnRef idx="0">
-          <a:scrgbClr r="0" g="0" b="0"/>
-        </a:lnRef>
-        <a:fillRef idx="2">
-          <a:scrgbClr r="0" g="0" b="0"/>
-        </a:fillRef>
-        <a:effectRef idx="1">
-          <a:scrgbClr r="0" g="0" b="0"/>
-        </a:effectRef>
-        <a:fontRef idx="minor">
-          <a:schemeClr val="dk1"/>
-        </a:fontRef>
-      </dsp:style>
-      <dsp:txBody>
-        <a:bodyPr spcFirstLastPara="0" vert="horz" wrap="square" lIns="68580" tIns="68580" rIns="68580" bIns="68580" numCol="1" spcCol="1270" anchor="ctr" anchorCtr="0">
-          <a:noAutofit/>
-        </a:bodyPr>
-        <a:lstStyle/>
-        <a:p>
-          <a:pPr lvl="0" algn="ctr" defTabSz="800100" rtl="0">
-            <a:lnSpc>
-              <a:spcPct val="90000"/>
-            </a:lnSpc>
-            <a:spcBef>
-              <a:spcPct val="0"/>
-            </a:spcBef>
-            <a:spcAft>
-              <a:spcPct val="35000"/>
-            </a:spcAft>
-          </a:pPr>
-          <a:r>
-            <a:rPr lang="en-US" sz="1800" kern="1200" dirty="0" smtClean="0"/>
-            <a:t>Glorified SSH Wrapper?</a:t>
-          </a:r>
-          <a:endParaRPr lang="en-US" sz="1800" kern="1200" dirty="0"/>
-        </a:p>
-      </dsp:txBody>
-      <dsp:txXfrm>
-        <a:off x="1337035" y="1375581"/>
-        <a:ext cx="1091483" cy="1637285"/>
-      </dsp:txXfrm>
-    </dsp:sp>
-    <dsp:sp modelId="{8352940C-86A5-48B4-B631-4572A4FD2EF9}">
-      <dsp:nvSpPr>
-        <dsp:cNvPr id="0" name=""/>
-        <dsp:cNvSpPr/>
-      </dsp:nvSpPr>
-      <dsp:spPr>
-        <a:xfrm>
-          <a:off x="2549702" y="1316534"/>
-          <a:ext cx="1209577" cy="1755379"/>
-        </a:xfrm>
-        <a:prstGeom prst="roundRect">
-          <a:avLst/>
-        </a:prstGeom>
-        <a:gradFill rotWithShape="0">
-          <a:gsLst>
-            <a:gs pos="0">
-              <a:schemeClr val="accent1">
-                <a:hueOff val="0"/>
-                <a:satOff val="0"/>
-                <a:lumOff val="0"/>
-                <a:alphaOff val="0"/>
-                <a:tint val="50000"/>
-                <a:satMod val="300000"/>
-              </a:schemeClr>
-            </a:gs>
-            <a:gs pos="35000">
-              <a:schemeClr val="accent1">
-                <a:hueOff val="0"/>
-                <a:satOff val="0"/>
-                <a:lumOff val="0"/>
-                <a:alphaOff val="0"/>
-                <a:tint val="37000"/>
-                <a:satMod val="300000"/>
-              </a:schemeClr>
-            </a:gs>
-            <a:gs pos="100000">
-              <a:schemeClr val="accent1">
-                <a:hueOff val="0"/>
-                <a:satOff val="0"/>
-                <a:lumOff val="0"/>
-                <a:alphaOff val="0"/>
-                <a:tint val="15000"/>
-                <a:satMod val="350000"/>
-              </a:schemeClr>
-            </a:gs>
-          </a:gsLst>
-          <a:lin ang="16200000" scaled="1"/>
-        </a:gradFill>
-        <a:ln>
-          <a:noFill/>
-        </a:ln>
-        <a:effectLst>
-          <a:outerShdw blurRad="40000" dist="20000" dir="5400000" rotWithShape="0">
-            <a:srgbClr val="000000">
-              <a:alpha val="38000"/>
-            </a:srgbClr>
-          </a:outerShdw>
-        </a:effectLst>
-        <a:scene3d>
-          <a:camera prst="orthographicFront"/>
-          <a:lightRig rig="flat" dir="t"/>
-        </a:scene3d>
-        <a:sp3d prstMaterial="dkEdge">
-          <a:bevelT w="8200" h="38100"/>
-        </a:sp3d>
-      </dsp:spPr>
-      <dsp:style>
-        <a:lnRef idx="0">
-          <a:scrgbClr r="0" g="0" b="0"/>
-        </a:lnRef>
-        <a:fillRef idx="2">
-          <a:scrgbClr r="0" g="0" b="0"/>
-        </a:fillRef>
-        <a:effectRef idx="1">
-          <a:scrgbClr r="0" g="0" b="0"/>
-        </a:effectRef>
-        <a:fontRef idx="minor">
-          <a:schemeClr val="dk1"/>
-        </a:fontRef>
-      </dsp:style>
-      <dsp:txBody>
-        <a:bodyPr spcFirstLastPara="0" vert="horz" wrap="square" lIns="68580" tIns="68580" rIns="68580" bIns="68580" numCol="1" spcCol="1270" anchor="ctr" anchorCtr="0">
-          <a:noAutofit/>
-        </a:bodyPr>
-        <a:lstStyle/>
-        <a:p>
-          <a:pPr lvl="0" algn="ctr" defTabSz="800100" rtl="0">
-            <a:lnSpc>
-              <a:spcPct val="90000"/>
-            </a:lnSpc>
-            <a:spcBef>
-              <a:spcPct val="0"/>
-            </a:spcBef>
-            <a:spcAft>
-              <a:spcPct val="35000"/>
-            </a:spcAft>
-          </a:pPr>
-          <a:r>
-            <a:rPr lang="en-US" sz="1800" kern="1200" smtClean="0"/>
-            <a:t>How can it help me?</a:t>
-          </a:r>
-          <a:endParaRPr lang="en-US" sz="1800" kern="1200"/>
-        </a:p>
-      </dsp:txBody>
-      <dsp:txXfrm>
-        <a:off x="2608749" y="1375581"/>
-        <a:ext cx="1091483" cy="1637285"/>
-      </dsp:txXfrm>
-    </dsp:sp>
-    <dsp:sp modelId="{6E4988A5-17E2-4095-BBDA-3CC09EB11240}">
-      <dsp:nvSpPr>
-        <dsp:cNvPr id="0" name=""/>
-        <dsp:cNvSpPr/>
-      </dsp:nvSpPr>
-      <dsp:spPr>
-        <a:xfrm>
-          <a:off x="3821415" y="1316534"/>
-          <a:ext cx="1209577" cy="1755379"/>
-        </a:xfrm>
-        <a:prstGeom prst="roundRect">
-          <a:avLst/>
-        </a:prstGeom>
-        <a:gradFill rotWithShape="0">
-          <a:gsLst>
-            <a:gs pos="0">
-              <a:schemeClr val="accent1">
-                <a:hueOff val="0"/>
-                <a:satOff val="0"/>
-                <a:lumOff val="0"/>
-                <a:alphaOff val="0"/>
-                <a:tint val="50000"/>
-                <a:satMod val="300000"/>
-              </a:schemeClr>
-            </a:gs>
-            <a:gs pos="35000">
-              <a:schemeClr val="accent1">
-                <a:hueOff val="0"/>
-                <a:satOff val="0"/>
-                <a:lumOff val="0"/>
-                <a:alphaOff val="0"/>
-                <a:tint val="37000"/>
-                <a:satMod val="300000"/>
-              </a:schemeClr>
-            </a:gs>
-            <a:gs pos="100000">
-              <a:schemeClr val="accent1">
-                <a:hueOff val="0"/>
-                <a:satOff val="0"/>
-                <a:lumOff val="0"/>
-                <a:alphaOff val="0"/>
-                <a:tint val="15000"/>
-                <a:satMod val="350000"/>
-              </a:schemeClr>
-            </a:gs>
-          </a:gsLst>
-          <a:lin ang="16200000" scaled="1"/>
-        </a:gradFill>
-        <a:ln>
-          <a:noFill/>
-        </a:ln>
-        <a:effectLst>
-          <a:outerShdw blurRad="40000" dist="20000" dir="5400000" rotWithShape="0">
-            <a:srgbClr val="000000">
-              <a:alpha val="38000"/>
-            </a:srgbClr>
-          </a:outerShdw>
-        </a:effectLst>
-        <a:scene3d>
-          <a:camera prst="orthographicFront"/>
-          <a:lightRig rig="flat" dir="t"/>
-        </a:scene3d>
-        <a:sp3d prstMaterial="dkEdge">
-          <a:bevelT w="8200" h="38100"/>
-        </a:sp3d>
-      </dsp:spPr>
-      <dsp:style>
-        <a:lnRef idx="0">
-          <a:scrgbClr r="0" g="0" b="0"/>
-        </a:lnRef>
-        <a:fillRef idx="2">
-          <a:scrgbClr r="0" g="0" b="0"/>
-        </a:fillRef>
-        <a:effectRef idx="1">
-          <a:scrgbClr r="0" g="0" b="0"/>
-        </a:effectRef>
-        <a:fontRef idx="minor">
-          <a:schemeClr val="dk1"/>
-        </a:fontRef>
-      </dsp:style>
-      <dsp:txBody>
-        <a:bodyPr spcFirstLastPara="0" vert="horz" wrap="square" lIns="68580" tIns="68580" rIns="68580" bIns="68580" numCol="1" spcCol="1270" anchor="ctr" anchorCtr="0">
-          <a:noAutofit/>
-        </a:bodyPr>
-        <a:lstStyle/>
-        <a:p>
-          <a:pPr lvl="0" algn="ctr" defTabSz="800100" rtl="0">
-            <a:lnSpc>
-              <a:spcPct val="90000"/>
-            </a:lnSpc>
-            <a:spcBef>
-              <a:spcPct val="0"/>
-            </a:spcBef>
-            <a:spcAft>
-              <a:spcPct val="35000"/>
-            </a:spcAft>
-          </a:pPr>
-          <a:r>
-            <a:rPr lang="en-US" sz="1800" kern="1200" smtClean="0"/>
-            <a:t>Best Practices</a:t>
-          </a:r>
-          <a:endParaRPr lang="en-US" sz="1800" kern="1200"/>
-        </a:p>
-      </dsp:txBody>
-      <dsp:txXfrm>
-        <a:off x="3880462" y="1375581"/>
-        <a:ext cx="1091483" cy="1637285"/>
-      </dsp:txXfrm>
-    </dsp:sp>
-    <dsp:sp modelId="{4450966A-6721-4F25-B29B-6A8465D87D09}">
-      <dsp:nvSpPr>
-        <dsp:cNvPr id="0" name=""/>
-        <dsp:cNvSpPr/>
-      </dsp:nvSpPr>
-      <dsp:spPr>
-        <a:xfrm>
-          <a:off x="5093128" y="1316534"/>
-          <a:ext cx="1209577" cy="1755379"/>
-        </a:xfrm>
-        <a:prstGeom prst="roundRect">
-          <a:avLst/>
-        </a:prstGeom>
-        <a:gradFill rotWithShape="0">
-          <a:gsLst>
-            <a:gs pos="0">
-              <a:schemeClr val="accent1">
-                <a:hueOff val="0"/>
-                <a:satOff val="0"/>
-                <a:lumOff val="0"/>
-                <a:alphaOff val="0"/>
-                <a:tint val="50000"/>
-                <a:satMod val="300000"/>
-              </a:schemeClr>
-            </a:gs>
-            <a:gs pos="35000">
-              <a:schemeClr val="accent1">
-                <a:hueOff val="0"/>
-                <a:satOff val="0"/>
-                <a:lumOff val="0"/>
-                <a:alphaOff val="0"/>
-                <a:tint val="37000"/>
-                <a:satMod val="300000"/>
-              </a:schemeClr>
-            </a:gs>
-            <a:gs pos="100000">
-              <a:schemeClr val="accent1">
-                <a:hueOff val="0"/>
-                <a:satOff val="0"/>
-                <a:lumOff val="0"/>
-                <a:alphaOff val="0"/>
-                <a:tint val="15000"/>
-                <a:satMod val="350000"/>
-              </a:schemeClr>
-            </a:gs>
-          </a:gsLst>
-          <a:lin ang="16200000" scaled="1"/>
-        </a:gradFill>
-        <a:ln>
-          <a:noFill/>
-        </a:ln>
-        <a:effectLst>
-          <a:outerShdw blurRad="40000" dist="20000" dir="5400000" rotWithShape="0">
-            <a:srgbClr val="000000">
-              <a:alpha val="38000"/>
-            </a:srgbClr>
-          </a:outerShdw>
-        </a:effectLst>
-        <a:scene3d>
-          <a:camera prst="orthographicFront"/>
-          <a:lightRig rig="flat" dir="t"/>
-        </a:scene3d>
-        <a:sp3d prstMaterial="dkEdge">
-          <a:bevelT w="8200" h="38100"/>
-        </a:sp3d>
-      </dsp:spPr>
-      <dsp:style>
-        <a:lnRef idx="0">
-          <a:scrgbClr r="0" g="0" b="0"/>
-        </a:lnRef>
-        <a:fillRef idx="2">
-          <a:scrgbClr r="0" g="0" b="0"/>
-        </a:fillRef>
-        <a:effectRef idx="1">
-          <a:scrgbClr r="0" g="0" b="0"/>
-        </a:effectRef>
-        <a:fontRef idx="minor">
-          <a:schemeClr val="dk1"/>
-        </a:fontRef>
-      </dsp:style>
-      <dsp:txBody>
-        <a:bodyPr spcFirstLastPara="0" vert="horz" wrap="square" lIns="68580" tIns="68580" rIns="68580" bIns="68580" numCol="1" spcCol="1270" anchor="ctr" anchorCtr="0">
-          <a:noAutofit/>
-        </a:bodyPr>
-        <a:lstStyle/>
-        <a:p>
-          <a:pPr lvl="0" algn="ctr" defTabSz="800100" rtl="0">
-            <a:lnSpc>
-              <a:spcPct val="90000"/>
-            </a:lnSpc>
-            <a:spcBef>
-              <a:spcPct val="0"/>
-            </a:spcBef>
-            <a:spcAft>
-              <a:spcPct val="35000"/>
-            </a:spcAft>
-          </a:pPr>
-          <a:r>
-            <a:rPr lang="en-US" sz="1800" kern="1200" dirty="0" err="1" smtClean="0"/>
-            <a:t>Gotchas</a:t>
-          </a:r>
-          <a:r>
-            <a:rPr lang="en-US" sz="1800" kern="1200" dirty="0" smtClean="0"/>
-            <a:t> &amp; Thoughts</a:t>
-          </a:r>
-          <a:endParaRPr lang="en-US" sz="1800" kern="1200" dirty="0"/>
-        </a:p>
-      </dsp:txBody>
-      <dsp:txXfrm>
-        <a:off x="5152175" y="1375581"/>
-        <a:ext cx="1091483" cy="1637285"/>
-      </dsp:txXfrm>
-    </dsp:sp>
-    <dsp:sp modelId="{BA98B57D-1B7D-471D-95A8-3BE9C8A52F88}">
-      <dsp:nvSpPr>
-        <dsp:cNvPr id="0" name=""/>
-        <dsp:cNvSpPr/>
-      </dsp:nvSpPr>
-      <dsp:spPr>
-        <a:xfrm>
-          <a:off x="6364842" y="1316534"/>
-          <a:ext cx="1209577" cy="1755379"/>
-        </a:xfrm>
-        <a:prstGeom prst="roundRect">
-          <a:avLst/>
-        </a:prstGeom>
-        <a:gradFill rotWithShape="0">
-          <a:gsLst>
-            <a:gs pos="0">
-              <a:schemeClr val="accent1">
-                <a:hueOff val="0"/>
-                <a:satOff val="0"/>
-                <a:lumOff val="0"/>
-                <a:alphaOff val="0"/>
-                <a:tint val="50000"/>
-                <a:satMod val="300000"/>
-              </a:schemeClr>
-            </a:gs>
-            <a:gs pos="35000">
-              <a:schemeClr val="accent1">
-                <a:hueOff val="0"/>
-                <a:satOff val="0"/>
-                <a:lumOff val="0"/>
-                <a:alphaOff val="0"/>
-                <a:tint val="37000"/>
-                <a:satMod val="300000"/>
-              </a:schemeClr>
-            </a:gs>
-            <a:gs pos="100000">
-              <a:schemeClr val="accent1">
-                <a:hueOff val="0"/>
-                <a:satOff val="0"/>
-                <a:lumOff val="0"/>
-                <a:alphaOff val="0"/>
-                <a:tint val="15000"/>
-                <a:satMod val="350000"/>
-              </a:schemeClr>
-            </a:gs>
-          </a:gsLst>
-          <a:lin ang="16200000" scaled="1"/>
-        </a:gradFill>
-        <a:ln>
-          <a:noFill/>
-        </a:ln>
-        <a:effectLst>
-          <a:outerShdw blurRad="40000" dist="20000" dir="5400000" rotWithShape="0">
-            <a:srgbClr val="000000">
-              <a:alpha val="38000"/>
-            </a:srgbClr>
-          </a:outerShdw>
-        </a:effectLst>
-        <a:scene3d>
-          <a:camera prst="orthographicFront"/>
-          <a:lightRig rig="flat" dir="t"/>
-        </a:scene3d>
-        <a:sp3d prstMaterial="dkEdge">
-          <a:bevelT w="8200" h="38100"/>
-        </a:sp3d>
-      </dsp:spPr>
-      <dsp:style>
-        <a:lnRef idx="0">
-          <a:scrgbClr r="0" g="0" b="0"/>
-        </a:lnRef>
-        <a:fillRef idx="2">
-          <a:scrgbClr r="0" g="0" b="0"/>
-        </a:fillRef>
-        <a:effectRef idx="1">
-          <a:scrgbClr r="0" g="0" b="0"/>
-        </a:effectRef>
-        <a:fontRef idx="minor">
-          <a:schemeClr val="dk1"/>
-        </a:fontRef>
-      </dsp:style>
-      <dsp:txBody>
-        <a:bodyPr spcFirstLastPara="0" vert="horz" wrap="square" lIns="68580" tIns="68580" rIns="68580" bIns="68580" numCol="1" spcCol="1270" anchor="ctr" anchorCtr="0">
-          <a:noAutofit/>
-        </a:bodyPr>
-        <a:lstStyle/>
-        <a:p>
-          <a:pPr lvl="0" algn="ctr" defTabSz="800100" rtl="0">
-            <a:lnSpc>
-              <a:spcPct val="90000"/>
-            </a:lnSpc>
-            <a:spcBef>
-              <a:spcPct val="0"/>
-            </a:spcBef>
-            <a:spcAft>
-              <a:spcPct val="35000"/>
-            </a:spcAft>
-          </a:pPr>
-          <a:r>
-            <a:rPr lang="en-US" sz="1800" kern="1200" dirty="0" smtClean="0"/>
-            <a:t>Demo</a:t>
-          </a:r>
-          <a:endParaRPr lang="en-US" sz="1800" kern="1200" dirty="0"/>
-        </a:p>
-      </dsp:txBody>
-      <dsp:txXfrm>
-        <a:off x="6423889" y="1375581"/>
-        <a:ext cx="1091483" cy="1637285"/>
-      </dsp:txXfrm>
-    </dsp:sp>
-    <dsp:sp modelId="{0071EB04-D195-46A6-9487-71332C9BF481}">
-      <dsp:nvSpPr>
-        <dsp:cNvPr id="0" name=""/>
-        <dsp:cNvSpPr/>
-      </dsp:nvSpPr>
-      <dsp:spPr>
-        <a:xfrm>
-          <a:off x="7636555" y="1316534"/>
-          <a:ext cx="1209577" cy="1755379"/>
-        </a:xfrm>
-        <a:prstGeom prst="roundRect">
-          <a:avLst/>
-        </a:prstGeom>
-        <a:gradFill rotWithShape="0">
-          <a:gsLst>
-            <a:gs pos="0">
-              <a:schemeClr val="accent1">
-                <a:hueOff val="0"/>
-                <a:satOff val="0"/>
-                <a:lumOff val="0"/>
-                <a:alphaOff val="0"/>
-                <a:tint val="50000"/>
-                <a:satMod val="300000"/>
-              </a:schemeClr>
-            </a:gs>
-            <a:gs pos="35000">
-              <a:schemeClr val="accent1">
-                <a:hueOff val="0"/>
-                <a:satOff val="0"/>
-                <a:lumOff val="0"/>
-                <a:alphaOff val="0"/>
-                <a:tint val="37000"/>
-                <a:satMod val="300000"/>
-              </a:schemeClr>
-            </a:gs>
-            <a:gs pos="100000">
-              <a:schemeClr val="accent1">
-                <a:hueOff val="0"/>
-                <a:satOff val="0"/>
-                <a:lumOff val="0"/>
-                <a:alphaOff val="0"/>
-                <a:tint val="15000"/>
-                <a:satMod val="350000"/>
-              </a:schemeClr>
-            </a:gs>
-          </a:gsLst>
-          <a:lin ang="16200000" scaled="1"/>
-        </a:gradFill>
-        <a:ln>
-          <a:noFill/>
-        </a:ln>
-        <a:effectLst>
-          <a:outerShdw blurRad="40000" dist="20000" dir="5400000" rotWithShape="0">
-            <a:srgbClr val="000000">
-              <a:alpha val="38000"/>
-            </a:srgbClr>
-          </a:outerShdw>
-        </a:effectLst>
-        <a:scene3d>
-          <a:camera prst="orthographicFront"/>
-          <a:lightRig rig="flat" dir="t"/>
-        </a:scene3d>
-        <a:sp3d prstMaterial="dkEdge">
-          <a:bevelT w="8200" h="38100"/>
-        </a:sp3d>
-      </dsp:spPr>
-      <dsp:style>
-        <a:lnRef idx="0">
-          <a:scrgbClr r="0" g="0" b="0"/>
-        </a:lnRef>
-        <a:fillRef idx="2">
-          <a:scrgbClr r="0" g="0" b="0"/>
-        </a:fillRef>
-        <a:effectRef idx="1">
-          <a:scrgbClr r="0" g="0" b="0"/>
-        </a:effectRef>
-        <a:fontRef idx="minor">
-          <a:schemeClr val="dk1"/>
-        </a:fontRef>
-      </dsp:style>
-      <dsp:txBody>
-        <a:bodyPr spcFirstLastPara="0" vert="horz" wrap="square" lIns="68580" tIns="68580" rIns="68580" bIns="68580" numCol="1" spcCol="1270" anchor="ctr" anchorCtr="0">
-          <a:noAutofit/>
-        </a:bodyPr>
-        <a:lstStyle/>
-        <a:p>
-          <a:pPr lvl="0" algn="ctr" defTabSz="800100" rtl="0">
-            <a:lnSpc>
-              <a:spcPct val="90000"/>
-            </a:lnSpc>
-            <a:spcBef>
-              <a:spcPct val="0"/>
-            </a:spcBef>
-            <a:spcAft>
-              <a:spcPct val="35000"/>
-            </a:spcAft>
-          </a:pPr>
-          <a:r>
-            <a:rPr lang="en-US" sz="1800" kern="1200" dirty="0" smtClean="0"/>
-            <a:t>Online Info</a:t>
-          </a:r>
-          <a:endParaRPr lang="en-US" sz="1800" kern="1200" dirty="0"/>
-        </a:p>
-      </dsp:txBody>
-      <dsp:txXfrm>
-        <a:off x="7695602" y="1375581"/>
-        <a:ext cx="1091483" cy="1637285"/>
-      </dsp:txXfrm>
-    </dsp:sp>
   </dsp:spTree>
 </dsp:drawing>
 </file>
@@ -5890,829 +5069,6 @@
       <dsp:cNvGrpSpPr/>
     </dsp:nvGrpSpPr>
     <dsp:grpSpPr/>
-    <dsp:sp modelId="{15E7D4AF-E787-4295-8E10-A10313DC9B3A}">
-      <dsp:nvSpPr>
-        <dsp:cNvPr id="0" name=""/>
-        <dsp:cNvSpPr/>
-      </dsp:nvSpPr>
-      <dsp:spPr>
-        <a:xfrm>
-          <a:off x="2605177" y="1546"/>
-          <a:ext cx="3907766" cy="837568"/>
-        </a:xfrm>
-        <a:prstGeom prst="rightArrow">
-          <a:avLst>
-            <a:gd name="adj1" fmla="val 75000"/>
-            <a:gd name="adj2" fmla="val 50000"/>
-          </a:avLst>
-        </a:prstGeom>
-        <a:solidFill>
-          <a:schemeClr val="accent1">
-            <a:alpha val="90000"/>
-            <a:tint val="40000"/>
-            <a:hueOff val="0"/>
-            <a:satOff val="0"/>
-            <a:lumOff val="0"/>
-            <a:alphaOff val="0"/>
-          </a:schemeClr>
-        </a:solidFill>
-        <a:ln w="9525" cap="flat" cmpd="sng" algn="ctr">
-          <a:solidFill>
-            <a:schemeClr val="accent1">
-              <a:alpha val="90000"/>
-              <a:tint val="40000"/>
-              <a:hueOff val="0"/>
-              <a:satOff val="0"/>
-              <a:lumOff val="0"/>
-              <a:alphaOff val="0"/>
-            </a:schemeClr>
-          </a:solidFill>
-          <a:prstDash val="solid"/>
-        </a:ln>
-        <a:effectLst/>
-      </dsp:spPr>
-      <dsp:style>
-        <a:lnRef idx="1">
-          <a:scrgbClr r="0" g="0" b="0"/>
-        </a:lnRef>
-        <a:fillRef idx="1">
-          <a:scrgbClr r="0" g="0" b="0"/>
-        </a:fillRef>
-        <a:effectRef idx="0">
-          <a:scrgbClr r="0" g="0" b="0"/>
-        </a:effectRef>
-        <a:fontRef idx="minor"/>
-      </dsp:style>
-    </dsp:sp>
-    <dsp:sp modelId="{8794ED96-CA82-4BAE-870D-48C8898B7EF9}">
-      <dsp:nvSpPr>
-        <dsp:cNvPr id="0" name=""/>
-        <dsp:cNvSpPr/>
-      </dsp:nvSpPr>
-      <dsp:spPr>
-        <a:xfrm>
-          <a:off x="0" y="1546"/>
-          <a:ext cx="2605177" cy="837568"/>
-        </a:xfrm>
-        <a:prstGeom prst="roundRect">
-          <a:avLst/>
-        </a:prstGeom>
-        <a:gradFill rotWithShape="0">
-          <a:gsLst>
-            <a:gs pos="0">
-              <a:schemeClr val="accent1">
-                <a:hueOff val="0"/>
-                <a:satOff val="0"/>
-                <a:lumOff val="0"/>
-                <a:alphaOff val="0"/>
-                <a:tint val="50000"/>
-                <a:satMod val="300000"/>
-              </a:schemeClr>
-            </a:gs>
-            <a:gs pos="35000">
-              <a:schemeClr val="accent1">
-                <a:hueOff val="0"/>
-                <a:satOff val="0"/>
-                <a:lumOff val="0"/>
-                <a:alphaOff val="0"/>
-                <a:tint val="37000"/>
-                <a:satMod val="300000"/>
-              </a:schemeClr>
-            </a:gs>
-            <a:gs pos="100000">
-              <a:schemeClr val="accent1">
-                <a:hueOff val="0"/>
-                <a:satOff val="0"/>
-                <a:lumOff val="0"/>
-                <a:alphaOff val="0"/>
-                <a:tint val="15000"/>
-                <a:satMod val="350000"/>
-              </a:schemeClr>
-            </a:gs>
-          </a:gsLst>
-          <a:lin ang="16200000" scaled="1"/>
-        </a:gradFill>
-        <a:ln>
-          <a:noFill/>
-        </a:ln>
-        <a:effectLst>
-          <a:outerShdw blurRad="40000" dist="20000" dir="5400000" rotWithShape="0">
-            <a:srgbClr val="000000">
-              <a:alpha val="38000"/>
-            </a:srgbClr>
-          </a:outerShdw>
-        </a:effectLst>
-        <a:scene3d>
-          <a:camera prst="orthographicFront"/>
-          <a:lightRig rig="flat" dir="t"/>
-        </a:scene3d>
-        <a:sp3d prstMaterial="dkEdge">
-          <a:bevelT w="8200" h="38100"/>
-        </a:sp3d>
-      </dsp:spPr>
-      <dsp:style>
-        <a:lnRef idx="0">
-          <a:scrgbClr r="0" g="0" b="0"/>
-        </a:lnRef>
-        <a:fillRef idx="2">
-          <a:scrgbClr r="0" g="0" b="0"/>
-        </a:fillRef>
-        <a:effectRef idx="1">
-          <a:scrgbClr r="0" g="0" b="0"/>
-        </a:effectRef>
-        <a:fontRef idx="minor">
-          <a:schemeClr val="dk1"/>
-        </a:fontRef>
-      </dsp:style>
-      <dsp:txBody>
-        <a:bodyPr spcFirstLastPara="0" vert="horz" wrap="square" lIns="45720" tIns="22860" rIns="45720" bIns="22860" numCol="1" spcCol="1270" anchor="ctr" anchorCtr="0">
-          <a:noAutofit/>
-        </a:bodyPr>
-        <a:lstStyle/>
-        <a:p>
-          <a:pPr lvl="0" algn="ctr" defTabSz="533400" rtl="0">
-            <a:lnSpc>
-              <a:spcPct val="90000"/>
-            </a:lnSpc>
-            <a:spcBef>
-              <a:spcPct val="0"/>
-            </a:spcBef>
-            <a:spcAft>
-              <a:spcPct val="35000"/>
-            </a:spcAft>
-          </a:pPr>
-          <a:r>
-            <a:rPr lang="en-US" sz="1200" kern="1200" dirty="0" err="1" smtClean="0"/>
-            <a:t>Ansible</a:t>
-          </a:r>
-          <a:r>
-            <a:rPr lang="en-US" sz="1200" kern="1200" dirty="0" smtClean="0"/>
-            <a:t> is an IT tool that assists in automation of configuration management, application deployment &amp; service orchestration.</a:t>
-          </a:r>
-          <a:endParaRPr lang="en-US" sz="1200" kern="1200" dirty="0"/>
-        </a:p>
-      </dsp:txBody>
-      <dsp:txXfrm>
-        <a:off x="40887" y="42433"/>
-        <a:ext cx="2523403" cy="755794"/>
-      </dsp:txXfrm>
-    </dsp:sp>
-    <dsp:sp modelId="{1C6AD7E4-FE0F-4829-87F3-2DA6AE920F31}">
-      <dsp:nvSpPr>
-        <dsp:cNvPr id="0" name=""/>
-        <dsp:cNvSpPr/>
-      </dsp:nvSpPr>
-      <dsp:spPr>
-        <a:xfrm>
-          <a:off x="2605177" y="922872"/>
-          <a:ext cx="3907766" cy="837568"/>
-        </a:xfrm>
-        <a:prstGeom prst="rightArrow">
-          <a:avLst>
-            <a:gd name="adj1" fmla="val 75000"/>
-            <a:gd name="adj2" fmla="val 50000"/>
-          </a:avLst>
-        </a:prstGeom>
-        <a:solidFill>
-          <a:schemeClr val="accent1">
-            <a:alpha val="90000"/>
-            <a:tint val="40000"/>
-            <a:hueOff val="0"/>
-            <a:satOff val="0"/>
-            <a:lumOff val="0"/>
-            <a:alphaOff val="0"/>
-          </a:schemeClr>
-        </a:solidFill>
-        <a:ln w="9525" cap="flat" cmpd="sng" algn="ctr">
-          <a:solidFill>
-            <a:schemeClr val="accent1">
-              <a:alpha val="90000"/>
-              <a:tint val="40000"/>
-              <a:hueOff val="0"/>
-              <a:satOff val="0"/>
-              <a:lumOff val="0"/>
-              <a:alphaOff val="0"/>
-            </a:schemeClr>
-          </a:solidFill>
-          <a:prstDash val="solid"/>
-        </a:ln>
-        <a:effectLst/>
-      </dsp:spPr>
-      <dsp:style>
-        <a:lnRef idx="1">
-          <a:scrgbClr r="0" g="0" b="0"/>
-        </a:lnRef>
-        <a:fillRef idx="1">
-          <a:scrgbClr r="0" g="0" b="0"/>
-        </a:fillRef>
-        <a:effectRef idx="0">
-          <a:scrgbClr r="0" g="0" b="0"/>
-        </a:effectRef>
-        <a:fontRef idx="minor"/>
-      </dsp:style>
-    </dsp:sp>
-    <dsp:sp modelId="{625D3FCC-E5F4-4F72-913D-18ED230CBCC3}">
-      <dsp:nvSpPr>
-        <dsp:cNvPr id="0" name=""/>
-        <dsp:cNvSpPr/>
-      </dsp:nvSpPr>
-      <dsp:spPr>
-        <a:xfrm>
-          <a:off x="0" y="922872"/>
-          <a:ext cx="2605177" cy="837568"/>
-        </a:xfrm>
-        <a:prstGeom prst="roundRect">
-          <a:avLst/>
-        </a:prstGeom>
-        <a:gradFill rotWithShape="0">
-          <a:gsLst>
-            <a:gs pos="0">
-              <a:schemeClr val="accent1">
-                <a:hueOff val="0"/>
-                <a:satOff val="0"/>
-                <a:lumOff val="0"/>
-                <a:alphaOff val="0"/>
-                <a:tint val="50000"/>
-                <a:satMod val="300000"/>
-              </a:schemeClr>
-            </a:gs>
-            <a:gs pos="35000">
-              <a:schemeClr val="accent1">
-                <a:hueOff val="0"/>
-                <a:satOff val="0"/>
-                <a:lumOff val="0"/>
-                <a:alphaOff val="0"/>
-                <a:tint val="37000"/>
-                <a:satMod val="300000"/>
-              </a:schemeClr>
-            </a:gs>
-            <a:gs pos="100000">
-              <a:schemeClr val="accent1">
-                <a:hueOff val="0"/>
-                <a:satOff val="0"/>
-                <a:lumOff val="0"/>
-                <a:alphaOff val="0"/>
-                <a:tint val="15000"/>
-                <a:satMod val="350000"/>
-              </a:schemeClr>
-            </a:gs>
-          </a:gsLst>
-          <a:lin ang="16200000" scaled="1"/>
-        </a:gradFill>
-        <a:ln>
-          <a:noFill/>
-        </a:ln>
-        <a:effectLst>
-          <a:outerShdw blurRad="40000" dist="20000" dir="5400000" rotWithShape="0">
-            <a:srgbClr val="000000">
-              <a:alpha val="38000"/>
-            </a:srgbClr>
-          </a:outerShdw>
-        </a:effectLst>
-        <a:scene3d>
-          <a:camera prst="orthographicFront"/>
-          <a:lightRig rig="flat" dir="t"/>
-        </a:scene3d>
-        <a:sp3d prstMaterial="dkEdge">
-          <a:bevelT w="8200" h="38100"/>
-        </a:sp3d>
-      </dsp:spPr>
-      <dsp:style>
-        <a:lnRef idx="0">
-          <a:scrgbClr r="0" g="0" b="0"/>
-        </a:lnRef>
-        <a:fillRef idx="2">
-          <a:scrgbClr r="0" g="0" b="0"/>
-        </a:fillRef>
-        <a:effectRef idx="1">
-          <a:scrgbClr r="0" g="0" b="0"/>
-        </a:effectRef>
-        <a:fontRef idx="minor">
-          <a:schemeClr val="dk1"/>
-        </a:fontRef>
-      </dsp:style>
-      <dsp:txBody>
-        <a:bodyPr spcFirstLastPara="0" vert="horz" wrap="square" lIns="45720" tIns="22860" rIns="45720" bIns="22860" numCol="1" spcCol="1270" anchor="ctr" anchorCtr="0">
-          <a:noAutofit/>
-        </a:bodyPr>
-        <a:lstStyle/>
-        <a:p>
-          <a:pPr lvl="0" algn="ctr" defTabSz="533400" rtl="0">
-            <a:lnSpc>
-              <a:spcPct val="90000"/>
-            </a:lnSpc>
-            <a:spcBef>
-              <a:spcPct val="0"/>
-            </a:spcBef>
-            <a:spcAft>
-              <a:spcPct val="35000"/>
-            </a:spcAft>
-          </a:pPr>
-          <a:r>
-            <a:rPr lang="en-US" sz="1200" kern="1200" smtClean="0"/>
-            <a:t>Ansible is agent-less.</a:t>
-          </a:r>
-          <a:endParaRPr lang="en-US" sz="1200" kern="1200"/>
-        </a:p>
-      </dsp:txBody>
-      <dsp:txXfrm>
-        <a:off x="40887" y="963759"/>
-        <a:ext cx="2523403" cy="755794"/>
-      </dsp:txXfrm>
-    </dsp:sp>
-    <dsp:sp modelId="{DA67E8DC-C8E5-40CD-91E5-D7D9719956E7}">
-      <dsp:nvSpPr>
-        <dsp:cNvPr id="0" name=""/>
-        <dsp:cNvSpPr/>
-      </dsp:nvSpPr>
-      <dsp:spPr>
-        <a:xfrm>
-          <a:off x="2605177" y="1844197"/>
-          <a:ext cx="3907766" cy="837568"/>
-        </a:xfrm>
-        <a:prstGeom prst="rightArrow">
-          <a:avLst>
-            <a:gd name="adj1" fmla="val 75000"/>
-            <a:gd name="adj2" fmla="val 50000"/>
-          </a:avLst>
-        </a:prstGeom>
-        <a:solidFill>
-          <a:schemeClr val="accent1">
-            <a:alpha val="90000"/>
-            <a:tint val="40000"/>
-            <a:hueOff val="0"/>
-            <a:satOff val="0"/>
-            <a:lumOff val="0"/>
-            <a:alphaOff val="0"/>
-          </a:schemeClr>
-        </a:solidFill>
-        <a:ln w="9525" cap="flat" cmpd="sng" algn="ctr">
-          <a:solidFill>
-            <a:schemeClr val="accent1">
-              <a:alpha val="90000"/>
-              <a:tint val="40000"/>
-              <a:hueOff val="0"/>
-              <a:satOff val="0"/>
-              <a:lumOff val="0"/>
-              <a:alphaOff val="0"/>
-            </a:schemeClr>
-          </a:solidFill>
-          <a:prstDash val="solid"/>
-        </a:ln>
-        <a:effectLst/>
-      </dsp:spPr>
-      <dsp:style>
-        <a:lnRef idx="1">
-          <a:scrgbClr r="0" g="0" b="0"/>
-        </a:lnRef>
-        <a:fillRef idx="1">
-          <a:scrgbClr r="0" g="0" b="0"/>
-        </a:fillRef>
-        <a:effectRef idx="0">
-          <a:scrgbClr r="0" g="0" b="0"/>
-        </a:effectRef>
-        <a:fontRef idx="minor"/>
-      </dsp:style>
-    </dsp:sp>
-    <dsp:sp modelId="{ACE14CB5-4553-42EF-8A02-2C428C0BDC7B}">
-      <dsp:nvSpPr>
-        <dsp:cNvPr id="0" name=""/>
-        <dsp:cNvSpPr/>
-      </dsp:nvSpPr>
-      <dsp:spPr>
-        <a:xfrm>
-          <a:off x="0" y="1844197"/>
-          <a:ext cx="2605177" cy="837568"/>
-        </a:xfrm>
-        <a:prstGeom prst="roundRect">
-          <a:avLst/>
-        </a:prstGeom>
-        <a:gradFill rotWithShape="0">
-          <a:gsLst>
-            <a:gs pos="0">
-              <a:schemeClr val="accent1">
-                <a:hueOff val="0"/>
-                <a:satOff val="0"/>
-                <a:lumOff val="0"/>
-                <a:alphaOff val="0"/>
-                <a:tint val="50000"/>
-                <a:satMod val="300000"/>
-              </a:schemeClr>
-            </a:gs>
-            <a:gs pos="35000">
-              <a:schemeClr val="accent1">
-                <a:hueOff val="0"/>
-                <a:satOff val="0"/>
-                <a:lumOff val="0"/>
-                <a:alphaOff val="0"/>
-                <a:tint val="37000"/>
-                <a:satMod val="300000"/>
-              </a:schemeClr>
-            </a:gs>
-            <a:gs pos="100000">
-              <a:schemeClr val="accent1">
-                <a:hueOff val="0"/>
-                <a:satOff val="0"/>
-                <a:lumOff val="0"/>
-                <a:alphaOff val="0"/>
-                <a:tint val="15000"/>
-                <a:satMod val="350000"/>
-              </a:schemeClr>
-            </a:gs>
-          </a:gsLst>
-          <a:lin ang="16200000" scaled="1"/>
-        </a:gradFill>
-        <a:ln>
-          <a:noFill/>
-        </a:ln>
-        <a:effectLst>
-          <a:outerShdw blurRad="40000" dist="20000" dir="5400000" rotWithShape="0">
-            <a:srgbClr val="000000">
-              <a:alpha val="38000"/>
-            </a:srgbClr>
-          </a:outerShdw>
-        </a:effectLst>
-        <a:scene3d>
-          <a:camera prst="orthographicFront"/>
-          <a:lightRig rig="flat" dir="t"/>
-        </a:scene3d>
-        <a:sp3d prstMaterial="dkEdge">
-          <a:bevelT w="8200" h="38100"/>
-        </a:sp3d>
-      </dsp:spPr>
-      <dsp:style>
-        <a:lnRef idx="0">
-          <a:scrgbClr r="0" g="0" b="0"/>
-        </a:lnRef>
-        <a:fillRef idx="2">
-          <a:scrgbClr r="0" g="0" b="0"/>
-        </a:fillRef>
-        <a:effectRef idx="1">
-          <a:scrgbClr r="0" g="0" b="0"/>
-        </a:effectRef>
-        <a:fontRef idx="minor">
-          <a:schemeClr val="dk1"/>
-        </a:fontRef>
-      </dsp:style>
-      <dsp:txBody>
-        <a:bodyPr spcFirstLastPara="0" vert="horz" wrap="square" lIns="45720" tIns="22860" rIns="45720" bIns="22860" numCol="1" spcCol="1270" anchor="ctr" anchorCtr="0">
-          <a:noAutofit/>
-        </a:bodyPr>
-        <a:lstStyle/>
-        <a:p>
-          <a:pPr lvl="0" algn="ctr" defTabSz="533400" rtl="0">
-            <a:lnSpc>
-              <a:spcPct val="90000"/>
-            </a:lnSpc>
-            <a:spcBef>
-              <a:spcPct val="0"/>
-            </a:spcBef>
-            <a:spcAft>
-              <a:spcPct val="35000"/>
-            </a:spcAft>
-          </a:pPr>
-          <a:r>
-            <a:rPr lang="en-US" sz="1200" kern="1200" dirty="0" smtClean="0"/>
-            <a:t>Comes with “batteries”.</a:t>
-          </a:r>
-          <a:endParaRPr lang="en-US" sz="1200" kern="1200" dirty="0"/>
-        </a:p>
-      </dsp:txBody>
-      <dsp:txXfrm>
-        <a:off x="40887" y="1885084"/>
-        <a:ext cx="2523403" cy="755794"/>
-      </dsp:txXfrm>
-    </dsp:sp>
-    <dsp:sp modelId="{BCC1280C-6FB8-4131-84A6-6E2D7B72E160}">
-      <dsp:nvSpPr>
-        <dsp:cNvPr id="0" name=""/>
-        <dsp:cNvSpPr/>
-      </dsp:nvSpPr>
-      <dsp:spPr>
-        <a:xfrm>
-          <a:off x="2605177" y="2765522"/>
-          <a:ext cx="3907766" cy="837568"/>
-        </a:xfrm>
-        <a:prstGeom prst="rightArrow">
-          <a:avLst>
-            <a:gd name="adj1" fmla="val 75000"/>
-            <a:gd name="adj2" fmla="val 50000"/>
-          </a:avLst>
-        </a:prstGeom>
-        <a:solidFill>
-          <a:schemeClr val="accent1">
-            <a:alpha val="90000"/>
-            <a:tint val="40000"/>
-            <a:hueOff val="0"/>
-            <a:satOff val="0"/>
-            <a:lumOff val="0"/>
-            <a:alphaOff val="0"/>
-          </a:schemeClr>
-        </a:solidFill>
-        <a:ln w="9525" cap="flat" cmpd="sng" algn="ctr">
-          <a:solidFill>
-            <a:schemeClr val="accent1">
-              <a:alpha val="90000"/>
-              <a:tint val="40000"/>
-              <a:hueOff val="0"/>
-              <a:satOff val="0"/>
-              <a:lumOff val="0"/>
-              <a:alphaOff val="0"/>
-            </a:schemeClr>
-          </a:solidFill>
-          <a:prstDash val="solid"/>
-        </a:ln>
-        <a:effectLst/>
-      </dsp:spPr>
-      <dsp:style>
-        <a:lnRef idx="1">
-          <a:scrgbClr r="0" g="0" b="0"/>
-        </a:lnRef>
-        <a:fillRef idx="1">
-          <a:scrgbClr r="0" g="0" b="0"/>
-        </a:fillRef>
-        <a:effectRef idx="0">
-          <a:scrgbClr r="0" g="0" b="0"/>
-        </a:effectRef>
-        <a:fontRef idx="minor"/>
-      </dsp:style>
-    </dsp:sp>
-    <dsp:sp modelId="{48D6285C-F790-42D5-9790-02C253E1C7FC}">
-      <dsp:nvSpPr>
-        <dsp:cNvPr id="0" name=""/>
-        <dsp:cNvSpPr/>
-      </dsp:nvSpPr>
-      <dsp:spPr>
-        <a:xfrm>
-          <a:off x="0" y="2765522"/>
-          <a:ext cx="2605177" cy="837568"/>
-        </a:xfrm>
-        <a:prstGeom prst="roundRect">
-          <a:avLst/>
-        </a:prstGeom>
-        <a:gradFill rotWithShape="0">
-          <a:gsLst>
-            <a:gs pos="0">
-              <a:schemeClr val="accent1">
-                <a:hueOff val="0"/>
-                <a:satOff val="0"/>
-                <a:lumOff val="0"/>
-                <a:alphaOff val="0"/>
-                <a:tint val="50000"/>
-                <a:satMod val="300000"/>
-              </a:schemeClr>
-            </a:gs>
-            <a:gs pos="35000">
-              <a:schemeClr val="accent1">
-                <a:hueOff val="0"/>
-                <a:satOff val="0"/>
-                <a:lumOff val="0"/>
-                <a:alphaOff val="0"/>
-                <a:tint val="37000"/>
-                <a:satMod val="300000"/>
-              </a:schemeClr>
-            </a:gs>
-            <a:gs pos="100000">
-              <a:schemeClr val="accent1">
-                <a:hueOff val="0"/>
-                <a:satOff val="0"/>
-                <a:lumOff val="0"/>
-                <a:alphaOff val="0"/>
-                <a:tint val="15000"/>
-                <a:satMod val="350000"/>
-              </a:schemeClr>
-            </a:gs>
-          </a:gsLst>
-          <a:lin ang="16200000" scaled="1"/>
-        </a:gradFill>
-        <a:ln>
-          <a:noFill/>
-        </a:ln>
-        <a:effectLst>
-          <a:outerShdw blurRad="40000" dist="20000" dir="5400000" rotWithShape="0">
-            <a:srgbClr val="000000">
-              <a:alpha val="38000"/>
-            </a:srgbClr>
-          </a:outerShdw>
-        </a:effectLst>
-        <a:scene3d>
-          <a:camera prst="orthographicFront"/>
-          <a:lightRig rig="flat" dir="t"/>
-        </a:scene3d>
-        <a:sp3d prstMaterial="dkEdge">
-          <a:bevelT w="8200" h="38100"/>
-        </a:sp3d>
-      </dsp:spPr>
-      <dsp:style>
-        <a:lnRef idx="0">
-          <a:scrgbClr r="0" g="0" b="0"/>
-        </a:lnRef>
-        <a:fillRef idx="2">
-          <a:scrgbClr r="0" g="0" b="0"/>
-        </a:fillRef>
-        <a:effectRef idx="1">
-          <a:scrgbClr r="0" g="0" b="0"/>
-        </a:effectRef>
-        <a:fontRef idx="minor">
-          <a:schemeClr val="dk1"/>
-        </a:fontRef>
-      </dsp:style>
-      <dsp:txBody>
-        <a:bodyPr spcFirstLastPara="0" vert="horz" wrap="square" lIns="45720" tIns="22860" rIns="45720" bIns="22860" numCol="1" spcCol="1270" anchor="ctr" anchorCtr="0">
-          <a:noAutofit/>
-        </a:bodyPr>
-        <a:lstStyle/>
-        <a:p>
-          <a:pPr lvl="0" algn="ctr" defTabSz="533400" rtl="0">
-            <a:lnSpc>
-              <a:spcPct val="90000"/>
-            </a:lnSpc>
-            <a:spcBef>
-              <a:spcPct val="0"/>
-            </a:spcBef>
-            <a:spcAft>
-              <a:spcPct val="35000"/>
-            </a:spcAft>
-          </a:pPr>
-          <a:r>
-            <a:rPr lang="en-US" sz="1200" kern="1200" dirty="0" smtClean="0"/>
-            <a:t>Primarily uses SSH and </a:t>
-          </a:r>
-          <a:r>
-            <a:rPr lang="en-US" sz="1200" kern="1200" dirty="0" err="1" smtClean="0"/>
-            <a:t>WinRM</a:t>
-          </a:r>
-          <a:endParaRPr lang="en-US" sz="1200" kern="1200" dirty="0"/>
-        </a:p>
-      </dsp:txBody>
-      <dsp:txXfrm>
-        <a:off x="40887" y="2806409"/>
-        <a:ext cx="2523403" cy="755794"/>
-      </dsp:txXfrm>
-    </dsp:sp>
-    <dsp:sp modelId="{CD9044EE-A93B-4591-900D-CFC7708FFB74}">
-      <dsp:nvSpPr>
-        <dsp:cNvPr id="0" name=""/>
-        <dsp:cNvSpPr/>
-      </dsp:nvSpPr>
-      <dsp:spPr>
-        <a:xfrm>
-          <a:off x="2605177" y="3686847"/>
-          <a:ext cx="3907766" cy="837568"/>
-        </a:xfrm>
-        <a:prstGeom prst="rightArrow">
-          <a:avLst>
-            <a:gd name="adj1" fmla="val 75000"/>
-            <a:gd name="adj2" fmla="val 50000"/>
-          </a:avLst>
-        </a:prstGeom>
-        <a:solidFill>
-          <a:schemeClr val="accent1">
-            <a:alpha val="90000"/>
-            <a:tint val="40000"/>
-            <a:hueOff val="0"/>
-            <a:satOff val="0"/>
-            <a:lumOff val="0"/>
-            <a:alphaOff val="0"/>
-          </a:schemeClr>
-        </a:solidFill>
-        <a:ln w="9525" cap="flat" cmpd="sng" algn="ctr">
-          <a:solidFill>
-            <a:schemeClr val="accent1">
-              <a:alpha val="90000"/>
-              <a:tint val="40000"/>
-              <a:hueOff val="0"/>
-              <a:satOff val="0"/>
-              <a:lumOff val="0"/>
-              <a:alphaOff val="0"/>
-            </a:schemeClr>
-          </a:solidFill>
-          <a:prstDash val="solid"/>
-        </a:ln>
-        <a:effectLst/>
-      </dsp:spPr>
-      <dsp:style>
-        <a:lnRef idx="1">
-          <a:scrgbClr r="0" g="0" b="0"/>
-        </a:lnRef>
-        <a:fillRef idx="1">
-          <a:scrgbClr r="0" g="0" b="0"/>
-        </a:fillRef>
-        <a:effectRef idx="0">
-          <a:scrgbClr r="0" g="0" b="0"/>
-        </a:effectRef>
-        <a:fontRef idx="minor"/>
-      </dsp:style>
-    </dsp:sp>
-    <dsp:sp modelId="{1E1B79F1-8C9B-49E5-BAEB-F7A37390045E}">
-      <dsp:nvSpPr>
-        <dsp:cNvPr id="0" name=""/>
-        <dsp:cNvSpPr/>
-      </dsp:nvSpPr>
-      <dsp:spPr>
-        <a:xfrm>
-          <a:off x="0" y="3686847"/>
-          <a:ext cx="2605177" cy="837568"/>
-        </a:xfrm>
-        <a:prstGeom prst="roundRect">
-          <a:avLst/>
-        </a:prstGeom>
-        <a:gradFill rotWithShape="0">
-          <a:gsLst>
-            <a:gs pos="0">
-              <a:schemeClr val="accent1">
-                <a:hueOff val="0"/>
-                <a:satOff val="0"/>
-                <a:lumOff val="0"/>
-                <a:alphaOff val="0"/>
-                <a:tint val="50000"/>
-                <a:satMod val="300000"/>
-              </a:schemeClr>
-            </a:gs>
-            <a:gs pos="35000">
-              <a:schemeClr val="accent1">
-                <a:hueOff val="0"/>
-                <a:satOff val="0"/>
-                <a:lumOff val="0"/>
-                <a:alphaOff val="0"/>
-                <a:tint val="37000"/>
-                <a:satMod val="300000"/>
-              </a:schemeClr>
-            </a:gs>
-            <a:gs pos="100000">
-              <a:schemeClr val="accent1">
-                <a:hueOff val="0"/>
-                <a:satOff val="0"/>
-                <a:lumOff val="0"/>
-                <a:alphaOff val="0"/>
-                <a:tint val="15000"/>
-                <a:satMod val="350000"/>
-              </a:schemeClr>
-            </a:gs>
-          </a:gsLst>
-          <a:lin ang="16200000" scaled="1"/>
-        </a:gradFill>
-        <a:ln>
-          <a:noFill/>
-        </a:ln>
-        <a:effectLst>
-          <a:outerShdw blurRad="40000" dist="20000" dir="5400000" rotWithShape="0">
-            <a:srgbClr val="000000">
-              <a:alpha val="38000"/>
-            </a:srgbClr>
-          </a:outerShdw>
-        </a:effectLst>
-        <a:scene3d>
-          <a:camera prst="orthographicFront"/>
-          <a:lightRig rig="flat" dir="t"/>
-        </a:scene3d>
-        <a:sp3d prstMaterial="dkEdge">
-          <a:bevelT w="8200" h="38100"/>
-        </a:sp3d>
-      </dsp:spPr>
-      <dsp:style>
-        <a:lnRef idx="0">
-          <a:scrgbClr r="0" g="0" b="0"/>
-        </a:lnRef>
-        <a:fillRef idx="2">
-          <a:scrgbClr r="0" g="0" b="0"/>
-        </a:fillRef>
-        <a:effectRef idx="1">
-          <a:scrgbClr r="0" g="0" b="0"/>
-        </a:effectRef>
-        <a:fontRef idx="minor">
-          <a:schemeClr val="dk1"/>
-        </a:fontRef>
-      </dsp:style>
-      <dsp:txBody>
-        <a:bodyPr spcFirstLastPara="0" vert="horz" wrap="square" lIns="45720" tIns="22860" rIns="45720" bIns="22860" numCol="1" spcCol="1270" anchor="ctr" anchorCtr="0">
-          <a:noAutofit/>
-        </a:bodyPr>
-        <a:lstStyle/>
-        <a:p>
-          <a:pPr lvl="0" algn="ctr" defTabSz="533400" rtl="0">
-            <a:lnSpc>
-              <a:spcPct val="90000"/>
-            </a:lnSpc>
-            <a:spcBef>
-              <a:spcPct val="0"/>
-            </a:spcBef>
-            <a:spcAft>
-              <a:spcPct val="35000"/>
-            </a:spcAft>
-          </a:pPr>
-          <a:r>
-            <a:rPr lang="en-US" sz="1200" kern="1200" smtClean="0"/>
-            <a:t>Uses YAML to describe the automation jobs.</a:t>
-          </a:r>
-          <a:endParaRPr lang="en-US" sz="1200" kern="1200"/>
-        </a:p>
-      </dsp:txBody>
-      <dsp:txXfrm>
-        <a:off x="40887" y="3727734"/>
-        <a:ext cx="2523403" cy="755794"/>
-      </dsp:txXfrm>
-    </dsp:sp>
   </dsp:spTree>
 </dsp:drawing>
 </file>
@@ -6725,803 +5081,6 @@
       <dsp:cNvGrpSpPr/>
     </dsp:nvGrpSpPr>
     <dsp:grpSpPr/>
-    <dsp:sp modelId="{BF16E0CF-E1F7-466C-848B-4CEA4AC6006C}">
-      <dsp:nvSpPr>
-        <dsp:cNvPr id="0" name=""/>
-        <dsp:cNvSpPr/>
-      </dsp:nvSpPr>
-      <dsp:spPr>
-        <a:xfrm>
-          <a:off x="0" y="92455"/>
-          <a:ext cx="8757519" cy="685821"/>
-        </a:xfrm>
-        <a:prstGeom prst="roundRect">
-          <a:avLst/>
-        </a:prstGeom>
-        <a:gradFill rotWithShape="0">
-          <a:gsLst>
-            <a:gs pos="0">
-              <a:schemeClr val="accent1">
-                <a:hueOff val="0"/>
-                <a:satOff val="0"/>
-                <a:lumOff val="0"/>
-                <a:alphaOff val="0"/>
-                <a:tint val="50000"/>
-                <a:satMod val="300000"/>
-              </a:schemeClr>
-            </a:gs>
-            <a:gs pos="35000">
-              <a:schemeClr val="accent1">
-                <a:hueOff val="0"/>
-                <a:satOff val="0"/>
-                <a:lumOff val="0"/>
-                <a:alphaOff val="0"/>
-                <a:tint val="37000"/>
-                <a:satMod val="300000"/>
-              </a:schemeClr>
-            </a:gs>
-            <a:gs pos="100000">
-              <a:schemeClr val="accent1">
-                <a:hueOff val="0"/>
-                <a:satOff val="0"/>
-                <a:lumOff val="0"/>
-                <a:alphaOff val="0"/>
-                <a:tint val="15000"/>
-                <a:satMod val="350000"/>
-              </a:schemeClr>
-            </a:gs>
-          </a:gsLst>
-          <a:lin ang="16200000" scaled="1"/>
-        </a:gradFill>
-        <a:ln>
-          <a:noFill/>
-        </a:ln>
-        <a:effectLst>
-          <a:outerShdw blurRad="40000" dist="20000" dir="5400000" rotWithShape="0">
-            <a:srgbClr val="000000">
-              <a:alpha val="38000"/>
-            </a:srgbClr>
-          </a:outerShdw>
-        </a:effectLst>
-        <a:scene3d>
-          <a:camera prst="orthographicFront"/>
-          <a:lightRig rig="flat" dir="t"/>
-        </a:scene3d>
-        <a:sp3d prstMaterial="dkEdge">
-          <a:bevelT w="8200" h="38100"/>
-        </a:sp3d>
-      </dsp:spPr>
-      <dsp:style>
-        <a:lnRef idx="0">
-          <a:scrgbClr r="0" g="0" b="0"/>
-        </a:lnRef>
-        <a:fillRef idx="2">
-          <a:scrgbClr r="0" g="0" b="0"/>
-        </a:fillRef>
-        <a:effectRef idx="1">
-          <a:scrgbClr r="0" g="0" b="0"/>
-        </a:effectRef>
-        <a:fontRef idx="minor">
-          <a:schemeClr val="dk1"/>
-        </a:fontRef>
-      </dsp:style>
-      <dsp:txBody>
-        <a:bodyPr spcFirstLastPara="0" vert="horz" wrap="square" lIns="57150" tIns="57150" rIns="57150" bIns="57150" numCol="1" spcCol="1270" anchor="ctr" anchorCtr="0">
-          <a:noAutofit/>
-        </a:bodyPr>
-        <a:lstStyle/>
-        <a:p>
-          <a:pPr lvl="0" algn="l" defTabSz="666750" rtl="0">
-            <a:lnSpc>
-              <a:spcPct val="90000"/>
-            </a:lnSpc>
-            <a:spcBef>
-              <a:spcPct val="0"/>
-            </a:spcBef>
-            <a:spcAft>
-              <a:spcPct val="35000"/>
-            </a:spcAft>
-          </a:pPr>
-          <a:r>
-            <a:rPr lang="en-US" sz="1500" kern="1200" smtClean="0"/>
-            <a:t>Ansible is not a glorified SSH wrapper. </a:t>
-          </a:r>
-          <a:endParaRPr lang="en-US" sz="1500" kern="1200"/>
-        </a:p>
-      </dsp:txBody>
-      <dsp:txXfrm>
-        <a:off x="33479" y="125934"/>
-        <a:ext cx="8690561" cy="618863"/>
-      </dsp:txXfrm>
-    </dsp:sp>
-    <dsp:sp modelId="{6BB88209-F785-4D66-B27C-31A31EF63AF7}">
-      <dsp:nvSpPr>
-        <dsp:cNvPr id="0" name=""/>
-        <dsp:cNvSpPr/>
-      </dsp:nvSpPr>
-      <dsp:spPr>
-        <a:xfrm>
-          <a:off x="0" y="821476"/>
-          <a:ext cx="8757519" cy="685821"/>
-        </a:xfrm>
-        <a:prstGeom prst="roundRect">
-          <a:avLst/>
-        </a:prstGeom>
-        <a:gradFill rotWithShape="0">
-          <a:gsLst>
-            <a:gs pos="0">
-              <a:schemeClr val="accent1">
-                <a:hueOff val="0"/>
-                <a:satOff val="0"/>
-                <a:lumOff val="0"/>
-                <a:alphaOff val="0"/>
-                <a:tint val="50000"/>
-                <a:satMod val="300000"/>
-              </a:schemeClr>
-            </a:gs>
-            <a:gs pos="35000">
-              <a:schemeClr val="accent1">
-                <a:hueOff val="0"/>
-                <a:satOff val="0"/>
-                <a:lumOff val="0"/>
-                <a:alphaOff val="0"/>
-                <a:tint val="37000"/>
-                <a:satMod val="300000"/>
-              </a:schemeClr>
-            </a:gs>
-            <a:gs pos="100000">
-              <a:schemeClr val="accent1">
-                <a:hueOff val="0"/>
-                <a:satOff val="0"/>
-                <a:lumOff val="0"/>
-                <a:alphaOff val="0"/>
-                <a:tint val="15000"/>
-                <a:satMod val="350000"/>
-              </a:schemeClr>
-            </a:gs>
-          </a:gsLst>
-          <a:lin ang="16200000" scaled="1"/>
-        </a:gradFill>
-        <a:ln>
-          <a:noFill/>
-        </a:ln>
-        <a:effectLst>
-          <a:outerShdw blurRad="40000" dist="20000" dir="5400000" rotWithShape="0">
-            <a:srgbClr val="000000">
-              <a:alpha val="38000"/>
-            </a:srgbClr>
-          </a:outerShdw>
-        </a:effectLst>
-        <a:scene3d>
-          <a:camera prst="orthographicFront"/>
-          <a:lightRig rig="flat" dir="t"/>
-        </a:scene3d>
-        <a:sp3d prstMaterial="dkEdge">
-          <a:bevelT w="8200" h="38100"/>
-        </a:sp3d>
-      </dsp:spPr>
-      <dsp:style>
-        <a:lnRef idx="0">
-          <a:scrgbClr r="0" g="0" b="0"/>
-        </a:lnRef>
-        <a:fillRef idx="2">
-          <a:scrgbClr r="0" g="0" b="0"/>
-        </a:fillRef>
-        <a:effectRef idx="1">
-          <a:scrgbClr r="0" g="0" b="0"/>
-        </a:effectRef>
-        <a:fontRef idx="minor">
-          <a:schemeClr val="dk1"/>
-        </a:fontRef>
-      </dsp:style>
-      <dsp:txBody>
-        <a:bodyPr spcFirstLastPara="0" vert="horz" wrap="square" lIns="57150" tIns="57150" rIns="57150" bIns="57150" numCol="1" spcCol="1270" anchor="ctr" anchorCtr="0">
-          <a:noAutofit/>
-        </a:bodyPr>
-        <a:lstStyle/>
-        <a:p>
-          <a:pPr lvl="0" algn="l" defTabSz="666750" rtl="0">
-            <a:lnSpc>
-              <a:spcPct val="90000"/>
-            </a:lnSpc>
-            <a:spcBef>
-              <a:spcPct val="0"/>
-            </a:spcBef>
-            <a:spcAft>
-              <a:spcPct val="35000"/>
-            </a:spcAft>
-          </a:pPr>
-          <a:r>
-            <a:rPr lang="en-US" sz="1500" kern="1200" smtClean="0"/>
-            <a:t>Can you write a bash script to do some of this? Yes and in some cases for small simple things this is just fine.</a:t>
-          </a:r>
-          <a:endParaRPr lang="en-US" sz="1500" kern="1200"/>
-        </a:p>
-      </dsp:txBody>
-      <dsp:txXfrm>
-        <a:off x="33479" y="854955"/>
-        <a:ext cx="8690561" cy="618863"/>
-      </dsp:txXfrm>
-    </dsp:sp>
-    <dsp:sp modelId="{2CED3AC2-AC01-4BB2-9020-F769242F2EAA}">
-      <dsp:nvSpPr>
-        <dsp:cNvPr id="0" name=""/>
-        <dsp:cNvSpPr/>
-      </dsp:nvSpPr>
-      <dsp:spPr>
-        <a:xfrm>
-          <a:off x="4079777" y="1550497"/>
-          <a:ext cx="597963" cy="685821"/>
-        </a:xfrm>
-        <a:prstGeom prst="roundRect">
-          <a:avLst/>
-        </a:prstGeom>
-        <a:gradFill rotWithShape="0">
-          <a:gsLst>
-            <a:gs pos="0">
-              <a:schemeClr val="accent1">
-                <a:hueOff val="0"/>
-                <a:satOff val="0"/>
-                <a:lumOff val="0"/>
-                <a:alphaOff val="0"/>
-                <a:tint val="50000"/>
-                <a:satMod val="300000"/>
-              </a:schemeClr>
-            </a:gs>
-            <a:gs pos="35000">
-              <a:schemeClr val="accent1">
-                <a:hueOff val="0"/>
-                <a:satOff val="0"/>
-                <a:lumOff val="0"/>
-                <a:alphaOff val="0"/>
-                <a:tint val="37000"/>
-                <a:satMod val="300000"/>
-              </a:schemeClr>
-            </a:gs>
-            <a:gs pos="100000">
-              <a:schemeClr val="accent1">
-                <a:hueOff val="0"/>
-                <a:satOff val="0"/>
-                <a:lumOff val="0"/>
-                <a:alphaOff val="0"/>
-                <a:tint val="15000"/>
-                <a:satMod val="350000"/>
-              </a:schemeClr>
-            </a:gs>
-          </a:gsLst>
-          <a:lin ang="16200000" scaled="1"/>
-        </a:gradFill>
-        <a:ln>
-          <a:noFill/>
-        </a:ln>
-        <a:effectLst>
-          <a:outerShdw blurRad="40000" dist="20000" dir="5400000" rotWithShape="0">
-            <a:srgbClr val="000000">
-              <a:alpha val="38000"/>
-            </a:srgbClr>
-          </a:outerShdw>
-        </a:effectLst>
-        <a:scene3d>
-          <a:camera prst="orthographicFront"/>
-          <a:lightRig rig="flat" dir="t"/>
-        </a:scene3d>
-        <a:sp3d prstMaterial="dkEdge">
-          <a:bevelT w="8200" h="38100"/>
-        </a:sp3d>
-      </dsp:spPr>
-      <dsp:style>
-        <a:lnRef idx="0">
-          <a:scrgbClr r="0" g="0" b="0"/>
-        </a:lnRef>
-        <a:fillRef idx="2">
-          <a:scrgbClr r="0" g="0" b="0"/>
-        </a:fillRef>
-        <a:effectRef idx="1">
-          <a:scrgbClr r="0" g="0" b="0"/>
-        </a:effectRef>
-        <a:fontRef idx="minor">
-          <a:schemeClr val="dk1"/>
-        </a:fontRef>
-      </dsp:style>
-      <dsp:txBody>
-        <a:bodyPr spcFirstLastPara="0" vert="horz" wrap="square" lIns="57150" tIns="57150" rIns="57150" bIns="57150" numCol="1" spcCol="1270" anchor="ctr" anchorCtr="0">
-          <a:noAutofit/>
-        </a:bodyPr>
-        <a:lstStyle/>
-        <a:p>
-          <a:pPr lvl="0" algn="l" defTabSz="666750" rtl="0">
-            <a:lnSpc>
-              <a:spcPct val="90000"/>
-            </a:lnSpc>
-            <a:spcBef>
-              <a:spcPct val="0"/>
-            </a:spcBef>
-            <a:spcAft>
-              <a:spcPct val="35000"/>
-            </a:spcAft>
-          </a:pPr>
-          <a:r>
-            <a:rPr lang="en-US" sz="1500" kern="1200" smtClean="0"/>
-            <a:t>BUT </a:t>
-          </a:r>
-          <a:endParaRPr lang="en-US" sz="1500" kern="1200"/>
-        </a:p>
-      </dsp:txBody>
-      <dsp:txXfrm>
-        <a:off x="4108967" y="1579687"/>
-        <a:ext cx="539583" cy="627441"/>
-      </dsp:txXfrm>
-    </dsp:sp>
-    <dsp:sp modelId="{7EABAD08-E4AB-4156-8BAE-1D61FAF41508}">
-      <dsp:nvSpPr>
-        <dsp:cNvPr id="0" name=""/>
-        <dsp:cNvSpPr/>
-      </dsp:nvSpPr>
-      <dsp:spPr>
-        <a:xfrm>
-          <a:off x="0" y="2279518"/>
-          <a:ext cx="8757519" cy="685821"/>
-        </a:xfrm>
-        <a:prstGeom prst="roundRect">
-          <a:avLst/>
-        </a:prstGeom>
-        <a:gradFill rotWithShape="0">
-          <a:gsLst>
-            <a:gs pos="0">
-              <a:schemeClr val="accent1">
-                <a:hueOff val="0"/>
-                <a:satOff val="0"/>
-                <a:lumOff val="0"/>
-                <a:alphaOff val="0"/>
-                <a:tint val="50000"/>
-                <a:satMod val="300000"/>
-              </a:schemeClr>
-            </a:gs>
-            <a:gs pos="35000">
-              <a:schemeClr val="accent1">
-                <a:hueOff val="0"/>
-                <a:satOff val="0"/>
-                <a:lumOff val="0"/>
-                <a:alphaOff val="0"/>
-                <a:tint val="37000"/>
-                <a:satMod val="300000"/>
-              </a:schemeClr>
-            </a:gs>
-            <a:gs pos="100000">
-              <a:schemeClr val="accent1">
-                <a:hueOff val="0"/>
-                <a:satOff val="0"/>
-                <a:lumOff val="0"/>
-                <a:alphaOff val="0"/>
-                <a:tint val="15000"/>
-                <a:satMod val="350000"/>
-              </a:schemeClr>
-            </a:gs>
-          </a:gsLst>
-          <a:lin ang="16200000" scaled="1"/>
-        </a:gradFill>
-        <a:ln>
-          <a:noFill/>
-        </a:ln>
-        <a:effectLst>
-          <a:outerShdw blurRad="40000" dist="20000" dir="5400000" rotWithShape="0">
-            <a:srgbClr val="000000">
-              <a:alpha val="38000"/>
-            </a:srgbClr>
-          </a:outerShdw>
-        </a:effectLst>
-        <a:scene3d>
-          <a:camera prst="orthographicFront"/>
-          <a:lightRig rig="flat" dir="t"/>
-        </a:scene3d>
-        <a:sp3d prstMaterial="dkEdge">
-          <a:bevelT w="8200" h="38100"/>
-        </a:sp3d>
-      </dsp:spPr>
-      <dsp:style>
-        <a:lnRef idx="0">
-          <a:scrgbClr r="0" g="0" b="0"/>
-        </a:lnRef>
-        <a:fillRef idx="2">
-          <a:scrgbClr r="0" g="0" b="0"/>
-        </a:fillRef>
-        <a:effectRef idx="1">
-          <a:scrgbClr r="0" g="0" b="0"/>
-        </a:effectRef>
-        <a:fontRef idx="minor">
-          <a:schemeClr val="dk1"/>
-        </a:fontRef>
-      </dsp:style>
-      <dsp:txBody>
-        <a:bodyPr spcFirstLastPara="0" vert="horz" wrap="square" lIns="57150" tIns="57150" rIns="57150" bIns="57150" numCol="1" spcCol="1270" anchor="ctr" anchorCtr="0">
-          <a:noAutofit/>
-        </a:bodyPr>
-        <a:lstStyle/>
-        <a:p>
-          <a:pPr lvl="0" algn="l" defTabSz="666750" rtl="0">
-            <a:lnSpc>
-              <a:spcPct val="90000"/>
-            </a:lnSpc>
-            <a:spcBef>
-              <a:spcPct val="0"/>
-            </a:spcBef>
-            <a:spcAft>
-              <a:spcPct val="35000"/>
-            </a:spcAft>
-          </a:pPr>
-          <a:r>
-            <a:rPr lang="en-US" sz="1500" kern="1200" dirty="0" smtClean="0"/>
-            <a:t>Can you safely run your script multiple times with confidence </a:t>
-          </a:r>
-        </a:p>
-        <a:p>
-          <a:pPr lvl="0" algn="l" defTabSz="666750" rtl="0">
-            <a:lnSpc>
-              <a:spcPct val="90000"/>
-            </a:lnSpc>
-            <a:spcBef>
-              <a:spcPct val="0"/>
-            </a:spcBef>
-            <a:spcAft>
-              <a:spcPct val="35000"/>
-            </a:spcAft>
-          </a:pPr>
-          <a:r>
-            <a:rPr lang="en-US" sz="1500" kern="1200" dirty="0" smtClean="0"/>
-            <a:t>regardless of state (without resorting to a bunch if statements)?</a:t>
-          </a:r>
-          <a:endParaRPr lang="en-US" sz="1500" kern="1200" dirty="0"/>
-        </a:p>
-      </dsp:txBody>
-      <dsp:txXfrm>
-        <a:off x="33479" y="2312997"/>
-        <a:ext cx="8690561" cy="618863"/>
-      </dsp:txXfrm>
-    </dsp:sp>
-    <dsp:sp modelId="{B02A56C1-50D9-41B5-83C9-CB9AB9F1CA6D}">
-      <dsp:nvSpPr>
-        <dsp:cNvPr id="0" name=""/>
-        <dsp:cNvSpPr/>
-      </dsp:nvSpPr>
-      <dsp:spPr>
-        <a:xfrm>
-          <a:off x="0" y="3008540"/>
-          <a:ext cx="8757519" cy="685821"/>
-        </a:xfrm>
-        <a:prstGeom prst="roundRect">
-          <a:avLst/>
-        </a:prstGeom>
-        <a:gradFill rotWithShape="0">
-          <a:gsLst>
-            <a:gs pos="0">
-              <a:schemeClr val="accent1">
-                <a:hueOff val="0"/>
-                <a:satOff val="0"/>
-                <a:lumOff val="0"/>
-                <a:alphaOff val="0"/>
-                <a:tint val="50000"/>
-                <a:satMod val="300000"/>
-              </a:schemeClr>
-            </a:gs>
-            <a:gs pos="35000">
-              <a:schemeClr val="accent1">
-                <a:hueOff val="0"/>
-                <a:satOff val="0"/>
-                <a:lumOff val="0"/>
-                <a:alphaOff val="0"/>
-                <a:tint val="37000"/>
-                <a:satMod val="300000"/>
-              </a:schemeClr>
-            </a:gs>
-            <a:gs pos="100000">
-              <a:schemeClr val="accent1">
-                <a:hueOff val="0"/>
-                <a:satOff val="0"/>
-                <a:lumOff val="0"/>
-                <a:alphaOff val="0"/>
-                <a:tint val="15000"/>
-                <a:satMod val="350000"/>
-              </a:schemeClr>
-            </a:gs>
-          </a:gsLst>
-          <a:lin ang="16200000" scaled="1"/>
-        </a:gradFill>
-        <a:ln>
-          <a:noFill/>
-        </a:ln>
-        <a:effectLst>
-          <a:outerShdw blurRad="40000" dist="20000" dir="5400000" rotWithShape="0">
-            <a:srgbClr val="000000">
-              <a:alpha val="38000"/>
-            </a:srgbClr>
-          </a:outerShdw>
-        </a:effectLst>
-        <a:scene3d>
-          <a:camera prst="orthographicFront"/>
-          <a:lightRig rig="flat" dir="t"/>
-        </a:scene3d>
-        <a:sp3d prstMaterial="dkEdge">
-          <a:bevelT w="8200" h="38100"/>
-        </a:sp3d>
-      </dsp:spPr>
-      <dsp:style>
-        <a:lnRef idx="0">
-          <a:scrgbClr r="0" g="0" b="0"/>
-        </a:lnRef>
-        <a:fillRef idx="2">
-          <a:scrgbClr r="0" g="0" b="0"/>
-        </a:fillRef>
-        <a:effectRef idx="1">
-          <a:scrgbClr r="0" g="0" b="0"/>
-        </a:effectRef>
-        <a:fontRef idx="minor">
-          <a:schemeClr val="dk1"/>
-        </a:fontRef>
-      </dsp:style>
-      <dsp:txBody>
-        <a:bodyPr spcFirstLastPara="0" vert="horz" wrap="square" lIns="57150" tIns="57150" rIns="57150" bIns="57150" numCol="1" spcCol="1270" anchor="ctr" anchorCtr="0">
-          <a:noAutofit/>
-        </a:bodyPr>
-        <a:lstStyle/>
-        <a:p>
-          <a:pPr lvl="0" algn="l" defTabSz="666750" rtl="0">
-            <a:lnSpc>
-              <a:spcPct val="90000"/>
-            </a:lnSpc>
-            <a:spcBef>
-              <a:spcPct val="0"/>
-            </a:spcBef>
-            <a:spcAft>
-              <a:spcPct val="35000"/>
-            </a:spcAft>
-          </a:pPr>
-          <a:r>
-            <a:rPr lang="en-US" sz="1500" kern="1200" smtClean="0"/>
-            <a:t>Can your script target certain servers easily?</a:t>
-          </a:r>
-          <a:endParaRPr lang="en-US" sz="1500" kern="1200"/>
-        </a:p>
-      </dsp:txBody>
-      <dsp:txXfrm>
-        <a:off x="33479" y="3042019"/>
-        <a:ext cx="8690561" cy="618863"/>
-      </dsp:txXfrm>
-    </dsp:sp>
-    <dsp:sp modelId="{52ACD15B-E247-43F4-8BAE-FF0E64054273}">
-      <dsp:nvSpPr>
-        <dsp:cNvPr id="0" name=""/>
-        <dsp:cNvSpPr/>
-      </dsp:nvSpPr>
-      <dsp:spPr>
-        <a:xfrm>
-          <a:off x="0" y="3737561"/>
-          <a:ext cx="8757519" cy="685821"/>
-        </a:xfrm>
-        <a:prstGeom prst="roundRect">
-          <a:avLst/>
-        </a:prstGeom>
-        <a:gradFill rotWithShape="0">
-          <a:gsLst>
-            <a:gs pos="0">
-              <a:schemeClr val="accent1">
-                <a:hueOff val="0"/>
-                <a:satOff val="0"/>
-                <a:lumOff val="0"/>
-                <a:alphaOff val="0"/>
-                <a:tint val="50000"/>
-                <a:satMod val="300000"/>
-              </a:schemeClr>
-            </a:gs>
-            <a:gs pos="35000">
-              <a:schemeClr val="accent1">
-                <a:hueOff val="0"/>
-                <a:satOff val="0"/>
-                <a:lumOff val="0"/>
-                <a:alphaOff val="0"/>
-                <a:tint val="37000"/>
-                <a:satMod val="300000"/>
-              </a:schemeClr>
-            </a:gs>
-            <a:gs pos="100000">
-              <a:schemeClr val="accent1">
-                <a:hueOff val="0"/>
-                <a:satOff val="0"/>
-                <a:lumOff val="0"/>
-                <a:alphaOff val="0"/>
-                <a:tint val="15000"/>
-                <a:satMod val="350000"/>
-              </a:schemeClr>
-            </a:gs>
-          </a:gsLst>
-          <a:lin ang="16200000" scaled="1"/>
-        </a:gradFill>
-        <a:ln>
-          <a:noFill/>
-        </a:ln>
-        <a:effectLst>
-          <a:outerShdw blurRad="40000" dist="20000" dir="5400000" rotWithShape="0">
-            <a:srgbClr val="000000">
-              <a:alpha val="38000"/>
-            </a:srgbClr>
-          </a:outerShdw>
-        </a:effectLst>
-        <a:scene3d>
-          <a:camera prst="orthographicFront"/>
-          <a:lightRig rig="flat" dir="t"/>
-        </a:scene3d>
-        <a:sp3d prstMaterial="dkEdge">
-          <a:bevelT w="8200" h="38100"/>
-        </a:sp3d>
-      </dsp:spPr>
-      <dsp:style>
-        <a:lnRef idx="0">
-          <a:scrgbClr r="0" g="0" b="0"/>
-        </a:lnRef>
-        <a:fillRef idx="2">
-          <a:scrgbClr r="0" g="0" b="0"/>
-        </a:fillRef>
-        <a:effectRef idx="1">
-          <a:scrgbClr r="0" g="0" b="0"/>
-        </a:effectRef>
-        <a:fontRef idx="minor">
-          <a:schemeClr val="dk1"/>
-        </a:fontRef>
-      </dsp:style>
-      <dsp:txBody>
-        <a:bodyPr spcFirstLastPara="0" vert="horz" wrap="square" lIns="57150" tIns="57150" rIns="57150" bIns="57150" numCol="1" spcCol="1270" anchor="ctr" anchorCtr="0">
-          <a:noAutofit/>
-        </a:bodyPr>
-        <a:lstStyle/>
-        <a:p>
-          <a:pPr lvl="0" algn="l" defTabSz="666750" rtl="0">
-            <a:lnSpc>
-              <a:spcPct val="90000"/>
-            </a:lnSpc>
-            <a:spcBef>
-              <a:spcPct val="0"/>
-            </a:spcBef>
-            <a:spcAft>
-              <a:spcPct val="35000"/>
-            </a:spcAft>
-          </a:pPr>
-          <a:r>
-            <a:rPr lang="en-US" sz="1500" kern="1200" smtClean="0"/>
-            <a:t>Can it easily support templating of config files?</a:t>
-          </a:r>
-          <a:endParaRPr lang="en-US" sz="1500" kern="1200"/>
-        </a:p>
-      </dsp:txBody>
-      <dsp:txXfrm>
-        <a:off x="33479" y="3771040"/>
-        <a:ext cx="8690561" cy="618863"/>
-      </dsp:txXfrm>
-    </dsp:sp>
-    <dsp:sp modelId="{0DFDED43-A775-412C-B8E4-6FE80235FB06}">
-      <dsp:nvSpPr>
-        <dsp:cNvPr id="0" name=""/>
-        <dsp:cNvSpPr/>
-      </dsp:nvSpPr>
-      <dsp:spPr>
-        <a:xfrm>
-          <a:off x="0" y="4466582"/>
-          <a:ext cx="8757519" cy="685821"/>
-        </a:xfrm>
-        <a:prstGeom prst="roundRect">
-          <a:avLst/>
-        </a:prstGeom>
-        <a:gradFill rotWithShape="0">
-          <a:gsLst>
-            <a:gs pos="0">
-              <a:schemeClr val="accent1">
-                <a:hueOff val="0"/>
-                <a:satOff val="0"/>
-                <a:lumOff val="0"/>
-                <a:alphaOff val="0"/>
-                <a:tint val="50000"/>
-                <a:satMod val="300000"/>
-              </a:schemeClr>
-            </a:gs>
-            <a:gs pos="35000">
-              <a:schemeClr val="accent1">
-                <a:hueOff val="0"/>
-                <a:satOff val="0"/>
-                <a:lumOff val="0"/>
-                <a:alphaOff val="0"/>
-                <a:tint val="37000"/>
-                <a:satMod val="300000"/>
-              </a:schemeClr>
-            </a:gs>
-            <a:gs pos="100000">
-              <a:schemeClr val="accent1">
-                <a:hueOff val="0"/>
-                <a:satOff val="0"/>
-                <a:lumOff val="0"/>
-                <a:alphaOff val="0"/>
-                <a:tint val="15000"/>
-                <a:satMod val="350000"/>
-              </a:schemeClr>
-            </a:gs>
-          </a:gsLst>
-          <a:lin ang="16200000" scaled="1"/>
-        </a:gradFill>
-        <a:ln>
-          <a:noFill/>
-        </a:ln>
-        <a:effectLst>
-          <a:outerShdw blurRad="40000" dist="20000" dir="5400000" rotWithShape="0">
-            <a:srgbClr val="000000">
-              <a:alpha val="38000"/>
-            </a:srgbClr>
-          </a:outerShdw>
-        </a:effectLst>
-        <a:scene3d>
-          <a:camera prst="orthographicFront"/>
-          <a:lightRig rig="flat" dir="t"/>
-        </a:scene3d>
-        <a:sp3d prstMaterial="dkEdge">
-          <a:bevelT w="8200" h="38100"/>
-        </a:sp3d>
-      </dsp:spPr>
-      <dsp:style>
-        <a:lnRef idx="0">
-          <a:scrgbClr r="0" g="0" b="0"/>
-        </a:lnRef>
-        <a:fillRef idx="2">
-          <a:scrgbClr r="0" g="0" b="0"/>
-        </a:fillRef>
-        <a:effectRef idx="1">
-          <a:scrgbClr r="0" g="0" b="0"/>
-        </a:effectRef>
-        <a:fontRef idx="minor">
-          <a:schemeClr val="dk1"/>
-        </a:fontRef>
-      </dsp:style>
-      <dsp:txBody>
-        <a:bodyPr spcFirstLastPara="0" vert="horz" wrap="square" lIns="57150" tIns="57150" rIns="57150" bIns="57150" numCol="1" spcCol="1270" anchor="ctr" anchorCtr="0">
-          <a:noAutofit/>
-        </a:bodyPr>
-        <a:lstStyle/>
-        <a:p>
-          <a:pPr lvl="0" algn="l" defTabSz="666750" rtl="0">
-            <a:lnSpc>
-              <a:spcPct val="90000"/>
-            </a:lnSpc>
-            <a:spcBef>
-              <a:spcPct val="0"/>
-            </a:spcBef>
-            <a:spcAft>
-              <a:spcPct val="35000"/>
-            </a:spcAft>
-          </a:pPr>
-          <a:r>
-            <a:rPr lang="en-US" sz="1500" kern="1200" dirty="0" smtClean="0"/>
-            <a:t>Does your script come with all the batteries to communicate with </a:t>
-          </a:r>
-        </a:p>
-        <a:p>
-          <a:pPr lvl="0" algn="l" defTabSz="666750" rtl="0">
-            <a:lnSpc>
-              <a:spcPct val="90000"/>
-            </a:lnSpc>
-            <a:spcBef>
-              <a:spcPct val="0"/>
-            </a:spcBef>
-            <a:spcAft>
-              <a:spcPct val="35000"/>
-            </a:spcAft>
-          </a:pPr>
-          <a:r>
-            <a:rPr lang="en-US" sz="1500" kern="1200" dirty="0" smtClean="0"/>
-            <a:t>third-party tools/apps</a:t>
-          </a:r>
-          <a:endParaRPr lang="en-US" sz="1500" kern="1200" dirty="0"/>
-        </a:p>
-      </dsp:txBody>
-      <dsp:txXfrm>
-        <a:off x="33479" y="4500061"/>
-        <a:ext cx="8690561" cy="618863"/>
-      </dsp:txXfrm>
-    </dsp:sp>
   </dsp:spTree>
 </dsp:drawing>
 </file>
@@ -7534,728 +5093,6 @@
       <dsp:cNvGrpSpPr/>
     </dsp:nvGrpSpPr>
     <dsp:grpSpPr/>
-    <dsp:sp modelId="{08B52612-6559-4FD2-AF79-9C63D2FCE849}">
-      <dsp:nvSpPr>
-        <dsp:cNvPr id="0" name=""/>
-        <dsp:cNvSpPr/>
-      </dsp:nvSpPr>
-      <dsp:spPr>
-        <a:xfrm>
-          <a:off x="0" y="24999"/>
-          <a:ext cx="8110537" cy="782089"/>
-        </a:xfrm>
-        <a:prstGeom prst="roundRect">
-          <a:avLst/>
-        </a:prstGeom>
-        <a:gradFill rotWithShape="0">
-          <a:gsLst>
-            <a:gs pos="0">
-              <a:schemeClr val="accent1">
-                <a:hueOff val="0"/>
-                <a:satOff val="0"/>
-                <a:lumOff val="0"/>
-                <a:alphaOff val="0"/>
-                <a:tint val="50000"/>
-                <a:satMod val="300000"/>
-              </a:schemeClr>
-            </a:gs>
-            <a:gs pos="35000">
-              <a:schemeClr val="accent1">
-                <a:hueOff val="0"/>
-                <a:satOff val="0"/>
-                <a:lumOff val="0"/>
-                <a:alphaOff val="0"/>
-                <a:tint val="37000"/>
-                <a:satMod val="300000"/>
-              </a:schemeClr>
-            </a:gs>
-            <a:gs pos="100000">
-              <a:schemeClr val="accent1">
-                <a:hueOff val="0"/>
-                <a:satOff val="0"/>
-                <a:lumOff val="0"/>
-                <a:alphaOff val="0"/>
-                <a:tint val="15000"/>
-                <a:satMod val="350000"/>
-              </a:schemeClr>
-            </a:gs>
-          </a:gsLst>
-          <a:lin ang="16200000" scaled="1"/>
-        </a:gradFill>
-        <a:ln>
-          <a:noFill/>
-        </a:ln>
-        <a:effectLst>
-          <a:outerShdw blurRad="40000" dist="20000" dir="5400000" rotWithShape="0">
-            <a:srgbClr val="000000">
-              <a:alpha val="38000"/>
-            </a:srgbClr>
-          </a:outerShdw>
-        </a:effectLst>
-        <a:scene3d>
-          <a:camera prst="orthographicFront"/>
-          <a:lightRig rig="flat" dir="t"/>
-        </a:scene3d>
-        <a:sp3d prstMaterial="dkEdge">
-          <a:bevelT w="8200" h="38100"/>
-        </a:sp3d>
-      </dsp:spPr>
-      <dsp:style>
-        <a:lnRef idx="0">
-          <a:scrgbClr r="0" g="0" b="0"/>
-        </a:lnRef>
-        <a:fillRef idx="2">
-          <a:scrgbClr r="0" g="0" b="0"/>
-        </a:fillRef>
-        <a:effectRef idx="1">
-          <a:scrgbClr r="0" g="0" b="0"/>
-        </a:effectRef>
-        <a:fontRef idx="minor">
-          <a:schemeClr val="dk1"/>
-        </a:fontRef>
-      </dsp:style>
-      <dsp:txBody>
-        <a:bodyPr spcFirstLastPara="0" vert="horz" wrap="square" lIns="53340" tIns="53340" rIns="53340" bIns="53340" numCol="1" spcCol="1270" anchor="ctr" anchorCtr="0">
-          <a:noAutofit/>
-        </a:bodyPr>
-        <a:lstStyle/>
-        <a:p>
-          <a:pPr lvl="0" algn="l" defTabSz="622300" rtl="0">
-            <a:lnSpc>
-              <a:spcPct val="90000"/>
-            </a:lnSpc>
-            <a:spcBef>
-              <a:spcPct val="0"/>
-            </a:spcBef>
-            <a:spcAft>
-              <a:spcPct val="35000"/>
-            </a:spcAft>
-          </a:pPr>
-          <a:r>
-            <a:rPr lang="en-US" sz="1400" kern="1200" dirty="0" smtClean="0"/>
-            <a:t>Not using Roles or Includes and making non-reusable large play books.</a:t>
-          </a:r>
-          <a:endParaRPr lang="en-US" sz="1400" kern="1200" dirty="0"/>
-        </a:p>
-      </dsp:txBody>
-      <dsp:txXfrm>
-        <a:off x="38178" y="63177"/>
-        <a:ext cx="8034181" cy="705733"/>
-      </dsp:txXfrm>
-    </dsp:sp>
-    <dsp:sp modelId="{FD993081-0AE2-4D58-9A69-91F061FF0257}">
-      <dsp:nvSpPr>
-        <dsp:cNvPr id="0" name=""/>
-        <dsp:cNvSpPr/>
-      </dsp:nvSpPr>
-      <dsp:spPr>
-        <a:xfrm>
-          <a:off x="0" y="847408"/>
-          <a:ext cx="8110537" cy="782089"/>
-        </a:xfrm>
-        <a:prstGeom prst="roundRect">
-          <a:avLst/>
-        </a:prstGeom>
-        <a:gradFill rotWithShape="0">
-          <a:gsLst>
-            <a:gs pos="0">
-              <a:schemeClr val="accent1">
-                <a:hueOff val="0"/>
-                <a:satOff val="0"/>
-                <a:lumOff val="0"/>
-                <a:alphaOff val="0"/>
-                <a:tint val="50000"/>
-                <a:satMod val="300000"/>
-              </a:schemeClr>
-            </a:gs>
-            <a:gs pos="35000">
-              <a:schemeClr val="accent1">
-                <a:hueOff val="0"/>
-                <a:satOff val="0"/>
-                <a:lumOff val="0"/>
-                <a:alphaOff val="0"/>
-                <a:tint val="37000"/>
-                <a:satMod val="300000"/>
-              </a:schemeClr>
-            </a:gs>
-            <a:gs pos="100000">
-              <a:schemeClr val="accent1">
-                <a:hueOff val="0"/>
-                <a:satOff val="0"/>
-                <a:lumOff val="0"/>
-                <a:alphaOff val="0"/>
-                <a:tint val="15000"/>
-                <a:satMod val="350000"/>
-              </a:schemeClr>
-            </a:gs>
-          </a:gsLst>
-          <a:lin ang="16200000" scaled="1"/>
-        </a:gradFill>
-        <a:ln>
-          <a:noFill/>
-        </a:ln>
-        <a:effectLst>
-          <a:outerShdw blurRad="40000" dist="20000" dir="5400000" rotWithShape="0">
-            <a:srgbClr val="000000">
-              <a:alpha val="38000"/>
-            </a:srgbClr>
-          </a:outerShdw>
-        </a:effectLst>
-        <a:scene3d>
-          <a:camera prst="orthographicFront"/>
-          <a:lightRig rig="flat" dir="t"/>
-        </a:scene3d>
-        <a:sp3d prstMaterial="dkEdge">
-          <a:bevelT w="8200" h="38100"/>
-        </a:sp3d>
-      </dsp:spPr>
-      <dsp:style>
-        <a:lnRef idx="0">
-          <a:scrgbClr r="0" g="0" b="0"/>
-        </a:lnRef>
-        <a:fillRef idx="2">
-          <a:scrgbClr r="0" g="0" b="0"/>
-        </a:fillRef>
-        <a:effectRef idx="1">
-          <a:scrgbClr r="0" g="0" b="0"/>
-        </a:effectRef>
-        <a:fontRef idx="minor">
-          <a:schemeClr val="dk1"/>
-        </a:fontRef>
-      </dsp:style>
-      <dsp:txBody>
-        <a:bodyPr spcFirstLastPara="0" vert="horz" wrap="square" lIns="53340" tIns="53340" rIns="53340" bIns="53340" numCol="1" spcCol="1270" anchor="ctr" anchorCtr="0">
-          <a:noAutofit/>
-        </a:bodyPr>
-        <a:lstStyle/>
-        <a:p>
-          <a:pPr lvl="0" algn="l" defTabSz="622300" rtl="0">
-            <a:lnSpc>
-              <a:spcPct val="90000"/>
-            </a:lnSpc>
-            <a:spcBef>
-              <a:spcPct val="0"/>
-            </a:spcBef>
-            <a:spcAft>
-              <a:spcPct val="35000"/>
-            </a:spcAft>
-          </a:pPr>
-          <a:r>
-            <a:rPr lang="en-US" sz="1400" kern="1200" dirty="0" smtClean="0"/>
-            <a:t>No Higher level platform abstraction. Ubuntu VS </a:t>
-          </a:r>
-          <a:r>
-            <a:rPr lang="en-US" sz="1400" kern="1200" dirty="0" err="1" smtClean="0"/>
-            <a:t>Redhat</a:t>
-          </a:r>
-          <a:r>
-            <a:rPr lang="en-US" sz="1400" kern="1200" dirty="0" smtClean="0"/>
-            <a:t> </a:t>
-          </a:r>
-          <a:r>
-            <a:rPr lang="en-US" sz="1400" kern="1200" dirty="0" err="1" smtClean="0"/>
-            <a:t>etc</a:t>
-          </a:r>
-          <a:r>
-            <a:rPr lang="en-US" sz="1400" kern="1200" dirty="0" smtClean="0"/>
-            <a:t>… Or monitoring </a:t>
-          </a:r>
-          <a:r>
-            <a:rPr lang="en-US" sz="1400" kern="1200" dirty="0" err="1" smtClean="0"/>
-            <a:t>ansible</a:t>
-          </a:r>
-          <a:r>
-            <a:rPr lang="en-US" sz="1400" kern="1200" dirty="0" smtClean="0"/>
-            <a:t> tasks, failures </a:t>
-          </a:r>
-          <a:r>
-            <a:rPr lang="en-US" sz="1400" kern="1200" dirty="0" err="1" smtClean="0"/>
-            <a:t>etc</a:t>
-          </a:r>
-          <a:r>
-            <a:rPr lang="en-US" sz="1400" kern="1200" dirty="0" smtClean="0"/>
-            <a:t>… expect with other tools tower, </a:t>
-          </a:r>
-          <a:r>
-            <a:rPr lang="en-US" sz="1400" kern="1200" dirty="0" err="1" smtClean="0"/>
-            <a:t>datadog</a:t>
-          </a:r>
-          <a:r>
-            <a:rPr lang="en-US" sz="1400" kern="1200" dirty="0" smtClean="0"/>
-            <a:t> </a:t>
-          </a:r>
-          <a:r>
-            <a:rPr lang="en-US" sz="1400" kern="1200" dirty="0" err="1" smtClean="0"/>
-            <a:t>etc</a:t>
-          </a:r>
-          <a:r>
-            <a:rPr lang="en-US" sz="1400" kern="1200" dirty="0" smtClean="0"/>
-            <a:t>…</a:t>
-          </a:r>
-          <a:endParaRPr lang="en-US" sz="1400" kern="1200" dirty="0"/>
-        </a:p>
-      </dsp:txBody>
-      <dsp:txXfrm>
-        <a:off x="38178" y="885586"/>
-        <a:ext cx="8034181" cy="705733"/>
-      </dsp:txXfrm>
-    </dsp:sp>
-    <dsp:sp modelId="{6DC3C637-03BE-496F-81F5-C65F92D2FB94}">
-      <dsp:nvSpPr>
-        <dsp:cNvPr id="0" name=""/>
-        <dsp:cNvSpPr/>
-      </dsp:nvSpPr>
-      <dsp:spPr>
-        <a:xfrm>
-          <a:off x="0" y="1669817"/>
-          <a:ext cx="8110537" cy="782089"/>
-        </a:xfrm>
-        <a:prstGeom prst="roundRect">
-          <a:avLst/>
-        </a:prstGeom>
-        <a:gradFill rotWithShape="0">
-          <a:gsLst>
-            <a:gs pos="0">
-              <a:schemeClr val="accent1">
-                <a:hueOff val="0"/>
-                <a:satOff val="0"/>
-                <a:lumOff val="0"/>
-                <a:alphaOff val="0"/>
-                <a:tint val="50000"/>
-                <a:satMod val="300000"/>
-              </a:schemeClr>
-            </a:gs>
-            <a:gs pos="35000">
-              <a:schemeClr val="accent1">
-                <a:hueOff val="0"/>
-                <a:satOff val="0"/>
-                <a:lumOff val="0"/>
-                <a:alphaOff val="0"/>
-                <a:tint val="37000"/>
-                <a:satMod val="300000"/>
-              </a:schemeClr>
-            </a:gs>
-            <a:gs pos="100000">
-              <a:schemeClr val="accent1">
-                <a:hueOff val="0"/>
-                <a:satOff val="0"/>
-                <a:lumOff val="0"/>
-                <a:alphaOff val="0"/>
-                <a:tint val="15000"/>
-                <a:satMod val="350000"/>
-              </a:schemeClr>
-            </a:gs>
-          </a:gsLst>
-          <a:lin ang="16200000" scaled="1"/>
-        </a:gradFill>
-        <a:ln>
-          <a:noFill/>
-        </a:ln>
-        <a:effectLst>
-          <a:outerShdw blurRad="40000" dist="20000" dir="5400000" rotWithShape="0">
-            <a:srgbClr val="000000">
-              <a:alpha val="38000"/>
-            </a:srgbClr>
-          </a:outerShdw>
-        </a:effectLst>
-        <a:scene3d>
-          <a:camera prst="orthographicFront"/>
-          <a:lightRig rig="flat" dir="t"/>
-        </a:scene3d>
-        <a:sp3d prstMaterial="dkEdge">
-          <a:bevelT w="8200" h="38100"/>
-        </a:sp3d>
-      </dsp:spPr>
-      <dsp:style>
-        <a:lnRef idx="0">
-          <a:scrgbClr r="0" g="0" b="0"/>
-        </a:lnRef>
-        <a:fillRef idx="2">
-          <a:scrgbClr r="0" g="0" b="0"/>
-        </a:fillRef>
-        <a:effectRef idx="1">
-          <a:scrgbClr r="0" g="0" b="0"/>
-        </a:effectRef>
-        <a:fontRef idx="minor">
-          <a:schemeClr val="dk1"/>
-        </a:fontRef>
-      </dsp:style>
-      <dsp:txBody>
-        <a:bodyPr spcFirstLastPara="0" vert="horz" wrap="square" lIns="53340" tIns="53340" rIns="53340" bIns="53340" numCol="1" spcCol="1270" anchor="ctr" anchorCtr="0">
-          <a:noAutofit/>
-        </a:bodyPr>
-        <a:lstStyle/>
-        <a:p>
-          <a:pPr lvl="0" algn="l" defTabSz="622300" rtl="0">
-            <a:lnSpc>
-              <a:spcPct val="90000"/>
-            </a:lnSpc>
-            <a:spcBef>
-              <a:spcPct val="0"/>
-            </a:spcBef>
-            <a:spcAft>
-              <a:spcPct val="35000"/>
-            </a:spcAft>
-          </a:pPr>
-          <a:r>
-            <a:rPr lang="en-US" sz="1400" kern="1200" dirty="0" err="1" smtClean="0"/>
-            <a:t>Ansible</a:t>
-          </a:r>
-          <a:r>
-            <a:rPr lang="en-US" sz="1400" kern="1200" dirty="0" smtClean="0"/>
-            <a:t> is easy to get up and running BUT creating shared reusable roles is not easy and can become messy if a process is not established. For complex tasks you will need conditional logic, variables, modules, functions etc..</a:t>
-          </a:r>
-          <a:endParaRPr lang="en-US" sz="1400" kern="1200" dirty="0"/>
-        </a:p>
-      </dsp:txBody>
-      <dsp:txXfrm>
-        <a:off x="38178" y="1707995"/>
-        <a:ext cx="8034181" cy="705733"/>
-      </dsp:txXfrm>
-    </dsp:sp>
-    <dsp:sp modelId="{C41982EE-5F37-48F3-8714-43DAAFC4CC10}">
-      <dsp:nvSpPr>
-        <dsp:cNvPr id="0" name=""/>
-        <dsp:cNvSpPr/>
-      </dsp:nvSpPr>
-      <dsp:spPr>
-        <a:xfrm>
-          <a:off x="0" y="2492227"/>
-          <a:ext cx="8110537" cy="782089"/>
-        </a:xfrm>
-        <a:prstGeom prst="roundRect">
-          <a:avLst/>
-        </a:prstGeom>
-        <a:gradFill rotWithShape="0">
-          <a:gsLst>
-            <a:gs pos="0">
-              <a:schemeClr val="accent1">
-                <a:hueOff val="0"/>
-                <a:satOff val="0"/>
-                <a:lumOff val="0"/>
-                <a:alphaOff val="0"/>
-                <a:tint val="50000"/>
-                <a:satMod val="300000"/>
-              </a:schemeClr>
-            </a:gs>
-            <a:gs pos="35000">
-              <a:schemeClr val="accent1">
-                <a:hueOff val="0"/>
-                <a:satOff val="0"/>
-                <a:lumOff val="0"/>
-                <a:alphaOff val="0"/>
-                <a:tint val="37000"/>
-                <a:satMod val="300000"/>
-              </a:schemeClr>
-            </a:gs>
-            <a:gs pos="100000">
-              <a:schemeClr val="accent1">
-                <a:hueOff val="0"/>
-                <a:satOff val="0"/>
-                <a:lumOff val="0"/>
-                <a:alphaOff val="0"/>
-                <a:tint val="15000"/>
-                <a:satMod val="350000"/>
-              </a:schemeClr>
-            </a:gs>
-          </a:gsLst>
-          <a:lin ang="16200000" scaled="1"/>
-        </a:gradFill>
-        <a:ln>
-          <a:noFill/>
-        </a:ln>
-        <a:effectLst>
-          <a:outerShdw blurRad="40000" dist="20000" dir="5400000" rotWithShape="0">
-            <a:srgbClr val="000000">
-              <a:alpha val="38000"/>
-            </a:srgbClr>
-          </a:outerShdw>
-        </a:effectLst>
-        <a:scene3d>
-          <a:camera prst="orthographicFront"/>
-          <a:lightRig rig="flat" dir="t"/>
-        </a:scene3d>
-        <a:sp3d prstMaterial="dkEdge">
-          <a:bevelT w="8200" h="38100"/>
-        </a:sp3d>
-      </dsp:spPr>
-      <dsp:style>
-        <a:lnRef idx="0">
-          <a:scrgbClr r="0" g="0" b="0"/>
-        </a:lnRef>
-        <a:fillRef idx="2">
-          <a:scrgbClr r="0" g="0" b="0"/>
-        </a:fillRef>
-        <a:effectRef idx="1">
-          <a:scrgbClr r="0" g="0" b="0"/>
-        </a:effectRef>
-        <a:fontRef idx="minor">
-          <a:schemeClr val="dk1"/>
-        </a:fontRef>
-      </dsp:style>
-      <dsp:txBody>
-        <a:bodyPr spcFirstLastPara="0" vert="horz" wrap="square" lIns="53340" tIns="53340" rIns="53340" bIns="53340" numCol="1" spcCol="1270" anchor="ctr" anchorCtr="0">
-          <a:noAutofit/>
-        </a:bodyPr>
-        <a:lstStyle/>
-        <a:p>
-          <a:pPr lvl="0" algn="l" defTabSz="622300" rtl="0">
-            <a:lnSpc>
-              <a:spcPct val="90000"/>
-            </a:lnSpc>
-            <a:spcBef>
-              <a:spcPct val="0"/>
-            </a:spcBef>
-            <a:spcAft>
-              <a:spcPct val="35000"/>
-            </a:spcAft>
-          </a:pPr>
-          <a:r>
-            <a:rPr lang="en-US" sz="1400" kern="1200" dirty="0" smtClean="0"/>
-            <a:t>Not Using Version Control, Roles, TAGS and not using vault for password management and uploading sensitive information to repositories.</a:t>
-          </a:r>
-          <a:endParaRPr lang="en-US" sz="1400" kern="1200" dirty="0"/>
-        </a:p>
-      </dsp:txBody>
-      <dsp:txXfrm>
-        <a:off x="38178" y="2530405"/>
-        <a:ext cx="8034181" cy="705733"/>
-      </dsp:txXfrm>
-    </dsp:sp>
-    <dsp:sp modelId="{78456A97-D2E4-40BA-950E-1AA2CD2D1324}">
-      <dsp:nvSpPr>
-        <dsp:cNvPr id="0" name=""/>
-        <dsp:cNvSpPr/>
-      </dsp:nvSpPr>
-      <dsp:spPr>
-        <a:xfrm>
-          <a:off x="0" y="3314636"/>
-          <a:ext cx="8110537" cy="782089"/>
-        </a:xfrm>
-        <a:prstGeom prst="roundRect">
-          <a:avLst/>
-        </a:prstGeom>
-        <a:gradFill rotWithShape="0">
-          <a:gsLst>
-            <a:gs pos="0">
-              <a:schemeClr val="accent1">
-                <a:hueOff val="0"/>
-                <a:satOff val="0"/>
-                <a:lumOff val="0"/>
-                <a:alphaOff val="0"/>
-                <a:tint val="50000"/>
-                <a:satMod val="300000"/>
-              </a:schemeClr>
-            </a:gs>
-            <a:gs pos="35000">
-              <a:schemeClr val="accent1">
-                <a:hueOff val="0"/>
-                <a:satOff val="0"/>
-                <a:lumOff val="0"/>
-                <a:alphaOff val="0"/>
-                <a:tint val="37000"/>
-                <a:satMod val="300000"/>
-              </a:schemeClr>
-            </a:gs>
-            <a:gs pos="100000">
-              <a:schemeClr val="accent1">
-                <a:hueOff val="0"/>
-                <a:satOff val="0"/>
-                <a:lumOff val="0"/>
-                <a:alphaOff val="0"/>
-                <a:tint val="15000"/>
-                <a:satMod val="350000"/>
-              </a:schemeClr>
-            </a:gs>
-          </a:gsLst>
-          <a:lin ang="16200000" scaled="1"/>
-        </a:gradFill>
-        <a:ln>
-          <a:noFill/>
-        </a:ln>
-        <a:effectLst>
-          <a:outerShdw blurRad="40000" dist="20000" dir="5400000" rotWithShape="0">
-            <a:srgbClr val="000000">
-              <a:alpha val="38000"/>
-            </a:srgbClr>
-          </a:outerShdw>
-        </a:effectLst>
-        <a:scene3d>
-          <a:camera prst="orthographicFront"/>
-          <a:lightRig rig="flat" dir="t"/>
-        </a:scene3d>
-        <a:sp3d prstMaterial="dkEdge">
-          <a:bevelT w="8200" h="38100"/>
-        </a:sp3d>
-      </dsp:spPr>
-      <dsp:style>
-        <a:lnRef idx="0">
-          <a:scrgbClr r="0" g="0" b="0"/>
-        </a:lnRef>
-        <a:fillRef idx="2">
-          <a:scrgbClr r="0" g="0" b="0"/>
-        </a:fillRef>
-        <a:effectRef idx="1">
-          <a:scrgbClr r="0" g="0" b="0"/>
-        </a:effectRef>
-        <a:fontRef idx="minor">
-          <a:schemeClr val="dk1"/>
-        </a:fontRef>
-      </dsp:style>
-      <dsp:txBody>
-        <a:bodyPr spcFirstLastPara="0" vert="horz" wrap="square" lIns="53340" tIns="53340" rIns="53340" bIns="53340" numCol="1" spcCol="1270" anchor="ctr" anchorCtr="0">
-          <a:noAutofit/>
-        </a:bodyPr>
-        <a:lstStyle/>
-        <a:p>
-          <a:pPr lvl="0" algn="l" defTabSz="622300" rtl="0">
-            <a:lnSpc>
-              <a:spcPct val="90000"/>
-            </a:lnSpc>
-            <a:spcBef>
-              <a:spcPct val="0"/>
-            </a:spcBef>
-            <a:spcAft>
-              <a:spcPct val="35000"/>
-            </a:spcAft>
-          </a:pPr>
-          <a:r>
-            <a:rPr lang="en-US" sz="1400" kern="1200" dirty="0" smtClean="0"/>
-            <a:t>Resorting to calling </a:t>
-          </a:r>
-          <a:r>
-            <a:rPr lang="en-US" sz="1400" kern="1200" dirty="0" err="1" smtClean="0"/>
-            <a:t>Ansible</a:t>
-          </a:r>
-          <a:r>
-            <a:rPr lang="en-US" sz="1400" kern="1200" dirty="0" smtClean="0"/>
-            <a:t> Scripts/Commands from </a:t>
-          </a:r>
-          <a:r>
-            <a:rPr lang="en-US" sz="1400" kern="1200" dirty="0" err="1" smtClean="0"/>
-            <a:t>Ansible</a:t>
-          </a:r>
-          <a:r>
-            <a:rPr lang="en-US" sz="1400" kern="1200" dirty="0" smtClean="0"/>
-            <a:t> and making them non-idempotent (run many times and nothing will change)	</a:t>
-          </a:r>
-          <a:endParaRPr lang="en-US" sz="1400" kern="1200" dirty="0"/>
-        </a:p>
-      </dsp:txBody>
-      <dsp:txXfrm>
-        <a:off x="38178" y="3352814"/>
-        <a:ext cx="8034181" cy="705733"/>
-      </dsp:txXfrm>
-    </dsp:sp>
-    <dsp:sp modelId="{8F024302-9531-499C-8EFD-686CC4FD2E85}">
-      <dsp:nvSpPr>
-        <dsp:cNvPr id="0" name=""/>
-        <dsp:cNvSpPr/>
-      </dsp:nvSpPr>
-      <dsp:spPr>
-        <a:xfrm>
-          <a:off x="0" y="4137045"/>
-          <a:ext cx="8110537" cy="782089"/>
-        </a:xfrm>
-        <a:prstGeom prst="roundRect">
-          <a:avLst/>
-        </a:prstGeom>
-        <a:gradFill rotWithShape="0">
-          <a:gsLst>
-            <a:gs pos="0">
-              <a:schemeClr val="accent1">
-                <a:hueOff val="0"/>
-                <a:satOff val="0"/>
-                <a:lumOff val="0"/>
-                <a:alphaOff val="0"/>
-                <a:tint val="50000"/>
-                <a:satMod val="300000"/>
-              </a:schemeClr>
-            </a:gs>
-            <a:gs pos="35000">
-              <a:schemeClr val="accent1">
-                <a:hueOff val="0"/>
-                <a:satOff val="0"/>
-                <a:lumOff val="0"/>
-                <a:alphaOff val="0"/>
-                <a:tint val="37000"/>
-                <a:satMod val="300000"/>
-              </a:schemeClr>
-            </a:gs>
-            <a:gs pos="100000">
-              <a:schemeClr val="accent1">
-                <a:hueOff val="0"/>
-                <a:satOff val="0"/>
-                <a:lumOff val="0"/>
-                <a:alphaOff val="0"/>
-                <a:tint val="15000"/>
-                <a:satMod val="350000"/>
-              </a:schemeClr>
-            </a:gs>
-          </a:gsLst>
-          <a:lin ang="16200000" scaled="1"/>
-        </a:gradFill>
-        <a:ln>
-          <a:noFill/>
-        </a:ln>
-        <a:effectLst>
-          <a:outerShdw blurRad="40000" dist="20000" dir="5400000" rotWithShape="0">
-            <a:srgbClr val="000000">
-              <a:alpha val="38000"/>
-            </a:srgbClr>
-          </a:outerShdw>
-        </a:effectLst>
-        <a:scene3d>
-          <a:camera prst="orthographicFront"/>
-          <a:lightRig rig="flat" dir="t"/>
-        </a:scene3d>
-        <a:sp3d prstMaterial="dkEdge">
-          <a:bevelT w="8200" h="38100"/>
-        </a:sp3d>
-      </dsp:spPr>
-      <dsp:style>
-        <a:lnRef idx="0">
-          <a:scrgbClr r="0" g="0" b="0"/>
-        </a:lnRef>
-        <a:fillRef idx="2">
-          <a:scrgbClr r="0" g="0" b="0"/>
-        </a:fillRef>
-        <a:effectRef idx="1">
-          <a:scrgbClr r="0" g="0" b="0"/>
-        </a:effectRef>
-        <a:fontRef idx="minor">
-          <a:schemeClr val="dk1"/>
-        </a:fontRef>
-      </dsp:style>
-      <dsp:txBody>
-        <a:bodyPr spcFirstLastPara="0" vert="horz" wrap="square" lIns="53340" tIns="53340" rIns="53340" bIns="53340" numCol="1" spcCol="1270" anchor="ctr" anchorCtr="0">
-          <a:noAutofit/>
-        </a:bodyPr>
-        <a:lstStyle/>
-        <a:p>
-          <a:pPr lvl="0" algn="l" defTabSz="622300">
-            <a:lnSpc>
-              <a:spcPct val="90000"/>
-            </a:lnSpc>
-            <a:spcBef>
-              <a:spcPct val="0"/>
-            </a:spcBef>
-            <a:spcAft>
-              <a:spcPct val="35000"/>
-            </a:spcAft>
-          </a:pPr>
-          <a:r>
-            <a:rPr lang="en-US" sz="1400" kern="1200" dirty="0" smtClean="0"/>
-            <a:t>Rollback &amp; Push method but….</a:t>
-          </a:r>
-          <a:endParaRPr lang="en-US" sz="1400" kern="1200" dirty="0"/>
-        </a:p>
-      </dsp:txBody>
-      <dsp:txXfrm>
-        <a:off x="38178" y="4175223"/>
-        <a:ext cx="8034181" cy="705733"/>
-      </dsp:txXfrm>
-    </dsp:sp>
   </dsp:spTree>
 </dsp:drawing>
 </file>
@@ -13240,17 +10077,17 @@
           </a:ln>
           <a:extLst>
             <a:ext uri="{FAA26D3D-D897-4be2-8F04-BA451C77F1D7}">
-              <ma14:placeholderFlag xmlns:ma14="http://schemas.microsoft.com/office/mac/drawingml/2011/main" xmlns="" val="1"/>
+              <ma14:placeholderFlag xmlns="" xmlns:ma14="http://schemas.microsoft.com/office/mac/drawingml/2011/main" val="1"/>
             </a:ext>
             <a:ext uri="{909E8E84-426E-40dd-AFC4-6F175D3DCCD1}">
-              <a14:hiddenFill xmlns="" xmlns:a14="http://schemas.microsoft.com/office/drawing/2010/main">
+              <a14:hiddenFill xmlns:a14="http://schemas.microsoft.com/office/drawing/2010/main" xmlns="">
                 <a:solidFill>
                   <a:srgbClr val="FFFFFF"/>
                 </a:solidFill>
               </a14:hiddenFill>
             </a:ext>
             <a:ext uri="{91240B29-F687-4f45-9708-019B960494DF}">
-              <a14:hiddenLine xmlns="" xmlns:a14="http://schemas.microsoft.com/office/drawing/2010/main" w="9525">
+              <a14:hiddenLine xmlns:a14="http://schemas.microsoft.com/office/drawing/2010/main" xmlns="" w="9525">
                 <a:solidFill>
                   <a:srgbClr val="000000"/>
                 </a:solidFill>
@@ -13307,14 +10144,14 @@
           </a:ln>
           <a:extLst>
             <a:ext uri="{909E8E84-426E-40dd-AFC4-6F175D3DCCD1}">
-              <a14:hiddenFill xmlns="" xmlns:a14="http://schemas.microsoft.com/office/drawing/2010/main">
+              <a14:hiddenFill xmlns:a14="http://schemas.microsoft.com/office/drawing/2010/main" xmlns="">
                 <a:solidFill>
                   <a:srgbClr val="FFFFFF"/>
                 </a:solidFill>
               </a14:hiddenFill>
             </a:ext>
             <a:ext uri="{91240B29-F687-4f45-9708-019B960494DF}">
-              <a14:hiddenLine xmlns="" xmlns:a14="http://schemas.microsoft.com/office/drawing/2010/main" w="9525">
+              <a14:hiddenLine xmlns:a14="http://schemas.microsoft.com/office/drawing/2010/main" xmlns="" w="9525">
                 <a:solidFill>
                   <a:srgbClr val="000000"/>
                 </a:solidFill>
@@ -13340,7 +10177,7 @@
             <a:fld id="{ED7E7575-B5D5-8349-8ED2-5AC6D7AF8B10}" type="datetimeFigureOut">
               <a:rPr lang="fr-FR" altLang="en-US"/>
               <a:pPr/>
-              <a:t>07/03/2016</a:t>
+              <a:t>09/03/2016</a:t>
             </a:fld>
             <a:endParaRPr lang="fr-FR" altLang="en-US"/>
           </a:p>
@@ -13370,17 +10207,17 @@
           </a:ln>
           <a:extLst>
             <a:ext uri="{FAA26D3D-D897-4be2-8F04-BA451C77F1D7}">
-              <ma14:placeholderFlag xmlns:ma14="http://schemas.microsoft.com/office/mac/drawingml/2011/main" xmlns="" val="1"/>
+              <ma14:placeholderFlag xmlns="" xmlns:ma14="http://schemas.microsoft.com/office/mac/drawingml/2011/main" val="1"/>
             </a:ext>
             <a:ext uri="{909E8E84-426E-40dd-AFC4-6F175D3DCCD1}">
-              <a14:hiddenFill xmlns="" xmlns:a14="http://schemas.microsoft.com/office/drawing/2010/main">
+              <a14:hiddenFill xmlns:a14="http://schemas.microsoft.com/office/drawing/2010/main" xmlns="">
                 <a:solidFill>
                   <a:srgbClr val="FFFFFF"/>
                 </a:solidFill>
               </a14:hiddenFill>
             </a:ext>
             <a:ext uri="{91240B29-F687-4f45-9708-019B960494DF}">
-              <a14:hiddenLine xmlns="" xmlns:a14="http://schemas.microsoft.com/office/drawing/2010/main" w="9525">
+              <a14:hiddenLine xmlns:a14="http://schemas.microsoft.com/office/drawing/2010/main" xmlns="" w="9525">
                 <a:solidFill>
                   <a:srgbClr val="000000"/>
                 </a:solidFill>
@@ -13437,14 +10274,14 @@
           </a:ln>
           <a:extLst>
             <a:ext uri="{909E8E84-426E-40dd-AFC4-6F175D3DCCD1}">
-              <a14:hiddenFill xmlns="" xmlns:a14="http://schemas.microsoft.com/office/drawing/2010/main">
+              <a14:hiddenFill xmlns:a14="http://schemas.microsoft.com/office/drawing/2010/main" xmlns="">
                 <a:solidFill>
                   <a:srgbClr val="FFFFFF"/>
                 </a:solidFill>
               </a14:hiddenFill>
             </a:ext>
             <a:ext uri="{91240B29-F687-4f45-9708-019B960494DF}">
-              <a14:hiddenLine xmlns="" xmlns:a14="http://schemas.microsoft.com/office/drawing/2010/main" w="9525">
+              <a14:hiddenLine xmlns:a14="http://schemas.microsoft.com/office/drawing/2010/main" xmlns="" w="9525">
                 <a:solidFill>
                   <a:srgbClr val="000000"/>
                 </a:solidFill>
@@ -13534,17 +10371,17 @@
           </a:ln>
           <a:extLst>
             <a:ext uri="{FAA26D3D-D897-4be2-8F04-BA451C77F1D7}">
-              <ma14:placeholderFlag xmlns:ma14="http://schemas.microsoft.com/office/mac/drawingml/2011/main" xmlns="" val="1"/>
+              <ma14:placeholderFlag xmlns="" xmlns:ma14="http://schemas.microsoft.com/office/mac/drawingml/2011/main" val="1"/>
             </a:ext>
             <a:ext uri="{909E8E84-426E-40dd-AFC4-6F175D3DCCD1}">
-              <a14:hiddenFill xmlns="" xmlns:a14="http://schemas.microsoft.com/office/drawing/2010/main">
+              <a14:hiddenFill xmlns:a14="http://schemas.microsoft.com/office/drawing/2010/main" xmlns="">
                 <a:solidFill>
                   <a:srgbClr val="FFFFFF"/>
                 </a:solidFill>
               </a14:hiddenFill>
             </a:ext>
             <a:ext uri="{91240B29-F687-4f45-9708-019B960494DF}">
-              <a14:hiddenLine xmlns="" xmlns:a14="http://schemas.microsoft.com/office/drawing/2010/main" w="9525">
+              <a14:hiddenLine xmlns:a14="http://schemas.microsoft.com/office/drawing/2010/main" xmlns="" w="9525">
                 <a:solidFill>
                   <a:srgbClr val="000000"/>
                 </a:solidFill>
@@ -13601,17 +10438,17 @@
           </a:ln>
           <a:extLst>
             <a:ext uri="{FAA26D3D-D897-4be2-8F04-BA451C77F1D7}">
-              <ma14:placeholderFlag xmlns:ma14="http://schemas.microsoft.com/office/mac/drawingml/2011/main" xmlns="" val="1"/>
+              <ma14:placeholderFlag xmlns="" xmlns:ma14="http://schemas.microsoft.com/office/mac/drawingml/2011/main" val="1"/>
             </a:ext>
             <a:ext uri="{909E8E84-426E-40dd-AFC4-6F175D3DCCD1}">
-              <a14:hiddenFill xmlns="" xmlns:a14="http://schemas.microsoft.com/office/drawing/2010/main">
+              <a14:hiddenFill xmlns:a14="http://schemas.microsoft.com/office/drawing/2010/main" xmlns="">
                 <a:solidFill>
                   <a:srgbClr val="FFFFFF"/>
                 </a:solidFill>
               </a14:hiddenFill>
             </a:ext>
             <a:ext uri="{91240B29-F687-4f45-9708-019B960494DF}">
-              <a14:hiddenLine xmlns="" xmlns:a14="http://schemas.microsoft.com/office/drawing/2010/main" w="9525">
+              <a14:hiddenLine xmlns:a14="http://schemas.microsoft.com/office/drawing/2010/main" xmlns="" w="9525">
                 <a:solidFill>
                   <a:srgbClr val="000000"/>
                 </a:solidFill>
@@ -13637,7 +10474,7 @@
             <a:fld id="{C35F7219-C2CE-EB47-B2AC-109A38A28CCF}" type="datetimeFigureOut">
               <a:rPr lang="en-US" altLang="en-US"/>
               <a:pPr/>
-              <a:t>3/7/2016</a:t>
+              <a:t>3/9/2016</a:t>
             </a:fld>
             <a:endParaRPr lang="en-US" altLang="en-US"/>
           </a:p>
@@ -13672,10 +10509,10 @@
           </a:ln>
           <a:extLst>
             <a:ext uri="{FAA26D3D-D897-4be2-8F04-BA451C77F1D7}">
-              <ma14:placeholderFlag xmlns:ma14="http://schemas.microsoft.com/office/mac/drawingml/2011/main" xmlns="" val="1"/>
+              <ma14:placeholderFlag xmlns="" xmlns:ma14="http://schemas.microsoft.com/office/mac/drawingml/2011/main" val="1"/>
             </a:ext>
             <a:ext uri="{909E8E84-426E-40dd-AFC4-6F175D3DCCD1}">
-              <a14:hiddenFill xmlns="" xmlns:a14="http://schemas.microsoft.com/office/drawing/2010/main">
+              <a14:hiddenFill xmlns:a14="http://schemas.microsoft.com/office/drawing/2010/main" xmlns="">
                 <a:solidFill>
                   <a:srgbClr val="FFFFFF"/>
                 </a:solidFill>
@@ -13720,17 +10557,17 @@
           </a:ln>
           <a:extLst>
             <a:ext uri="{FAA26D3D-D897-4be2-8F04-BA451C77F1D7}">
-              <ma14:placeholderFlag xmlns:ma14="http://schemas.microsoft.com/office/mac/drawingml/2011/main" xmlns="" val="1"/>
+              <ma14:placeholderFlag xmlns="" xmlns:ma14="http://schemas.microsoft.com/office/mac/drawingml/2011/main" val="1"/>
             </a:ext>
             <a:ext uri="{909E8E84-426E-40dd-AFC4-6F175D3DCCD1}">
-              <a14:hiddenFill xmlns="" xmlns:a14="http://schemas.microsoft.com/office/drawing/2010/main">
+              <a14:hiddenFill xmlns:a14="http://schemas.microsoft.com/office/drawing/2010/main" xmlns="">
                 <a:solidFill>
                   <a:srgbClr val="FFFFFF"/>
                 </a:solidFill>
               </a14:hiddenFill>
             </a:ext>
             <a:ext uri="{91240B29-F687-4f45-9708-019B960494DF}">
-              <a14:hiddenLine xmlns="" xmlns:a14="http://schemas.microsoft.com/office/drawing/2010/main" w="9525">
+              <a14:hiddenLine xmlns:a14="http://schemas.microsoft.com/office/drawing/2010/main" xmlns="" w="9525">
                 <a:solidFill>
                   <a:srgbClr val="000000"/>
                 </a:solidFill>
@@ -13810,17 +10647,17 @@
           </a:ln>
           <a:extLst>
             <a:ext uri="{FAA26D3D-D897-4be2-8F04-BA451C77F1D7}">
-              <ma14:placeholderFlag xmlns:ma14="http://schemas.microsoft.com/office/mac/drawingml/2011/main" xmlns="" val="1"/>
+              <ma14:placeholderFlag xmlns="" xmlns:ma14="http://schemas.microsoft.com/office/mac/drawingml/2011/main" val="1"/>
             </a:ext>
             <a:ext uri="{909E8E84-426E-40dd-AFC4-6F175D3DCCD1}">
-              <a14:hiddenFill xmlns="" xmlns:a14="http://schemas.microsoft.com/office/drawing/2010/main">
+              <a14:hiddenFill xmlns:a14="http://schemas.microsoft.com/office/drawing/2010/main" xmlns="">
                 <a:solidFill>
                   <a:srgbClr val="FFFFFF"/>
                 </a:solidFill>
               </a14:hiddenFill>
             </a:ext>
             <a:ext uri="{91240B29-F687-4f45-9708-019B960494DF}">
-              <a14:hiddenLine xmlns="" xmlns:a14="http://schemas.microsoft.com/office/drawing/2010/main" w="9525">
+              <a14:hiddenLine xmlns:a14="http://schemas.microsoft.com/office/drawing/2010/main" xmlns="" w="9525">
                 <a:solidFill>
                   <a:srgbClr val="000000"/>
                 </a:solidFill>
@@ -13877,17 +10714,17 @@
           </a:ln>
           <a:extLst>
             <a:ext uri="{FAA26D3D-D897-4be2-8F04-BA451C77F1D7}">
-              <ma14:placeholderFlag xmlns:ma14="http://schemas.microsoft.com/office/mac/drawingml/2011/main" xmlns="" val="1"/>
+              <ma14:placeholderFlag xmlns="" xmlns:ma14="http://schemas.microsoft.com/office/mac/drawingml/2011/main" val="1"/>
             </a:ext>
             <a:ext uri="{909E8E84-426E-40dd-AFC4-6F175D3DCCD1}">
-              <a14:hiddenFill xmlns="" xmlns:a14="http://schemas.microsoft.com/office/drawing/2010/main">
+              <a14:hiddenFill xmlns:a14="http://schemas.microsoft.com/office/drawing/2010/main" xmlns="">
                 <a:solidFill>
                   <a:srgbClr val="FFFFFF"/>
                 </a:solidFill>
               </a14:hiddenFill>
             </a:ext>
             <a:ext uri="{91240B29-F687-4f45-9708-019B960494DF}">
-              <a14:hiddenLine xmlns="" xmlns:a14="http://schemas.microsoft.com/office/drawing/2010/main" w="9525">
+              <a14:hiddenLine xmlns:a14="http://schemas.microsoft.com/office/drawing/2010/main" xmlns="" w="9525">
                 <a:solidFill>
                   <a:srgbClr val="000000"/>
                 </a:solidFill>
@@ -14434,17 +11271,17 @@
           </a:ln>
           <a:extLst>
             <a:ext uri="{FAA26D3D-D897-4be2-8F04-BA451C77F1D7}">
-              <ma14:placeholderFlag xmlns:ma14="http://schemas.microsoft.com/office/mac/drawingml/2011/main" xmlns="" val="1"/>
+              <ma14:placeholderFlag xmlns="" xmlns:ma14="http://schemas.microsoft.com/office/mac/drawingml/2011/main" val="1"/>
             </a:ext>
             <a:ext uri="{909E8E84-426E-40dd-AFC4-6F175D3DCCD1}">
-              <a14:hiddenFill xmlns="" xmlns:a14="http://schemas.microsoft.com/office/drawing/2010/main">
+              <a14:hiddenFill xmlns:a14="http://schemas.microsoft.com/office/drawing/2010/main" xmlns="">
                 <a:solidFill>
                   <a:srgbClr val="FFFFFF"/>
                 </a:solidFill>
               </a14:hiddenFill>
             </a:ext>
             <a:ext uri="{91240B29-F687-4f45-9708-019B960494DF}">
-              <a14:hiddenLine xmlns="" xmlns:a14="http://schemas.microsoft.com/office/drawing/2010/main" w="9525">
+              <a14:hiddenLine xmlns:a14="http://schemas.microsoft.com/office/drawing/2010/main" xmlns="" w="9525">
                 <a:solidFill>
                   <a:srgbClr val="000000"/>
                 </a:solidFill>
@@ -14682,7 +11519,7 @@
               </a14:hiddenLine>
             </a:ext>
             <a:ext uri="{FAA26D3D-D897-4be2-8F04-BA451C77F1D7}">
-              <ma14:placeholderFlag xmlns:ma14="http://schemas.microsoft.com/office/mac/drawingml/2011/main" xmlns="" val="1"/>
+              <ma14:placeholderFlag xmlns="" xmlns:ma14="http://schemas.microsoft.com/office/mac/drawingml/2011/main" val="1"/>
             </a:ext>
           </a:extLst>
         </p:spPr>
@@ -14744,7 +11581,7 @@
               </a14:hiddenLine>
             </a:ext>
             <a:ext uri="{FAA26D3D-D897-4be2-8F04-BA451C77F1D7}">
-              <ma14:placeholderFlag xmlns:ma14="http://schemas.microsoft.com/office/mac/drawingml/2011/main" xmlns="" val="1"/>
+              <ma14:placeholderFlag xmlns="" xmlns:ma14="http://schemas.microsoft.com/office/mac/drawingml/2011/main" val="1"/>
             </a:ext>
           </a:extLst>
         </p:spPr>
@@ -16239,11 +13076,7 @@
           <a:p>
             <a:r>
               <a:rPr lang="en-US" dirty="0" smtClean="0"/>
-              <a:t>To </a:t>
-            </a:r>
-            <a:r>
-              <a:rPr lang="en-US" dirty="0" smtClean="0"/>
-              <a:t>keep the barrier of entry small, disregard some of the best practices </a:t>
+              <a:t>To keep the barrier of entry small, disregard some of the best practices </a:t>
             </a:r>
           </a:p>
           <a:p>
@@ -17978,6 +14811,20 @@
             </a:r>
             <a:r>
               <a:rPr lang="en-US" sz="1400" dirty="0" smtClean="0"/>
+              <a:t>\Infrastructure\Network\F5\f5-add-app-pool.yml</a:t>
+            </a:r>
+            <a:endParaRPr lang="en-US" sz="1400" dirty="0"/>
+          </a:p>
+          <a:p>
+            <a:pPr marL="400050" lvl="1" indent="0">
+              <a:buNone/>
+            </a:pPr>
+            <a:r>
+              <a:rPr lang="en-US" sz="1400" dirty="0" err="1" smtClean="0"/>
+              <a:t>Ansible</a:t>
+            </a:r>
+            <a:r>
+              <a:rPr lang="en-US" sz="1400" dirty="0" smtClean="0"/>
               <a:t>\Platform\roles\</a:t>
             </a:r>
             <a:r>
@@ -18435,7 +15282,7 @@
                                         <p:tgtEl>
                                           <p:spTgt spid="5">
                                             <p:txEl>
-                                              <p:pRg st="8" end="8"/>
+                                              <p:pRg st="7" end="7"/>
                                             </p:txEl>
                                           </p:spTgt>
                                         </p:tgtEl>
@@ -18453,7 +15300,7 @@
                                         <p:tgtEl>
                                           <p:spTgt spid="5">
                                             <p:txEl>
-                                              <p:pRg st="8" end="8"/>
+                                              <p:pRg st="7" end="7"/>
                                             </p:txEl>
                                           </p:spTgt>
                                         </p:tgtEl>
@@ -18515,6 +15362,67 @@
                                           <p:spTgt spid="5">
                                             <p:txEl>
                                               <p:pRg st="9" end="9"/>
+                                            </p:txEl>
+                                          </p:spTgt>
+                                        </p:tgtEl>
+                                      </p:cBhvr>
+                                    </p:animEffect>
+                                  </p:childTnLst>
+                                </p:cTn>
+                              </p:par>
+                            </p:childTnLst>
+                          </p:cTn>
+                        </p:par>
+                      </p:childTnLst>
+                    </p:cTn>
+                  </p:par>
+                  <p:par>
+                    <p:cTn id="38" fill="hold">
+                      <p:stCondLst>
+                        <p:cond delay="indefinite"/>
+                      </p:stCondLst>
+                      <p:childTnLst>
+                        <p:par>
+                          <p:cTn id="39" fill="hold">
+                            <p:stCondLst>
+                              <p:cond delay="0"/>
+                            </p:stCondLst>
+                            <p:childTnLst>
+                              <p:par>
+                                <p:cTn id="40" presetID="10" presetClass="entr" presetSubtype="0" fill="hold" nodeType="clickEffect">
+                                  <p:stCondLst>
+                                    <p:cond delay="0"/>
+                                  </p:stCondLst>
+                                  <p:childTnLst>
+                                    <p:set>
+                                      <p:cBhvr>
+                                        <p:cTn id="41" dur="1" fill="hold">
+                                          <p:stCondLst>
+                                            <p:cond delay="0"/>
+                                          </p:stCondLst>
+                                        </p:cTn>
+                                        <p:tgtEl>
+                                          <p:spTgt spid="5">
+                                            <p:txEl>
+                                              <p:pRg st="10" end="10"/>
+                                            </p:txEl>
+                                          </p:spTgt>
+                                        </p:tgtEl>
+                                        <p:attrNameLst>
+                                          <p:attrName>style.visibility</p:attrName>
+                                        </p:attrNameLst>
+                                      </p:cBhvr>
+                                      <p:to>
+                                        <p:strVal val="visible"/>
+                                      </p:to>
+                                    </p:set>
+                                    <p:animEffect transition="in" filter="fade">
+                                      <p:cBhvr>
+                                        <p:cTn id="42" dur="500"/>
+                                        <p:tgtEl>
+                                          <p:spTgt spid="5">
+                                            <p:txEl>
+                                              <p:pRg st="10" end="10"/>
                                             </p:txEl>
                                           </p:spTgt>
                                         </p:tgtEl>
@@ -21366,13 +18274,8 @@
             </a:r>
             <a:r>
               <a:rPr lang="en-US" dirty="0" smtClean="0"/>
-              <a:t> forum in regards to RHEL </a:t>
-            </a:r>
-            <a:r>
-              <a:rPr lang="en-US" dirty="0" smtClean="0"/>
-              <a:t>provisioning:</a:t>
-            </a:r>
-            <a:endParaRPr lang="en-US" dirty="0" smtClean="0"/>
+              <a:t> forum in regards to RHEL provisioning:</a:t>
+            </a:r>
           </a:p>
           <a:p>
             <a:pPr marL="0" indent="0">
@@ -24802,15 +21705,53 @@
 </file>
 
 <file path=customXml/item1.xml><?xml version="1.0" encoding="utf-8"?>
-<p:properties xmlns:p="http://schemas.microsoft.com/office/2006/metadata/properties" xmlns:xsi="http://www.w3.org/2001/XMLSchema-instance" xmlns:pc="http://schemas.microsoft.com/office/infopath/2007/PartnerControls">
-  <documentManagement>
-    <_dlc_DocId xmlns="5a254862-730e-48fa-9388-ca9ef0717612">MVQCK7YU6Y4D-5-146</_dlc_DocId>
-    <_dlc_DocIdUrl xmlns="5a254862-730e-48fa-9388-ca9ef0717612">
-      <Url>http://mytmx/en/_layouts/15/DocIdRedir.aspx?ID=MVQCK7YU6Y4D-5-146</Url>
-      <Description>MVQCK7YU6Y4D-5-146</Description>
-    </_dlc_DocIdUrl>
-  </documentManagement>
-</p:properties>
+<?mso-contentType ?>
+<spe:Receivers xmlns:spe="http://schemas.microsoft.com/sharepoint/events">
+  <Receiver>
+    <Name>Document ID Generator</Name>
+    <Synchronization>Synchronous</Synchronization>
+    <Type>10001</Type>
+    <SequenceNumber>1000</SequenceNumber>
+    <Url/>
+    <Assembly>Microsoft.Office.DocumentManagement, Version=15.0.0.0, Culture=neutral, PublicKeyToken=71e9bce111e9429c</Assembly>
+    <Class>Microsoft.Office.DocumentManagement.Internal.DocIdHandler</Class>
+    <Data/>
+    <Filter/>
+  </Receiver>
+  <Receiver>
+    <Name>Document ID Generator</Name>
+    <Synchronization>Synchronous</Synchronization>
+    <Type>10002</Type>
+    <SequenceNumber>1001</SequenceNumber>
+    <Url/>
+    <Assembly>Microsoft.Office.DocumentManagement, Version=15.0.0.0, Culture=neutral, PublicKeyToken=71e9bce111e9429c</Assembly>
+    <Class>Microsoft.Office.DocumentManagement.Internal.DocIdHandler</Class>
+    <Data/>
+    <Filter/>
+  </Receiver>
+  <Receiver>
+    <Name>Document ID Generator</Name>
+    <Synchronization>Synchronous</Synchronization>
+    <Type>10004</Type>
+    <SequenceNumber>1002</SequenceNumber>
+    <Url/>
+    <Assembly>Microsoft.Office.DocumentManagement, Version=15.0.0.0, Culture=neutral, PublicKeyToken=71e9bce111e9429c</Assembly>
+    <Class>Microsoft.Office.DocumentManagement.Internal.DocIdHandler</Class>
+    <Data/>
+    <Filter/>
+  </Receiver>
+  <Receiver>
+    <Name>Document ID Generator</Name>
+    <Synchronization>Synchronous</Synchronization>
+    <Type>10006</Type>
+    <SequenceNumber>1003</SequenceNumber>
+    <Url/>
+    <Assembly>Microsoft.Office.DocumentManagement, Version=15.0.0.0, Culture=neutral, PublicKeyToken=71e9bce111e9429c</Assembly>
+    <Class>Microsoft.Office.DocumentManagement.Internal.DocIdHandler</Class>
+    <Data/>
+    <Filter/>
+  </Receiver>
+</spe:Receivers>
 </file>
 
 <file path=customXml/item2.xml><?xml version="1.0" encoding="utf-8"?>
@@ -24959,53 +21900,15 @@
 </file>
 
 <file path=customXml/item3.xml><?xml version="1.0" encoding="utf-8"?>
-<?mso-contentType ?>
-<spe:Receivers xmlns:spe="http://schemas.microsoft.com/sharepoint/events">
-  <Receiver>
-    <Name>Document ID Generator</Name>
-    <Synchronization>Synchronous</Synchronization>
-    <Type>10001</Type>
-    <SequenceNumber>1000</SequenceNumber>
-    <Url/>
-    <Assembly>Microsoft.Office.DocumentManagement, Version=15.0.0.0, Culture=neutral, PublicKeyToken=71e9bce111e9429c</Assembly>
-    <Class>Microsoft.Office.DocumentManagement.Internal.DocIdHandler</Class>
-    <Data/>
-    <Filter/>
-  </Receiver>
-  <Receiver>
-    <Name>Document ID Generator</Name>
-    <Synchronization>Synchronous</Synchronization>
-    <Type>10002</Type>
-    <SequenceNumber>1001</SequenceNumber>
-    <Url/>
-    <Assembly>Microsoft.Office.DocumentManagement, Version=15.0.0.0, Culture=neutral, PublicKeyToken=71e9bce111e9429c</Assembly>
-    <Class>Microsoft.Office.DocumentManagement.Internal.DocIdHandler</Class>
-    <Data/>
-    <Filter/>
-  </Receiver>
-  <Receiver>
-    <Name>Document ID Generator</Name>
-    <Synchronization>Synchronous</Synchronization>
-    <Type>10004</Type>
-    <SequenceNumber>1002</SequenceNumber>
-    <Url/>
-    <Assembly>Microsoft.Office.DocumentManagement, Version=15.0.0.0, Culture=neutral, PublicKeyToken=71e9bce111e9429c</Assembly>
-    <Class>Microsoft.Office.DocumentManagement.Internal.DocIdHandler</Class>
-    <Data/>
-    <Filter/>
-  </Receiver>
-  <Receiver>
-    <Name>Document ID Generator</Name>
-    <Synchronization>Synchronous</Synchronization>
-    <Type>10006</Type>
-    <SequenceNumber>1003</SequenceNumber>
-    <Url/>
-    <Assembly>Microsoft.Office.DocumentManagement, Version=15.0.0.0, Culture=neutral, PublicKeyToken=71e9bce111e9429c</Assembly>
-    <Class>Microsoft.Office.DocumentManagement.Internal.DocIdHandler</Class>
-    <Data/>
-    <Filter/>
-  </Receiver>
-</spe:Receivers>
+<p:properties xmlns:p="http://schemas.microsoft.com/office/2006/metadata/properties" xmlns:xsi="http://www.w3.org/2001/XMLSchema-instance" xmlns:pc="http://schemas.microsoft.com/office/infopath/2007/PartnerControls">
+  <documentManagement>
+    <_dlc_DocId xmlns="5a254862-730e-48fa-9388-ca9ef0717612">MVQCK7YU6Y4D-5-146</_dlc_DocId>
+    <_dlc_DocIdUrl xmlns="5a254862-730e-48fa-9388-ca9ef0717612">
+      <Url>http://mytmx/en/_layouts/15/DocIdRedir.aspx?ID=MVQCK7YU6Y4D-5-146</Url>
+      <Description>MVQCK7YU6Y4D-5-146</Description>
+    </_dlc_DocIdUrl>
+  </documentManagement>
+</p:properties>
 </file>
 
 <file path=customXml/item4.xml><?xml version="1.0" encoding="utf-8"?>
@@ -25018,17 +21921,9 @@
 </file>
 
 <file path=customXml/itemProps1.xml><?xml version="1.0" encoding="utf-8"?>
-<ds:datastoreItem xmlns:ds="http://schemas.openxmlformats.org/officeDocument/2006/customXml" ds:itemID="{0B616A06-47DA-4AAC-9900-D88CFDF72297}">
+<ds:datastoreItem xmlns:ds="http://schemas.openxmlformats.org/officeDocument/2006/customXml" ds:itemID="{592FBBA9-C3A3-4444-88BA-302F1AE1BBE2}">
   <ds:schemaRefs>
-    <ds:schemaRef ds:uri="http://purl.org/dc/terms/"/>
-    <ds:schemaRef ds:uri="http://purl.org/dc/elements/1.1/"/>
-    <ds:schemaRef ds:uri="http://schemas.microsoft.com/office/2006/documentManagement/types"/>
-    <ds:schemaRef ds:uri="http://www.w3.org/XML/1998/namespace"/>
-    <ds:schemaRef ds:uri="5a254862-730e-48fa-9388-ca9ef0717612"/>
-    <ds:schemaRef ds:uri="http://schemas.microsoft.com/office/infopath/2007/PartnerControls"/>
-    <ds:schemaRef ds:uri="http://schemas.openxmlformats.org/package/2006/metadata/core-properties"/>
-    <ds:schemaRef ds:uri="http://schemas.microsoft.com/office/2006/metadata/properties"/>
-    <ds:schemaRef ds:uri="http://purl.org/dc/dcmitype/"/>
+    <ds:schemaRef ds:uri="http://schemas.microsoft.com/sharepoint/events"/>
   </ds:schemaRefs>
 </ds:datastoreItem>
 </file>
@@ -25052,9 +21947,17 @@
 </file>
 
 <file path=customXml/itemProps3.xml><?xml version="1.0" encoding="utf-8"?>
-<ds:datastoreItem xmlns:ds="http://schemas.openxmlformats.org/officeDocument/2006/customXml" ds:itemID="{592FBBA9-C3A3-4444-88BA-302F1AE1BBE2}">
+<ds:datastoreItem xmlns:ds="http://schemas.openxmlformats.org/officeDocument/2006/customXml" ds:itemID="{0B616A06-47DA-4AAC-9900-D88CFDF72297}">
   <ds:schemaRefs>
-    <ds:schemaRef ds:uri="http://schemas.microsoft.com/sharepoint/events"/>
+    <ds:schemaRef ds:uri="http://purl.org/dc/terms/"/>
+    <ds:schemaRef ds:uri="http://purl.org/dc/elements/1.1/"/>
+    <ds:schemaRef ds:uri="http://schemas.microsoft.com/office/2006/documentManagement/types"/>
+    <ds:schemaRef ds:uri="http://www.w3.org/XML/1998/namespace"/>
+    <ds:schemaRef ds:uri="5a254862-730e-48fa-9388-ca9ef0717612"/>
+    <ds:schemaRef ds:uri="http://schemas.microsoft.com/office/infopath/2007/PartnerControls"/>
+    <ds:schemaRef ds:uri="http://schemas.openxmlformats.org/package/2006/metadata/core-properties"/>
+    <ds:schemaRef ds:uri="http://schemas.microsoft.com/office/2006/metadata/properties"/>
+    <ds:schemaRef ds:uri="http://purl.org/dc/dcmitype/"/>
   </ds:schemaRefs>
 </ds:datastoreItem>
 </file>
